--- a/AlexaHack_EmergingTech Presentation.pptx
+++ b/AlexaHack_EmergingTech Presentation.pptx
@@ -22,29 +22,29 @@
     <p:sldId id="286" r:id="rId13"/>
     <p:sldId id="288" r:id="rId14"/>
     <p:sldId id="291" r:id="rId15"/>
-    <p:sldId id="293" r:id="rId16"/>
-    <p:sldId id="294" r:id="rId17"/>
-    <p:sldId id="285" r:id="rId18"/>
-    <p:sldId id="295" r:id="rId19"/>
-    <p:sldId id="272" r:id="rId20"/>
-    <p:sldId id="283" r:id="rId21"/>
-    <p:sldId id="284" r:id="rId22"/>
-    <p:sldId id="290" r:id="rId23"/>
+    <p:sldId id="296" r:id="rId16"/>
+    <p:sldId id="293" r:id="rId17"/>
+    <p:sldId id="294" r:id="rId18"/>
+    <p:sldId id="285" r:id="rId19"/>
+    <p:sldId id="295" r:id="rId20"/>
+    <p:sldId id="272" r:id="rId21"/>
+    <p:sldId id="283" r:id="rId22"/>
+    <p:sldId id="284" r:id="rId23"/>
   </p:sldIdLst>
   <p:sldSz cx="12192000" cy="6858000"/>
   <p:notesSz cx="6858000" cy="9144000"/>
   <p:embeddedFontLst>
     <p:embeddedFont>
-      <p:font typeface="Calibri" panose="020F0502020204030204" pitchFamily="34" charset="0"/>
+      <p:font typeface="Droid Sans" panose="020B0604020202020204" charset="0"/>
       <p:regular r:id="rId25"/>
       <p:bold r:id="rId26"/>
-      <p:italic r:id="rId27"/>
-      <p:boldItalic r:id="rId28"/>
     </p:embeddedFont>
     <p:embeddedFont>
-      <p:font typeface="Droid Sans" panose="020B0604020202020204" charset="0"/>
-      <p:regular r:id="rId29"/>
-      <p:bold r:id="rId30"/>
+      <p:font typeface="Calibri" panose="020F0502020204030204" pitchFamily="34" charset="0"/>
+      <p:regular r:id="rId27"/>
+      <p:bold r:id="rId28"/>
+      <p:italic r:id="rId29"/>
+      <p:boldItalic r:id="rId30"/>
     </p:embeddedFont>
   </p:embeddedFontLst>
   <p:defaultTextStyle>
@@ -1756,1500 +1756,6 @@
 </file>
 
 <file path=ppt/diagrams/colors3.xml><?xml version="1.0" encoding="utf-8"?>
-<dgm:colorsDef xmlns:dgm="http://schemas.openxmlformats.org/drawingml/2006/diagram" xmlns:a="http://schemas.openxmlformats.org/drawingml/2006/main" uniqueId="urn:microsoft.com/office/officeart/2005/8/colors/accent1_2">
-  <dgm:title val=""/>
-  <dgm:desc val=""/>
-  <dgm:catLst>
-    <dgm:cat type="accent1" pri="11200"/>
-  </dgm:catLst>
-  <dgm:styleLbl name="node0">
-    <dgm:fillClrLst meth="repeat">
-      <a:schemeClr val="accent1"/>
-    </dgm:fillClrLst>
-    <dgm:linClrLst meth="repeat">
-      <a:schemeClr val="lt1"/>
-    </dgm:linClrLst>
-    <dgm:effectClrLst/>
-    <dgm:txLinClrLst/>
-    <dgm:txFillClrLst/>
-    <dgm:txEffectClrLst/>
-  </dgm:styleLbl>
-  <dgm:styleLbl name="alignNode1">
-    <dgm:fillClrLst meth="repeat">
-      <a:schemeClr val="accent1"/>
-    </dgm:fillClrLst>
-    <dgm:linClrLst meth="repeat">
-      <a:schemeClr val="accent1"/>
-    </dgm:linClrLst>
-    <dgm:effectClrLst/>
-    <dgm:txLinClrLst/>
-    <dgm:txFillClrLst/>
-    <dgm:txEffectClrLst/>
-  </dgm:styleLbl>
-  <dgm:styleLbl name="node1">
-    <dgm:fillClrLst meth="repeat">
-      <a:schemeClr val="accent1"/>
-    </dgm:fillClrLst>
-    <dgm:linClrLst meth="repeat">
-      <a:schemeClr val="lt1"/>
-    </dgm:linClrLst>
-    <dgm:effectClrLst/>
-    <dgm:txLinClrLst/>
-    <dgm:txFillClrLst/>
-    <dgm:txEffectClrLst/>
-  </dgm:styleLbl>
-  <dgm:styleLbl name="lnNode1">
-    <dgm:fillClrLst meth="repeat">
-      <a:schemeClr val="accent1"/>
-    </dgm:fillClrLst>
-    <dgm:linClrLst meth="repeat">
-      <a:schemeClr val="lt1"/>
-    </dgm:linClrLst>
-    <dgm:effectClrLst/>
-    <dgm:txLinClrLst/>
-    <dgm:txFillClrLst/>
-    <dgm:txEffectClrLst/>
-  </dgm:styleLbl>
-  <dgm:styleLbl name="vennNode1">
-    <dgm:fillClrLst meth="repeat">
-      <a:schemeClr val="accent1">
-        <a:alpha val="50000"/>
-      </a:schemeClr>
-    </dgm:fillClrLst>
-    <dgm:linClrLst meth="repeat">
-      <a:schemeClr val="lt1"/>
-    </dgm:linClrLst>
-    <dgm:effectClrLst/>
-    <dgm:txLinClrLst/>
-    <dgm:txFillClrLst/>
-    <dgm:txEffectClrLst/>
-  </dgm:styleLbl>
-  <dgm:styleLbl name="node2">
-    <dgm:fillClrLst meth="repeat">
-      <a:schemeClr val="accent1"/>
-    </dgm:fillClrLst>
-    <dgm:linClrLst meth="repeat">
-      <a:schemeClr val="lt1"/>
-    </dgm:linClrLst>
-    <dgm:effectClrLst/>
-    <dgm:txLinClrLst/>
-    <dgm:txFillClrLst/>
-    <dgm:txEffectClrLst/>
-  </dgm:styleLbl>
-  <dgm:styleLbl name="node3">
-    <dgm:fillClrLst meth="repeat">
-      <a:schemeClr val="accent1"/>
-    </dgm:fillClrLst>
-    <dgm:linClrLst meth="repeat">
-      <a:schemeClr val="lt1"/>
-    </dgm:linClrLst>
-    <dgm:effectClrLst/>
-    <dgm:txLinClrLst/>
-    <dgm:txFillClrLst/>
-    <dgm:txEffectClrLst/>
-  </dgm:styleLbl>
-  <dgm:styleLbl name="node4">
-    <dgm:fillClrLst meth="repeat">
-      <a:schemeClr val="accent1"/>
-    </dgm:fillClrLst>
-    <dgm:linClrLst meth="repeat">
-      <a:schemeClr val="lt1"/>
-    </dgm:linClrLst>
-    <dgm:effectClrLst/>
-    <dgm:txLinClrLst/>
-    <dgm:txFillClrLst/>
-    <dgm:txEffectClrLst/>
-  </dgm:styleLbl>
-  <dgm:styleLbl name="fgImgPlace1">
-    <dgm:fillClrLst meth="repeat">
-      <a:schemeClr val="accent1">
-        <a:tint val="50000"/>
-      </a:schemeClr>
-    </dgm:fillClrLst>
-    <dgm:linClrLst meth="repeat">
-      <a:schemeClr val="lt1"/>
-    </dgm:linClrLst>
-    <dgm:effectClrLst/>
-    <dgm:txLinClrLst/>
-    <dgm:txFillClrLst meth="repeat">
-      <a:schemeClr val="lt1"/>
-    </dgm:txFillClrLst>
-    <dgm:txEffectClrLst/>
-  </dgm:styleLbl>
-  <dgm:styleLbl name="alignImgPlace1">
-    <dgm:fillClrLst meth="repeat">
-      <a:schemeClr val="accent1">
-        <a:tint val="50000"/>
-      </a:schemeClr>
-    </dgm:fillClrLst>
-    <dgm:linClrLst meth="repeat">
-      <a:schemeClr val="lt1"/>
-    </dgm:linClrLst>
-    <dgm:effectClrLst/>
-    <dgm:txLinClrLst/>
-    <dgm:txFillClrLst meth="repeat">
-      <a:schemeClr val="lt1"/>
-    </dgm:txFillClrLst>
-    <dgm:txEffectClrLst/>
-  </dgm:styleLbl>
-  <dgm:styleLbl name="bgImgPlace1">
-    <dgm:fillClrLst meth="repeat">
-      <a:schemeClr val="accent1">
-        <a:tint val="50000"/>
-      </a:schemeClr>
-    </dgm:fillClrLst>
-    <dgm:linClrLst meth="repeat">
-      <a:schemeClr val="lt1"/>
-    </dgm:linClrLst>
-    <dgm:effectClrLst/>
-    <dgm:txLinClrLst/>
-    <dgm:txFillClrLst meth="repeat">
-      <a:schemeClr val="lt1"/>
-    </dgm:txFillClrLst>
-    <dgm:txEffectClrLst/>
-  </dgm:styleLbl>
-  <dgm:styleLbl name="sibTrans2D1">
-    <dgm:fillClrLst meth="repeat">
-      <a:schemeClr val="accent1">
-        <a:tint val="60000"/>
-      </a:schemeClr>
-    </dgm:fillClrLst>
-    <dgm:linClrLst meth="repeat">
-      <a:schemeClr val="accent1">
-        <a:tint val="60000"/>
-      </a:schemeClr>
-    </dgm:linClrLst>
-    <dgm:effectClrLst/>
-    <dgm:txLinClrLst/>
-    <dgm:txFillClrLst/>
-    <dgm:txEffectClrLst/>
-  </dgm:styleLbl>
-  <dgm:styleLbl name="fgSibTrans2D1">
-    <dgm:fillClrLst meth="repeat">
-      <a:schemeClr val="accent1">
-        <a:tint val="60000"/>
-      </a:schemeClr>
-    </dgm:fillClrLst>
-    <dgm:linClrLst meth="repeat">
-      <a:schemeClr val="accent1">
-        <a:tint val="60000"/>
-      </a:schemeClr>
-    </dgm:linClrLst>
-    <dgm:effectClrLst/>
-    <dgm:txLinClrLst/>
-    <dgm:txFillClrLst/>
-    <dgm:txEffectClrLst/>
-  </dgm:styleLbl>
-  <dgm:styleLbl name="bgSibTrans2D1">
-    <dgm:fillClrLst meth="repeat">
-      <a:schemeClr val="accent1">
-        <a:tint val="60000"/>
-      </a:schemeClr>
-    </dgm:fillClrLst>
-    <dgm:linClrLst meth="repeat">
-      <a:schemeClr val="accent1">
-        <a:tint val="60000"/>
-      </a:schemeClr>
-    </dgm:linClrLst>
-    <dgm:effectClrLst/>
-    <dgm:txLinClrLst/>
-    <dgm:txFillClrLst/>
-    <dgm:txEffectClrLst/>
-  </dgm:styleLbl>
-  <dgm:styleLbl name="sibTrans1D1">
-    <dgm:fillClrLst meth="repeat">
-      <a:schemeClr val="accent1"/>
-    </dgm:fillClrLst>
-    <dgm:linClrLst meth="repeat">
-      <a:schemeClr val="accent1"/>
-    </dgm:linClrLst>
-    <dgm:effectClrLst/>
-    <dgm:txLinClrLst/>
-    <dgm:txFillClrLst meth="repeat">
-      <a:schemeClr val="tx1"/>
-    </dgm:txFillClrLst>
-    <dgm:txEffectClrLst/>
-  </dgm:styleLbl>
-  <dgm:styleLbl name="callout">
-    <dgm:fillClrLst meth="repeat">
-      <a:schemeClr val="accent1"/>
-    </dgm:fillClrLst>
-    <dgm:linClrLst meth="repeat">
-      <a:schemeClr val="accent1">
-        <a:tint val="50000"/>
-      </a:schemeClr>
-    </dgm:linClrLst>
-    <dgm:effectClrLst/>
-    <dgm:txLinClrLst/>
-    <dgm:txFillClrLst meth="repeat">
-      <a:schemeClr val="tx1"/>
-    </dgm:txFillClrLst>
-    <dgm:txEffectClrLst/>
-  </dgm:styleLbl>
-  <dgm:styleLbl name="asst0">
-    <dgm:fillClrLst meth="repeat">
-      <a:schemeClr val="accent1"/>
-    </dgm:fillClrLst>
-    <dgm:linClrLst meth="repeat">
-      <a:schemeClr val="lt1"/>
-    </dgm:linClrLst>
-    <dgm:effectClrLst/>
-    <dgm:txLinClrLst/>
-    <dgm:txFillClrLst/>
-    <dgm:txEffectClrLst/>
-  </dgm:styleLbl>
-  <dgm:styleLbl name="asst1">
-    <dgm:fillClrLst meth="repeat">
-      <a:schemeClr val="accent1"/>
-    </dgm:fillClrLst>
-    <dgm:linClrLst meth="repeat">
-      <a:schemeClr val="lt1"/>
-    </dgm:linClrLst>
-    <dgm:effectClrLst/>
-    <dgm:txLinClrLst/>
-    <dgm:txFillClrLst/>
-    <dgm:txEffectClrLst/>
-  </dgm:styleLbl>
-  <dgm:styleLbl name="asst2">
-    <dgm:fillClrLst meth="repeat">
-      <a:schemeClr val="accent1"/>
-    </dgm:fillClrLst>
-    <dgm:linClrLst meth="repeat">
-      <a:schemeClr val="lt1"/>
-    </dgm:linClrLst>
-    <dgm:effectClrLst/>
-    <dgm:txLinClrLst/>
-    <dgm:txFillClrLst/>
-    <dgm:txEffectClrLst/>
-  </dgm:styleLbl>
-  <dgm:styleLbl name="asst3">
-    <dgm:fillClrLst meth="repeat">
-      <a:schemeClr val="accent1"/>
-    </dgm:fillClrLst>
-    <dgm:linClrLst meth="repeat">
-      <a:schemeClr val="lt1"/>
-    </dgm:linClrLst>
-    <dgm:effectClrLst/>
-    <dgm:txLinClrLst/>
-    <dgm:txFillClrLst/>
-    <dgm:txEffectClrLst/>
-  </dgm:styleLbl>
-  <dgm:styleLbl name="asst4">
-    <dgm:fillClrLst meth="repeat">
-      <a:schemeClr val="accent1"/>
-    </dgm:fillClrLst>
-    <dgm:linClrLst meth="repeat">
-      <a:schemeClr val="lt1"/>
-    </dgm:linClrLst>
-    <dgm:effectClrLst/>
-    <dgm:txLinClrLst/>
-    <dgm:txFillClrLst/>
-    <dgm:txEffectClrLst/>
-  </dgm:styleLbl>
-  <dgm:styleLbl name="parChTrans2D1">
-    <dgm:fillClrLst meth="repeat">
-      <a:schemeClr val="accent1">
-        <a:tint val="60000"/>
-      </a:schemeClr>
-    </dgm:fillClrLst>
-    <dgm:linClrLst meth="repeat">
-      <a:schemeClr val="accent1">
-        <a:tint val="60000"/>
-      </a:schemeClr>
-    </dgm:linClrLst>
-    <dgm:effectClrLst/>
-    <dgm:txLinClrLst/>
-    <dgm:txFillClrLst meth="repeat">
-      <a:schemeClr val="lt1"/>
-    </dgm:txFillClrLst>
-    <dgm:txEffectClrLst/>
-  </dgm:styleLbl>
-  <dgm:styleLbl name="parChTrans2D2">
-    <dgm:fillClrLst meth="repeat">
-      <a:schemeClr val="accent1"/>
-    </dgm:fillClrLst>
-    <dgm:linClrLst meth="repeat">
-      <a:schemeClr val="accent1"/>
-    </dgm:linClrLst>
-    <dgm:effectClrLst/>
-    <dgm:txLinClrLst/>
-    <dgm:txFillClrLst meth="repeat">
-      <a:schemeClr val="lt1"/>
-    </dgm:txFillClrLst>
-    <dgm:txEffectClrLst/>
-  </dgm:styleLbl>
-  <dgm:styleLbl name="parChTrans2D3">
-    <dgm:fillClrLst meth="repeat">
-      <a:schemeClr val="accent1"/>
-    </dgm:fillClrLst>
-    <dgm:linClrLst meth="repeat">
-      <a:schemeClr val="accent1"/>
-    </dgm:linClrLst>
-    <dgm:effectClrLst/>
-    <dgm:txLinClrLst/>
-    <dgm:txFillClrLst meth="repeat">
-      <a:schemeClr val="lt1"/>
-    </dgm:txFillClrLst>
-    <dgm:txEffectClrLst/>
-  </dgm:styleLbl>
-  <dgm:styleLbl name="parChTrans2D4">
-    <dgm:fillClrLst meth="repeat">
-      <a:schemeClr val="accent1"/>
-    </dgm:fillClrLst>
-    <dgm:linClrLst meth="repeat">
-      <a:schemeClr val="accent1"/>
-    </dgm:linClrLst>
-    <dgm:effectClrLst/>
-    <dgm:txLinClrLst/>
-    <dgm:txFillClrLst meth="repeat">
-      <a:schemeClr val="lt1"/>
-    </dgm:txFillClrLst>
-    <dgm:txEffectClrLst/>
-  </dgm:styleLbl>
-  <dgm:styleLbl name="parChTrans1D1">
-    <dgm:fillClrLst meth="repeat">
-      <a:schemeClr val="accent1"/>
-    </dgm:fillClrLst>
-    <dgm:linClrLst meth="repeat">
-      <a:schemeClr val="accent1">
-        <a:shade val="60000"/>
-      </a:schemeClr>
-    </dgm:linClrLst>
-    <dgm:effectClrLst/>
-    <dgm:txLinClrLst/>
-    <dgm:txFillClrLst meth="repeat">
-      <a:schemeClr val="tx1"/>
-    </dgm:txFillClrLst>
-    <dgm:txEffectClrLst/>
-  </dgm:styleLbl>
-  <dgm:styleLbl name="parChTrans1D2">
-    <dgm:fillClrLst meth="repeat">
-      <a:schemeClr val="accent1"/>
-    </dgm:fillClrLst>
-    <dgm:linClrLst meth="repeat">
-      <a:schemeClr val="accent1">
-        <a:shade val="60000"/>
-      </a:schemeClr>
-    </dgm:linClrLst>
-    <dgm:effectClrLst/>
-    <dgm:txLinClrLst/>
-    <dgm:txFillClrLst meth="repeat">
-      <a:schemeClr val="tx1"/>
-    </dgm:txFillClrLst>
-    <dgm:txEffectClrLst/>
-  </dgm:styleLbl>
-  <dgm:styleLbl name="parChTrans1D3">
-    <dgm:fillClrLst meth="repeat">
-      <a:schemeClr val="accent1"/>
-    </dgm:fillClrLst>
-    <dgm:linClrLst meth="repeat">
-      <a:schemeClr val="accent1">
-        <a:shade val="80000"/>
-      </a:schemeClr>
-    </dgm:linClrLst>
-    <dgm:effectClrLst/>
-    <dgm:txLinClrLst/>
-    <dgm:txFillClrLst meth="repeat">
-      <a:schemeClr val="tx1"/>
-    </dgm:txFillClrLst>
-    <dgm:txEffectClrLst/>
-  </dgm:styleLbl>
-  <dgm:styleLbl name="parChTrans1D4">
-    <dgm:fillClrLst meth="repeat">
-      <a:schemeClr val="accent1"/>
-    </dgm:fillClrLst>
-    <dgm:linClrLst meth="repeat">
-      <a:schemeClr val="accent1">
-        <a:shade val="80000"/>
-      </a:schemeClr>
-    </dgm:linClrLst>
-    <dgm:effectClrLst/>
-    <dgm:txLinClrLst/>
-    <dgm:txFillClrLst meth="repeat">
-      <a:schemeClr val="tx1"/>
-    </dgm:txFillClrLst>
-    <dgm:txEffectClrLst/>
-  </dgm:styleLbl>
-  <dgm:styleLbl name="fgAcc1">
-    <dgm:fillClrLst meth="repeat">
-      <a:schemeClr val="lt1">
-        <a:alpha val="90000"/>
-      </a:schemeClr>
-    </dgm:fillClrLst>
-    <dgm:linClrLst meth="repeat">
-      <a:schemeClr val="accent1"/>
-    </dgm:linClrLst>
-    <dgm:effectClrLst/>
-    <dgm:txLinClrLst/>
-    <dgm:txFillClrLst meth="repeat">
-      <a:schemeClr val="dk1"/>
-    </dgm:txFillClrLst>
-    <dgm:txEffectClrLst/>
-  </dgm:styleLbl>
-  <dgm:styleLbl name="conFgAcc1">
-    <dgm:fillClrLst meth="repeat">
-      <a:schemeClr val="lt1">
-        <a:alpha val="90000"/>
-      </a:schemeClr>
-    </dgm:fillClrLst>
-    <dgm:linClrLst meth="repeat">
-      <a:schemeClr val="accent1"/>
-    </dgm:linClrLst>
-    <dgm:effectClrLst/>
-    <dgm:txLinClrLst/>
-    <dgm:txFillClrLst meth="repeat">
-      <a:schemeClr val="dk1"/>
-    </dgm:txFillClrLst>
-    <dgm:txEffectClrLst/>
-  </dgm:styleLbl>
-  <dgm:styleLbl name="alignAcc1">
-    <dgm:fillClrLst meth="repeat">
-      <a:schemeClr val="lt1">
-        <a:alpha val="90000"/>
-      </a:schemeClr>
-    </dgm:fillClrLst>
-    <dgm:linClrLst meth="repeat">
-      <a:schemeClr val="accent1"/>
-    </dgm:linClrLst>
-    <dgm:effectClrLst/>
-    <dgm:txLinClrLst/>
-    <dgm:txFillClrLst meth="repeat">
-      <a:schemeClr val="dk1"/>
-    </dgm:txFillClrLst>
-    <dgm:txEffectClrLst/>
-  </dgm:styleLbl>
-  <dgm:styleLbl name="trAlignAcc1">
-    <dgm:fillClrLst meth="repeat">
-      <a:schemeClr val="lt1">
-        <a:alpha val="40000"/>
-      </a:schemeClr>
-    </dgm:fillClrLst>
-    <dgm:linClrLst meth="repeat">
-      <a:schemeClr val="accent1"/>
-    </dgm:linClrLst>
-    <dgm:effectClrLst/>
-    <dgm:txLinClrLst/>
-    <dgm:txFillClrLst meth="repeat">
-      <a:schemeClr val="dk1"/>
-    </dgm:txFillClrLst>
-    <dgm:txEffectClrLst/>
-  </dgm:styleLbl>
-  <dgm:styleLbl name="bgAcc1">
-    <dgm:fillClrLst meth="repeat">
-      <a:schemeClr val="lt1">
-        <a:alpha val="90000"/>
-      </a:schemeClr>
-    </dgm:fillClrLst>
-    <dgm:linClrLst meth="repeat">
-      <a:schemeClr val="accent1"/>
-    </dgm:linClrLst>
-    <dgm:effectClrLst/>
-    <dgm:txLinClrLst/>
-    <dgm:txFillClrLst meth="repeat">
-      <a:schemeClr val="dk1"/>
-    </dgm:txFillClrLst>
-    <dgm:txEffectClrLst/>
-  </dgm:styleLbl>
-  <dgm:styleLbl name="solidFgAcc1">
-    <dgm:fillClrLst meth="repeat">
-      <a:schemeClr val="lt1"/>
-    </dgm:fillClrLst>
-    <dgm:linClrLst meth="repeat">
-      <a:schemeClr val="accent1"/>
-    </dgm:linClrLst>
-    <dgm:effectClrLst/>
-    <dgm:txLinClrLst/>
-    <dgm:txFillClrLst meth="repeat">
-      <a:schemeClr val="dk1"/>
-    </dgm:txFillClrLst>
-    <dgm:txEffectClrLst/>
-  </dgm:styleLbl>
-  <dgm:styleLbl name="solidAlignAcc1">
-    <dgm:fillClrLst meth="repeat">
-      <a:schemeClr val="lt1"/>
-    </dgm:fillClrLst>
-    <dgm:linClrLst meth="repeat">
-      <a:schemeClr val="accent1"/>
-    </dgm:linClrLst>
-    <dgm:effectClrLst/>
-    <dgm:txLinClrLst/>
-    <dgm:txFillClrLst meth="repeat">
-      <a:schemeClr val="dk1"/>
-    </dgm:txFillClrLst>
-    <dgm:txEffectClrLst/>
-  </dgm:styleLbl>
-  <dgm:styleLbl name="solidBgAcc1">
-    <dgm:fillClrLst meth="repeat">
-      <a:schemeClr val="lt1"/>
-    </dgm:fillClrLst>
-    <dgm:linClrLst meth="repeat">
-      <a:schemeClr val="accent1"/>
-    </dgm:linClrLst>
-    <dgm:effectClrLst/>
-    <dgm:txLinClrLst/>
-    <dgm:txFillClrLst meth="repeat">
-      <a:schemeClr val="dk1"/>
-    </dgm:txFillClrLst>
-    <dgm:txEffectClrLst/>
-  </dgm:styleLbl>
-  <dgm:styleLbl name="fgAccFollowNode1">
-    <dgm:fillClrLst meth="repeat">
-      <a:schemeClr val="accent1">
-        <a:alpha val="90000"/>
-        <a:tint val="40000"/>
-      </a:schemeClr>
-    </dgm:fillClrLst>
-    <dgm:linClrLst meth="repeat">
-      <a:schemeClr val="accent1">
-        <a:alpha val="90000"/>
-        <a:tint val="40000"/>
-      </a:schemeClr>
-    </dgm:linClrLst>
-    <dgm:effectClrLst/>
-    <dgm:txLinClrLst/>
-    <dgm:txFillClrLst meth="repeat">
-      <a:schemeClr val="dk1"/>
-    </dgm:txFillClrLst>
-    <dgm:txEffectClrLst/>
-  </dgm:styleLbl>
-  <dgm:styleLbl name="alignAccFollowNode1">
-    <dgm:fillClrLst meth="repeat">
-      <a:schemeClr val="accent1">
-        <a:alpha val="90000"/>
-        <a:tint val="40000"/>
-      </a:schemeClr>
-    </dgm:fillClrLst>
-    <dgm:linClrLst meth="repeat">
-      <a:schemeClr val="accent1">
-        <a:alpha val="90000"/>
-        <a:tint val="40000"/>
-      </a:schemeClr>
-    </dgm:linClrLst>
-    <dgm:effectClrLst/>
-    <dgm:txLinClrLst/>
-    <dgm:txFillClrLst meth="repeat">
-      <a:schemeClr val="dk1"/>
-    </dgm:txFillClrLst>
-    <dgm:txEffectClrLst/>
-  </dgm:styleLbl>
-  <dgm:styleLbl name="bgAccFollowNode1">
-    <dgm:fillClrLst meth="repeat">
-      <a:schemeClr val="accent1">
-        <a:alpha val="90000"/>
-        <a:tint val="40000"/>
-      </a:schemeClr>
-    </dgm:fillClrLst>
-    <dgm:linClrLst meth="repeat">
-      <a:schemeClr val="accent1">
-        <a:alpha val="90000"/>
-        <a:tint val="40000"/>
-      </a:schemeClr>
-    </dgm:linClrLst>
-    <dgm:effectClrLst/>
-    <dgm:txLinClrLst/>
-    <dgm:txFillClrLst meth="repeat">
-      <a:schemeClr val="dk1"/>
-    </dgm:txFillClrLst>
-    <dgm:txEffectClrLst/>
-  </dgm:styleLbl>
-  <dgm:styleLbl name="fgAcc0">
-    <dgm:fillClrLst meth="repeat">
-      <a:schemeClr val="lt1">
-        <a:alpha val="90000"/>
-      </a:schemeClr>
-    </dgm:fillClrLst>
-    <dgm:linClrLst meth="repeat">
-      <a:schemeClr val="accent1"/>
-    </dgm:linClrLst>
-    <dgm:effectClrLst/>
-    <dgm:txLinClrLst/>
-    <dgm:txFillClrLst meth="repeat">
-      <a:schemeClr val="dk1"/>
-    </dgm:txFillClrLst>
-    <dgm:txEffectClrLst/>
-  </dgm:styleLbl>
-  <dgm:styleLbl name="fgAcc2">
-    <dgm:fillClrLst meth="repeat">
-      <a:schemeClr val="lt1">
-        <a:alpha val="90000"/>
-      </a:schemeClr>
-    </dgm:fillClrLst>
-    <dgm:linClrLst meth="repeat">
-      <a:schemeClr val="accent1"/>
-    </dgm:linClrLst>
-    <dgm:effectClrLst/>
-    <dgm:txLinClrLst/>
-    <dgm:txFillClrLst meth="repeat">
-      <a:schemeClr val="dk1"/>
-    </dgm:txFillClrLst>
-    <dgm:txEffectClrLst/>
-  </dgm:styleLbl>
-  <dgm:styleLbl name="fgAcc3">
-    <dgm:fillClrLst meth="repeat">
-      <a:schemeClr val="lt1">
-        <a:alpha val="90000"/>
-      </a:schemeClr>
-    </dgm:fillClrLst>
-    <dgm:linClrLst meth="repeat">
-      <a:schemeClr val="accent1"/>
-    </dgm:linClrLst>
-    <dgm:effectClrLst/>
-    <dgm:txLinClrLst/>
-    <dgm:txFillClrLst meth="repeat">
-      <a:schemeClr val="dk1"/>
-    </dgm:txFillClrLst>
-    <dgm:txEffectClrLst/>
-  </dgm:styleLbl>
-  <dgm:styleLbl name="fgAcc4">
-    <dgm:fillClrLst meth="repeat">
-      <a:schemeClr val="lt1">
-        <a:alpha val="90000"/>
-      </a:schemeClr>
-    </dgm:fillClrLst>
-    <dgm:linClrLst meth="repeat">
-      <a:schemeClr val="accent1"/>
-    </dgm:linClrLst>
-    <dgm:effectClrLst/>
-    <dgm:txLinClrLst/>
-    <dgm:txFillClrLst meth="repeat">
-      <a:schemeClr val="dk1"/>
-    </dgm:txFillClrLst>
-    <dgm:txEffectClrLst/>
-  </dgm:styleLbl>
-  <dgm:styleLbl name="bgShp">
-    <dgm:fillClrLst meth="repeat">
-      <a:schemeClr val="accent1">
-        <a:tint val="40000"/>
-      </a:schemeClr>
-    </dgm:fillClrLst>
-    <dgm:linClrLst meth="repeat">
-      <a:schemeClr val="accent1"/>
-    </dgm:linClrLst>
-    <dgm:effectClrLst/>
-    <dgm:txLinClrLst/>
-    <dgm:txFillClrLst meth="repeat">
-      <a:schemeClr val="dk1"/>
-    </dgm:txFillClrLst>
-    <dgm:txEffectClrLst/>
-  </dgm:styleLbl>
-  <dgm:styleLbl name="dkBgShp">
-    <dgm:fillClrLst meth="repeat">
-      <a:schemeClr val="accent1">
-        <a:shade val="80000"/>
-      </a:schemeClr>
-    </dgm:fillClrLst>
-    <dgm:linClrLst meth="repeat">
-      <a:schemeClr val="accent1"/>
-    </dgm:linClrLst>
-    <dgm:effectClrLst/>
-    <dgm:txLinClrLst/>
-    <dgm:txFillClrLst meth="repeat">
-      <a:schemeClr val="lt1"/>
-    </dgm:txFillClrLst>
-    <dgm:txEffectClrLst/>
-  </dgm:styleLbl>
-  <dgm:styleLbl name="trBgShp">
-    <dgm:fillClrLst meth="repeat">
-      <a:schemeClr val="accent1">
-        <a:tint val="50000"/>
-        <a:alpha val="40000"/>
-      </a:schemeClr>
-    </dgm:fillClrLst>
-    <dgm:linClrLst meth="repeat">
-      <a:schemeClr val="accent1"/>
-    </dgm:linClrLst>
-    <dgm:effectClrLst/>
-    <dgm:txLinClrLst/>
-    <dgm:txFillClrLst meth="repeat">
-      <a:schemeClr val="lt1"/>
-    </dgm:txFillClrLst>
-    <dgm:txEffectClrLst/>
-  </dgm:styleLbl>
-  <dgm:styleLbl name="fgShp">
-    <dgm:fillClrLst meth="repeat">
-      <a:schemeClr val="accent1">
-        <a:tint val="60000"/>
-      </a:schemeClr>
-    </dgm:fillClrLst>
-    <dgm:linClrLst meth="repeat">
-      <a:schemeClr val="lt1"/>
-    </dgm:linClrLst>
-    <dgm:effectClrLst/>
-    <dgm:txLinClrLst/>
-    <dgm:txFillClrLst meth="repeat">
-      <a:schemeClr val="dk1"/>
-    </dgm:txFillClrLst>
-    <dgm:txEffectClrLst/>
-  </dgm:styleLbl>
-  <dgm:styleLbl name="revTx">
-    <dgm:fillClrLst meth="repeat">
-      <a:schemeClr val="lt1">
-        <a:alpha val="0"/>
-      </a:schemeClr>
-    </dgm:fillClrLst>
-    <dgm:linClrLst meth="repeat">
-      <a:schemeClr val="dk1">
-        <a:alpha val="0"/>
-      </a:schemeClr>
-    </dgm:linClrLst>
-    <dgm:effectClrLst/>
-    <dgm:txLinClrLst/>
-    <dgm:txFillClrLst meth="repeat">
-      <a:schemeClr val="tx1"/>
-    </dgm:txFillClrLst>
-    <dgm:txEffectClrLst/>
-  </dgm:styleLbl>
-</dgm:colorsDef>
-</file>
-
-<file path=ppt/diagrams/colors4.xml><?xml version="1.0" encoding="utf-8"?>
-<dgm:colorsDef xmlns:dgm="http://schemas.openxmlformats.org/drawingml/2006/diagram" xmlns:a="http://schemas.openxmlformats.org/drawingml/2006/main" uniqueId="urn:microsoft.com/office/officeart/2005/8/colors/accent1_2">
-  <dgm:title val=""/>
-  <dgm:desc val=""/>
-  <dgm:catLst>
-    <dgm:cat type="accent1" pri="11200"/>
-  </dgm:catLst>
-  <dgm:styleLbl name="node0">
-    <dgm:fillClrLst meth="repeat">
-      <a:schemeClr val="accent1"/>
-    </dgm:fillClrLst>
-    <dgm:linClrLst meth="repeat">
-      <a:schemeClr val="lt1"/>
-    </dgm:linClrLst>
-    <dgm:effectClrLst/>
-    <dgm:txLinClrLst/>
-    <dgm:txFillClrLst/>
-    <dgm:txEffectClrLst/>
-  </dgm:styleLbl>
-  <dgm:styleLbl name="alignNode1">
-    <dgm:fillClrLst meth="repeat">
-      <a:schemeClr val="accent1"/>
-    </dgm:fillClrLst>
-    <dgm:linClrLst meth="repeat">
-      <a:schemeClr val="accent1"/>
-    </dgm:linClrLst>
-    <dgm:effectClrLst/>
-    <dgm:txLinClrLst/>
-    <dgm:txFillClrLst/>
-    <dgm:txEffectClrLst/>
-  </dgm:styleLbl>
-  <dgm:styleLbl name="node1">
-    <dgm:fillClrLst meth="repeat">
-      <a:schemeClr val="accent1"/>
-    </dgm:fillClrLst>
-    <dgm:linClrLst meth="repeat">
-      <a:schemeClr val="lt1"/>
-    </dgm:linClrLst>
-    <dgm:effectClrLst/>
-    <dgm:txLinClrLst/>
-    <dgm:txFillClrLst/>
-    <dgm:txEffectClrLst/>
-  </dgm:styleLbl>
-  <dgm:styleLbl name="lnNode1">
-    <dgm:fillClrLst meth="repeat">
-      <a:schemeClr val="accent1"/>
-    </dgm:fillClrLst>
-    <dgm:linClrLst meth="repeat">
-      <a:schemeClr val="lt1"/>
-    </dgm:linClrLst>
-    <dgm:effectClrLst/>
-    <dgm:txLinClrLst/>
-    <dgm:txFillClrLst/>
-    <dgm:txEffectClrLst/>
-  </dgm:styleLbl>
-  <dgm:styleLbl name="vennNode1">
-    <dgm:fillClrLst meth="repeat">
-      <a:schemeClr val="accent1">
-        <a:alpha val="50000"/>
-      </a:schemeClr>
-    </dgm:fillClrLst>
-    <dgm:linClrLst meth="repeat">
-      <a:schemeClr val="lt1"/>
-    </dgm:linClrLst>
-    <dgm:effectClrLst/>
-    <dgm:txLinClrLst/>
-    <dgm:txFillClrLst/>
-    <dgm:txEffectClrLst/>
-  </dgm:styleLbl>
-  <dgm:styleLbl name="node2">
-    <dgm:fillClrLst meth="repeat">
-      <a:schemeClr val="accent1"/>
-    </dgm:fillClrLst>
-    <dgm:linClrLst meth="repeat">
-      <a:schemeClr val="lt1"/>
-    </dgm:linClrLst>
-    <dgm:effectClrLst/>
-    <dgm:txLinClrLst/>
-    <dgm:txFillClrLst/>
-    <dgm:txEffectClrLst/>
-  </dgm:styleLbl>
-  <dgm:styleLbl name="node3">
-    <dgm:fillClrLst meth="repeat">
-      <a:schemeClr val="accent1"/>
-    </dgm:fillClrLst>
-    <dgm:linClrLst meth="repeat">
-      <a:schemeClr val="lt1"/>
-    </dgm:linClrLst>
-    <dgm:effectClrLst/>
-    <dgm:txLinClrLst/>
-    <dgm:txFillClrLst/>
-    <dgm:txEffectClrLst/>
-  </dgm:styleLbl>
-  <dgm:styleLbl name="node4">
-    <dgm:fillClrLst meth="repeat">
-      <a:schemeClr val="accent1"/>
-    </dgm:fillClrLst>
-    <dgm:linClrLst meth="repeat">
-      <a:schemeClr val="lt1"/>
-    </dgm:linClrLst>
-    <dgm:effectClrLst/>
-    <dgm:txLinClrLst/>
-    <dgm:txFillClrLst/>
-    <dgm:txEffectClrLst/>
-  </dgm:styleLbl>
-  <dgm:styleLbl name="fgImgPlace1">
-    <dgm:fillClrLst meth="repeat">
-      <a:schemeClr val="accent1">
-        <a:tint val="50000"/>
-      </a:schemeClr>
-    </dgm:fillClrLst>
-    <dgm:linClrLst meth="repeat">
-      <a:schemeClr val="lt1"/>
-    </dgm:linClrLst>
-    <dgm:effectClrLst/>
-    <dgm:txLinClrLst/>
-    <dgm:txFillClrLst meth="repeat">
-      <a:schemeClr val="lt1"/>
-    </dgm:txFillClrLst>
-    <dgm:txEffectClrLst/>
-  </dgm:styleLbl>
-  <dgm:styleLbl name="alignImgPlace1">
-    <dgm:fillClrLst meth="repeat">
-      <a:schemeClr val="accent1">
-        <a:tint val="50000"/>
-      </a:schemeClr>
-    </dgm:fillClrLst>
-    <dgm:linClrLst meth="repeat">
-      <a:schemeClr val="lt1"/>
-    </dgm:linClrLst>
-    <dgm:effectClrLst/>
-    <dgm:txLinClrLst/>
-    <dgm:txFillClrLst meth="repeat">
-      <a:schemeClr val="lt1"/>
-    </dgm:txFillClrLst>
-    <dgm:txEffectClrLst/>
-  </dgm:styleLbl>
-  <dgm:styleLbl name="bgImgPlace1">
-    <dgm:fillClrLst meth="repeat">
-      <a:schemeClr val="accent1">
-        <a:tint val="50000"/>
-      </a:schemeClr>
-    </dgm:fillClrLst>
-    <dgm:linClrLst meth="repeat">
-      <a:schemeClr val="lt1"/>
-    </dgm:linClrLst>
-    <dgm:effectClrLst/>
-    <dgm:txLinClrLst/>
-    <dgm:txFillClrLst meth="repeat">
-      <a:schemeClr val="lt1"/>
-    </dgm:txFillClrLst>
-    <dgm:txEffectClrLst/>
-  </dgm:styleLbl>
-  <dgm:styleLbl name="sibTrans2D1">
-    <dgm:fillClrLst meth="repeat">
-      <a:schemeClr val="accent1">
-        <a:tint val="60000"/>
-      </a:schemeClr>
-    </dgm:fillClrLst>
-    <dgm:linClrLst meth="repeat">
-      <a:schemeClr val="accent1">
-        <a:tint val="60000"/>
-      </a:schemeClr>
-    </dgm:linClrLst>
-    <dgm:effectClrLst/>
-    <dgm:txLinClrLst/>
-    <dgm:txFillClrLst/>
-    <dgm:txEffectClrLst/>
-  </dgm:styleLbl>
-  <dgm:styleLbl name="fgSibTrans2D1">
-    <dgm:fillClrLst meth="repeat">
-      <a:schemeClr val="accent1">
-        <a:tint val="60000"/>
-      </a:schemeClr>
-    </dgm:fillClrLst>
-    <dgm:linClrLst meth="repeat">
-      <a:schemeClr val="accent1">
-        <a:tint val="60000"/>
-      </a:schemeClr>
-    </dgm:linClrLst>
-    <dgm:effectClrLst/>
-    <dgm:txLinClrLst/>
-    <dgm:txFillClrLst/>
-    <dgm:txEffectClrLst/>
-  </dgm:styleLbl>
-  <dgm:styleLbl name="bgSibTrans2D1">
-    <dgm:fillClrLst meth="repeat">
-      <a:schemeClr val="accent1">
-        <a:tint val="60000"/>
-      </a:schemeClr>
-    </dgm:fillClrLst>
-    <dgm:linClrLst meth="repeat">
-      <a:schemeClr val="accent1">
-        <a:tint val="60000"/>
-      </a:schemeClr>
-    </dgm:linClrLst>
-    <dgm:effectClrLst/>
-    <dgm:txLinClrLst/>
-    <dgm:txFillClrLst/>
-    <dgm:txEffectClrLst/>
-  </dgm:styleLbl>
-  <dgm:styleLbl name="sibTrans1D1">
-    <dgm:fillClrLst meth="repeat">
-      <a:schemeClr val="accent1"/>
-    </dgm:fillClrLst>
-    <dgm:linClrLst meth="repeat">
-      <a:schemeClr val="accent1"/>
-    </dgm:linClrLst>
-    <dgm:effectClrLst/>
-    <dgm:txLinClrLst/>
-    <dgm:txFillClrLst meth="repeat">
-      <a:schemeClr val="tx1"/>
-    </dgm:txFillClrLst>
-    <dgm:txEffectClrLst/>
-  </dgm:styleLbl>
-  <dgm:styleLbl name="callout">
-    <dgm:fillClrLst meth="repeat">
-      <a:schemeClr val="accent1"/>
-    </dgm:fillClrLst>
-    <dgm:linClrLst meth="repeat">
-      <a:schemeClr val="accent1">
-        <a:tint val="50000"/>
-      </a:schemeClr>
-    </dgm:linClrLst>
-    <dgm:effectClrLst/>
-    <dgm:txLinClrLst/>
-    <dgm:txFillClrLst meth="repeat">
-      <a:schemeClr val="tx1"/>
-    </dgm:txFillClrLst>
-    <dgm:txEffectClrLst/>
-  </dgm:styleLbl>
-  <dgm:styleLbl name="asst0">
-    <dgm:fillClrLst meth="repeat">
-      <a:schemeClr val="accent1"/>
-    </dgm:fillClrLst>
-    <dgm:linClrLst meth="repeat">
-      <a:schemeClr val="lt1"/>
-    </dgm:linClrLst>
-    <dgm:effectClrLst/>
-    <dgm:txLinClrLst/>
-    <dgm:txFillClrLst/>
-    <dgm:txEffectClrLst/>
-  </dgm:styleLbl>
-  <dgm:styleLbl name="asst1">
-    <dgm:fillClrLst meth="repeat">
-      <a:schemeClr val="accent1"/>
-    </dgm:fillClrLst>
-    <dgm:linClrLst meth="repeat">
-      <a:schemeClr val="lt1"/>
-    </dgm:linClrLst>
-    <dgm:effectClrLst/>
-    <dgm:txLinClrLst/>
-    <dgm:txFillClrLst/>
-    <dgm:txEffectClrLst/>
-  </dgm:styleLbl>
-  <dgm:styleLbl name="asst2">
-    <dgm:fillClrLst meth="repeat">
-      <a:schemeClr val="accent1"/>
-    </dgm:fillClrLst>
-    <dgm:linClrLst meth="repeat">
-      <a:schemeClr val="lt1"/>
-    </dgm:linClrLst>
-    <dgm:effectClrLst/>
-    <dgm:txLinClrLst/>
-    <dgm:txFillClrLst/>
-    <dgm:txEffectClrLst/>
-  </dgm:styleLbl>
-  <dgm:styleLbl name="asst3">
-    <dgm:fillClrLst meth="repeat">
-      <a:schemeClr val="accent1"/>
-    </dgm:fillClrLst>
-    <dgm:linClrLst meth="repeat">
-      <a:schemeClr val="lt1"/>
-    </dgm:linClrLst>
-    <dgm:effectClrLst/>
-    <dgm:txLinClrLst/>
-    <dgm:txFillClrLst/>
-    <dgm:txEffectClrLst/>
-  </dgm:styleLbl>
-  <dgm:styleLbl name="asst4">
-    <dgm:fillClrLst meth="repeat">
-      <a:schemeClr val="accent1"/>
-    </dgm:fillClrLst>
-    <dgm:linClrLst meth="repeat">
-      <a:schemeClr val="lt1"/>
-    </dgm:linClrLst>
-    <dgm:effectClrLst/>
-    <dgm:txLinClrLst/>
-    <dgm:txFillClrLst/>
-    <dgm:txEffectClrLst/>
-  </dgm:styleLbl>
-  <dgm:styleLbl name="parChTrans2D1">
-    <dgm:fillClrLst meth="repeat">
-      <a:schemeClr val="accent1">
-        <a:tint val="60000"/>
-      </a:schemeClr>
-    </dgm:fillClrLst>
-    <dgm:linClrLst meth="repeat">
-      <a:schemeClr val="accent1">
-        <a:tint val="60000"/>
-      </a:schemeClr>
-    </dgm:linClrLst>
-    <dgm:effectClrLst/>
-    <dgm:txLinClrLst/>
-    <dgm:txFillClrLst meth="repeat">
-      <a:schemeClr val="lt1"/>
-    </dgm:txFillClrLst>
-    <dgm:txEffectClrLst/>
-  </dgm:styleLbl>
-  <dgm:styleLbl name="parChTrans2D2">
-    <dgm:fillClrLst meth="repeat">
-      <a:schemeClr val="accent1"/>
-    </dgm:fillClrLst>
-    <dgm:linClrLst meth="repeat">
-      <a:schemeClr val="accent1"/>
-    </dgm:linClrLst>
-    <dgm:effectClrLst/>
-    <dgm:txLinClrLst/>
-    <dgm:txFillClrLst meth="repeat">
-      <a:schemeClr val="lt1"/>
-    </dgm:txFillClrLst>
-    <dgm:txEffectClrLst/>
-  </dgm:styleLbl>
-  <dgm:styleLbl name="parChTrans2D3">
-    <dgm:fillClrLst meth="repeat">
-      <a:schemeClr val="accent1"/>
-    </dgm:fillClrLst>
-    <dgm:linClrLst meth="repeat">
-      <a:schemeClr val="accent1"/>
-    </dgm:linClrLst>
-    <dgm:effectClrLst/>
-    <dgm:txLinClrLst/>
-    <dgm:txFillClrLst meth="repeat">
-      <a:schemeClr val="lt1"/>
-    </dgm:txFillClrLst>
-    <dgm:txEffectClrLst/>
-  </dgm:styleLbl>
-  <dgm:styleLbl name="parChTrans2D4">
-    <dgm:fillClrLst meth="repeat">
-      <a:schemeClr val="accent1"/>
-    </dgm:fillClrLst>
-    <dgm:linClrLst meth="repeat">
-      <a:schemeClr val="accent1"/>
-    </dgm:linClrLst>
-    <dgm:effectClrLst/>
-    <dgm:txLinClrLst/>
-    <dgm:txFillClrLst meth="repeat">
-      <a:schemeClr val="lt1"/>
-    </dgm:txFillClrLst>
-    <dgm:txEffectClrLst/>
-  </dgm:styleLbl>
-  <dgm:styleLbl name="parChTrans1D1">
-    <dgm:fillClrLst meth="repeat">
-      <a:schemeClr val="accent1"/>
-    </dgm:fillClrLst>
-    <dgm:linClrLst meth="repeat">
-      <a:schemeClr val="accent1">
-        <a:shade val="60000"/>
-      </a:schemeClr>
-    </dgm:linClrLst>
-    <dgm:effectClrLst/>
-    <dgm:txLinClrLst/>
-    <dgm:txFillClrLst meth="repeat">
-      <a:schemeClr val="tx1"/>
-    </dgm:txFillClrLst>
-    <dgm:txEffectClrLst/>
-  </dgm:styleLbl>
-  <dgm:styleLbl name="parChTrans1D2">
-    <dgm:fillClrLst meth="repeat">
-      <a:schemeClr val="accent1"/>
-    </dgm:fillClrLst>
-    <dgm:linClrLst meth="repeat">
-      <a:schemeClr val="accent1">
-        <a:shade val="60000"/>
-      </a:schemeClr>
-    </dgm:linClrLst>
-    <dgm:effectClrLst/>
-    <dgm:txLinClrLst/>
-    <dgm:txFillClrLst meth="repeat">
-      <a:schemeClr val="tx1"/>
-    </dgm:txFillClrLst>
-    <dgm:txEffectClrLst/>
-  </dgm:styleLbl>
-  <dgm:styleLbl name="parChTrans1D3">
-    <dgm:fillClrLst meth="repeat">
-      <a:schemeClr val="accent1"/>
-    </dgm:fillClrLst>
-    <dgm:linClrLst meth="repeat">
-      <a:schemeClr val="accent1">
-        <a:shade val="80000"/>
-      </a:schemeClr>
-    </dgm:linClrLst>
-    <dgm:effectClrLst/>
-    <dgm:txLinClrLst/>
-    <dgm:txFillClrLst meth="repeat">
-      <a:schemeClr val="tx1"/>
-    </dgm:txFillClrLst>
-    <dgm:txEffectClrLst/>
-  </dgm:styleLbl>
-  <dgm:styleLbl name="parChTrans1D4">
-    <dgm:fillClrLst meth="repeat">
-      <a:schemeClr val="accent1"/>
-    </dgm:fillClrLst>
-    <dgm:linClrLst meth="repeat">
-      <a:schemeClr val="accent1">
-        <a:shade val="80000"/>
-      </a:schemeClr>
-    </dgm:linClrLst>
-    <dgm:effectClrLst/>
-    <dgm:txLinClrLst/>
-    <dgm:txFillClrLst meth="repeat">
-      <a:schemeClr val="tx1"/>
-    </dgm:txFillClrLst>
-    <dgm:txEffectClrLst/>
-  </dgm:styleLbl>
-  <dgm:styleLbl name="fgAcc1">
-    <dgm:fillClrLst meth="repeat">
-      <a:schemeClr val="lt1">
-        <a:alpha val="90000"/>
-      </a:schemeClr>
-    </dgm:fillClrLst>
-    <dgm:linClrLst meth="repeat">
-      <a:schemeClr val="accent1"/>
-    </dgm:linClrLst>
-    <dgm:effectClrLst/>
-    <dgm:txLinClrLst/>
-    <dgm:txFillClrLst meth="repeat">
-      <a:schemeClr val="dk1"/>
-    </dgm:txFillClrLst>
-    <dgm:txEffectClrLst/>
-  </dgm:styleLbl>
-  <dgm:styleLbl name="conFgAcc1">
-    <dgm:fillClrLst meth="repeat">
-      <a:schemeClr val="lt1">
-        <a:alpha val="90000"/>
-      </a:schemeClr>
-    </dgm:fillClrLst>
-    <dgm:linClrLst meth="repeat">
-      <a:schemeClr val="accent1"/>
-    </dgm:linClrLst>
-    <dgm:effectClrLst/>
-    <dgm:txLinClrLst/>
-    <dgm:txFillClrLst meth="repeat">
-      <a:schemeClr val="dk1"/>
-    </dgm:txFillClrLst>
-    <dgm:txEffectClrLst/>
-  </dgm:styleLbl>
-  <dgm:styleLbl name="alignAcc1">
-    <dgm:fillClrLst meth="repeat">
-      <a:schemeClr val="lt1">
-        <a:alpha val="90000"/>
-      </a:schemeClr>
-    </dgm:fillClrLst>
-    <dgm:linClrLst meth="repeat">
-      <a:schemeClr val="accent1"/>
-    </dgm:linClrLst>
-    <dgm:effectClrLst/>
-    <dgm:txLinClrLst/>
-    <dgm:txFillClrLst meth="repeat">
-      <a:schemeClr val="dk1"/>
-    </dgm:txFillClrLst>
-    <dgm:txEffectClrLst/>
-  </dgm:styleLbl>
-  <dgm:styleLbl name="trAlignAcc1">
-    <dgm:fillClrLst meth="repeat">
-      <a:schemeClr val="lt1">
-        <a:alpha val="40000"/>
-      </a:schemeClr>
-    </dgm:fillClrLst>
-    <dgm:linClrLst meth="repeat">
-      <a:schemeClr val="accent1"/>
-    </dgm:linClrLst>
-    <dgm:effectClrLst/>
-    <dgm:txLinClrLst/>
-    <dgm:txFillClrLst meth="repeat">
-      <a:schemeClr val="dk1"/>
-    </dgm:txFillClrLst>
-    <dgm:txEffectClrLst/>
-  </dgm:styleLbl>
-  <dgm:styleLbl name="bgAcc1">
-    <dgm:fillClrLst meth="repeat">
-      <a:schemeClr val="lt1">
-        <a:alpha val="90000"/>
-      </a:schemeClr>
-    </dgm:fillClrLst>
-    <dgm:linClrLst meth="repeat">
-      <a:schemeClr val="accent1"/>
-    </dgm:linClrLst>
-    <dgm:effectClrLst/>
-    <dgm:txLinClrLst/>
-    <dgm:txFillClrLst meth="repeat">
-      <a:schemeClr val="dk1"/>
-    </dgm:txFillClrLst>
-    <dgm:txEffectClrLst/>
-  </dgm:styleLbl>
-  <dgm:styleLbl name="solidFgAcc1">
-    <dgm:fillClrLst meth="repeat">
-      <a:schemeClr val="lt1"/>
-    </dgm:fillClrLst>
-    <dgm:linClrLst meth="repeat">
-      <a:schemeClr val="accent1"/>
-    </dgm:linClrLst>
-    <dgm:effectClrLst/>
-    <dgm:txLinClrLst/>
-    <dgm:txFillClrLst meth="repeat">
-      <a:schemeClr val="dk1"/>
-    </dgm:txFillClrLst>
-    <dgm:txEffectClrLst/>
-  </dgm:styleLbl>
-  <dgm:styleLbl name="solidAlignAcc1">
-    <dgm:fillClrLst meth="repeat">
-      <a:schemeClr val="lt1"/>
-    </dgm:fillClrLst>
-    <dgm:linClrLst meth="repeat">
-      <a:schemeClr val="accent1"/>
-    </dgm:linClrLst>
-    <dgm:effectClrLst/>
-    <dgm:txLinClrLst/>
-    <dgm:txFillClrLst meth="repeat">
-      <a:schemeClr val="dk1"/>
-    </dgm:txFillClrLst>
-    <dgm:txEffectClrLst/>
-  </dgm:styleLbl>
-  <dgm:styleLbl name="solidBgAcc1">
-    <dgm:fillClrLst meth="repeat">
-      <a:schemeClr val="lt1"/>
-    </dgm:fillClrLst>
-    <dgm:linClrLst meth="repeat">
-      <a:schemeClr val="accent1"/>
-    </dgm:linClrLst>
-    <dgm:effectClrLst/>
-    <dgm:txLinClrLst/>
-    <dgm:txFillClrLst meth="repeat">
-      <a:schemeClr val="dk1"/>
-    </dgm:txFillClrLst>
-    <dgm:txEffectClrLst/>
-  </dgm:styleLbl>
-  <dgm:styleLbl name="fgAccFollowNode1">
-    <dgm:fillClrLst meth="repeat">
-      <a:schemeClr val="accent1">
-        <a:alpha val="90000"/>
-        <a:tint val="40000"/>
-      </a:schemeClr>
-    </dgm:fillClrLst>
-    <dgm:linClrLst meth="repeat">
-      <a:schemeClr val="accent1">
-        <a:alpha val="90000"/>
-        <a:tint val="40000"/>
-      </a:schemeClr>
-    </dgm:linClrLst>
-    <dgm:effectClrLst/>
-    <dgm:txLinClrLst/>
-    <dgm:txFillClrLst meth="repeat">
-      <a:schemeClr val="dk1"/>
-    </dgm:txFillClrLst>
-    <dgm:txEffectClrLst/>
-  </dgm:styleLbl>
-  <dgm:styleLbl name="alignAccFollowNode1">
-    <dgm:fillClrLst meth="repeat">
-      <a:schemeClr val="accent1">
-        <a:alpha val="90000"/>
-        <a:tint val="40000"/>
-      </a:schemeClr>
-    </dgm:fillClrLst>
-    <dgm:linClrLst meth="repeat">
-      <a:schemeClr val="accent1">
-        <a:alpha val="90000"/>
-        <a:tint val="40000"/>
-      </a:schemeClr>
-    </dgm:linClrLst>
-    <dgm:effectClrLst/>
-    <dgm:txLinClrLst/>
-    <dgm:txFillClrLst meth="repeat">
-      <a:schemeClr val="dk1"/>
-    </dgm:txFillClrLst>
-    <dgm:txEffectClrLst/>
-  </dgm:styleLbl>
-  <dgm:styleLbl name="bgAccFollowNode1">
-    <dgm:fillClrLst meth="repeat">
-      <a:schemeClr val="accent1">
-        <a:alpha val="90000"/>
-        <a:tint val="40000"/>
-      </a:schemeClr>
-    </dgm:fillClrLst>
-    <dgm:linClrLst meth="repeat">
-      <a:schemeClr val="accent1">
-        <a:alpha val="90000"/>
-        <a:tint val="40000"/>
-      </a:schemeClr>
-    </dgm:linClrLst>
-    <dgm:effectClrLst/>
-    <dgm:txLinClrLst/>
-    <dgm:txFillClrLst meth="repeat">
-      <a:schemeClr val="dk1"/>
-    </dgm:txFillClrLst>
-    <dgm:txEffectClrLst/>
-  </dgm:styleLbl>
-  <dgm:styleLbl name="fgAcc0">
-    <dgm:fillClrLst meth="repeat">
-      <a:schemeClr val="lt1">
-        <a:alpha val="90000"/>
-      </a:schemeClr>
-    </dgm:fillClrLst>
-    <dgm:linClrLst meth="repeat">
-      <a:schemeClr val="accent1"/>
-    </dgm:linClrLst>
-    <dgm:effectClrLst/>
-    <dgm:txLinClrLst/>
-    <dgm:txFillClrLst meth="repeat">
-      <a:schemeClr val="dk1"/>
-    </dgm:txFillClrLst>
-    <dgm:txEffectClrLst/>
-  </dgm:styleLbl>
-  <dgm:styleLbl name="fgAcc2">
-    <dgm:fillClrLst meth="repeat">
-      <a:schemeClr val="lt1">
-        <a:alpha val="90000"/>
-      </a:schemeClr>
-    </dgm:fillClrLst>
-    <dgm:linClrLst meth="repeat">
-      <a:schemeClr val="accent1"/>
-    </dgm:linClrLst>
-    <dgm:effectClrLst/>
-    <dgm:txLinClrLst/>
-    <dgm:txFillClrLst meth="repeat">
-      <a:schemeClr val="dk1"/>
-    </dgm:txFillClrLst>
-    <dgm:txEffectClrLst/>
-  </dgm:styleLbl>
-  <dgm:styleLbl name="fgAcc3">
-    <dgm:fillClrLst meth="repeat">
-      <a:schemeClr val="lt1">
-        <a:alpha val="90000"/>
-      </a:schemeClr>
-    </dgm:fillClrLst>
-    <dgm:linClrLst meth="repeat">
-      <a:schemeClr val="accent1"/>
-    </dgm:linClrLst>
-    <dgm:effectClrLst/>
-    <dgm:txLinClrLst/>
-    <dgm:txFillClrLst meth="repeat">
-      <a:schemeClr val="dk1"/>
-    </dgm:txFillClrLst>
-    <dgm:txEffectClrLst/>
-  </dgm:styleLbl>
-  <dgm:styleLbl name="fgAcc4">
-    <dgm:fillClrLst meth="repeat">
-      <a:schemeClr val="lt1">
-        <a:alpha val="90000"/>
-      </a:schemeClr>
-    </dgm:fillClrLst>
-    <dgm:linClrLst meth="repeat">
-      <a:schemeClr val="accent1"/>
-    </dgm:linClrLst>
-    <dgm:effectClrLst/>
-    <dgm:txLinClrLst/>
-    <dgm:txFillClrLst meth="repeat">
-      <a:schemeClr val="dk1"/>
-    </dgm:txFillClrLst>
-    <dgm:txEffectClrLst/>
-  </dgm:styleLbl>
-  <dgm:styleLbl name="bgShp">
-    <dgm:fillClrLst meth="repeat">
-      <a:schemeClr val="accent1">
-        <a:tint val="40000"/>
-      </a:schemeClr>
-    </dgm:fillClrLst>
-    <dgm:linClrLst meth="repeat">
-      <a:schemeClr val="accent1"/>
-    </dgm:linClrLst>
-    <dgm:effectClrLst/>
-    <dgm:txLinClrLst/>
-    <dgm:txFillClrLst meth="repeat">
-      <a:schemeClr val="dk1"/>
-    </dgm:txFillClrLst>
-    <dgm:txEffectClrLst/>
-  </dgm:styleLbl>
-  <dgm:styleLbl name="dkBgShp">
-    <dgm:fillClrLst meth="repeat">
-      <a:schemeClr val="accent1">
-        <a:shade val="80000"/>
-      </a:schemeClr>
-    </dgm:fillClrLst>
-    <dgm:linClrLst meth="repeat">
-      <a:schemeClr val="accent1"/>
-    </dgm:linClrLst>
-    <dgm:effectClrLst/>
-    <dgm:txLinClrLst/>
-    <dgm:txFillClrLst meth="repeat">
-      <a:schemeClr val="lt1"/>
-    </dgm:txFillClrLst>
-    <dgm:txEffectClrLst/>
-  </dgm:styleLbl>
-  <dgm:styleLbl name="trBgShp">
-    <dgm:fillClrLst meth="repeat">
-      <a:schemeClr val="accent1">
-        <a:tint val="50000"/>
-        <a:alpha val="40000"/>
-      </a:schemeClr>
-    </dgm:fillClrLst>
-    <dgm:linClrLst meth="repeat">
-      <a:schemeClr val="accent1"/>
-    </dgm:linClrLst>
-    <dgm:effectClrLst/>
-    <dgm:txLinClrLst/>
-    <dgm:txFillClrLst meth="repeat">
-      <a:schemeClr val="lt1"/>
-    </dgm:txFillClrLst>
-    <dgm:txEffectClrLst/>
-  </dgm:styleLbl>
-  <dgm:styleLbl name="fgShp">
-    <dgm:fillClrLst meth="repeat">
-      <a:schemeClr val="accent1">
-        <a:tint val="60000"/>
-      </a:schemeClr>
-    </dgm:fillClrLst>
-    <dgm:linClrLst meth="repeat">
-      <a:schemeClr val="lt1"/>
-    </dgm:linClrLst>
-    <dgm:effectClrLst/>
-    <dgm:txLinClrLst/>
-    <dgm:txFillClrLst meth="repeat">
-      <a:schemeClr val="dk1"/>
-    </dgm:txFillClrLst>
-    <dgm:txEffectClrLst/>
-  </dgm:styleLbl>
-  <dgm:styleLbl name="revTx">
-    <dgm:fillClrLst meth="repeat">
-      <a:schemeClr val="lt1">
-        <a:alpha val="0"/>
-      </a:schemeClr>
-    </dgm:fillClrLst>
-    <dgm:linClrLst meth="repeat">
-      <a:schemeClr val="dk1">
-        <a:alpha val="0"/>
-      </a:schemeClr>
-    </dgm:linClrLst>
-    <dgm:effectClrLst/>
-    <dgm:txLinClrLst/>
-    <dgm:txFillClrLst meth="repeat">
-      <a:schemeClr val="tx1"/>
-    </dgm:txFillClrLst>
-    <dgm:txEffectClrLst/>
-  </dgm:styleLbl>
-</dgm:colorsDef>
-</file>
-
-<file path=ppt/diagrams/colors5.xml><?xml version="1.0" encoding="utf-8"?>
 <dgm:colorsDef xmlns:dgm="http://schemas.openxmlformats.org/drawingml/2006/diagram" xmlns:a="http://schemas.openxmlformats.org/drawingml/2006/main" uniqueId="urn:microsoft.com/office/officeart/2005/8/colors/accent1_2">
   <dgm:title val=""/>
   <dgm:desc val=""/>
@@ -7179,1948 +5685,6 @@
   <dgm:extLst>
     <a:ext uri="http://schemas.microsoft.com/office/drawing/2008/diagram">
       <dsp:dataModelExt xmlns:dsp="http://schemas.microsoft.com/office/drawing/2008/diagram" relId="rId6" minVer="http://schemas.openxmlformats.org/drawingml/2006/diagram"/>
-    </a:ext>
-  </dgm:extLst>
-</dgm:dataModel>
-</file>
-
-<file path=ppt/diagrams/data4.xml><?xml version="1.0" encoding="utf-8"?>
-<dgm:dataModel xmlns:dgm="http://schemas.openxmlformats.org/drawingml/2006/diagram" xmlns:a="http://schemas.openxmlformats.org/drawingml/2006/main">
-  <dgm:ptLst>
-    <dgm:pt modelId="{31565C81-7A9E-4F3E-B8C6-833EE1DFC1FE}" type="doc">
-      <dgm:prSet loTypeId="urn:microsoft.com/office/officeart/2005/8/layout/orgChart1" loCatId="hierarchy" qsTypeId="urn:microsoft.com/office/officeart/2005/8/quickstyle/simple1" qsCatId="simple" csTypeId="urn:microsoft.com/office/officeart/2005/8/colors/accent1_2" csCatId="accent1" phldr="1"/>
-      <dgm:spPr/>
-      <dgm:t>
-        <a:bodyPr/>
-        <a:lstStyle/>
-        <a:p>
-          <a:endParaRPr lang="en-US"/>
-        </a:p>
-      </dgm:t>
-    </dgm:pt>
-    <dgm:pt modelId="{DF57B128-C664-4D02-B516-FDCC513949C9}">
-      <dgm:prSet phldrT="[Text]"/>
-      <dgm:spPr/>
-      <dgm:t>
-        <a:bodyPr/>
-        <a:lstStyle/>
-        <a:p>
-          <a:r>
-            <a:rPr lang="en-US" dirty="0" err="1"/>
-            <a:t>AlexaHack</a:t>
-          </a:r>
-          <a:endParaRPr lang="en-US" dirty="0"/>
-        </a:p>
-      </dgm:t>
-    </dgm:pt>
-    <dgm:pt modelId="{EEF82F52-2EA7-4783-B4C5-68A4F5396E46}" type="parTrans" cxnId="{4EF84CA1-AA4F-4259-88A4-3C3D8C89E2C6}">
-      <dgm:prSet/>
-      <dgm:spPr/>
-      <dgm:t>
-        <a:bodyPr/>
-        <a:lstStyle/>
-        <a:p>
-          <a:endParaRPr lang="en-US"/>
-        </a:p>
-      </dgm:t>
-    </dgm:pt>
-    <dgm:pt modelId="{330F1A6B-B028-4231-B593-AED2AB17F422}" type="sibTrans" cxnId="{4EF84CA1-AA4F-4259-88A4-3C3D8C89E2C6}">
-      <dgm:prSet/>
-      <dgm:spPr/>
-      <dgm:t>
-        <a:bodyPr/>
-        <a:lstStyle/>
-        <a:p>
-          <a:endParaRPr lang="en-US"/>
-        </a:p>
-      </dgm:t>
-    </dgm:pt>
-    <dgm:pt modelId="{C0C3B2F2-B659-4CD4-B445-513AD75B0923}">
-      <dgm:prSet phldrT="[Text]"/>
-      <dgm:spPr/>
-      <dgm:t>
-        <a:bodyPr/>
-        <a:lstStyle/>
-        <a:p>
-          <a:r>
-            <a:rPr lang="en-US" dirty="0"/>
-            <a:t>spoken commands</a:t>
-          </a:r>
-        </a:p>
-      </dgm:t>
-    </dgm:pt>
-    <dgm:pt modelId="{9D65F840-5277-486D-AFA1-814284C1C35C}" type="parTrans" cxnId="{789CD48C-6871-4C7A-BCEA-1D18C59566D9}">
-      <dgm:prSet/>
-      <dgm:spPr/>
-      <dgm:t>
-        <a:bodyPr/>
-        <a:lstStyle/>
-        <a:p>
-          <a:endParaRPr lang="en-US"/>
-        </a:p>
-      </dgm:t>
-    </dgm:pt>
-    <dgm:pt modelId="{100090DC-A67E-490B-AE4E-5B0ED5B38027}" type="sibTrans" cxnId="{789CD48C-6871-4C7A-BCEA-1D18C59566D9}">
-      <dgm:prSet/>
-      <dgm:spPr/>
-      <dgm:t>
-        <a:bodyPr/>
-        <a:lstStyle/>
-        <a:p>
-          <a:endParaRPr lang="en-US"/>
-        </a:p>
-      </dgm:t>
-    </dgm:pt>
-    <dgm:pt modelId="{FF77E456-CAD1-4D84-8102-E63CE5D68B79}">
-      <dgm:prSet phldrT="[Text]"/>
-      <dgm:spPr>
-        <a:solidFill>
-          <a:schemeClr val="bg1">
-            <a:lumMod val="50000"/>
-          </a:schemeClr>
-        </a:solidFill>
-      </dgm:spPr>
-      <dgm:t>
-        <a:bodyPr/>
-        <a:lstStyle/>
-        <a:p>
-          <a:r>
-            <a:rPr lang="en-US" dirty="0"/>
-            <a:t>Tools</a:t>
-          </a:r>
-        </a:p>
-      </dgm:t>
-    </dgm:pt>
-    <dgm:pt modelId="{C4F37020-485D-4220-B399-48D104F3DF0D}" type="parTrans" cxnId="{EB741AB3-6B90-4004-80E1-7A8D48EEBE9B}">
-      <dgm:prSet/>
-      <dgm:spPr/>
-      <dgm:t>
-        <a:bodyPr/>
-        <a:lstStyle/>
-        <a:p>
-          <a:endParaRPr lang="en-US"/>
-        </a:p>
-      </dgm:t>
-    </dgm:pt>
-    <dgm:pt modelId="{D2EDD561-5801-4216-9A2A-45666932860C}" type="sibTrans" cxnId="{EB741AB3-6B90-4004-80E1-7A8D48EEBE9B}">
-      <dgm:prSet/>
-      <dgm:spPr/>
-      <dgm:t>
-        <a:bodyPr/>
-        <a:lstStyle/>
-        <a:p>
-          <a:endParaRPr lang="en-US"/>
-        </a:p>
-      </dgm:t>
-    </dgm:pt>
-    <dgm:pt modelId="{5D892480-2111-470E-A9E5-A758CCCC41D7}">
-      <dgm:prSet/>
-      <dgm:spPr/>
-      <dgm:t>
-        <a:bodyPr/>
-        <a:lstStyle/>
-        <a:p>
-          <a:r>
-            <a:rPr lang="en-US" dirty="0" err="1"/>
-            <a:t>AlexaHack</a:t>
-          </a:r>
-          <a:r>
-            <a:rPr lang="en-US" dirty="0"/>
-            <a:t> Skill</a:t>
-          </a:r>
-        </a:p>
-      </dgm:t>
-    </dgm:pt>
-    <dgm:pt modelId="{1D5B0B57-3A9A-4549-AF9E-07903B2BDD16}" type="parTrans" cxnId="{30DBB474-AA5A-4DF0-A754-547E1EB2AF29}">
-      <dgm:prSet/>
-      <dgm:spPr/>
-      <dgm:t>
-        <a:bodyPr/>
-        <a:lstStyle/>
-        <a:p>
-          <a:endParaRPr lang="en-US"/>
-        </a:p>
-      </dgm:t>
-    </dgm:pt>
-    <dgm:pt modelId="{472BB434-9D28-43CD-A9E7-CD4BC8DBCD2D}" type="sibTrans" cxnId="{30DBB474-AA5A-4DF0-A754-547E1EB2AF29}">
-      <dgm:prSet/>
-      <dgm:spPr/>
-      <dgm:t>
-        <a:bodyPr/>
-        <a:lstStyle/>
-        <a:p>
-          <a:endParaRPr lang="en-US"/>
-        </a:p>
-      </dgm:t>
-    </dgm:pt>
-    <dgm:pt modelId="{4962ED95-5189-4B93-AE27-1D358E3E4C6E}">
-      <dgm:prSet/>
-      <dgm:spPr/>
-      <dgm:t>
-        <a:bodyPr/>
-        <a:lstStyle/>
-        <a:p>
-          <a:r>
-            <a:rPr lang="en-US" dirty="0"/>
-            <a:t>events</a:t>
-          </a:r>
-        </a:p>
-      </dgm:t>
-    </dgm:pt>
-    <dgm:pt modelId="{DC191CC7-1D58-44A8-A1CC-C3D6AFC8BCFC}" type="parTrans" cxnId="{FA9783B0-DD17-4007-89A9-B0A2218F0063}">
-      <dgm:prSet/>
-      <dgm:spPr/>
-      <dgm:t>
-        <a:bodyPr/>
-        <a:lstStyle/>
-        <a:p>
-          <a:endParaRPr lang="en-US"/>
-        </a:p>
-      </dgm:t>
-    </dgm:pt>
-    <dgm:pt modelId="{2FB0D750-9043-45BE-88E4-843010FBE446}" type="sibTrans" cxnId="{FA9783B0-DD17-4007-89A9-B0A2218F0063}">
-      <dgm:prSet/>
-      <dgm:spPr/>
-      <dgm:t>
-        <a:bodyPr/>
-        <a:lstStyle/>
-        <a:p>
-          <a:endParaRPr lang="en-US"/>
-        </a:p>
-      </dgm:t>
-    </dgm:pt>
-    <dgm:pt modelId="{E0391FF9-4DC8-4765-863C-949E9921EE49}">
-      <dgm:prSet/>
-      <dgm:spPr>
-        <a:solidFill>
-          <a:srgbClr val="FFFF00"/>
-        </a:solidFill>
-      </dgm:spPr>
-      <dgm:t>
-        <a:bodyPr/>
-        <a:lstStyle/>
-        <a:p>
-          <a:r>
-            <a:rPr lang="en-US" dirty="0" err="1">
-              <a:solidFill>
-                <a:schemeClr val="tx1"/>
-              </a:solidFill>
-            </a:rPr>
-            <a:t>nmap</a:t>
-          </a:r>
-          <a:endParaRPr lang="en-US" dirty="0">
-            <a:solidFill>
-              <a:schemeClr val="tx1"/>
-            </a:solidFill>
-          </a:endParaRPr>
-        </a:p>
-      </dgm:t>
-    </dgm:pt>
-    <dgm:pt modelId="{205DDD64-D36A-4B91-A02A-42E44F7805E2}" type="parTrans" cxnId="{095F46BB-CE4E-4B46-9728-80455854E129}">
-      <dgm:prSet/>
-      <dgm:spPr/>
-      <dgm:t>
-        <a:bodyPr/>
-        <a:lstStyle/>
-        <a:p>
-          <a:endParaRPr lang="en-US"/>
-        </a:p>
-      </dgm:t>
-    </dgm:pt>
-    <dgm:pt modelId="{324182F7-1544-4434-AFD8-6D65BEDE772D}" type="sibTrans" cxnId="{095F46BB-CE4E-4B46-9728-80455854E129}">
-      <dgm:prSet/>
-      <dgm:spPr/>
-      <dgm:t>
-        <a:bodyPr/>
-        <a:lstStyle/>
-        <a:p>
-          <a:endParaRPr lang="en-US"/>
-        </a:p>
-      </dgm:t>
-    </dgm:pt>
-    <dgm:pt modelId="{E9528036-FB67-44B7-826E-60D31A3B5902}">
-      <dgm:prSet/>
-      <dgm:spPr>
-        <a:solidFill>
-          <a:schemeClr val="tx1">
-            <a:lumMod val="95000"/>
-            <a:lumOff val="5000"/>
-          </a:schemeClr>
-        </a:solidFill>
-      </dgm:spPr>
-      <dgm:t>
-        <a:bodyPr/>
-        <a:lstStyle/>
-        <a:p>
-          <a:r>
-            <a:rPr lang="en-US" dirty="0"/>
-            <a:t>Other tools</a:t>
-          </a:r>
-        </a:p>
-      </dgm:t>
-    </dgm:pt>
-    <dgm:pt modelId="{243BC7AD-E3A9-45CC-8C03-8EBA56A5AA9D}" type="parTrans" cxnId="{F261D525-3A88-4B5F-B325-4F22B1FAA191}">
-      <dgm:prSet/>
-      <dgm:spPr/>
-      <dgm:t>
-        <a:bodyPr/>
-        <a:lstStyle/>
-        <a:p>
-          <a:endParaRPr lang="en-US"/>
-        </a:p>
-      </dgm:t>
-    </dgm:pt>
-    <dgm:pt modelId="{22C9DB07-FF18-46F2-AB60-641E9A49441F}" type="sibTrans" cxnId="{F261D525-3A88-4B5F-B325-4F22B1FAA191}">
-      <dgm:prSet/>
-      <dgm:spPr/>
-      <dgm:t>
-        <a:bodyPr/>
-        <a:lstStyle/>
-        <a:p>
-          <a:endParaRPr lang="en-US"/>
-        </a:p>
-      </dgm:t>
-    </dgm:pt>
-    <dgm:pt modelId="{4D79C311-9BE1-422D-9898-E71A0D1A4208}">
-      <dgm:prSet/>
-      <dgm:spPr>
-        <a:solidFill>
-          <a:schemeClr val="bg1">
-            <a:lumMod val="50000"/>
-          </a:schemeClr>
-        </a:solidFill>
-      </dgm:spPr>
-      <dgm:t>
-        <a:bodyPr/>
-        <a:lstStyle/>
-        <a:p>
-          <a:r>
-            <a:rPr lang="en-US" dirty="0" err="1"/>
-            <a:t>nmap</a:t>
-          </a:r>
-          <a:endParaRPr lang="en-US" dirty="0"/>
-        </a:p>
-      </dgm:t>
-    </dgm:pt>
-    <dgm:pt modelId="{334585BC-9154-46C1-8399-7196264492DF}" type="parTrans" cxnId="{C4B0AB92-E7DD-4FE4-8066-423CC6EEB680}">
-      <dgm:prSet/>
-      <dgm:spPr/>
-      <dgm:t>
-        <a:bodyPr/>
-        <a:lstStyle/>
-        <a:p>
-          <a:endParaRPr lang="en-US"/>
-        </a:p>
-      </dgm:t>
-    </dgm:pt>
-    <dgm:pt modelId="{799BDEF0-797A-47CF-9E76-DC34E57E0695}" type="sibTrans" cxnId="{C4B0AB92-E7DD-4FE4-8066-423CC6EEB680}">
-      <dgm:prSet/>
-      <dgm:spPr/>
-      <dgm:t>
-        <a:bodyPr/>
-        <a:lstStyle/>
-        <a:p>
-          <a:endParaRPr lang="en-US"/>
-        </a:p>
-      </dgm:t>
-    </dgm:pt>
-    <dgm:pt modelId="{E99EFC4B-556A-4C40-91CC-6366C35F1FC1}">
-      <dgm:prSet/>
-      <dgm:spPr>
-        <a:solidFill>
-          <a:schemeClr val="tx1"/>
-        </a:solidFill>
-      </dgm:spPr>
-      <dgm:t>
-        <a:bodyPr/>
-        <a:lstStyle/>
-        <a:p>
-          <a:r>
-            <a:rPr lang="en-US" dirty="0"/>
-            <a:t>Other tools</a:t>
-          </a:r>
-        </a:p>
-      </dgm:t>
-    </dgm:pt>
-    <dgm:pt modelId="{E8910A07-75CF-4BC3-BA93-E43CBE7DFD5A}" type="parTrans" cxnId="{E5D772DC-FF38-4E96-8654-F088E4FF0EED}">
-      <dgm:prSet/>
-      <dgm:spPr/>
-      <dgm:t>
-        <a:bodyPr/>
-        <a:lstStyle/>
-        <a:p>
-          <a:endParaRPr lang="en-US"/>
-        </a:p>
-      </dgm:t>
-    </dgm:pt>
-    <dgm:pt modelId="{73234766-A437-40AB-ADED-AF1C986C8795}" type="sibTrans" cxnId="{E5D772DC-FF38-4E96-8654-F088E4FF0EED}">
-      <dgm:prSet/>
-      <dgm:spPr/>
-      <dgm:t>
-        <a:bodyPr/>
-        <a:lstStyle/>
-        <a:p>
-          <a:endParaRPr lang="en-US"/>
-        </a:p>
-      </dgm:t>
-    </dgm:pt>
-    <dgm:pt modelId="{8EE77588-A2BD-48A0-8C5E-423333E3BE17}">
-      <dgm:prSet/>
-      <dgm:spPr>
-        <a:solidFill>
-          <a:srgbClr val="FFFF00"/>
-        </a:solidFill>
-      </dgm:spPr>
-      <dgm:t>
-        <a:bodyPr/>
-        <a:lstStyle/>
-        <a:p>
-          <a:r>
-            <a:rPr lang="en-US" dirty="0" err="1">
-              <a:solidFill>
-                <a:schemeClr val="tx1"/>
-              </a:solidFill>
-            </a:rPr>
-            <a:t>nmap</a:t>
-          </a:r>
-          <a:endParaRPr lang="en-US" dirty="0">
-            <a:solidFill>
-              <a:schemeClr val="tx1"/>
-            </a:solidFill>
-          </a:endParaRPr>
-        </a:p>
-      </dgm:t>
-    </dgm:pt>
-    <dgm:pt modelId="{22D3DB2B-B720-4FB2-9ECA-2A154D6F046C}" type="parTrans" cxnId="{E75E1B0C-5AE0-41B6-8D4F-E16DA4D9A4A0}">
-      <dgm:prSet/>
-      <dgm:spPr/>
-      <dgm:t>
-        <a:bodyPr/>
-        <a:lstStyle/>
-        <a:p>
-          <a:endParaRPr lang="en-US"/>
-        </a:p>
-      </dgm:t>
-    </dgm:pt>
-    <dgm:pt modelId="{434206E1-7882-48D3-922E-2BDC471007FC}" type="sibTrans" cxnId="{E75E1B0C-5AE0-41B6-8D4F-E16DA4D9A4A0}">
-      <dgm:prSet/>
-      <dgm:spPr/>
-      <dgm:t>
-        <a:bodyPr/>
-        <a:lstStyle/>
-        <a:p>
-          <a:endParaRPr lang="en-US"/>
-        </a:p>
-      </dgm:t>
-    </dgm:pt>
-    <dgm:pt modelId="{74E87541-0E31-4891-9D2D-7DEC7AF98C5B}">
-      <dgm:prSet/>
-      <dgm:spPr>
-        <a:solidFill>
-          <a:schemeClr val="tx1"/>
-        </a:solidFill>
-      </dgm:spPr>
-      <dgm:t>
-        <a:bodyPr/>
-        <a:lstStyle/>
-        <a:p>
-          <a:r>
-            <a:rPr lang="en-US" dirty="0"/>
-            <a:t>Other tools</a:t>
-          </a:r>
-        </a:p>
-      </dgm:t>
-    </dgm:pt>
-    <dgm:pt modelId="{DD2064BD-E91A-4925-AE30-0826493FFC8C}" type="parTrans" cxnId="{8AE939A4-E7A4-48A5-B45C-2AFCA0C2DB68}">
-      <dgm:prSet/>
-      <dgm:spPr/>
-      <dgm:t>
-        <a:bodyPr/>
-        <a:lstStyle/>
-        <a:p>
-          <a:endParaRPr lang="en-US"/>
-        </a:p>
-      </dgm:t>
-    </dgm:pt>
-    <dgm:pt modelId="{64E9DD3D-7EAD-45CB-B1FE-55F96F8C0495}" type="sibTrans" cxnId="{8AE939A4-E7A4-48A5-B45C-2AFCA0C2DB68}">
-      <dgm:prSet/>
-      <dgm:spPr/>
-      <dgm:t>
-        <a:bodyPr/>
-        <a:lstStyle/>
-        <a:p>
-          <a:endParaRPr lang="en-US"/>
-        </a:p>
-      </dgm:t>
-    </dgm:pt>
-    <dgm:pt modelId="{55C4AE5F-BC03-446F-A7D6-B3BF909B8628}">
-      <dgm:prSet phldrT="[Text]"/>
-      <dgm:spPr/>
-      <dgm:t>
-        <a:bodyPr/>
-        <a:lstStyle/>
-        <a:p>
-          <a:r>
-            <a:rPr lang="en-US" dirty="0"/>
-            <a:t>Event Engine</a:t>
-          </a:r>
-        </a:p>
-      </dgm:t>
-    </dgm:pt>
-    <dgm:pt modelId="{0A93F713-1ECF-4A10-B9CB-D0DF566598DE}" type="sibTrans" cxnId="{11F3E388-C3E1-4BA6-A2AE-55EE63292BAF}">
-      <dgm:prSet/>
-      <dgm:spPr/>
-      <dgm:t>
-        <a:bodyPr/>
-        <a:lstStyle/>
-        <a:p>
-          <a:endParaRPr lang="en-US"/>
-        </a:p>
-      </dgm:t>
-    </dgm:pt>
-    <dgm:pt modelId="{641539A3-7160-417E-A034-C479AA1A1BC2}" type="parTrans" cxnId="{11F3E388-C3E1-4BA6-A2AE-55EE63292BAF}">
-      <dgm:prSet/>
-      <dgm:spPr/>
-      <dgm:t>
-        <a:bodyPr/>
-        <a:lstStyle/>
-        <a:p>
-          <a:endParaRPr lang="en-US"/>
-        </a:p>
-      </dgm:t>
-    </dgm:pt>
-    <dgm:pt modelId="{2244C058-31F9-4B0F-BB70-3B012F81EFCC}">
-      <dgm:prSet/>
-      <dgm:spPr>
-        <a:solidFill>
-          <a:srgbClr val="FFFF00"/>
-        </a:solidFill>
-      </dgm:spPr>
-      <dgm:t>
-        <a:bodyPr/>
-        <a:lstStyle/>
-        <a:p>
-          <a:r>
-            <a:rPr lang="en-US" dirty="0" err="1">
-              <a:solidFill>
-                <a:schemeClr val="tx1"/>
-              </a:solidFill>
-            </a:rPr>
-            <a:t>nmap</a:t>
-          </a:r>
-          <a:endParaRPr lang="en-US" dirty="0">
-            <a:solidFill>
-              <a:schemeClr val="tx1"/>
-            </a:solidFill>
-          </a:endParaRPr>
-        </a:p>
-      </dgm:t>
-    </dgm:pt>
-    <dgm:pt modelId="{B351BB66-431B-46A0-8EDE-DC03A9358512}" type="parTrans" cxnId="{53E1535A-F0D6-4585-B6D4-2892EF567DF3}">
-      <dgm:prSet/>
-      <dgm:spPr/>
-      <dgm:t>
-        <a:bodyPr/>
-        <a:lstStyle/>
-        <a:p>
-          <a:endParaRPr lang="en-US"/>
-        </a:p>
-      </dgm:t>
-    </dgm:pt>
-    <dgm:pt modelId="{6D1F3546-C4D7-4B55-82E3-AAFAEC122ABB}" type="sibTrans" cxnId="{53E1535A-F0D6-4585-B6D4-2892EF567DF3}">
-      <dgm:prSet/>
-      <dgm:spPr/>
-      <dgm:t>
-        <a:bodyPr/>
-        <a:lstStyle/>
-        <a:p>
-          <a:endParaRPr lang="en-US"/>
-        </a:p>
-      </dgm:t>
-    </dgm:pt>
-    <dgm:pt modelId="{AB479E4D-3D0D-4ACB-8160-E00B32997927}">
-      <dgm:prSet/>
-      <dgm:spPr>
-        <a:solidFill>
-          <a:schemeClr val="tx1">
-            <a:lumMod val="95000"/>
-            <a:lumOff val="5000"/>
-          </a:schemeClr>
-        </a:solidFill>
-      </dgm:spPr>
-      <dgm:t>
-        <a:bodyPr/>
-        <a:lstStyle/>
-        <a:p>
-          <a:r>
-            <a:rPr lang="en-US" dirty="0"/>
-            <a:t>Other tools</a:t>
-          </a:r>
-        </a:p>
-      </dgm:t>
-    </dgm:pt>
-    <dgm:pt modelId="{15319E54-3CA0-428F-B663-B723FCB31B1E}" type="parTrans" cxnId="{EF10FFCC-03D6-4B17-9D3B-64BF369EC2F7}">
-      <dgm:prSet/>
-      <dgm:spPr/>
-      <dgm:t>
-        <a:bodyPr/>
-        <a:lstStyle/>
-        <a:p>
-          <a:endParaRPr lang="en-US"/>
-        </a:p>
-      </dgm:t>
-    </dgm:pt>
-    <dgm:pt modelId="{8A8AFD9D-596E-45EE-8C61-A95FF9E1E2B2}" type="sibTrans" cxnId="{EF10FFCC-03D6-4B17-9D3B-64BF369EC2F7}">
-      <dgm:prSet/>
-      <dgm:spPr/>
-      <dgm:t>
-        <a:bodyPr/>
-        <a:lstStyle/>
-        <a:p>
-          <a:endParaRPr lang="en-US"/>
-        </a:p>
-      </dgm:t>
-    </dgm:pt>
-    <dgm:pt modelId="{E58E0E8F-C4E1-4068-A15A-1E5D28D896B9}" type="pres">
-      <dgm:prSet presAssocID="{31565C81-7A9E-4F3E-B8C6-833EE1DFC1FE}" presName="hierChild1" presStyleCnt="0">
-        <dgm:presLayoutVars>
-          <dgm:orgChart val="1"/>
-          <dgm:chPref val="1"/>
-          <dgm:dir/>
-          <dgm:animOne val="branch"/>
-          <dgm:animLvl val="lvl"/>
-          <dgm:resizeHandles/>
-        </dgm:presLayoutVars>
-      </dgm:prSet>
-      <dgm:spPr/>
-      <dgm:t>
-        <a:bodyPr/>
-        <a:lstStyle/>
-        <a:p>
-          <a:endParaRPr lang="en-US"/>
-        </a:p>
-      </dgm:t>
-    </dgm:pt>
-    <dgm:pt modelId="{19C25A53-D642-4DE8-B490-64B8CC9C881E}" type="pres">
-      <dgm:prSet presAssocID="{DF57B128-C664-4D02-B516-FDCC513949C9}" presName="hierRoot1" presStyleCnt="0">
-        <dgm:presLayoutVars>
-          <dgm:hierBranch val="init"/>
-        </dgm:presLayoutVars>
-      </dgm:prSet>
-      <dgm:spPr/>
-    </dgm:pt>
-    <dgm:pt modelId="{0A8CFC64-86AE-478F-B715-DC1A12DF710F}" type="pres">
-      <dgm:prSet presAssocID="{DF57B128-C664-4D02-B516-FDCC513949C9}" presName="rootComposite1" presStyleCnt="0"/>
-      <dgm:spPr/>
-    </dgm:pt>
-    <dgm:pt modelId="{349BCB94-383C-4BE0-8532-DFD247920B86}" type="pres">
-      <dgm:prSet presAssocID="{DF57B128-C664-4D02-B516-FDCC513949C9}" presName="rootText1" presStyleLbl="node0" presStyleIdx="0" presStyleCnt="1">
-        <dgm:presLayoutVars>
-          <dgm:chPref val="3"/>
-        </dgm:presLayoutVars>
-      </dgm:prSet>
-      <dgm:spPr/>
-      <dgm:t>
-        <a:bodyPr/>
-        <a:lstStyle/>
-        <a:p>
-          <a:endParaRPr lang="en-US"/>
-        </a:p>
-      </dgm:t>
-    </dgm:pt>
-    <dgm:pt modelId="{503816A1-AA7C-4720-A99A-25640966AA1A}" type="pres">
-      <dgm:prSet presAssocID="{DF57B128-C664-4D02-B516-FDCC513949C9}" presName="rootConnector1" presStyleLbl="node1" presStyleIdx="0" presStyleCnt="0"/>
-      <dgm:spPr/>
-      <dgm:t>
-        <a:bodyPr/>
-        <a:lstStyle/>
-        <a:p>
-          <a:endParaRPr lang="en-US"/>
-        </a:p>
-      </dgm:t>
-    </dgm:pt>
-    <dgm:pt modelId="{AE4436F0-52C7-4DFD-8EE3-D8DA4A966288}" type="pres">
-      <dgm:prSet presAssocID="{DF57B128-C664-4D02-B516-FDCC513949C9}" presName="hierChild2" presStyleCnt="0"/>
-      <dgm:spPr/>
-    </dgm:pt>
-    <dgm:pt modelId="{0E646F0F-9331-4DA3-9DEB-EE0F24F45BB4}" type="pres">
-      <dgm:prSet presAssocID="{1D5B0B57-3A9A-4549-AF9E-07903B2BDD16}" presName="Name37" presStyleLbl="parChTrans1D2" presStyleIdx="0" presStyleCnt="3"/>
-      <dgm:spPr/>
-      <dgm:t>
-        <a:bodyPr/>
-        <a:lstStyle/>
-        <a:p>
-          <a:endParaRPr lang="en-US"/>
-        </a:p>
-      </dgm:t>
-    </dgm:pt>
-    <dgm:pt modelId="{7414E718-9682-4265-922F-F520A859C1C3}" type="pres">
-      <dgm:prSet presAssocID="{5D892480-2111-470E-A9E5-A758CCCC41D7}" presName="hierRoot2" presStyleCnt="0">
-        <dgm:presLayoutVars>
-          <dgm:hierBranch val="init"/>
-        </dgm:presLayoutVars>
-      </dgm:prSet>
-      <dgm:spPr/>
-    </dgm:pt>
-    <dgm:pt modelId="{4EA065E2-8F17-4677-8E76-D6FBF2AD7CBA}" type="pres">
-      <dgm:prSet presAssocID="{5D892480-2111-470E-A9E5-A758CCCC41D7}" presName="rootComposite" presStyleCnt="0"/>
-      <dgm:spPr/>
-    </dgm:pt>
-    <dgm:pt modelId="{7A50A012-E5E3-483C-AEFC-35A2EC124F8F}" type="pres">
-      <dgm:prSet presAssocID="{5D892480-2111-470E-A9E5-A758CCCC41D7}" presName="rootText" presStyleLbl="node2" presStyleIdx="0" presStyleCnt="3">
-        <dgm:presLayoutVars>
-          <dgm:chPref val="3"/>
-        </dgm:presLayoutVars>
-      </dgm:prSet>
-      <dgm:spPr/>
-      <dgm:t>
-        <a:bodyPr/>
-        <a:lstStyle/>
-        <a:p>
-          <a:endParaRPr lang="en-US"/>
-        </a:p>
-      </dgm:t>
-    </dgm:pt>
-    <dgm:pt modelId="{8F8C7C0E-539A-4A5B-AB48-BF4D61AB38AF}" type="pres">
-      <dgm:prSet presAssocID="{5D892480-2111-470E-A9E5-A758CCCC41D7}" presName="rootConnector" presStyleLbl="node2" presStyleIdx="0" presStyleCnt="3"/>
-      <dgm:spPr/>
-      <dgm:t>
-        <a:bodyPr/>
-        <a:lstStyle/>
-        <a:p>
-          <a:endParaRPr lang="en-US"/>
-        </a:p>
-      </dgm:t>
-    </dgm:pt>
-    <dgm:pt modelId="{AED81346-3C27-42C4-9055-E8D27B9BEA53}" type="pres">
-      <dgm:prSet presAssocID="{5D892480-2111-470E-A9E5-A758CCCC41D7}" presName="hierChild4" presStyleCnt="0"/>
-      <dgm:spPr/>
-    </dgm:pt>
-    <dgm:pt modelId="{80277B79-2931-4AFE-A218-164F1D06D490}" type="pres">
-      <dgm:prSet presAssocID="{9D65F840-5277-486D-AFA1-814284C1C35C}" presName="Name37" presStyleLbl="parChTrans1D3" presStyleIdx="0" presStyleCnt="6"/>
-      <dgm:spPr/>
-      <dgm:t>
-        <a:bodyPr/>
-        <a:lstStyle/>
-        <a:p>
-          <a:endParaRPr lang="en-US"/>
-        </a:p>
-      </dgm:t>
-    </dgm:pt>
-    <dgm:pt modelId="{9B206C21-8C5F-4519-9C3F-4C9AFC74A273}" type="pres">
-      <dgm:prSet presAssocID="{C0C3B2F2-B659-4CD4-B445-513AD75B0923}" presName="hierRoot2" presStyleCnt="0">
-        <dgm:presLayoutVars>
-          <dgm:hierBranch/>
-        </dgm:presLayoutVars>
-      </dgm:prSet>
-      <dgm:spPr/>
-    </dgm:pt>
-    <dgm:pt modelId="{F3086B9A-1A90-431E-8C08-0049527CBC75}" type="pres">
-      <dgm:prSet presAssocID="{C0C3B2F2-B659-4CD4-B445-513AD75B0923}" presName="rootComposite" presStyleCnt="0"/>
-      <dgm:spPr/>
-    </dgm:pt>
-    <dgm:pt modelId="{A7CBC2B9-5B82-4ED7-85CF-F81D50F92B1E}" type="pres">
-      <dgm:prSet presAssocID="{C0C3B2F2-B659-4CD4-B445-513AD75B0923}" presName="rootText" presStyleLbl="node3" presStyleIdx="0" presStyleCnt="6">
-        <dgm:presLayoutVars>
-          <dgm:chPref val="3"/>
-        </dgm:presLayoutVars>
-      </dgm:prSet>
-      <dgm:spPr/>
-      <dgm:t>
-        <a:bodyPr/>
-        <a:lstStyle/>
-        <a:p>
-          <a:endParaRPr lang="en-US"/>
-        </a:p>
-      </dgm:t>
-    </dgm:pt>
-    <dgm:pt modelId="{A944832C-8BBE-469B-B5A5-D802A53F698F}" type="pres">
-      <dgm:prSet presAssocID="{C0C3B2F2-B659-4CD4-B445-513AD75B0923}" presName="rootConnector" presStyleLbl="node3" presStyleIdx="0" presStyleCnt="6"/>
-      <dgm:spPr/>
-      <dgm:t>
-        <a:bodyPr/>
-        <a:lstStyle/>
-        <a:p>
-          <a:endParaRPr lang="en-US"/>
-        </a:p>
-      </dgm:t>
-    </dgm:pt>
-    <dgm:pt modelId="{2F9DE05D-9882-41B4-8659-AB2DF916D78C}" type="pres">
-      <dgm:prSet presAssocID="{C0C3B2F2-B659-4CD4-B445-513AD75B0923}" presName="hierChild4" presStyleCnt="0"/>
-      <dgm:spPr/>
-    </dgm:pt>
-    <dgm:pt modelId="{21842CD1-DEBF-4B79-A03F-E4CABCD9B940}" type="pres">
-      <dgm:prSet presAssocID="{205DDD64-D36A-4B91-A02A-42E44F7805E2}" presName="Name35" presStyleLbl="parChTrans1D4" presStyleIdx="0" presStyleCnt="4"/>
-      <dgm:spPr/>
-      <dgm:t>
-        <a:bodyPr/>
-        <a:lstStyle/>
-        <a:p>
-          <a:endParaRPr lang="en-US"/>
-        </a:p>
-      </dgm:t>
-    </dgm:pt>
-    <dgm:pt modelId="{61F69DA5-3789-4788-B1FB-82EC107B4B05}" type="pres">
-      <dgm:prSet presAssocID="{E0391FF9-4DC8-4765-863C-949E9921EE49}" presName="hierRoot2" presStyleCnt="0">
-        <dgm:presLayoutVars>
-          <dgm:hierBranch val="init"/>
-        </dgm:presLayoutVars>
-      </dgm:prSet>
-      <dgm:spPr/>
-    </dgm:pt>
-    <dgm:pt modelId="{A126B73F-BE37-4B24-B3E7-50C9D6098228}" type="pres">
-      <dgm:prSet presAssocID="{E0391FF9-4DC8-4765-863C-949E9921EE49}" presName="rootComposite" presStyleCnt="0"/>
-      <dgm:spPr/>
-    </dgm:pt>
-    <dgm:pt modelId="{FC46E320-3342-473F-A1D3-C1308A477085}" type="pres">
-      <dgm:prSet presAssocID="{E0391FF9-4DC8-4765-863C-949E9921EE49}" presName="rootText" presStyleLbl="node4" presStyleIdx="0" presStyleCnt="4">
-        <dgm:presLayoutVars>
-          <dgm:chPref val="3"/>
-        </dgm:presLayoutVars>
-      </dgm:prSet>
-      <dgm:spPr/>
-      <dgm:t>
-        <a:bodyPr/>
-        <a:lstStyle/>
-        <a:p>
-          <a:endParaRPr lang="en-US"/>
-        </a:p>
-      </dgm:t>
-    </dgm:pt>
-    <dgm:pt modelId="{2DF00B5C-E1DA-4265-A6D2-1B3F32D1F2AF}" type="pres">
-      <dgm:prSet presAssocID="{E0391FF9-4DC8-4765-863C-949E9921EE49}" presName="rootConnector" presStyleLbl="node4" presStyleIdx="0" presStyleCnt="4"/>
-      <dgm:spPr/>
-      <dgm:t>
-        <a:bodyPr/>
-        <a:lstStyle/>
-        <a:p>
-          <a:endParaRPr lang="en-US"/>
-        </a:p>
-      </dgm:t>
-    </dgm:pt>
-    <dgm:pt modelId="{69F73EBE-3897-4789-8971-72C5B69ED9C7}" type="pres">
-      <dgm:prSet presAssocID="{E0391FF9-4DC8-4765-863C-949E9921EE49}" presName="hierChild4" presStyleCnt="0"/>
-      <dgm:spPr/>
-    </dgm:pt>
-    <dgm:pt modelId="{FA3770DE-CCD0-4F23-9D12-F92FA790227E}" type="pres">
-      <dgm:prSet presAssocID="{E0391FF9-4DC8-4765-863C-949E9921EE49}" presName="hierChild5" presStyleCnt="0"/>
-      <dgm:spPr/>
-    </dgm:pt>
-    <dgm:pt modelId="{34F19313-B642-4442-8F80-985854F1EA5C}" type="pres">
-      <dgm:prSet presAssocID="{243BC7AD-E3A9-45CC-8C03-8EBA56A5AA9D}" presName="Name35" presStyleLbl="parChTrans1D4" presStyleIdx="1" presStyleCnt="4"/>
-      <dgm:spPr/>
-      <dgm:t>
-        <a:bodyPr/>
-        <a:lstStyle/>
-        <a:p>
-          <a:endParaRPr lang="en-US"/>
-        </a:p>
-      </dgm:t>
-    </dgm:pt>
-    <dgm:pt modelId="{FCC124DF-DCB1-4496-BCA4-D240E5DE89A4}" type="pres">
-      <dgm:prSet presAssocID="{E9528036-FB67-44B7-826E-60D31A3B5902}" presName="hierRoot2" presStyleCnt="0">
-        <dgm:presLayoutVars>
-          <dgm:hierBranch val="init"/>
-        </dgm:presLayoutVars>
-      </dgm:prSet>
-      <dgm:spPr/>
-    </dgm:pt>
-    <dgm:pt modelId="{E567E1BF-DCDA-4B88-A874-5594DD970E21}" type="pres">
-      <dgm:prSet presAssocID="{E9528036-FB67-44B7-826E-60D31A3B5902}" presName="rootComposite" presStyleCnt="0"/>
-      <dgm:spPr/>
-    </dgm:pt>
-    <dgm:pt modelId="{3711ADB5-56C0-4957-8465-B5F3B0EDD967}" type="pres">
-      <dgm:prSet presAssocID="{E9528036-FB67-44B7-826E-60D31A3B5902}" presName="rootText" presStyleLbl="node4" presStyleIdx="1" presStyleCnt="4">
-        <dgm:presLayoutVars>
-          <dgm:chPref val="3"/>
-        </dgm:presLayoutVars>
-      </dgm:prSet>
-      <dgm:spPr/>
-      <dgm:t>
-        <a:bodyPr/>
-        <a:lstStyle/>
-        <a:p>
-          <a:endParaRPr lang="en-US"/>
-        </a:p>
-      </dgm:t>
-    </dgm:pt>
-    <dgm:pt modelId="{EC8CC0B3-EC4E-452F-A7B5-E1E4DD8062EB}" type="pres">
-      <dgm:prSet presAssocID="{E9528036-FB67-44B7-826E-60D31A3B5902}" presName="rootConnector" presStyleLbl="node4" presStyleIdx="1" presStyleCnt="4"/>
-      <dgm:spPr/>
-      <dgm:t>
-        <a:bodyPr/>
-        <a:lstStyle/>
-        <a:p>
-          <a:endParaRPr lang="en-US"/>
-        </a:p>
-      </dgm:t>
-    </dgm:pt>
-    <dgm:pt modelId="{40BB238A-8F4C-4932-8631-2C8F1150F435}" type="pres">
-      <dgm:prSet presAssocID="{E9528036-FB67-44B7-826E-60D31A3B5902}" presName="hierChild4" presStyleCnt="0"/>
-      <dgm:spPr/>
-    </dgm:pt>
-    <dgm:pt modelId="{538EF79B-EE56-437D-96FB-1A46150576E4}" type="pres">
-      <dgm:prSet presAssocID="{E9528036-FB67-44B7-826E-60D31A3B5902}" presName="hierChild5" presStyleCnt="0"/>
-      <dgm:spPr/>
-    </dgm:pt>
-    <dgm:pt modelId="{D2A9E919-5B49-4304-8278-38FA8CF48F02}" type="pres">
-      <dgm:prSet presAssocID="{C0C3B2F2-B659-4CD4-B445-513AD75B0923}" presName="hierChild5" presStyleCnt="0"/>
-      <dgm:spPr/>
-    </dgm:pt>
-    <dgm:pt modelId="{21138010-7E99-4575-A601-F5EE1854649C}" type="pres">
-      <dgm:prSet presAssocID="{DC191CC7-1D58-44A8-A1CC-C3D6AFC8BCFC}" presName="Name37" presStyleLbl="parChTrans1D3" presStyleIdx="1" presStyleCnt="6"/>
-      <dgm:spPr/>
-      <dgm:t>
-        <a:bodyPr/>
-        <a:lstStyle/>
-        <a:p>
-          <a:endParaRPr lang="en-US"/>
-        </a:p>
-      </dgm:t>
-    </dgm:pt>
-    <dgm:pt modelId="{ADC2D650-0626-4E6A-A918-6DD88B03F4E4}" type="pres">
-      <dgm:prSet presAssocID="{4962ED95-5189-4B93-AE27-1D358E3E4C6E}" presName="hierRoot2" presStyleCnt="0">
-        <dgm:presLayoutVars>
-          <dgm:hierBranch/>
-        </dgm:presLayoutVars>
-      </dgm:prSet>
-      <dgm:spPr/>
-    </dgm:pt>
-    <dgm:pt modelId="{116360A0-61A2-47EC-A26C-2B1FD7883889}" type="pres">
-      <dgm:prSet presAssocID="{4962ED95-5189-4B93-AE27-1D358E3E4C6E}" presName="rootComposite" presStyleCnt="0"/>
-      <dgm:spPr/>
-    </dgm:pt>
-    <dgm:pt modelId="{FFA7BA04-7BBF-4FD7-876C-55BDB17982CC}" type="pres">
-      <dgm:prSet presAssocID="{4962ED95-5189-4B93-AE27-1D358E3E4C6E}" presName="rootText" presStyleLbl="node3" presStyleIdx="1" presStyleCnt="6">
-        <dgm:presLayoutVars>
-          <dgm:chPref val="3"/>
-        </dgm:presLayoutVars>
-      </dgm:prSet>
-      <dgm:spPr/>
-      <dgm:t>
-        <a:bodyPr/>
-        <a:lstStyle/>
-        <a:p>
-          <a:endParaRPr lang="en-US"/>
-        </a:p>
-      </dgm:t>
-    </dgm:pt>
-    <dgm:pt modelId="{B6552D55-F1A9-43A2-A8E8-7C3F2ED57E7F}" type="pres">
-      <dgm:prSet presAssocID="{4962ED95-5189-4B93-AE27-1D358E3E4C6E}" presName="rootConnector" presStyleLbl="node3" presStyleIdx="1" presStyleCnt="6"/>
-      <dgm:spPr/>
-      <dgm:t>
-        <a:bodyPr/>
-        <a:lstStyle/>
-        <a:p>
-          <a:endParaRPr lang="en-US"/>
-        </a:p>
-      </dgm:t>
-    </dgm:pt>
-    <dgm:pt modelId="{7C9726DB-29E4-4468-9135-B221FD32EA29}" type="pres">
-      <dgm:prSet presAssocID="{4962ED95-5189-4B93-AE27-1D358E3E4C6E}" presName="hierChild4" presStyleCnt="0"/>
-      <dgm:spPr/>
-    </dgm:pt>
-    <dgm:pt modelId="{9062609F-A089-4DB6-AA69-8BC458540DF3}" type="pres">
-      <dgm:prSet presAssocID="{22D3DB2B-B720-4FB2-9ECA-2A154D6F046C}" presName="Name35" presStyleLbl="parChTrans1D4" presStyleIdx="2" presStyleCnt="4"/>
-      <dgm:spPr/>
-      <dgm:t>
-        <a:bodyPr/>
-        <a:lstStyle/>
-        <a:p>
-          <a:endParaRPr lang="en-US"/>
-        </a:p>
-      </dgm:t>
-    </dgm:pt>
-    <dgm:pt modelId="{E1E94D30-312A-4C7D-BC01-CF93E111D293}" type="pres">
-      <dgm:prSet presAssocID="{8EE77588-A2BD-48A0-8C5E-423333E3BE17}" presName="hierRoot2" presStyleCnt="0">
-        <dgm:presLayoutVars>
-          <dgm:hierBranch val="init"/>
-        </dgm:presLayoutVars>
-      </dgm:prSet>
-      <dgm:spPr/>
-    </dgm:pt>
-    <dgm:pt modelId="{40DC6F6D-E417-4342-BB62-C1A65E44CA7D}" type="pres">
-      <dgm:prSet presAssocID="{8EE77588-A2BD-48A0-8C5E-423333E3BE17}" presName="rootComposite" presStyleCnt="0"/>
-      <dgm:spPr/>
-    </dgm:pt>
-    <dgm:pt modelId="{0545150D-2AB7-49B9-B2A3-C2D7E00E1330}" type="pres">
-      <dgm:prSet presAssocID="{8EE77588-A2BD-48A0-8C5E-423333E3BE17}" presName="rootText" presStyleLbl="node4" presStyleIdx="2" presStyleCnt="4">
-        <dgm:presLayoutVars>
-          <dgm:chPref val="3"/>
-        </dgm:presLayoutVars>
-      </dgm:prSet>
-      <dgm:spPr/>
-      <dgm:t>
-        <a:bodyPr/>
-        <a:lstStyle/>
-        <a:p>
-          <a:endParaRPr lang="en-US"/>
-        </a:p>
-      </dgm:t>
-    </dgm:pt>
-    <dgm:pt modelId="{390086D9-BC20-4E2E-ACBA-B374735155BC}" type="pres">
-      <dgm:prSet presAssocID="{8EE77588-A2BD-48A0-8C5E-423333E3BE17}" presName="rootConnector" presStyleLbl="node4" presStyleIdx="2" presStyleCnt="4"/>
-      <dgm:spPr/>
-      <dgm:t>
-        <a:bodyPr/>
-        <a:lstStyle/>
-        <a:p>
-          <a:endParaRPr lang="en-US"/>
-        </a:p>
-      </dgm:t>
-    </dgm:pt>
-    <dgm:pt modelId="{F748EFDB-BB20-456C-89A9-21C05656FDAE}" type="pres">
-      <dgm:prSet presAssocID="{8EE77588-A2BD-48A0-8C5E-423333E3BE17}" presName="hierChild4" presStyleCnt="0"/>
-      <dgm:spPr/>
-    </dgm:pt>
-    <dgm:pt modelId="{1FFD77F4-271B-4369-BC45-6A22C075A9F7}" type="pres">
-      <dgm:prSet presAssocID="{8EE77588-A2BD-48A0-8C5E-423333E3BE17}" presName="hierChild5" presStyleCnt="0"/>
-      <dgm:spPr/>
-    </dgm:pt>
-    <dgm:pt modelId="{A510D4A6-5771-4C2A-9B82-26E9EA931CF3}" type="pres">
-      <dgm:prSet presAssocID="{DD2064BD-E91A-4925-AE30-0826493FFC8C}" presName="Name35" presStyleLbl="parChTrans1D4" presStyleIdx="3" presStyleCnt="4"/>
-      <dgm:spPr/>
-      <dgm:t>
-        <a:bodyPr/>
-        <a:lstStyle/>
-        <a:p>
-          <a:endParaRPr lang="en-US"/>
-        </a:p>
-      </dgm:t>
-    </dgm:pt>
-    <dgm:pt modelId="{EF92F7E8-E1E9-4814-8108-B50B8EEECD73}" type="pres">
-      <dgm:prSet presAssocID="{74E87541-0E31-4891-9D2D-7DEC7AF98C5B}" presName="hierRoot2" presStyleCnt="0">
-        <dgm:presLayoutVars>
-          <dgm:hierBranch val="init"/>
-        </dgm:presLayoutVars>
-      </dgm:prSet>
-      <dgm:spPr/>
-    </dgm:pt>
-    <dgm:pt modelId="{14EDFDD7-7170-493F-A940-00B14B32BCD3}" type="pres">
-      <dgm:prSet presAssocID="{74E87541-0E31-4891-9D2D-7DEC7AF98C5B}" presName="rootComposite" presStyleCnt="0"/>
-      <dgm:spPr/>
-    </dgm:pt>
-    <dgm:pt modelId="{34803EC4-70F4-40B1-A485-CA1B96C3386F}" type="pres">
-      <dgm:prSet presAssocID="{74E87541-0E31-4891-9D2D-7DEC7AF98C5B}" presName="rootText" presStyleLbl="node4" presStyleIdx="3" presStyleCnt="4">
-        <dgm:presLayoutVars>
-          <dgm:chPref val="3"/>
-        </dgm:presLayoutVars>
-      </dgm:prSet>
-      <dgm:spPr/>
-      <dgm:t>
-        <a:bodyPr/>
-        <a:lstStyle/>
-        <a:p>
-          <a:endParaRPr lang="en-US"/>
-        </a:p>
-      </dgm:t>
-    </dgm:pt>
-    <dgm:pt modelId="{7A7A93D4-E841-4572-A8FE-BD4E34FD949A}" type="pres">
-      <dgm:prSet presAssocID="{74E87541-0E31-4891-9D2D-7DEC7AF98C5B}" presName="rootConnector" presStyleLbl="node4" presStyleIdx="3" presStyleCnt="4"/>
-      <dgm:spPr/>
-      <dgm:t>
-        <a:bodyPr/>
-        <a:lstStyle/>
-        <a:p>
-          <a:endParaRPr lang="en-US"/>
-        </a:p>
-      </dgm:t>
-    </dgm:pt>
-    <dgm:pt modelId="{15EA3B29-0A36-4E9F-B0CF-7CB618044777}" type="pres">
-      <dgm:prSet presAssocID="{74E87541-0E31-4891-9D2D-7DEC7AF98C5B}" presName="hierChild4" presStyleCnt="0"/>
-      <dgm:spPr/>
-    </dgm:pt>
-    <dgm:pt modelId="{A78CB101-65E6-45AA-8D33-C4A4A8567577}" type="pres">
-      <dgm:prSet presAssocID="{74E87541-0E31-4891-9D2D-7DEC7AF98C5B}" presName="hierChild5" presStyleCnt="0"/>
-      <dgm:spPr/>
-    </dgm:pt>
-    <dgm:pt modelId="{93E76451-7F39-47A3-B06C-8A42B36F68C7}" type="pres">
-      <dgm:prSet presAssocID="{4962ED95-5189-4B93-AE27-1D358E3E4C6E}" presName="hierChild5" presStyleCnt="0"/>
-      <dgm:spPr/>
-    </dgm:pt>
-    <dgm:pt modelId="{62F2D372-B3DE-4F65-93FD-4BF57C24991C}" type="pres">
-      <dgm:prSet presAssocID="{5D892480-2111-470E-A9E5-A758CCCC41D7}" presName="hierChild5" presStyleCnt="0"/>
-      <dgm:spPr/>
-    </dgm:pt>
-    <dgm:pt modelId="{90B0A7DA-CD69-4066-9AA5-5299361A29B6}" type="pres">
-      <dgm:prSet presAssocID="{641539A3-7160-417E-A034-C479AA1A1BC2}" presName="Name37" presStyleLbl="parChTrans1D2" presStyleIdx="1" presStyleCnt="3"/>
-      <dgm:spPr/>
-      <dgm:t>
-        <a:bodyPr/>
-        <a:lstStyle/>
-        <a:p>
-          <a:endParaRPr lang="en-US"/>
-        </a:p>
-      </dgm:t>
-    </dgm:pt>
-    <dgm:pt modelId="{B53695B7-9893-4469-B8D0-BFB13B6AF204}" type="pres">
-      <dgm:prSet presAssocID="{55C4AE5F-BC03-446F-A7D6-B3BF909B8628}" presName="hierRoot2" presStyleCnt="0">
-        <dgm:presLayoutVars>
-          <dgm:hierBranch val="init"/>
-        </dgm:presLayoutVars>
-      </dgm:prSet>
-      <dgm:spPr/>
-    </dgm:pt>
-    <dgm:pt modelId="{137F7ED4-AAE5-43E1-8606-9F172111B813}" type="pres">
-      <dgm:prSet presAssocID="{55C4AE5F-BC03-446F-A7D6-B3BF909B8628}" presName="rootComposite" presStyleCnt="0"/>
-      <dgm:spPr/>
-    </dgm:pt>
-    <dgm:pt modelId="{0C9576CE-7324-464D-ABC7-8BF130E078AE}" type="pres">
-      <dgm:prSet presAssocID="{55C4AE5F-BC03-446F-A7D6-B3BF909B8628}" presName="rootText" presStyleLbl="node2" presStyleIdx="1" presStyleCnt="3">
-        <dgm:presLayoutVars>
-          <dgm:chPref val="3"/>
-        </dgm:presLayoutVars>
-      </dgm:prSet>
-      <dgm:spPr/>
-      <dgm:t>
-        <a:bodyPr/>
-        <a:lstStyle/>
-        <a:p>
-          <a:endParaRPr lang="en-US"/>
-        </a:p>
-      </dgm:t>
-    </dgm:pt>
-    <dgm:pt modelId="{6CA04B38-6533-492F-B7C0-12BC3DFB9F11}" type="pres">
-      <dgm:prSet presAssocID="{55C4AE5F-BC03-446F-A7D6-B3BF909B8628}" presName="rootConnector" presStyleLbl="node2" presStyleIdx="1" presStyleCnt="3"/>
-      <dgm:spPr/>
-      <dgm:t>
-        <a:bodyPr/>
-        <a:lstStyle/>
-        <a:p>
-          <a:endParaRPr lang="en-US"/>
-        </a:p>
-      </dgm:t>
-    </dgm:pt>
-    <dgm:pt modelId="{703F8E15-A84A-42B6-988F-3F1277EB4A94}" type="pres">
-      <dgm:prSet presAssocID="{55C4AE5F-BC03-446F-A7D6-B3BF909B8628}" presName="hierChild4" presStyleCnt="0"/>
-      <dgm:spPr/>
-    </dgm:pt>
-    <dgm:pt modelId="{1F8B16A0-4B8D-4835-80BA-3CDDBC5CA0A1}" type="pres">
-      <dgm:prSet presAssocID="{B351BB66-431B-46A0-8EDE-DC03A9358512}" presName="Name37" presStyleLbl="parChTrans1D3" presStyleIdx="2" presStyleCnt="6"/>
-      <dgm:spPr/>
-      <dgm:t>
-        <a:bodyPr/>
-        <a:lstStyle/>
-        <a:p>
-          <a:endParaRPr lang="en-US"/>
-        </a:p>
-      </dgm:t>
-    </dgm:pt>
-    <dgm:pt modelId="{2C9AC379-C105-4942-9BFE-44F4818C51A7}" type="pres">
-      <dgm:prSet presAssocID="{2244C058-31F9-4B0F-BB70-3B012F81EFCC}" presName="hierRoot2" presStyleCnt="0">
-        <dgm:presLayoutVars>
-          <dgm:hierBranch val="init"/>
-        </dgm:presLayoutVars>
-      </dgm:prSet>
-      <dgm:spPr/>
-    </dgm:pt>
-    <dgm:pt modelId="{837B7EC2-F2B4-4E26-9D9A-54B7D6E1A2E8}" type="pres">
-      <dgm:prSet presAssocID="{2244C058-31F9-4B0F-BB70-3B012F81EFCC}" presName="rootComposite" presStyleCnt="0"/>
-      <dgm:spPr/>
-    </dgm:pt>
-    <dgm:pt modelId="{C293DC7A-4B8A-4D4C-954A-2EDE549DC992}" type="pres">
-      <dgm:prSet presAssocID="{2244C058-31F9-4B0F-BB70-3B012F81EFCC}" presName="rootText" presStyleLbl="node3" presStyleIdx="2" presStyleCnt="6">
-        <dgm:presLayoutVars>
-          <dgm:chPref val="3"/>
-        </dgm:presLayoutVars>
-      </dgm:prSet>
-      <dgm:spPr/>
-      <dgm:t>
-        <a:bodyPr/>
-        <a:lstStyle/>
-        <a:p>
-          <a:endParaRPr lang="en-US"/>
-        </a:p>
-      </dgm:t>
-    </dgm:pt>
-    <dgm:pt modelId="{E75C400F-4120-4056-B16C-1904BBAC9EB5}" type="pres">
-      <dgm:prSet presAssocID="{2244C058-31F9-4B0F-BB70-3B012F81EFCC}" presName="rootConnector" presStyleLbl="node3" presStyleIdx="2" presStyleCnt="6"/>
-      <dgm:spPr/>
-      <dgm:t>
-        <a:bodyPr/>
-        <a:lstStyle/>
-        <a:p>
-          <a:endParaRPr lang="en-US"/>
-        </a:p>
-      </dgm:t>
-    </dgm:pt>
-    <dgm:pt modelId="{12F1E9A3-B02C-4C95-AD65-38466F212D3D}" type="pres">
-      <dgm:prSet presAssocID="{2244C058-31F9-4B0F-BB70-3B012F81EFCC}" presName="hierChild4" presStyleCnt="0"/>
-      <dgm:spPr/>
-    </dgm:pt>
-    <dgm:pt modelId="{9C169353-78A5-4882-A817-6ECCCA0C9E64}" type="pres">
-      <dgm:prSet presAssocID="{2244C058-31F9-4B0F-BB70-3B012F81EFCC}" presName="hierChild5" presStyleCnt="0"/>
-      <dgm:spPr/>
-    </dgm:pt>
-    <dgm:pt modelId="{EE774071-5899-416C-9A52-2AB7C02FF590}" type="pres">
-      <dgm:prSet presAssocID="{15319E54-3CA0-428F-B663-B723FCB31B1E}" presName="Name37" presStyleLbl="parChTrans1D3" presStyleIdx="3" presStyleCnt="6"/>
-      <dgm:spPr/>
-      <dgm:t>
-        <a:bodyPr/>
-        <a:lstStyle/>
-        <a:p>
-          <a:endParaRPr lang="en-US"/>
-        </a:p>
-      </dgm:t>
-    </dgm:pt>
-    <dgm:pt modelId="{766F9166-7216-4B14-BC29-EE55CE244ADE}" type="pres">
-      <dgm:prSet presAssocID="{AB479E4D-3D0D-4ACB-8160-E00B32997927}" presName="hierRoot2" presStyleCnt="0">
-        <dgm:presLayoutVars>
-          <dgm:hierBranch val="init"/>
-        </dgm:presLayoutVars>
-      </dgm:prSet>
-      <dgm:spPr/>
-    </dgm:pt>
-    <dgm:pt modelId="{C112E0CA-4294-4AFD-B47D-AB9AE8AC2DCA}" type="pres">
-      <dgm:prSet presAssocID="{AB479E4D-3D0D-4ACB-8160-E00B32997927}" presName="rootComposite" presStyleCnt="0"/>
-      <dgm:spPr/>
-    </dgm:pt>
-    <dgm:pt modelId="{57977005-7250-4970-9F30-58E18A9FEE91}" type="pres">
-      <dgm:prSet presAssocID="{AB479E4D-3D0D-4ACB-8160-E00B32997927}" presName="rootText" presStyleLbl="node3" presStyleIdx="3" presStyleCnt="6">
-        <dgm:presLayoutVars>
-          <dgm:chPref val="3"/>
-        </dgm:presLayoutVars>
-      </dgm:prSet>
-      <dgm:spPr/>
-      <dgm:t>
-        <a:bodyPr/>
-        <a:lstStyle/>
-        <a:p>
-          <a:endParaRPr lang="en-US"/>
-        </a:p>
-      </dgm:t>
-    </dgm:pt>
-    <dgm:pt modelId="{56498C47-D83A-4F6B-A7AF-ABD8548AEFF4}" type="pres">
-      <dgm:prSet presAssocID="{AB479E4D-3D0D-4ACB-8160-E00B32997927}" presName="rootConnector" presStyleLbl="node3" presStyleIdx="3" presStyleCnt="6"/>
-      <dgm:spPr/>
-      <dgm:t>
-        <a:bodyPr/>
-        <a:lstStyle/>
-        <a:p>
-          <a:endParaRPr lang="en-US"/>
-        </a:p>
-      </dgm:t>
-    </dgm:pt>
-    <dgm:pt modelId="{9A074EFF-10DC-42E6-BE40-CA0FCC7A6660}" type="pres">
-      <dgm:prSet presAssocID="{AB479E4D-3D0D-4ACB-8160-E00B32997927}" presName="hierChild4" presStyleCnt="0"/>
-      <dgm:spPr/>
-    </dgm:pt>
-    <dgm:pt modelId="{33223ACC-E9A9-4DE7-9BEF-F44894A957C4}" type="pres">
-      <dgm:prSet presAssocID="{AB479E4D-3D0D-4ACB-8160-E00B32997927}" presName="hierChild5" presStyleCnt="0"/>
-      <dgm:spPr/>
-    </dgm:pt>
-    <dgm:pt modelId="{3F556203-9B3D-480F-89D5-74495B8652F2}" type="pres">
-      <dgm:prSet presAssocID="{55C4AE5F-BC03-446F-A7D6-B3BF909B8628}" presName="hierChild5" presStyleCnt="0"/>
-      <dgm:spPr/>
-    </dgm:pt>
-    <dgm:pt modelId="{03F67997-E206-41DB-B279-054262D1EA83}" type="pres">
-      <dgm:prSet presAssocID="{C4F37020-485D-4220-B399-48D104F3DF0D}" presName="Name37" presStyleLbl="parChTrans1D2" presStyleIdx="2" presStyleCnt="3"/>
-      <dgm:spPr/>
-      <dgm:t>
-        <a:bodyPr/>
-        <a:lstStyle/>
-        <a:p>
-          <a:endParaRPr lang="en-US"/>
-        </a:p>
-      </dgm:t>
-    </dgm:pt>
-    <dgm:pt modelId="{B267FE76-616D-466E-AFCB-8AA1D7AA5D75}" type="pres">
-      <dgm:prSet presAssocID="{FF77E456-CAD1-4D84-8102-E63CE5D68B79}" presName="hierRoot2" presStyleCnt="0">
-        <dgm:presLayoutVars>
-          <dgm:hierBranch val="init"/>
-        </dgm:presLayoutVars>
-      </dgm:prSet>
-      <dgm:spPr/>
-    </dgm:pt>
-    <dgm:pt modelId="{C73A5C49-A4AF-4889-A282-A2132CA269E8}" type="pres">
-      <dgm:prSet presAssocID="{FF77E456-CAD1-4D84-8102-E63CE5D68B79}" presName="rootComposite" presStyleCnt="0"/>
-      <dgm:spPr/>
-    </dgm:pt>
-    <dgm:pt modelId="{289EB856-94EF-4DE1-B8BD-967E2D5F651B}" type="pres">
-      <dgm:prSet presAssocID="{FF77E456-CAD1-4D84-8102-E63CE5D68B79}" presName="rootText" presStyleLbl="node2" presStyleIdx="2" presStyleCnt="3">
-        <dgm:presLayoutVars>
-          <dgm:chPref val="3"/>
-        </dgm:presLayoutVars>
-      </dgm:prSet>
-      <dgm:spPr/>
-      <dgm:t>
-        <a:bodyPr/>
-        <a:lstStyle/>
-        <a:p>
-          <a:endParaRPr lang="en-US"/>
-        </a:p>
-      </dgm:t>
-    </dgm:pt>
-    <dgm:pt modelId="{D4FF426D-4C1C-43C4-8D43-7C56CB29A28E}" type="pres">
-      <dgm:prSet presAssocID="{FF77E456-CAD1-4D84-8102-E63CE5D68B79}" presName="rootConnector" presStyleLbl="node2" presStyleIdx="2" presStyleCnt="3"/>
-      <dgm:spPr/>
-      <dgm:t>
-        <a:bodyPr/>
-        <a:lstStyle/>
-        <a:p>
-          <a:endParaRPr lang="en-US"/>
-        </a:p>
-      </dgm:t>
-    </dgm:pt>
-    <dgm:pt modelId="{4D9C7E2B-1687-4759-8F43-DF4BD5F33A9F}" type="pres">
-      <dgm:prSet presAssocID="{FF77E456-CAD1-4D84-8102-E63CE5D68B79}" presName="hierChild4" presStyleCnt="0"/>
-      <dgm:spPr/>
-    </dgm:pt>
-    <dgm:pt modelId="{C318C50B-D108-4E70-8868-9FF6848EB484}" type="pres">
-      <dgm:prSet presAssocID="{334585BC-9154-46C1-8399-7196264492DF}" presName="Name37" presStyleLbl="parChTrans1D3" presStyleIdx="4" presStyleCnt="6"/>
-      <dgm:spPr/>
-      <dgm:t>
-        <a:bodyPr/>
-        <a:lstStyle/>
-        <a:p>
-          <a:endParaRPr lang="en-US"/>
-        </a:p>
-      </dgm:t>
-    </dgm:pt>
-    <dgm:pt modelId="{BB1CB4EB-BFA0-4C1D-9168-C9C4DCB5EEEE}" type="pres">
-      <dgm:prSet presAssocID="{4D79C311-9BE1-422D-9898-E71A0D1A4208}" presName="hierRoot2" presStyleCnt="0">
-        <dgm:presLayoutVars>
-          <dgm:hierBranch val="init"/>
-        </dgm:presLayoutVars>
-      </dgm:prSet>
-      <dgm:spPr/>
-    </dgm:pt>
-    <dgm:pt modelId="{6396DDB1-DC51-4275-898E-4A5656CCCEA7}" type="pres">
-      <dgm:prSet presAssocID="{4D79C311-9BE1-422D-9898-E71A0D1A4208}" presName="rootComposite" presStyleCnt="0"/>
-      <dgm:spPr/>
-    </dgm:pt>
-    <dgm:pt modelId="{F214C311-0565-4BC0-8364-EEBEDEE128AC}" type="pres">
-      <dgm:prSet presAssocID="{4D79C311-9BE1-422D-9898-E71A0D1A4208}" presName="rootText" presStyleLbl="node3" presStyleIdx="4" presStyleCnt="6">
-        <dgm:presLayoutVars>
-          <dgm:chPref val="3"/>
-        </dgm:presLayoutVars>
-      </dgm:prSet>
-      <dgm:spPr/>
-      <dgm:t>
-        <a:bodyPr/>
-        <a:lstStyle/>
-        <a:p>
-          <a:endParaRPr lang="en-US"/>
-        </a:p>
-      </dgm:t>
-    </dgm:pt>
-    <dgm:pt modelId="{0B086DCF-6F54-40D3-AC4A-71C291E7457B}" type="pres">
-      <dgm:prSet presAssocID="{4D79C311-9BE1-422D-9898-E71A0D1A4208}" presName="rootConnector" presStyleLbl="node3" presStyleIdx="4" presStyleCnt="6"/>
-      <dgm:spPr/>
-      <dgm:t>
-        <a:bodyPr/>
-        <a:lstStyle/>
-        <a:p>
-          <a:endParaRPr lang="en-US"/>
-        </a:p>
-      </dgm:t>
-    </dgm:pt>
-    <dgm:pt modelId="{50D60D76-578F-4D49-A185-30DD3439784D}" type="pres">
-      <dgm:prSet presAssocID="{4D79C311-9BE1-422D-9898-E71A0D1A4208}" presName="hierChild4" presStyleCnt="0"/>
-      <dgm:spPr/>
-    </dgm:pt>
-    <dgm:pt modelId="{47F38008-DE0E-401D-9799-F733C12FF608}" type="pres">
-      <dgm:prSet presAssocID="{4D79C311-9BE1-422D-9898-E71A0D1A4208}" presName="hierChild5" presStyleCnt="0"/>
-      <dgm:spPr/>
-    </dgm:pt>
-    <dgm:pt modelId="{3F1AEF62-8058-4521-8B83-9E6D7A6E9DAE}" type="pres">
-      <dgm:prSet presAssocID="{E8910A07-75CF-4BC3-BA93-E43CBE7DFD5A}" presName="Name37" presStyleLbl="parChTrans1D3" presStyleIdx="5" presStyleCnt="6"/>
-      <dgm:spPr/>
-      <dgm:t>
-        <a:bodyPr/>
-        <a:lstStyle/>
-        <a:p>
-          <a:endParaRPr lang="en-US"/>
-        </a:p>
-      </dgm:t>
-    </dgm:pt>
-    <dgm:pt modelId="{A65EAC27-D512-480D-995D-CD4B04012BEF}" type="pres">
-      <dgm:prSet presAssocID="{E99EFC4B-556A-4C40-91CC-6366C35F1FC1}" presName="hierRoot2" presStyleCnt="0">
-        <dgm:presLayoutVars>
-          <dgm:hierBranch val="init"/>
-        </dgm:presLayoutVars>
-      </dgm:prSet>
-      <dgm:spPr/>
-    </dgm:pt>
-    <dgm:pt modelId="{BB616D69-21D1-4844-A2AD-7015951CF54C}" type="pres">
-      <dgm:prSet presAssocID="{E99EFC4B-556A-4C40-91CC-6366C35F1FC1}" presName="rootComposite" presStyleCnt="0"/>
-      <dgm:spPr/>
-    </dgm:pt>
-    <dgm:pt modelId="{80EECC22-B1DE-4E10-A195-7EB7A530A09B}" type="pres">
-      <dgm:prSet presAssocID="{E99EFC4B-556A-4C40-91CC-6366C35F1FC1}" presName="rootText" presStyleLbl="node3" presStyleIdx="5" presStyleCnt="6">
-        <dgm:presLayoutVars>
-          <dgm:chPref val="3"/>
-        </dgm:presLayoutVars>
-      </dgm:prSet>
-      <dgm:spPr/>
-      <dgm:t>
-        <a:bodyPr/>
-        <a:lstStyle/>
-        <a:p>
-          <a:endParaRPr lang="en-US"/>
-        </a:p>
-      </dgm:t>
-    </dgm:pt>
-    <dgm:pt modelId="{6389DFD8-F73B-4B04-9979-5BBA98DB803A}" type="pres">
-      <dgm:prSet presAssocID="{E99EFC4B-556A-4C40-91CC-6366C35F1FC1}" presName="rootConnector" presStyleLbl="node3" presStyleIdx="5" presStyleCnt="6"/>
-      <dgm:spPr/>
-      <dgm:t>
-        <a:bodyPr/>
-        <a:lstStyle/>
-        <a:p>
-          <a:endParaRPr lang="en-US"/>
-        </a:p>
-      </dgm:t>
-    </dgm:pt>
-    <dgm:pt modelId="{E124CCA8-6D38-4474-8B81-BAA4C2EED4D1}" type="pres">
-      <dgm:prSet presAssocID="{E99EFC4B-556A-4C40-91CC-6366C35F1FC1}" presName="hierChild4" presStyleCnt="0"/>
-      <dgm:spPr/>
-    </dgm:pt>
-    <dgm:pt modelId="{843B318C-4F7C-455A-BD36-1AD326339BEB}" type="pres">
-      <dgm:prSet presAssocID="{E99EFC4B-556A-4C40-91CC-6366C35F1FC1}" presName="hierChild5" presStyleCnt="0"/>
-      <dgm:spPr/>
-    </dgm:pt>
-    <dgm:pt modelId="{8D6A8DE3-65A3-49B8-8DA3-63B5FBEA09BB}" type="pres">
-      <dgm:prSet presAssocID="{FF77E456-CAD1-4D84-8102-E63CE5D68B79}" presName="hierChild5" presStyleCnt="0"/>
-      <dgm:spPr/>
-    </dgm:pt>
-    <dgm:pt modelId="{F3FAD886-549E-4E84-B028-CB55B41C2391}" type="pres">
-      <dgm:prSet presAssocID="{DF57B128-C664-4D02-B516-FDCC513949C9}" presName="hierChild3" presStyleCnt="0"/>
-      <dgm:spPr/>
-    </dgm:pt>
-  </dgm:ptLst>
-  <dgm:cxnLst>
-    <dgm:cxn modelId="{7AF5A65A-5F9E-495D-B05F-0DDC784858F4}" type="presOf" srcId="{5D892480-2111-470E-A9E5-A758CCCC41D7}" destId="{7A50A012-E5E3-483C-AEFC-35A2EC124F8F}" srcOrd="0" destOrd="0" presId="urn:microsoft.com/office/officeart/2005/8/layout/orgChart1"/>
-    <dgm:cxn modelId="{5DC43240-9464-4DBD-87D4-C7EC473763F3}" type="presOf" srcId="{AB479E4D-3D0D-4ACB-8160-E00B32997927}" destId="{57977005-7250-4970-9F30-58E18A9FEE91}" srcOrd="0" destOrd="0" presId="urn:microsoft.com/office/officeart/2005/8/layout/orgChart1"/>
-    <dgm:cxn modelId="{AACAB246-FD36-43C3-AC87-47C965D71218}" type="presOf" srcId="{FF77E456-CAD1-4D84-8102-E63CE5D68B79}" destId="{289EB856-94EF-4DE1-B8BD-967E2D5F651B}" srcOrd="0" destOrd="0" presId="urn:microsoft.com/office/officeart/2005/8/layout/orgChart1"/>
-    <dgm:cxn modelId="{9F355397-60C7-49CD-9A38-A3AB9974C1C8}" type="presOf" srcId="{B351BB66-431B-46A0-8EDE-DC03A9358512}" destId="{1F8B16A0-4B8D-4835-80BA-3CDDBC5CA0A1}" srcOrd="0" destOrd="0" presId="urn:microsoft.com/office/officeart/2005/8/layout/orgChart1"/>
-    <dgm:cxn modelId="{457AD1B3-3F55-4F11-B286-9AB1E4D9718D}" type="presOf" srcId="{FF77E456-CAD1-4D84-8102-E63CE5D68B79}" destId="{D4FF426D-4C1C-43C4-8D43-7C56CB29A28E}" srcOrd="1" destOrd="0" presId="urn:microsoft.com/office/officeart/2005/8/layout/orgChart1"/>
-    <dgm:cxn modelId="{8AE939A4-E7A4-48A5-B45C-2AFCA0C2DB68}" srcId="{4962ED95-5189-4B93-AE27-1D358E3E4C6E}" destId="{74E87541-0E31-4891-9D2D-7DEC7AF98C5B}" srcOrd="1" destOrd="0" parTransId="{DD2064BD-E91A-4925-AE30-0826493FFC8C}" sibTransId="{64E9DD3D-7EAD-45CB-B1FE-55F96F8C0495}"/>
-    <dgm:cxn modelId="{ED7C161A-D0EC-49E4-B7D4-919F00A939D0}" type="presOf" srcId="{DF57B128-C664-4D02-B516-FDCC513949C9}" destId="{503816A1-AA7C-4720-A99A-25640966AA1A}" srcOrd="1" destOrd="0" presId="urn:microsoft.com/office/officeart/2005/8/layout/orgChart1"/>
-    <dgm:cxn modelId="{FACEC92F-054B-467B-8709-1C4E9069C335}" type="presOf" srcId="{E99EFC4B-556A-4C40-91CC-6366C35F1FC1}" destId="{6389DFD8-F73B-4B04-9979-5BBA98DB803A}" srcOrd="1" destOrd="0" presId="urn:microsoft.com/office/officeart/2005/8/layout/orgChart1"/>
-    <dgm:cxn modelId="{53E1535A-F0D6-4585-B6D4-2892EF567DF3}" srcId="{55C4AE5F-BC03-446F-A7D6-B3BF909B8628}" destId="{2244C058-31F9-4B0F-BB70-3B012F81EFCC}" srcOrd="0" destOrd="0" parTransId="{B351BB66-431B-46A0-8EDE-DC03A9358512}" sibTransId="{6D1F3546-C4D7-4B55-82E3-AAFAEC122ABB}"/>
-    <dgm:cxn modelId="{789CD48C-6871-4C7A-BCEA-1D18C59566D9}" srcId="{5D892480-2111-470E-A9E5-A758CCCC41D7}" destId="{C0C3B2F2-B659-4CD4-B445-513AD75B0923}" srcOrd="0" destOrd="0" parTransId="{9D65F840-5277-486D-AFA1-814284C1C35C}" sibTransId="{100090DC-A67E-490B-AE4E-5B0ED5B38027}"/>
-    <dgm:cxn modelId="{2F2FB90D-8CDA-4CA3-B8EE-1CCAD25B983F}" type="presOf" srcId="{22D3DB2B-B720-4FB2-9ECA-2A154D6F046C}" destId="{9062609F-A089-4DB6-AA69-8BC458540DF3}" srcOrd="0" destOrd="0" presId="urn:microsoft.com/office/officeart/2005/8/layout/orgChart1"/>
-    <dgm:cxn modelId="{AE7A4D64-3E8F-4E5A-9F56-8BDE8F33514A}" type="presOf" srcId="{4962ED95-5189-4B93-AE27-1D358E3E4C6E}" destId="{B6552D55-F1A9-43A2-A8E8-7C3F2ED57E7F}" srcOrd="1" destOrd="0" presId="urn:microsoft.com/office/officeart/2005/8/layout/orgChart1"/>
-    <dgm:cxn modelId="{EF10FFCC-03D6-4B17-9D3B-64BF369EC2F7}" srcId="{55C4AE5F-BC03-446F-A7D6-B3BF909B8628}" destId="{AB479E4D-3D0D-4ACB-8160-E00B32997927}" srcOrd="1" destOrd="0" parTransId="{15319E54-3CA0-428F-B663-B723FCB31B1E}" sibTransId="{8A8AFD9D-596E-45EE-8C61-A95FF9E1E2B2}"/>
-    <dgm:cxn modelId="{88E2E0A2-7259-460F-87AC-5B5B99463F35}" type="presOf" srcId="{4D79C311-9BE1-422D-9898-E71A0D1A4208}" destId="{F214C311-0565-4BC0-8364-EEBEDEE128AC}" srcOrd="0" destOrd="0" presId="urn:microsoft.com/office/officeart/2005/8/layout/orgChart1"/>
-    <dgm:cxn modelId="{7F09BC1E-94ED-4B77-8B8B-431CDDE2DBAC}" type="presOf" srcId="{E9528036-FB67-44B7-826E-60D31A3B5902}" destId="{3711ADB5-56C0-4957-8465-B5F3B0EDD967}" srcOrd="0" destOrd="0" presId="urn:microsoft.com/office/officeart/2005/8/layout/orgChart1"/>
-    <dgm:cxn modelId="{F261D525-3A88-4B5F-B325-4F22B1FAA191}" srcId="{C0C3B2F2-B659-4CD4-B445-513AD75B0923}" destId="{E9528036-FB67-44B7-826E-60D31A3B5902}" srcOrd="1" destOrd="0" parTransId="{243BC7AD-E3A9-45CC-8C03-8EBA56A5AA9D}" sibTransId="{22C9DB07-FF18-46F2-AB60-641E9A49441F}"/>
-    <dgm:cxn modelId="{2DD249F8-0DD7-47A8-93A3-7CA441937D53}" type="presOf" srcId="{8EE77588-A2BD-48A0-8C5E-423333E3BE17}" destId="{0545150D-2AB7-49B9-B2A3-C2D7E00E1330}" srcOrd="0" destOrd="0" presId="urn:microsoft.com/office/officeart/2005/8/layout/orgChart1"/>
-    <dgm:cxn modelId="{8ABF8939-75C7-4049-BB0B-C700BB9F8575}" type="presOf" srcId="{DF57B128-C664-4D02-B516-FDCC513949C9}" destId="{349BCB94-383C-4BE0-8532-DFD247920B86}" srcOrd="0" destOrd="0" presId="urn:microsoft.com/office/officeart/2005/8/layout/orgChart1"/>
-    <dgm:cxn modelId="{7FC9B208-8D3E-4B35-A1D8-3D73C6671D27}" type="presOf" srcId="{55C4AE5F-BC03-446F-A7D6-B3BF909B8628}" destId="{0C9576CE-7324-464D-ABC7-8BF130E078AE}" srcOrd="0" destOrd="0" presId="urn:microsoft.com/office/officeart/2005/8/layout/orgChart1"/>
-    <dgm:cxn modelId="{E75E1B0C-5AE0-41B6-8D4F-E16DA4D9A4A0}" srcId="{4962ED95-5189-4B93-AE27-1D358E3E4C6E}" destId="{8EE77588-A2BD-48A0-8C5E-423333E3BE17}" srcOrd="0" destOrd="0" parTransId="{22D3DB2B-B720-4FB2-9ECA-2A154D6F046C}" sibTransId="{434206E1-7882-48D3-922E-2BDC471007FC}"/>
-    <dgm:cxn modelId="{C4B0AB92-E7DD-4FE4-8066-423CC6EEB680}" srcId="{FF77E456-CAD1-4D84-8102-E63CE5D68B79}" destId="{4D79C311-9BE1-422D-9898-E71A0D1A4208}" srcOrd="0" destOrd="0" parTransId="{334585BC-9154-46C1-8399-7196264492DF}" sibTransId="{799BDEF0-797A-47CF-9E76-DC34E57E0695}"/>
-    <dgm:cxn modelId="{462E2903-4955-48BC-B98D-2AFCCD84EC3F}" type="presOf" srcId="{8EE77588-A2BD-48A0-8C5E-423333E3BE17}" destId="{390086D9-BC20-4E2E-ACBA-B374735155BC}" srcOrd="1" destOrd="0" presId="urn:microsoft.com/office/officeart/2005/8/layout/orgChart1"/>
-    <dgm:cxn modelId="{9C159271-616C-4C34-BAAC-9DAB99E79EBD}" type="presOf" srcId="{74E87541-0E31-4891-9D2D-7DEC7AF98C5B}" destId="{34803EC4-70F4-40B1-A485-CA1B96C3386F}" srcOrd="0" destOrd="0" presId="urn:microsoft.com/office/officeart/2005/8/layout/orgChart1"/>
-    <dgm:cxn modelId="{4C576B27-281E-4F1B-ADA1-816F2CB8FFED}" type="presOf" srcId="{E99EFC4B-556A-4C40-91CC-6366C35F1FC1}" destId="{80EECC22-B1DE-4E10-A195-7EB7A530A09B}" srcOrd="0" destOrd="0" presId="urn:microsoft.com/office/officeart/2005/8/layout/orgChart1"/>
-    <dgm:cxn modelId="{2B556325-5DEA-4D29-896B-811EF182B52D}" type="presOf" srcId="{243BC7AD-E3A9-45CC-8C03-8EBA56A5AA9D}" destId="{34F19313-B642-4442-8F80-985854F1EA5C}" srcOrd="0" destOrd="0" presId="urn:microsoft.com/office/officeart/2005/8/layout/orgChart1"/>
-    <dgm:cxn modelId="{11F3E388-C3E1-4BA6-A2AE-55EE63292BAF}" srcId="{DF57B128-C664-4D02-B516-FDCC513949C9}" destId="{55C4AE5F-BC03-446F-A7D6-B3BF909B8628}" srcOrd="1" destOrd="0" parTransId="{641539A3-7160-417E-A034-C479AA1A1BC2}" sibTransId="{0A93F713-1ECF-4A10-B9CB-D0DF566598DE}"/>
-    <dgm:cxn modelId="{095F46BB-CE4E-4B46-9728-80455854E129}" srcId="{C0C3B2F2-B659-4CD4-B445-513AD75B0923}" destId="{E0391FF9-4DC8-4765-863C-949E9921EE49}" srcOrd="0" destOrd="0" parTransId="{205DDD64-D36A-4B91-A02A-42E44F7805E2}" sibTransId="{324182F7-1544-4434-AFD8-6D65BEDE772D}"/>
-    <dgm:cxn modelId="{39462C78-B762-4EC8-897E-F771B42625C8}" type="presOf" srcId="{15319E54-3CA0-428F-B663-B723FCB31B1E}" destId="{EE774071-5899-416C-9A52-2AB7C02FF590}" srcOrd="0" destOrd="0" presId="urn:microsoft.com/office/officeart/2005/8/layout/orgChart1"/>
-    <dgm:cxn modelId="{49B0E276-2497-408C-973B-6F38C8DD573D}" type="presOf" srcId="{E0391FF9-4DC8-4765-863C-949E9921EE49}" destId="{FC46E320-3342-473F-A1D3-C1308A477085}" srcOrd="0" destOrd="0" presId="urn:microsoft.com/office/officeart/2005/8/layout/orgChart1"/>
-    <dgm:cxn modelId="{1AF86133-057C-4894-BFA0-8452CACD4133}" type="presOf" srcId="{C0C3B2F2-B659-4CD4-B445-513AD75B0923}" destId="{A944832C-8BBE-469B-B5A5-D802A53F698F}" srcOrd="1" destOrd="0" presId="urn:microsoft.com/office/officeart/2005/8/layout/orgChart1"/>
-    <dgm:cxn modelId="{F4AE8EA1-C693-42CF-B5F8-AA53E99EDB51}" type="presOf" srcId="{2244C058-31F9-4B0F-BB70-3B012F81EFCC}" destId="{E75C400F-4120-4056-B16C-1904BBAC9EB5}" srcOrd="1" destOrd="0" presId="urn:microsoft.com/office/officeart/2005/8/layout/orgChart1"/>
-    <dgm:cxn modelId="{FA9783B0-DD17-4007-89A9-B0A2218F0063}" srcId="{5D892480-2111-470E-A9E5-A758CCCC41D7}" destId="{4962ED95-5189-4B93-AE27-1D358E3E4C6E}" srcOrd="1" destOrd="0" parTransId="{DC191CC7-1D58-44A8-A1CC-C3D6AFC8BCFC}" sibTransId="{2FB0D750-9043-45BE-88E4-843010FBE446}"/>
-    <dgm:cxn modelId="{1D08637C-5C3A-4F80-BE2A-5EE2B1F418B5}" type="presOf" srcId="{55C4AE5F-BC03-446F-A7D6-B3BF909B8628}" destId="{6CA04B38-6533-492F-B7C0-12BC3DFB9F11}" srcOrd="1" destOrd="0" presId="urn:microsoft.com/office/officeart/2005/8/layout/orgChart1"/>
-    <dgm:cxn modelId="{E9DB2EC9-7E4C-40DA-8849-5E5EBAE552A8}" type="presOf" srcId="{1D5B0B57-3A9A-4549-AF9E-07903B2BDD16}" destId="{0E646F0F-9331-4DA3-9DEB-EE0F24F45BB4}" srcOrd="0" destOrd="0" presId="urn:microsoft.com/office/officeart/2005/8/layout/orgChart1"/>
-    <dgm:cxn modelId="{E5D772DC-FF38-4E96-8654-F088E4FF0EED}" srcId="{FF77E456-CAD1-4D84-8102-E63CE5D68B79}" destId="{E99EFC4B-556A-4C40-91CC-6366C35F1FC1}" srcOrd="1" destOrd="0" parTransId="{E8910A07-75CF-4BC3-BA93-E43CBE7DFD5A}" sibTransId="{73234766-A437-40AB-ADED-AF1C986C8795}"/>
-    <dgm:cxn modelId="{3C773904-0F18-4676-9CAF-586AD9906A25}" type="presOf" srcId="{DC191CC7-1D58-44A8-A1CC-C3D6AFC8BCFC}" destId="{21138010-7E99-4575-A601-F5EE1854649C}" srcOrd="0" destOrd="0" presId="urn:microsoft.com/office/officeart/2005/8/layout/orgChart1"/>
-    <dgm:cxn modelId="{16362294-ACBF-45AB-9DED-D4980B3BD2A1}" type="presOf" srcId="{AB479E4D-3D0D-4ACB-8160-E00B32997927}" destId="{56498C47-D83A-4F6B-A7AF-ABD8548AEFF4}" srcOrd="1" destOrd="0" presId="urn:microsoft.com/office/officeart/2005/8/layout/orgChart1"/>
-    <dgm:cxn modelId="{BD66B26E-8BDC-4844-8178-3EC78E25FFFE}" type="presOf" srcId="{C4F37020-485D-4220-B399-48D104F3DF0D}" destId="{03F67997-E206-41DB-B279-054262D1EA83}" srcOrd="0" destOrd="0" presId="urn:microsoft.com/office/officeart/2005/8/layout/orgChart1"/>
-    <dgm:cxn modelId="{AC5287FC-D184-41F6-88C4-ED6A022A8353}" type="presOf" srcId="{DD2064BD-E91A-4925-AE30-0826493FFC8C}" destId="{A510D4A6-5771-4C2A-9B82-26E9EA931CF3}" srcOrd="0" destOrd="0" presId="urn:microsoft.com/office/officeart/2005/8/layout/orgChart1"/>
-    <dgm:cxn modelId="{8C1472D0-88DC-41AB-9F46-242DF3F03269}" type="presOf" srcId="{E9528036-FB67-44B7-826E-60D31A3B5902}" destId="{EC8CC0B3-EC4E-452F-A7B5-E1E4DD8062EB}" srcOrd="1" destOrd="0" presId="urn:microsoft.com/office/officeart/2005/8/layout/orgChart1"/>
-    <dgm:cxn modelId="{5170B06C-D820-4281-B35B-6BEF7F809482}" type="presOf" srcId="{5D892480-2111-470E-A9E5-A758CCCC41D7}" destId="{8F8C7C0E-539A-4A5B-AB48-BF4D61AB38AF}" srcOrd="1" destOrd="0" presId="urn:microsoft.com/office/officeart/2005/8/layout/orgChart1"/>
-    <dgm:cxn modelId="{B21BEB0C-DD41-4400-A846-2AF50DF16E53}" type="presOf" srcId="{334585BC-9154-46C1-8399-7196264492DF}" destId="{C318C50B-D108-4E70-8868-9FF6848EB484}" srcOrd="0" destOrd="0" presId="urn:microsoft.com/office/officeart/2005/8/layout/orgChart1"/>
-    <dgm:cxn modelId="{6C2397F9-2D6C-4835-A654-D3BF0AED862D}" type="presOf" srcId="{74E87541-0E31-4891-9D2D-7DEC7AF98C5B}" destId="{7A7A93D4-E841-4572-A8FE-BD4E34FD949A}" srcOrd="1" destOrd="0" presId="urn:microsoft.com/office/officeart/2005/8/layout/orgChart1"/>
-    <dgm:cxn modelId="{86D9EAF4-1FAE-4CA9-9B1E-CCF510C6CB55}" type="presOf" srcId="{4D79C311-9BE1-422D-9898-E71A0D1A4208}" destId="{0B086DCF-6F54-40D3-AC4A-71C291E7457B}" srcOrd="1" destOrd="0" presId="urn:microsoft.com/office/officeart/2005/8/layout/orgChart1"/>
-    <dgm:cxn modelId="{F8EBF6E8-FB50-4690-BC74-26941D1B036F}" type="presOf" srcId="{9D65F840-5277-486D-AFA1-814284C1C35C}" destId="{80277B79-2931-4AFE-A218-164F1D06D490}" srcOrd="0" destOrd="0" presId="urn:microsoft.com/office/officeart/2005/8/layout/orgChart1"/>
-    <dgm:cxn modelId="{56F568CF-5824-49F4-8FB4-CB188E13CF26}" type="presOf" srcId="{E8910A07-75CF-4BC3-BA93-E43CBE7DFD5A}" destId="{3F1AEF62-8058-4521-8B83-9E6D7A6E9DAE}" srcOrd="0" destOrd="0" presId="urn:microsoft.com/office/officeart/2005/8/layout/orgChart1"/>
-    <dgm:cxn modelId="{D94F73DD-4B68-4DEB-B91B-9DE7A6194D27}" type="presOf" srcId="{C0C3B2F2-B659-4CD4-B445-513AD75B0923}" destId="{A7CBC2B9-5B82-4ED7-85CF-F81D50F92B1E}" srcOrd="0" destOrd="0" presId="urn:microsoft.com/office/officeart/2005/8/layout/orgChart1"/>
-    <dgm:cxn modelId="{C896475A-3C3E-4B45-9C12-8C6875DF7F38}" type="presOf" srcId="{4962ED95-5189-4B93-AE27-1D358E3E4C6E}" destId="{FFA7BA04-7BBF-4FD7-876C-55BDB17982CC}" srcOrd="0" destOrd="0" presId="urn:microsoft.com/office/officeart/2005/8/layout/orgChart1"/>
-    <dgm:cxn modelId="{C9BE46F2-B8BF-409F-8D23-8F81497C9D2B}" type="presOf" srcId="{641539A3-7160-417E-A034-C479AA1A1BC2}" destId="{90B0A7DA-CD69-4066-9AA5-5299361A29B6}" srcOrd="0" destOrd="0" presId="urn:microsoft.com/office/officeart/2005/8/layout/orgChart1"/>
-    <dgm:cxn modelId="{30DBB474-AA5A-4DF0-A754-547E1EB2AF29}" srcId="{DF57B128-C664-4D02-B516-FDCC513949C9}" destId="{5D892480-2111-470E-A9E5-A758CCCC41D7}" srcOrd="0" destOrd="0" parTransId="{1D5B0B57-3A9A-4549-AF9E-07903B2BDD16}" sibTransId="{472BB434-9D28-43CD-A9E7-CD4BC8DBCD2D}"/>
-    <dgm:cxn modelId="{4EF84CA1-AA4F-4259-88A4-3C3D8C89E2C6}" srcId="{31565C81-7A9E-4F3E-B8C6-833EE1DFC1FE}" destId="{DF57B128-C664-4D02-B516-FDCC513949C9}" srcOrd="0" destOrd="0" parTransId="{EEF82F52-2EA7-4783-B4C5-68A4F5396E46}" sibTransId="{330F1A6B-B028-4231-B593-AED2AB17F422}"/>
-    <dgm:cxn modelId="{EB741AB3-6B90-4004-80E1-7A8D48EEBE9B}" srcId="{DF57B128-C664-4D02-B516-FDCC513949C9}" destId="{FF77E456-CAD1-4D84-8102-E63CE5D68B79}" srcOrd="2" destOrd="0" parTransId="{C4F37020-485D-4220-B399-48D104F3DF0D}" sibTransId="{D2EDD561-5801-4216-9A2A-45666932860C}"/>
-    <dgm:cxn modelId="{41DEF754-7E70-4F09-BB2D-ADB7C0ABF0FA}" type="presOf" srcId="{31565C81-7A9E-4F3E-B8C6-833EE1DFC1FE}" destId="{E58E0E8F-C4E1-4068-A15A-1E5D28D896B9}" srcOrd="0" destOrd="0" presId="urn:microsoft.com/office/officeart/2005/8/layout/orgChart1"/>
-    <dgm:cxn modelId="{2E6ED995-394C-45E4-8757-A95E9D8F3EE6}" type="presOf" srcId="{2244C058-31F9-4B0F-BB70-3B012F81EFCC}" destId="{C293DC7A-4B8A-4D4C-954A-2EDE549DC992}" srcOrd="0" destOrd="0" presId="urn:microsoft.com/office/officeart/2005/8/layout/orgChart1"/>
-    <dgm:cxn modelId="{CA5386E4-B7B2-44C9-A7B6-B663B0FBA270}" type="presOf" srcId="{205DDD64-D36A-4B91-A02A-42E44F7805E2}" destId="{21842CD1-DEBF-4B79-A03F-E4CABCD9B940}" srcOrd="0" destOrd="0" presId="urn:microsoft.com/office/officeart/2005/8/layout/orgChart1"/>
-    <dgm:cxn modelId="{53586053-B7A9-487A-ADD0-CF382511B17D}" type="presOf" srcId="{E0391FF9-4DC8-4765-863C-949E9921EE49}" destId="{2DF00B5C-E1DA-4265-A6D2-1B3F32D1F2AF}" srcOrd="1" destOrd="0" presId="urn:microsoft.com/office/officeart/2005/8/layout/orgChart1"/>
-    <dgm:cxn modelId="{0B54D63A-B028-4CBB-8A89-E00CEB9E871B}" type="presParOf" srcId="{E58E0E8F-C4E1-4068-A15A-1E5D28D896B9}" destId="{19C25A53-D642-4DE8-B490-64B8CC9C881E}" srcOrd="0" destOrd="0" presId="urn:microsoft.com/office/officeart/2005/8/layout/orgChart1"/>
-    <dgm:cxn modelId="{2384E336-9AC1-4357-86E1-30DBBFC1E2AB}" type="presParOf" srcId="{19C25A53-D642-4DE8-B490-64B8CC9C881E}" destId="{0A8CFC64-86AE-478F-B715-DC1A12DF710F}" srcOrd="0" destOrd="0" presId="urn:microsoft.com/office/officeart/2005/8/layout/orgChart1"/>
-    <dgm:cxn modelId="{8E60C0A6-1DD7-4CB7-8D20-2954E03961A2}" type="presParOf" srcId="{0A8CFC64-86AE-478F-B715-DC1A12DF710F}" destId="{349BCB94-383C-4BE0-8532-DFD247920B86}" srcOrd="0" destOrd="0" presId="urn:microsoft.com/office/officeart/2005/8/layout/orgChart1"/>
-    <dgm:cxn modelId="{3277F53F-8AA0-43EB-AAD2-0BF602DB22F5}" type="presParOf" srcId="{0A8CFC64-86AE-478F-B715-DC1A12DF710F}" destId="{503816A1-AA7C-4720-A99A-25640966AA1A}" srcOrd="1" destOrd="0" presId="urn:microsoft.com/office/officeart/2005/8/layout/orgChart1"/>
-    <dgm:cxn modelId="{04CBF80F-883B-4975-B1B4-C92EDA84D5C2}" type="presParOf" srcId="{19C25A53-D642-4DE8-B490-64B8CC9C881E}" destId="{AE4436F0-52C7-4DFD-8EE3-D8DA4A966288}" srcOrd="1" destOrd="0" presId="urn:microsoft.com/office/officeart/2005/8/layout/orgChart1"/>
-    <dgm:cxn modelId="{922C2FDE-3F3B-44AB-BC13-B1E3F19BE4C0}" type="presParOf" srcId="{AE4436F0-52C7-4DFD-8EE3-D8DA4A966288}" destId="{0E646F0F-9331-4DA3-9DEB-EE0F24F45BB4}" srcOrd="0" destOrd="0" presId="urn:microsoft.com/office/officeart/2005/8/layout/orgChart1"/>
-    <dgm:cxn modelId="{00A97434-0A22-4802-9A18-FAAA63B33709}" type="presParOf" srcId="{AE4436F0-52C7-4DFD-8EE3-D8DA4A966288}" destId="{7414E718-9682-4265-922F-F520A859C1C3}" srcOrd="1" destOrd="0" presId="urn:microsoft.com/office/officeart/2005/8/layout/orgChart1"/>
-    <dgm:cxn modelId="{E055487E-A445-42C5-B955-1875FAC4DB21}" type="presParOf" srcId="{7414E718-9682-4265-922F-F520A859C1C3}" destId="{4EA065E2-8F17-4677-8E76-D6FBF2AD7CBA}" srcOrd="0" destOrd="0" presId="urn:microsoft.com/office/officeart/2005/8/layout/orgChart1"/>
-    <dgm:cxn modelId="{0C35D91E-DAD5-42EB-8FF2-1C8C7EFAFBB1}" type="presParOf" srcId="{4EA065E2-8F17-4677-8E76-D6FBF2AD7CBA}" destId="{7A50A012-E5E3-483C-AEFC-35A2EC124F8F}" srcOrd="0" destOrd="0" presId="urn:microsoft.com/office/officeart/2005/8/layout/orgChart1"/>
-    <dgm:cxn modelId="{3A488F73-5D04-410A-9685-E97ED3438E65}" type="presParOf" srcId="{4EA065E2-8F17-4677-8E76-D6FBF2AD7CBA}" destId="{8F8C7C0E-539A-4A5B-AB48-BF4D61AB38AF}" srcOrd="1" destOrd="0" presId="urn:microsoft.com/office/officeart/2005/8/layout/orgChart1"/>
-    <dgm:cxn modelId="{D6B671E4-6035-4ED6-AB04-E242D27CA64B}" type="presParOf" srcId="{7414E718-9682-4265-922F-F520A859C1C3}" destId="{AED81346-3C27-42C4-9055-E8D27B9BEA53}" srcOrd="1" destOrd="0" presId="urn:microsoft.com/office/officeart/2005/8/layout/orgChart1"/>
-    <dgm:cxn modelId="{EE0604FA-EB5C-43A2-967C-B22BA6C85F84}" type="presParOf" srcId="{AED81346-3C27-42C4-9055-E8D27B9BEA53}" destId="{80277B79-2931-4AFE-A218-164F1D06D490}" srcOrd="0" destOrd="0" presId="urn:microsoft.com/office/officeart/2005/8/layout/orgChart1"/>
-    <dgm:cxn modelId="{17605EA4-3C56-4C02-ABEC-4B78A8367435}" type="presParOf" srcId="{AED81346-3C27-42C4-9055-E8D27B9BEA53}" destId="{9B206C21-8C5F-4519-9C3F-4C9AFC74A273}" srcOrd="1" destOrd="0" presId="urn:microsoft.com/office/officeart/2005/8/layout/orgChart1"/>
-    <dgm:cxn modelId="{758147BC-EFAC-413B-BBBC-D587540F07EB}" type="presParOf" srcId="{9B206C21-8C5F-4519-9C3F-4C9AFC74A273}" destId="{F3086B9A-1A90-431E-8C08-0049527CBC75}" srcOrd="0" destOrd="0" presId="urn:microsoft.com/office/officeart/2005/8/layout/orgChart1"/>
-    <dgm:cxn modelId="{DBDB2EA6-2A37-4870-AF06-A6803E29FB29}" type="presParOf" srcId="{F3086B9A-1A90-431E-8C08-0049527CBC75}" destId="{A7CBC2B9-5B82-4ED7-85CF-F81D50F92B1E}" srcOrd="0" destOrd="0" presId="urn:microsoft.com/office/officeart/2005/8/layout/orgChart1"/>
-    <dgm:cxn modelId="{7E291ECC-9AA7-4612-88E4-EA6023AAF421}" type="presParOf" srcId="{F3086B9A-1A90-431E-8C08-0049527CBC75}" destId="{A944832C-8BBE-469B-B5A5-D802A53F698F}" srcOrd="1" destOrd="0" presId="urn:microsoft.com/office/officeart/2005/8/layout/orgChart1"/>
-    <dgm:cxn modelId="{09F7D9FD-0958-4A1D-A806-3A437938058A}" type="presParOf" srcId="{9B206C21-8C5F-4519-9C3F-4C9AFC74A273}" destId="{2F9DE05D-9882-41B4-8659-AB2DF916D78C}" srcOrd="1" destOrd="0" presId="urn:microsoft.com/office/officeart/2005/8/layout/orgChart1"/>
-    <dgm:cxn modelId="{14AFB2D4-685C-4DEA-B6F3-F08136E4FBB4}" type="presParOf" srcId="{2F9DE05D-9882-41B4-8659-AB2DF916D78C}" destId="{21842CD1-DEBF-4B79-A03F-E4CABCD9B940}" srcOrd="0" destOrd="0" presId="urn:microsoft.com/office/officeart/2005/8/layout/orgChart1"/>
-    <dgm:cxn modelId="{FC193E35-36B4-4F9C-BDF6-E3419E26E4BE}" type="presParOf" srcId="{2F9DE05D-9882-41B4-8659-AB2DF916D78C}" destId="{61F69DA5-3789-4788-B1FB-82EC107B4B05}" srcOrd="1" destOrd="0" presId="urn:microsoft.com/office/officeart/2005/8/layout/orgChart1"/>
-    <dgm:cxn modelId="{4FECC152-34DC-4D8C-9343-61D5236B0D0D}" type="presParOf" srcId="{61F69DA5-3789-4788-B1FB-82EC107B4B05}" destId="{A126B73F-BE37-4B24-B3E7-50C9D6098228}" srcOrd="0" destOrd="0" presId="urn:microsoft.com/office/officeart/2005/8/layout/orgChart1"/>
-    <dgm:cxn modelId="{603D8E2C-7300-4FBD-85AD-684A11C9F82C}" type="presParOf" srcId="{A126B73F-BE37-4B24-B3E7-50C9D6098228}" destId="{FC46E320-3342-473F-A1D3-C1308A477085}" srcOrd="0" destOrd="0" presId="urn:microsoft.com/office/officeart/2005/8/layout/orgChart1"/>
-    <dgm:cxn modelId="{49A488CE-4C48-4737-9AB4-E667AE00737C}" type="presParOf" srcId="{A126B73F-BE37-4B24-B3E7-50C9D6098228}" destId="{2DF00B5C-E1DA-4265-A6D2-1B3F32D1F2AF}" srcOrd="1" destOrd="0" presId="urn:microsoft.com/office/officeart/2005/8/layout/orgChart1"/>
-    <dgm:cxn modelId="{C74B96EE-5654-496E-B078-0CF53CC4D744}" type="presParOf" srcId="{61F69DA5-3789-4788-B1FB-82EC107B4B05}" destId="{69F73EBE-3897-4789-8971-72C5B69ED9C7}" srcOrd="1" destOrd="0" presId="urn:microsoft.com/office/officeart/2005/8/layout/orgChart1"/>
-    <dgm:cxn modelId="{430ECD36-2DFA-49FC-8460-53FA1DA0652E}" type="presParOf" srcId="{61F69DA5-3789-4788-B1FB-82EC107B4B05}" destId="{FA3770DE-CCD0-4F23-9D12-F92FA790227E}" srcOrd="2" destOrd="0" presId="urn:microsoft.com/office/officeart/2005/8/layout/orgChart1"/>
-    <dgm:cxn modelId="{08D18D80-4536-4F0F-AF91-FD70FAF41402}" type="presParOf" srcId="{2F9DE05D-9882-41B4-8659-AB2DF916D78C}" destId="{34F19313-B642-4442-8F80-985854F1EA5C}" srcOrd="2" destOrd="0" presId="urn:microsoft.com/office/officeart/2005/8/layout/orgChart1"/>
-    <dgm:cxn modelId="{3827D7C1-9DAA-4071-9F50-667F309F343B}" type="presParOf" srcId="{2F9DE05D-9882-41B4-8659-AB2DF916D78C}" destId="{FCC124DF-DCB1-4496-BCA4-D240E5DE89A4}" srcOrd="3" destOrd="0" presId="urn:microsoft.com/office/officeart/2005/8/layout/orgChart1"/>
-    <dgm:cxn modelId="{0C5C52D0-9402-4E5D-B392-A79D6C4308D5}" type="presParOf" srcId="{FCC124DF-DCB1-4496-BCA4-D240E5DE89A4}" destId="{E567E1BF-DCDA-4B88-A874-5594DD970E21}" srcOrd="0" destOrd="0" presId="urn:microsoft.com/office/officeart/2005/8/layout/orgChart1"/>
-    <dgm:cxn modelId="{0BC2C073-5E9F-4E4A-9FF6-BB4F60BB0DD5}" type="presParOf" srcId="{E567E1BF-DCDA-4B88-A874-5594DD970E21}" destId="{3711ADB5-56C0-4957-8465-B5F3B0EDD967}" srcOrd="0" destOrd="0" presId="urn:microsoft.com/office/officeart/2005/8/layout/orgChart1"/>
-    <dgm:cxn modelId="{C79ACB4E-1091-4F6A-B4EC-C00622D766F6}" type="presParOf" srcId="{E567E1BF-DCDA-4B88-A874-5594DD970E21}" destId="{EC8CC0B3-EC4E-452F-A7B5-E1E4DD8062EB}" srcOrd="1" destOrd="0" presId="urn:microsoft.com/office/officeart/2005/8/layout/orgChart1"/>
-    <dgm:cxn modelId="{738063B8-1374-4988-9FDA-880BBBD2BE82}" type="presParOf" srcId="{FCC124DF-DCB1-4496-BCA4-D240E5DE89A4}" destId="{40BB238A-8F4C-4932-8631-2C8F1150F435}" srcOrd="1" destOrd="0" presId="urn:microsoft.com/office/officeart/2005/8/layout/orgChart1"/>
-    <dgm:cxn modelId="{513DD052-5D18-42A9-A9A3-03CA424220B5}" type="presParOf" srcId="{FCC124DF-DCB1-4496-BCA4-D240E5DE89A4}" destId="{538EF79B-EE56-437D-96FB-1A46150576E4}" srcOrd="2" destOrd="0" presId="urn:microsoft.com/office/officeart/2005/8/layout/orgChart1"/>
-    <dgm:cxn modelId="{497B50B8-99F5-4BE3-95F2-D557232FC6B8}" type="presParOf" srcId="{9B206C21-8C5F-4519-9C3F-4C9AFC74A273}" destId="{D2A9E919-5B49-4304-8278-38FA8CF48F02}" srcOrd="2" destOrd="0" presId="urn:microsoft.com/office/officeart/2005/8/layout/orgChart1"/>
-    <dgm:cxn modelId="{E7FDF663-90BA-4D51-9CF4-BD4EB53C29C5}" type="presParOf" srcId="{AED81346-3C27-42C4-9055-E8D27B9BEA53}" destId="{21138010-7E99-4575-A601-F5EE1854649C}" srcOrd="2" destOrd="0" presId="urn:microsoft.com/office/officeart/2005/8/layout/orgChart1"/>
-    <dgm:cxn modelId="{D779BED8-C72A-4AE8-88CB-5558880E9567}" type="presParOf" srcId="{AED81346-3C27-42C4-9055-E8D27B9BEA53}" destId="{ADC2D650-0626-4E6A-A918-6DD88B03F4E4}" srcOrd="3" destOrd="0" presId="urn:microsoft.com/office/officeart/2005/8/layout/orgChart1"/>
-    <dgm:cxn modelId="{E1BEBB73-59DE-4173-9FFE-60A82BAAC1DA}" type="presParOf" srcId="{ADC2D650-0626-4E6A-A918-6DD88B03F4E4}" destId="{116360A0-61A2-47EC-A26C-2B1FD7883889}" srcOrd="0" destOrd="0" presId="urn:microsoft.com/office/officeart/2005/8/layout/orgChart1"/>
-    <dgm:cxn modelId="{88D04765-A336-497F-86ED-C2260D597516}" type="presParOf" srcId="{116360A0-61A2-47EC-A26C-2B1FD7883889}" destId="{FFA7BA04-7BBF-4FD7-876C-55BDB17982CC}" srcOrd="0" destOrd="0" presId="urn:microsoft.com/office/officeart/2005/8/layout/orgChart1"/>
-    <dgm:cxn modelId="{1B12B6D2-69B4-4BFA-AEEB-0A3C10B35921}" type="presParOf" srcId="{116360A0-61A2-47EC-A26C-2B1FD7883889}" destId="{B6552D55-F1A9-43A2-A8E8-7C3F2ED57E7F}" srcOrd="1" destOrd="0" presId="urn:microsoft.com/office/officeart/2005/8/layout/orgChart1"/>
-    <dgm:cxn modelId="{2B9F8651-6C12-43EE-8E2C-926E8D396B0C}" type="presParOf" srcId="{ADC2D650-0626-4E6A-A918-6DD88B03F4E4}" destId="{7C9726DB-29E4-4468-9135-B221FD32EA29}" srcOrd="1" destOrd="0" presId="urn:microsoft.com/office/officeart/2005/8/layout/orgChart1"/>
-    <dgm:cxn modelId="{788FF3EA-8A2A-429A-BC9B-1272F02AFC73}" type="presParOf" srcId="{7C9726DB-29E4-4468-9135-B221FD32EA29}" destId="{9062609F-A089-4DB6-AA69-8BC458540DF3}" srcOrd="0" destOrd="0" presId="urn:microsoft.com/office/officeart/2005/8/layout/orgChart1"/>
-    <dgm:cxn modelId="{2FDEE689-E322-43AB-A044-3DFEB630E0FE}" type="presParOf" srcId="{7C9726DB-29E4-4468-9135-B221FD32EA29}" destId="{E1E94D30-312A-4C7D-BC01-CF93E111D293}" srcOrd="1" destOrd="0" presId="urn:microsoft.com/office/officeart/2005/8/layout/orgChart1"/>
-    <dgm:cxn modelId="{6015521C-78C7-4F95-BEC4-1A538AC97661}" type="presParOf" srcId="{E1E94D30-312A-4C7D-BC01-CF93E111D293}" destId="{40DC6F6D-E417-4342-BB62-C1A65E44CA7D}" srcOrd="0" destOrd="0" presId="urn:microsoft.com/office/officeart/2005/8/layout/orgChart1"/>
-    <dgm:cxn modelId="{E6CEB475-1608-418F-898B-8784CAF8B513}" type="presParOf" srcId="{40DC6F6D-E417-4342-BB62-C1A65E44CA7D}" destId="{0545150D-2AB7-49B9-B2A3-C2D7E00E1330}" srcOrd="0" destOrd="0" presId="urn:microsoft.com/office/officeart/2005/8/layout/orgChart1"/>
-    <dgm:cxn modelId="{4F302E0E-DFC9-4AB9-AFA3-FB88474805C0}" type="presParOf" srcId="{40DC6F6D-E417-4342-BB62-C1A65E44CA7D}" destId="{390086D9-BC20-4E2E-ACBA-B374735155BC}" srcOrd="1" destOrd="0" presId="urn:microsoft.com/office/officeart/2005/8/layout/orgChart1"/>
-    <dgm:cxn modelId="{0C7F4427-E14D-4C12-8830-756648876DB5}" type="presParOf" srcId="{E1E94D30-312A-4C7D-BC01-CF93E111D293}" destId="{F748EFDB-BB20-456C-89A9-21C05656FDAE}" srcOrd="1" destOrd="0" presId="urn:microsoft.com/office/officeart/2005/8/layout/orgChart1"/>
-    <dgm:cxn modelId="{253EBD87-E750-4C4C-9F6C-66E5F4344B04}" type="presParOf" srcId="{E1E94D30-312A-4C7D-BC01-CF93E111D293}" destId="{1FFD77F4-271B-4369-BC45-6A22C075A9F7}" srcOrd="2" destOrd="0" presId="urn:microsoft.com/office/officeart/2005/8/layout/orgChart1"/>
-    <dgm:cxn modelId="{0C2BCB5E-7FDB-4F74-B5CB-313A1E7CE5CE}" type="presParOf" srcId="{7C9726DB-29E4-4468-9135-B221FD32EA29}" destId="{A510D4A6-5771-4C2A-9B82-26E9EA931CF3}" srcOrd="2" destOrd="0" presId="urn:microsoft.com/office/officeart/2005/8/layout/orgChart1"/>
-    <dgm:cxn modelId="{7EC548D0-C386-407E-B1D7-39535B634496}" type="presParOf" srcId="{7C9726DB-29E4-4468-9135-B221FD32EA29}" destId="{EF92F7E8-E1E9-4814-8108-B50B8EEECD73}" srcOrd="3" destOrd="0" presId="urn:microsoft.com/office/officeart/2005/8/layout/orgChart1"/>
-    <dgm:cxn modelId="{F5F9E95F-E04B-43C0-B919-60C4059A5B64}" type="presParOf" srcId="{EF92F7E8-E1E9-4814-8108-B50B8EEECD73}" destId="{14EDFDD7-7170-493F-A940-00B14B32BCD3}" srcOrd="0" destOrd="0" presId="urn:microsoft.com/office/officeart/2005/8/layout/orgChart1"/>
-    <dgm:cxn modelId="{B9AFBB20-0E10-4BDC-A1C6-92EA83C53895}" type="presParOf" srcId="{14EDFDD7-7170-493F-A940-00B14B32BCD3}" destId="{34803EC4-70F4-40B1-A485-CA1B96C3386F}" srcOrd="0" destOrd="0" presId="urn:microsoft.com/office/officeart/2005/8/layout/orgChart1"/>
-    <dgm:cxn modelId="{84BA8F51-6007-4367-9ABC-BF887963B8F5}" type="presParOf" srcId="{14EDFDD7-7170-493F-A940-00B14B32BCD3}" destId="{7A7A93D4-E841-4572-A8FE-BD4E34FD949A}" srcOrd="1" destOrd="0" presId="urn:microsoft.com/office/officeart/2005/8/layout/orgChart1"/>
-    <dgm:cxn modelId="{9D2F32D4-68B4-4E93-8842-A8EB592B0808}" type="presParOf" srcId="{EF92F7E8-E1E9-4814-8108-B50B8EEECD73}" destId="{15EA3B29-0A36-4E9F-B0CF-7CB618044777}" srcOrd="1" destOrd="0" presId="urn:microsoft.com/office/officeart/2005/8/layout/orgChart1"/>
-    <dgm:cxn modelId="{EBD322B1-8F9D-4904-A94D-6849A7179885}" type="presParOf" srcId="{EF92F7E8-E1E9-4814-8108-B50B8EEECD73}" destId="{A78CB101-65E6-45AA-8D33-C4A4A8567577}" srcOrd="2" destOrd="0" presId="urn:microsoft.com/office/officeart/2005/8/layout/orgChart1"/>
-    <dgm:cxn modelId="{0E122C5B-60CF-4B8C-AF46-91232CD751D4}" type="presParOf" srcId="{ADC2D650-0626-4E6A-A918-6DD88B03F4E4}" destId="{93E76451-7F39-47A3-B06C-8A42B36F68C7}" srcOrd="2" destOrd="0" presId="urn:microsoft.com/office/officeart/2005/8/layout/orgChart1"/>
-    <dgm:cxn modelId="{B85E4607-F251-432C-A1B2-8E654C8F1D00}" type="presParOf" srcId="{7414E718-9682-4265-922F-F520A859C1C3}" destId="{62F2D372-B3DE-4F65-93FD-4BF57C24991C}" srcOrd="2" destOrd="0" presId="urn:microsoft.com/office/officeart/2005/8/layout/orgChart1"/>
-    <dgm:cxn modelId="{7910ED20-5090-4684-A190-75CE5930B515}" type="presParOf" srcId="{AE4436F0-52C7-4DFD-8EE3-D8DA4A966288}" destId="{90B0A7DA-CD69-4066-9AA5-5299361A29B6}" srcOrd="2" destOrd="0" presId="urn:microsoft.com/office/officeart/2005/8/layout/orgChart1"/>
-    <dgm:cxn modelId="{6C81757B-712B-4AD1-BCBB-82E6F975A45F}" type="presParOf" srcId="{AE4436F0-52C7-4DFD-8EE3-D8DA4A966288}" destId="{B53695B7-9893-4469-B8D0-BFB13B6AF204}" srcOrd="3" destOrd="0" presId="urn:microsoft.com/office/officeart/2005/8/layout/orgChart1"/>
-    <dgm:cxn modelId="{B5C4B189-9E66-47E8-8765-020FFD0AE211}" type="presParOf" srcId="{B53695B7-9893-4469-B8D0-BFB13B6AF204}" destId="{137F7ED4-AAE5-43E1-8606-9F172111B813}" srcOrd="0" destOrd="0" presId="urn:microsoft.com/office/officeart/2005/8/layout/orgChart1"/>
-    <dgm:cxn modelId="{122F295C-A05F-415D-988D-325C730C1DA3}" type="presParOf" srcId="{137F7ED4-AAE5-43E1-8606-9F172111B813}" destId="{0C9576CE-7324-464D-ABC7-8BF130E078AE}" srcOrd="0" destOrd="0" presId="urn:microsoft.com/office/officeart/2005/8/layout/orgChart1"/>
-    <dgm:cxn modelId="{25411F86-B15F-4983-90BB-EA2382603CD3}" type="presParOf" srcId="{137F7ED4-AAE5-43E1-8606-9F172111B813}" destId="{6CA04B38-6533-492F-B7C0-12BC3DFB9F11}" srcOrd="1" destOrd="0" presId="urn:microsoft.com/office/officeart/2005/8/layout/orgChart1"/>
-    <dgm:cxn modelId="{7E7FFFE7-A8C7-48C9-B48B-E8557CFC4A54}" type="presParOf" srcId="{B53695B7-9893-4469-B8D0-BFB13B6AF204}" destId="{703F8E15-A84A-42B6-988F-3F1277EB4A94}" srcOrd="1" destOrd="0" presId="urn:microsoft.com/office/officeart/2005/8/layout/orgChart1"/>
-    <dgm:cxn modelId="{2644E28B-D4E5-4B2D-B386-A8BE9FD95726}" type="presParOf" srcId="{703F8E15-A84A-42B6-988F-3F1277EB4A94}" destId="{1F8B16A0-4B8D-4835-80BA-3CDDBC5CA0A1}" srcOrd="0" destOrd="0" presId="urn:microsoft.com/office/officeart/2005/8/layout/orgChart1"/>
-    <dgm:cxn modelId="{0AF614A9-4CAB-4856-95B7-2130C240CE2E}" type="presParOf" srcId="{703F8E15-A84A-42B6-988F-3F1277EB4A94}" destId="{2C9AC379-C105-4942-9BFE-44F4818C51A7}" srcOrd="1" destOrd="0" presId="urn:microsoft.com/office/officeart/2005/8/layout/orgChart1"/>
-    <dgm:cxn modelId="{E481DB2C-0106-494D-87C8-A521D9B13C62}" type="presParOf" srcId="{2C9AC379-C105-4942-9BFE-44F4818C51A7}" destId="{837B7EC2-F2B4-4E26-9D9A-54B7D6E1A2E8}" srcOrd="0" destOrd="0" presId="urn:microsoft.com/office/officeart/2005/8/layout/orgChart1"/>
-    <dgm:cxn modelId="{2F48F146-6358-4138-BC4E-1F0698673D5A}" type="presParOf" srcId="{837B7EC2-F2B4-4E26-9D9A-54B7D6E1A2E8}" destId="{C293DC7A-4B8A-4D4C-954A-2EDE549DC992}" srcOrd="0" destOrd="0" presId="urn:microsoft.com/office/officeart/2005/8/layout/orgChart1"/>
-    <dgm:cxn modelId="{DF7B686D-133A-4FD0-B456-FB2344A7FDA9}" type="presParOf" srcId="{837B7EC2-F2B4-4E26-9D9A-54B7D6E1A2E8}" destId="{E75C400F-4120-4056-B16C-1904BBAC9EB5}" srcOrd="1" destOrd="0" presId="urn:microsoft.com/office/officeart/2005/8/layout/orgChart1"/>
-    <dgm:cxn modelId="{FF441B6A-AFFA-4F88-A40C-1E579DFACD46}" type="presParOf" srcId="{2C9AC379-C105-4942-9BFE-44F4818C51A7}" destId="{12F1E9A3-B02C-4C95-AD65-38466F212D3D}" srcOrd="1" destOrd="0" presId="urn:microsoft.com/office/officeart/2005/8/layout/orgChart1"/>
-    <dgm:cxn modelId="{8589AA9B-AD09-45FD-AD03-2A0230C831A6}" type="presParOf" srcId="{2C9AC379-C105-4942-9BFE-44F4818C51A7}" destId="{9C169353-78A5-4882-A817-6ECCCA0C9E64}" srcOrd="2" destOrd="0" presId="urn:microsoft.com/office/officeart/2005/8/layout/orgChart1"/>
-    <dgm:cxn modelId="{029F0696-60CD-4059-AF61-AA7AB4820A0E}" type="presParOf" srcId="{703F8E15-A84A-42B6-988F-3F1277EB4A94}" destId="{EE774071-5899-416C-9A52-2AB7C02FF590}" srcOrd="2" destOrd="0" presId="urn:microsoft.com/office/officeart/2005/8/layout/orgChart1"/>
-    <dgm:cxn modelId="{9E8C0179-D5F9-43EF-A7D9-89651799A2C0}" type="presParOf" srcId="{703F8E15-A84A-42B6-988F-3F1277EB4A94}" destId="{766F9166-7216-4B14-BC29-EE55CE244ADE}" srcOrd="3" destOrd="0" presId="urn:microsoft.com/office/officeart/2005/8/layout/orgChart1"/>
-    <dgm:cxn modelId="{453069DD-3082-4B1E-80B2-A1538ACC8C26}" type="presParOf" srcId="{766F9166-7216-4B14-BC29-EE55CE244ADE}" destId="{C112E0CA-4294-4AFD-B47D-AB9AE8AC2DCA}" srcOrd="0" destOrd="0" presId="urn:microsoft.com/office/officeart/2005/8/layout/orgChart1"/>
-    <dgm:cxn modelId="{28A8C095-F5E3-47B2-BCFE-00D4B42ABC52}" type="presParOf" srcId="{C112E0CA-4294-4AFD-B47D-AB9AE8AC2DCA}" destId="{57977005-7250-4970-9F30-58E18A9FEE91}" srcOrd="0" destOrd="0" presId="urn:microsoft.com/office/officeart/2005/8/layout/orgChart1"/>
-    <dgm:cxn modelId="{C154F373-62E0-4D90-B3D6-1B08C3DCD42C}" type="presParOf" srcId="{C112E0CA-4294-4AFD-B47D-AB9AE8AC2DCA}" destId="{56498C47-D83A-4F6B-A7AF-ABD8548AEFF4}" srcOrd="1" destOrd="0" presId="urn:microsoft.com/office/officeart/2005/8/layout/orgChart1"/>
-    <dgm:cxn modelId="{9F29D79F-747C-415A-9FB0-0827BF3A0929}" type="presParOf" srcId="{766F9166-7216-4B14-BC29-EE55CE244ADE}" destId="{9A074EFF-10DC-42E6-BE40-CA0FCC7A6660}" srcOrd="1" destOrd="0" presId="urn:microsoft.com/office/officeart/2005/8/layout/orgChart1"/>
-    <dgm:cxn modelId="{A680457C-3B1D-4758-9D84-007BBD7CBCBC}" type="presParOf" srcId="{766F9166-7216-4B14-BC29-EE55CE244ADE}" destId="{33223ACC-E9A9-4DE7-9BEF-F44894A957C4}" srcOrd="2" destOrd="0" presId="urn:microsoft.com/office/officeart/2005/8/layout/orgChart1"/>
-    <dgm:cxn modelId="{EE207C4D-2F4A-4728-96AE-C3DE58A8A6AB}" type="presParOf" srcId="{B53695B7-9893-4469-B8D0-BFB13B6AF204}" destId="{3F556203-9B3D-480F-89D5-74495B8652F2}" srcOrd="2" destOrd="0" presId="urn:microsoft.com/office/officeart/2005/8/layout/orgChart1"/>
-    <dgm:cxn modelId="{3A7800BC-F124-488D-AAEA-DB301D8DDDA2}" type="presParOf" srcId="{AE4436F0-52C7-4DFD-8EE3-D8DA4A966288}" destId="{03F67997-E206-41DB-B279-054262D1EA83}" srcOrd="4" destOrd="0" presId="urn:microsoft.com/office/officeart/2005/8/layout/orgChart1"/>
-    <dgm:cxn modelId="{6674E31E-B266-41FC-98B6-98C40103F2F2}" type="presParOf" srcId="{AE4436F0-52C7-4DFD-8EE3-D8DA4A966288}" destId="{B267FE76-616D-466E-AFCB-8AA1D7AA5D75}" srcOrd="5" destOrd="0" presId="urn:microsoft.com/office/officeart/2005/8/layout/orgChart1"/>
-    <dgm:cxn modelId="{B860259A-6F95-4B6B-A812-9DFB7520CFF5}" type="presParOf" srcId="{B267FE76-616D-466E-AFCB-8AA1D7AA5D75}" destId="{C73A5C49-A4AF-4889-A282-A2132CA269E8}" srcOrd="0" destOrd="0" presId="urn:microsoft.com/office/officeart/2005/8/layout/orgChart1"/>
-    <dgm:cxn modelId="{11AA80A9-A77B-4C41-ABAD-8FBF3BDA623A}" type="presParOf" srcId="{C73A5C49-A4AF-4889-A282-A2132CA269E8}" destId="{289EB856-94EF-4DE1-B8BD-967E2D5F651B}" srcOrd="0" destOrd="0" presId="urn:microsoft.com/office/officeart/2005/8/layout/orgChart1"/>
-    <dgm:cxn modelId="{017D1BFD-D61B-446F-AC28-BE8DF9F9E2CB}" type="presParOf" srcId="{C73A5C49-A4AF-4889-A282-A2132CA269E8}" destId="{D4FF426D-4C1C-43C4-8D43-7C56CB29A28E}" srcOrd="1" destOrd="0" presId="urn:microsoft.com/office/officeart/2005/8/layout/orgChart1"/>
-    <dgm:cxn modelId="{B3D478EC-3BC3-4957-A325-BAFB6C0F467C}" type="presParOf" srcId="{B267FE76-616D-466E-AFCB-8AA1D7AA5D75}" destId="{4D9C7E2B-1687-4759-8F43-DF4BD5F33A9F}" srcOrd="1" destOrd="0" presId="urn:microsoft.com/office/officeart/2005/8/layout/orgChart1"/>
-    <dgm:cxn modelId="{0496CAC3-EE09-4B64-80A7-96155764A177}" type="presParOf" srcId="{4D9C7E2B-1687-4759-8F43-DF4BD5F33A9F}" destId="{C318C50B-D108-4E70-8868-9FF6848EB484}" srcOrd="0" destOrd="0" presId="urn:microsoft.com/office/officeart/2005/8/layout/orgChart1"/>
-    <dgm:cxn modelId="{22B0FA0A-5DAC-4599-A428-4B34E5B0090E}" type="presParOf" srcId="{4D9C7E2B-1687-4759-8F43-DF4BD5F33A9F}" destId="{BB1CB4EB-BFA0-4C1D-9168-C9C4DCB5EEEE}" srcOrd="1" destOrd="0" presId="urn:microsoft.com/office/officeart/2005/8/layout/orgChart1"/>
-    <dgm:cxn modelId="{0DB64D51-C7F9-4009-805B-804E720F12CB}" type="presParOf" srcId="{BB1CB4EB-BFA0-4C1D-9168-C9C4DCB5EEEE}" destId="{6396DDB1-DC51-4275-898E-4A5656CCCEA7}" srcOrd="0" destOrd="0" presId="urn:microsoft.com/office/officeart/2005/8/layout/orgChart1"/>
-    <dgm:cxn modelId="{F406A41E-08D1-47AC-9947-2DC48F8A1B51}" type="presParOf" srcId="{6396DDB1-DC51-4275-898E-4A5656CCCEA7}" destId="{F214C311-0565-4BC0-8364-EEBEDEE128AC}" srcOrd="0" destOrd="0" presId="urn:microsoft.com/office/officeart/2005/8/layout/orgChart1"/>
-    <dgm:cxn modelId="{681F5856-0A31-43C0-854B-0F8A5C0BA8F2}" type="presParOf" srcId="{6396DDB1-DC51-4275-898E-4A5656CCCEA7}" destId="{0B086DCF-6F54-40D3-AC4A-71C291E7457B}" srcOrd="1" destOrd="0" presId="urn:microsoft.com/office/officeart/2005/8/layout/orgChart1"/>
-    <dgm:cxn modelId="{456B7C64-CA58-4109-8831-9FDEDF86C765}" type="presParOf" srcId="{BB1CB4EB-BFA0-4C1D-9168-C9C4DCB5EEEE}" destId="{50D60D76-578F-4D49-A185-30DD3439784D}" srcOrd="1" destOrd="0" presId="urn:microsoft.com/office/officeart/2005/8/layout/orgChart1"/>
-    <dgm:cxn modelId="{87B43EE3-661F-4FC1-B57D-FB3D76CDEA29}" type="presParOf" srcId="{BB1CB4EB-BFA0-4C1D-9168-C9C4DCB5EEEE}" destId="{47F38008-DE0E-401D-9799-F733C12FF608}" srcOrd="2" destOrd="0" presId="urn:microsoft.com/office/officeart/2005/8/layout/orgChart1"/>
-    <dgm:cxn modelId="{1FA15CA7-C086-4A0B-AA92-6F4D4D6A772D}" type="presParOf" srcId="{4D9C7E2B-1687-4759-8F43-DF4BD5F33A9F}" destId="{3F1AEF62-8058-4521-8B83-9E6D7A6E9DAE}" srcOrd="2" destOrd="0" presId="urn:microsoft.com/office/officeart/2005/8/layout/orgChart1"/>
-    <dgm:cxn modelId="{A059CDF6-D148-490A-8F2D-DAFD5B0C617A}" type="presParOf" srcId="{4D9C7E2B-1687-4759-8F43-DF4BD5F33A9F}" destId="{A65EAC27-D512-480D-995D-CD4B04012BEF}" srcOrd="3" destOrd="0" presId="urn:microsoft.com/office/officeart/2005/8/layout/orgChart1"/>
-    <dgm:cxn modelId="{FC2292F4-5FD7-43DE-BCEB-323129756FD3}" type="presParOf" srcId="{A65EAC27-D512-480D-995D-CD4B04012BEF}" destId="{BB616D69-21D1-4844-A2AD-7015951CF54C}" srcOrd="0" destOrd="0" presId="urn:microsoft.com/office/officeart/2005/8/layout/orgChart1"/>
-    <dgm:cxn modelId="{3C51AEF9-E620-40A2-BAD0-FD456525A36B}" type="presParOf" srcId="{BB616D69-21D1-4844-A2AD-7015951CF54C}" destId="{80EECC22-B1DE-4E10-A195-7EB7A530A09B}" srcOrd="0" destOrd="0" presId="urn:microsoft.com/office/officeart/2005/8/layout/orgChart1"/>
-    <dgm:cxn modelId="{2FE51BAD-9617-40C9-9CB4-23D48F3A7903}" type="presParOf" srcId="{BB616D69-21D1-4844-A2AD-7015951CF54C}" destId="{6389DFD8-F73B-4B04-9979-5BBA98DB803A}" srcOrd="1" destOrd="0" presId="urn:microsoft.com/office/officeart/2005/8/layout/orgChart1"/>
-    <dgm:cxn modelId="{40D9EC3E-2584-4205-89D1-BA5020938CF9}" type="presParOf" srcId="{A65EAC27-D512-480D-995D-CD4B04012BEF}" destId="{E124CCA8-6D38-4474-8B81-BAA4C2EED4D1}" srcOrd="1" destOrd="0" presId="urn:microsoft.com/office/officeart/2005/8/layout/orgChart1"/>
-    <dgm:cxn modelId="{27BA575E-3B05-45CA-94BE-3671AD8A4D45}" type="presParOf" srcId="{A65EAC27-D512-480D-995D-CD4B04012BEF}" destId="{843B318C-4F7C-455A-BD36-1AD326339BEB}" srcOrd="2" destOrd="0" presId="urn:microsoft.com/office/officeart/2005/8/layout/orgChart1"/>
-    <dgm:cxn modelId="{14274EE7-7CEF-4D5C-8271-7034A947996A}" type="presParOf" srcId="{B267FE76-616D-466E-AFCB-8AA1D7AA5D75}" destId="{8D6A8DE3-65A3-49B8-8DA3-63B5FBEA09BB}" srcOrd="2" destOrd="0" presId="urn:microsoft.com/office/officeart/2005/8/layout/orgChart1"/>
-    <dgm:cxn modelId="{B17C71BD-1031-450A-8B58-40E85CBF973B}" type="presParOf" srcId="{19C25A53-D642-4DE8-B490-64B8CC9C881E}" destId="{F3FAD886-549E-4E84-B028-CB55B41C2391}" srcOrd="2" destOrd="0" presId="urn:microsoft.com/office/officeart/2005/8/layout/orgChart1"/>
-  </dgm:cxnLst>
-  <dgm:bg/>
-  <dgm:whole/>
-  <dgm:extLst>
-    <a:ext uri="http://schemas.microsoft.com/office/drawing/2008/diagram">
-      <dsp:dataModelExt xmlns:dsp="http://schemas.microsoft.com/office/drawing/2008/diagram" relId="rId6" minVer="http://schemas.openxmlformats.org/drawingml/2006/diagram"/>
-    </a:ext>
-  </dgm:extLst>
-</dgm:dataModel>
-</file>
-
-<file path=ppt/diagrams/data5.xml><?xml version="1.0" encoding="utf-8"?>
-<dgm:dataModel xmlns:dgm="http://schemas.openxmlformats.org/drawingml/2006/diagram" xmlns:a="http://schemas.openxmlformats.org/drawingml/2006/main">
-  <dgm:ptLst>
-    <dgm:pt modelId="{26C009DF-8FBB-497D-8FE6-5CC2E0C2821A}" type="doc">
-      <dgm:prSet loTypeId="urn:microsoft.com/office/officeart/2005/8/layout/process5" loCatId="process" qsTypeId="urn:microsoft.com/office/officeart/2005/8/quickstyle/simple1" qsCatId="simple" csTypeId="urn:microsoft.com/office/officeart/2005/8/colors/accent1_2" csCatId="accent1" phldr="1"/>
-      <dgm:spPr/>
-    </dgm:pt>
-    <dgm:pt modelId="{724283ED-55EF-4621-A1F3-6196BDE1E80D}">
-      <dgm:prSet phldrT="[Text]"/>
-      <dgm:spPr>
-        <a:solidFill>
-          <a:schemeClr val="bg1">
-            <a:lumMod val="50000"/>
-          </a:schemeClr>
-        </a:solidFill>
-      </dgm:spPr>
-      <dgm:t>
-        <a:bodyPr/>
-        <a:lstStyle/>
-        <a:p>
-          <a:r>
-            <a:rPr lang="en-US" dirty="0"/>
-            <a:t>User</a:t>
-          </a:r>
-        </a:p>
-      </dgm:t>
-    </dgm:pt>
-    <dgm:pt modelId="{97D06EA2-91B8-4016-A2A6-7CC2EAB5FA0A}" type="parTrans" cxnId="{8A151E1B-3CA2-4343-9296-B360A6D68EB4}">
-      <dgm:prSet/>
-      <dgm:spPr/>
-      <dgm:t>
-        <a:bodyPr/>
-        <a:lstStyle/>
-        <a:p>
-          <a:endParaRPr lang="en-US"/>
-        </a:p>
-      </dgm:t>
-    </dgm:pt>
-    <dgm:pt modelId="{4EC42073-6673-44C2-ADD7-D27F95FC751B}" type="sibTrans" cxnId="{8A151E1B-3CA2-4343-9296-B360A6D68EB4}">
-      <dgm:prSet/>
-      <dgm:spPr>
-        <a:solidFill>
-          <a:schemeClr val="accent6">
-            <a:lumMod val="50000"/>
-          </a:schemeClr>
-        </a:solidFill>
-      </dgm:spPr>
-      <dgm:t>
-        <a:bodyPr/>
-        <a:lstStyle/>
-        <a:p>
-          <a:r>
-            <a:rPr lang="en-US" dirty="0"/>
-            <a:t>speech</a:t>
-          </a:r>
-        </a:p>
-      </dgm:t>
-    </dgm:pt>
-    <dgm:pt modelId="{C5104DED-14E1-4AF9-956B-ACE09AD7D097}">
-      <dgm:prSet phldrT="[Text]"/>
-      <dgm:spPr/>
-      <dgm:t>
-        <a:bodyPr/>
-        <a:lstStyle/>
-        <a:p>
-          <a:r>
-            <a:rPr lang="en-US" dirty="0"/>
-            <a:t>Event Engine</a:t>
-          </a:r>
-        </a:p>
-      </dgm:t>
-    </dgm:pt>
-    <dgm:pt modelId="{5BC90586-0162-4DAD-A20D-6D5BE3DAD376}" type="parTrans" cxnId="{F54CD909-A6CE-4F63-8270-A630F6D7B36C}">
-      <dgm:prSet/>
-      <dgm:spPr/>
-      <dgm:t>
-        <a:bodyPr/>
-        <a:lstStyle/>
-        <a:p>
-          <a:endParaRPr lang="en-US"/>
-        </a:p>
-      </dgm:t>
-    </dgm:pt>
-    <dgm:pt modelId="{A67E3823-BDCA-4B2F-9BD1-4B5CF4CF90CB}" type="sibTrans" cxnId="{F54CD909-A6CE-4F63-8270-A630F6D7B36C}">
-      <dgm:prSet/>
-      <dgm:spPr>
-        <a:solidFill>
-          <a:schemeClr val="accent6">
-            <a:lumMod val="50000"/>
-          </a:schemeClr>
-        </a:solidFill>
-      </dgm:spPr>
-      <dgm:t>
-        <a:bodyPr/>
-        <a:lstStyle/>
-        <a:p>
-          <a:r>
-            <a:rPr lang="en-US" dirty="0"/>
-            <a:t>sys </a:t>
-          </a:r>
-          <a:r>
-            <a:rPr lang="en-US" dirty="0" err="1"/>
-            <a:t>cmd</a:t>
-          </a:r>
-          <a:endParaRPr lang="en-US" dirty="0"/>
-        </a:p>
-      </dgm:t>
-    </dgm:pt>
-    <dgm:pt modelId="{4C108824-2688-49A8-915C-BD6440E3F831}">
-      <dgm:prSet phldrT="[Text]"/>
-      <dgm:spPr>
-        <a:solidFill>
-          <a:schemeClr val="bg1">
-            <a:lumMod val="50000"/>
-          </a:schemeClr>
-        </a:solidFill>
-      </dgm:spPr>
-      <dgm:t>
-        <a:bodyPr/>
-        <a:lstStyle/>
-        <a:p>
-          <a:r>
-            <a:rPr lang="en-US" dirty="0"/>
-            <a:t>Tools</a:t>
-          </a:r>
-        </a:p>
-      </dgm:t>
-    </dgm:pt>
-    <dgm:pt modelId="{D4D42152-E1BD-43BD-ACC3-B98717F44B5F}" type="parTrans" cxnId="{2B6B8F5D-9E19-403D-BDA5-D859CBB94FEA}">
-      <dgm:prSet/>
-      <dgm:spPr/>
-      <dgm:t>
-        <a:bodyPr/>
-        <a:lstStyle/>
-        <a:p>
-          <a:endParaRPr lang="en-US"/>
-        </a:p>
-      </dgm:t>
-    </dgm:pt>
-    <dgm:pt modelId="{C884952F-A5D9-4BB7-A4C2-5F9CCBA61DDE}" type="sibTrans" cxnId="{2B6B8F5D-9E19-403D-BDA5-D859CBB94FEA}">
-      <dgm:prSet/>
-      <dgm:spPr/>
-      <dgm:t>
-        <a:bodyPr/>
-        <a:lstStyle/>
-        <a:p>
-          <a:endParaRPr lang="en-US"/>
-        </a:p>
-      </dgm:t>
-    </dgm:pt>
-    <dgm:pt modelId="{5D698A49-0CB1-4CE6-8067-E37778D95B2A}">
-      <dgm:prSet/>
-      <dgm:spPr/>
-      <dgm:t>
-        <a:bodyPr/>
-        <a:lstStyle/>
-        <a:p>
-          <a:r>
-            <a:rPr lang="en-US" dirty="0" err="1"/>
-            <a:t>AlexaHack</a:t>
-          </a:r>
-          <a:r>
-            <a:rPr lang="en-US" dirty="0"/>
-            <a:t> Skill</a:t>
-          </a:r>
-        </a:p>
-      </dgm:t>
-    </dgm:pt>
-    <dgm:pt modelId="{881E24BC-8A46-47C4-A5B8-FBA99AF82C8B}" type="parTrans" cxnId="{6D788A29-C003-43B3-8766-567274877707}">
-      <dgm:prSet/>
-      <dgm:spPr/>
-      <dgm:t>
-        <a:bodyPr/>
-        <a:lstStyle/>
-        <a:p>
-          <a:endParaRPr lang="en-US"/>
-        </a:p>
-      </dgm:t>
-    </dgm:pt>
-    <dgm:pt modelId="{70CBF071-60CA-4A41-B115-B263AD53AE66}" type="sibTrans" cxnId="{6D788A29-C003-43B3-8766-567274877707}">
-      <dgm:prSet/>
-      <dgm:spPr>
-        <a:solidFill>
-          <a:schemeClr val="accent6">
-            <a:lumMod val="50000"/>
-          </a:schemeClr>
-        </a:solidFill>
-      </dgm:spPr>
-      <dgm:t>
-        <a:bodyPr/>
-        <a:lstStyle/>
-        <a:p>
-          <a:r>
-            <a:rPr lang="en-US" dirty="0"/>
-            <a:t>event</a:t>
-          </a:r>
-        </a:p>
-      </dgm:t>
-    </dgm:pt>
-    <dgm:pt modelId="{AFC9EB16-D8FF-402F-ABBE-3E686389C0E9}" type="pres">
-      <dgm:prSet presAssocID="{26C009DF-8FBB-497D-8FE6-5CC2E0C2821A}" presName="diagram" presStyleCnt="0">
-        <dgm:presLayoutVars>
-          <dgm:dir/>
-          <dgm:resizeHandles val="exact"/>
-        </dgm:presLayoutVars>
-      </dgm:prSet>
-      <dgm:spPr/>
-    </dgm:pt>
-    <dgm:pt modelId="{C87DE592-9DCC-44AF-BEC5-4ECA7C7D88EF}" type="pres">
-      <dgm:prSet presAssocID="{724283ED-55EF-4621-A1F3-6196BDE1E80D}" presName="node" presStyleLbl="node1" presStyleIdx="0" presStyleCnt="4" custLinFactNeighborX="-67270" custLinFactNeighborY="729">
-        <dgm:presLayoutVars>
-          <dgm:bulletEnabled val="1"/>
-        </dgm:presLayoutVars>
-      </dgm:prSet>
-      <dgm:spPr/>
-      <dgm:t>
-        <a:bodyPr/>
-        <a:lstStyle/>
-        <a:p>
-          <a:endParaRPr lang="en-US"/>
-        </a:p>
-      </dgm:t>
-    </dgm:pt>
-    <dgm:pt modelId="{4F695B17-3154-46B2-95C2-92DA2AF11106}" type="pres">
-      <dgm:prSet presAssocID="{4EC42073-6673-44C2-ADD7-D27F95FC751B}" presName="sibTrans" presStyleLbl="sibTrans2D1" presStyleIdx="0" presStyleCnt="3"/>
-      <dgm:spPr/>
-      <dgm:t>
-        <a:bodyPr/>
-        <a:lstStyle/>
-        <a:p>
-          <a:endParaRPr lang="en-US"/>
-        </a:p>
-      </dgm:t>
-    </dgm:pt>
-    <dgm:pt modelId="{E3AD44E3-CE7F-45EC-A7B7-5A0AD258168A}" type="pres">
-      <dgm:prSet presAssocID="{4EC42073-6673-44C2-ADD7-D27F95FC751B}" presName="connectorText" presStyleLbl="sibTrans2D1" presStyleIdx="0" presStyleCnt="3"/>
-      <dgm:spPr/>
-      <dgm:t>
-        <a:bodyPr/>
-        <a:lstStyle/>
-        <a:p>
-          <a:endParaRPr lang="en-US"/>
-        </a:p>
-      </dgm:t>
-    </dgm:pt>
-    <dgm:pt modelId="{12D6B900-2527-4F8E-BFA6-6356BEF4DD04}" type="pres">
-      <dgm:prSet presAssocID="{5D698A49-0CB1-4CE6-8067-E37778D95B2A}" presName="node" presStyleLbl="node1" presStyleIdx="1" presStyleCnt="4" custLinFactNeighborX="-15559" custLinFactNeighborY="-3051">
-        <dgm:presLayoutVars>
-          <dgm:bulletEnabled val="1"/>
-        </dgm:presLayoutVars>
-      </dgm:prSet>
-      <dgm:spPr/>
-      <dgm:t>
-        <a:bodyPr/>
-        <a:lstStyle/>
-        <a:p>
-          <a:endParaRPr lang="en-US"/>
-        </a:p>
-      </dgm:t>
-    </dgm:pt>
-    <dgm:pt modelId="{B4268C83-B31E-4419-8F39-95CE051A19C2}" type="pres">
-      <dgm:prSet presAssocID="{70CBF071-60CA-4A41-B115-B263AD53AE66}" presName="sibTrans" presStyleLbl="sibTrans2D1" presStyleIdx="1" presStyleCnt="3"/>
-      <dgm:spPr/>
-      <dgm:t>
-        <a:bodyPr/>
-        <a:lstStyle/>
-        <a:p>
-          <a:endParaRPr lang="en-US"/>
-        </a:p>
-      </dgm:t>
-    </dgm:pt>
-    <dgm:pt modelId="{0B59411B-06F2-4B91-A638-B0CD944D1C61}" type="pres">
-      <dgm:prSet presAssocID="{70CBF071-60CA-4A41-B115-B263AD53AE66}" presName="connectorText" presStyleLbl="sibTrans2D1" presStyleIdx="1" presStyleCnt="3"/>
-      <dgm:spPr/>
-      <dgm:t>
-        <a:bodyPr/>
-        <a:lstStyle/>
-        <a:p>
-          <a:endParaRPr lang="en-US"/>
-        </a:p>
-      </dgm:t>
-    </dgm:pt>
-    <dgm:pt modelId="{FB1BA8D3-3D70-4D5C-AF6F-5F730BEA683A}" type="pres">
-      <dgm:prSet presAssocID="{C5104DED-14E1-4AF9-956B-ACE09AD7D097}" presName="node" presStyleLbl="node1" presStyleIdx="2" presStyleCnt="4" custLinFactNeighborX="6407" custLinFactNeighborY="-2288">
-        <dgm:presLayoutVars>
-          <dgm:bulletEnabled val="1"/>
-        </dgm:presLayoutVars>
-      </dgm:prSet>
-      <dgm:spPr/>
-      <dgm:t>
-        <a:bodyPr/>
-        <a:lstStyle/>
-        <a:p>
-          <a:endParaRPr lang="en-US"/>
-        </a:p>
-      </dgm:t>
-    </dgm:pt>
-    <dgm:pt modelId="{FF5CBC1B-6B54-4E17-92BB-0A7245FB40D3}" type="pres">
-      <dgm:prSet presAssocID="{A67E3823-BDCA-4B2F-9BD1-4B5CF4CF90CB}" presName="sibTrans" presStyleLbl="sibTrans2D1" presStyleIdx="2" presStyleCnt="3"/>
-      <dgm:spPr/>
-      <dgm:t>
-        <a:bodyPr/>
-        <a:lstStyle/>
-        <a:p>
-          <a:endParaRPr lang="en-US"/>
-        </a:p>
-      </dgm:t>
-    </dgm:pt>
-    <dgm:pt modelId="{23325FDD-61E8-4EA0-9028-CA2840795E3D}" type="pres">
-      <dgm:prSet presAssocID="{A67E3823-BDCA-4B2F-9BD1-4B5CF4CF90CB}" presName="connectorText" presStyleLbl="sibTrans2D1" presStyleIdx="2" presStyleCnt="3"/>
-      <dgm:spPr/>
-      <dgm:t>
-        <a:bodyPr/>
-        <a:lstStyle/>
-        <a:p>
-          <a:endParaRPr lang="en-US"/>
-        </a:p>
-      </dgm:t>
-    </dgm:pt>
-    <dgm:pt modelId="{13CB0392-038E-42B2-9A32-D8AC60069C04}" type="pres">
-      <dgm:prSet presAssocID="{4C108824-2688-49A8-915C-BD6440E3F831}" presName="node" presStyleLbl="node1" presStyleIdx="3" presStyleCnt="4" custLinFactNeighborX="55756" custLinFactNeighborY="-34">
-        <dgm:presLayoutVars>
-          <dgm:bulletEnabled val="1"/>
-        </dgm:presLayoutVars>
-      </dgm:prSet>
-      <dgm:spPr/>
-      <dgm:t>
-        <a:bodyPr/>
-        <a:lstStyle/>
-        <a:p>
-          <a:endParaRPr lang="en-US"/>
-        </a:p>
-      </dgm:t>
-    </dgm:pt>
-  </dgm:ptLst>
-  <dgm:cxnLst>
-    <dgm:cxn modelId="{71C72810-FB0C-47A6-8E19-C4F15DE615CD}" type="presOf" srcId="{4EC42073-6673-44C2-ADD7-D27F95FC751B}" destId="{E3AD44E3-CE7F-45EC-A7B7-5A0AD258168A}" srcOrd="1" destOrd="0" presId="urn:microsoft.com/office/officeart/2005/8/layout/process5"/>
-    <dgm:cxn modelId="{EDE1C3E5-C1AA-4C98-A784-0A0444B40533}" type="presOf" srcId="{4C108824-2688-49A8-915C-BD6440E3F831}" destId="{13CB0392-038E-42B2-9A32-D8AC60069C04}" srcOrd="0" destOrd="0" presId="urn:microsoft.com/office/officeart/2005/8/layout/process5"/>
-    <dgm:cxn modelId="{56996DB0-D0FE-416C-9D56-EE94739FBBCC}" type="presOf" srcId="{70CBF071-60CA-4A41-B115-B263AD53AE66}" destId="{0B59411B-06F2-4B91-A638-B0CD944D1C61}" srcOrd="1" destOrd="0" presId="urn:microsoft.com/office/officeart/2005/8/layout/process5"/>
-    <dgm:cxn modelId="{F36790C6-8230-4BEE-BF45-A200326A0C3F}" type="presOf" srcId="{5D698A49-0CB1-4CE6-8067-E37778D95B2A}" destId="{12D6B900-2527-4F8E-BFA6-6356BEF4DD04}" srcOrd="0" destOrd="0" presId="urn:microsoft.com/office/officeart/2005/8/layout/process5"/>
-    <dgm:cxn modelId="{702AEADB-4C18-4905-A4A4-D8AC5CECE634}" type="presOf" srcId="{26C009DF-8FBB-497D-8FE6-5CC2E0C2821A}" destId="{AFC9EB16-D8FF-402F-ABBE-3E686389C0E9}" srcOrd="0" destOrd="0" presId="urn:microsoft.com/office/officeart/2005/8/layout/process5"/>
-    <dgm:cxn modelId="{D5001859-BB5C-4A0F-A533-3886A236383F}" type="presOf" srcId="{A67E3823-BDCA-4B2F-9BD1-4B5CF4CF90CB}" destId="{23325FDD-61E8-4EA0-9028-CA2840795E3D}" srcOrd="1" destOrd="0" presId="urn:microsoft.com/office/officeart/2005/8/layout/process5"/>
-    <dgm:cxn modelId="{FD0D9EF0-3319-4379-BFE4-71C4D87F4FEB}" type="presOf" srcId="{A67E3823-BDCA-4B2F-9BD1-4B5CF4CF90CB}" destId="{FF5CBC1B-6B54-4E17-92BB-0A7245FB40D3}" srcOrd="0" destOrd="0" presId="urn:microsoft.com/office/officeart/2005/8/layout/process5"/>
-    <dgm:cxn modelId="{52E898DE-F732-4978-9B3C-9068A81958C6}" type="presOf" srcId="{4EC42073-6673-44C2-ADD7-D27F95FC751B}" destId="{4F695B17-3154-46B2-95C2-92DA2AF11106}" srcOrd="0" destOrd="0" presId="urn:microsoft.com/office/officeart/2005/8/layout/process5"/>
-    <dgm:cxn modelId="{6D788A29-C003-43B3-8766-567274877707}" srcId="{26C009DF-8FBB-497D-8FE6-5CC2E0C2821A}" destId="{5D698A49-0CB1-4CE6-8067-E37778D95B2A}" srcOrd="1" destOrd="0" parTransId="{881E24BC-8A46-47C4-A5B8-FBA99AF82C8B}" sibTransId="{70CBF071-60CA-4A41-B115-B263AD53AE66}"/>
-    <dgm:cxn modelId="{2B6B8F5D-9E19-403D-BDA5-D859CBB94FEA}" srcId="{26C009DF-8FBB-497D-8FE6-5CC2E0C2821A}" destId="{4C108824-2688-49A8-915C-BD6440E3F831}" srcOrd="3" destOrd="0" parTransId="{D4D42152-E1BD-43BD-ACC3-B98717F44B5F}" sibTransId="{C884952F-A5D9-4BB7-A4C2-5F9CCBA61DDE}"/>
-    <dgm:cxn modelId="{2AE204BF-D690-4CE4-9930-3DD0DE02E222}" type="presOf" srcId="{C5104DED-14E1-4AF9-956B-ACE09AD7D097}" destId="{FB1BA8D3-3D70-4D5C-AF6F-5F730BEA683A}" srcOrd="0" destOrd="0" presId="urn:microsoft.com/office/officeart/2005/8/layout/process5"/>
-    <dgm:cxn modelId="{8A151E1B-3CA2-4343-9296-B360A6D68EB4}" srcId="{26C009DF-8FBB-497D-8FE6-5CC2E0C2821A}" destId="{724283ED-55EF-4621-A1F3-6196BDE1E80D}" srcOrd="0" destOrd="0" parTransId="{97D06EA2-91B8-4016-A2A6-7CC2EAB5FA0A}" sibTransId="{4EC42073-6673-44C2-ADD7-D27F95FC751B}"/>
-    <dgm:cxn modelId="{F54CD909-A6CE-4F63-8270-A630F6D7B36C}" srcId="{26C009DF-8FBB-497D-8FE6-5CC2E0C2821A}" destId="{C5104DED-14E1-4AF9-956B-ACE09AD7D097}" srcOrd="2" destOrd="0" parTransId="{5BC90586-0162-4DAD-A20D-6D5BE3DAD376}" sibTransId="{A67E3823-BDCA-4B2F-9BD1-4B5CF4CF90CB}"/>
-    <dgm:cxn modelId="{70808851-1DF6-4A04-8DCD-DE0CC9D58447}" type="presOf" srcId="{724283ED-55EF-4621-A1F3-6196BDE1E80D}" destId="{C87DE592-9DCC-44AF-BEC5-4ECA7C7D88EF}" srcOrd="0" destOrd="0" presId="urn:microsoft.com/office/officeart/2005/8/layout/process5"/>
-    <dgm:cxn modelId="{F6744FBA-0367-49B2-B4AA-45ABBE7F4C4A}" type="presOf" srcId="{70CBF071-60CA-4A41-B115-B263AD53AE66}" destId="{B4268C83-B31E-4419-8F39-95CE051A19C2}" srcOrd="0" destOrd="0" presId="urn:microsoft.com/office/officeart/2005/8/layout/process5"/>
-    <dgm:cxn modelId="{58BBFA46-F80C-4D05-AA7D-FD5C852674F8}" type="presParOf" srcId="{AFC9EB16-D8FF-402F-ABBE-3E686389C0E9}" destId="{C87DE592-9DCC-44AF-BEC5-4ECA7C7D88EF}" srcOrd="0" destOrd="0" presId="urn:microsoft.com/office/officeart/2005/8/layout/process5"/>
-    <dgm:cxn modelId="{17A65708-5A20-47A8-8B1B-6B0459B5B0DD}" type="presParOf" srcId="{AFC9EB16-D8FF-402F-ABBE-3E686389C0E9}" destId="{4F695B17-3154-46B2-95C2-92DA2AF11106}" srcOrd="1" destOrd="0" presId="urn:microsoft.com/office/officeart/2005/8/layout/process5"/>
-    <dgm:cxn modelId="{85D154F6-AB54-4DAE-8BFD-57DEB9565467}" type="presParOf" srcId="{4F695B17-3154-46B2-95C2-92DA2AF11106}" destId="{E3AD44E3-CE7F-45EC-A7B7-5A0AD258168A}" srcOrd="0" destOrd="0" presId="urn:microsoft.com/office/officeart/2005/8/layout/process5"/>
-    <dgm:cxn modelId="{FF328B54-EA3D-4BF2-A4B8-FEF014F013B1}" type="presParOf" srcId="{AFC9EB16-D8FF-402F-ABBE-3E686389C0E9}" destId="{12D6B900-2527-4F8E-BFA6-6356BEF4DD04}" srcOrd="2" destOrd="0" presId="urn:microsoft.com/office/officeart/2005/8/layout/process5"/>
-    <dgm:cxn modelId="{0D312E08-606E-4699-8536-2EBD2A2F3602}" type="presParOf" srcId="{AFC9EB16-D8FF-402F-ABBE-3E686389C0E9}" destId="{B4268C83-B31E-4419-8F39-95CE051A19C2}" srcOrd="3" destOrd="0" presId="urn:microsoft.com/office/officeart/2005/8/layout/process5"/>
-    <dgm:cxn modelId="{51C4296A-7F07-4D66-9C41-B4FDFE5B238C}" type="presParOf" srcId="{B4268C83-B31E-4419-8F39-95CE051A19C2}" destId="{0B59411B-06F2-4B91-A638-B0CD944D1C61}" srcOrd="0" destOrd="0" presId="urn:microsoft.com/office/officeart/2005/8/layout/process5"/>
-    <dgm:cxn modelId="{AC27F582-5D50-40CC-B6AF-16C8A9FCEB72}" type="presParOf" srcId="{AFC9EB16-D8FF-402F-ABBE-3E686389C0E9}" destId="{FB1BA8D3-3D70-4D5C-AF6F-5F730BEA683A}" srcOrd="4" destOrd="0" presId="urn:microsoft.com/office/officeart/2005/8/layout/process5"/>
-    <dgm:cxn modelId="{EA4D97E4-D0F8-475B-8AA3-F5721A98A3D4}" type="presParOf" srcId="{AFC9EB16-D8FF-402F-ABBE-3E686389C0E9}" destId="{FF5CBC1B-6B54-4E17-92BB-0A7245FB40D3}" srcOrd="5" destOrd="0" presId="urn:microsoft.com/office/officeart/2005/8/layout/process5"/>
-    <dgm:cxn modelId="{09D94C31-05C8-4318-9C2D-0BD826934697}" type="presParOf" srcId="{FF5CBC1B-6B54-4E17-92BB-0A7245FB40D3}" destId="{23325FDD-61E8-4EA0-9028-CA2840795E3D}" srcOrd="0" destOrd="0" presId="urn:microsoft.com/office/officeart/2005/8/layout/process5"/>
-    <dgm:cxn modelId="{F86B58D5-1B43-4BA2-A355-12D399AF0678}" type="presParOf" srcId="{AFC9EB16-D8FF-402F-ABBE-3E686389C0E9}" destId="{13CB0392-038E-42B2-9A32-D8AC60069C04}" srcOrd="6" destOrd="0" presId="urn:microsoft.com/office/officeart/2005/8/layout/process5"/>
-  </dgm:cxnLst>
-  <dgm:bg/>
-  <dgm:whole/>
-  <dgm:extLst>
-    <a:ext uri="http://schemas.microsoft.com/office/drawing/2008/diagram">
-      <dsp:dataModelExt xmlns:dsp="http://schemas.microsoft.com/office/drawing/2008/diagram" relId="rId11" minVer="http://schemas.openxmlformats.org/drawingml/2006/diagram"/>
     </a:ext>
   </dgm:extLst>
 </dgm:dataModel>
@@ -12495,30 +9059,6 @@
 </dsp:drawing>
 </file>
 
-<file path=ppt/diagrams/drawing4.xml><?xml version="1.0" encoding="utf-8"?>
-<dsp:drawing xmlns:dgm="http://schemas.openxmlformats.org/drawingml/2006/diagram" xmlns:dsp="http://schemas.microsoft.com/office/drawing/2008/diagram" xmlns:a="http://schemas.openxmlformats.org/drawingml/2006/main">
-  <dsp:spTree>
-    <dsp:nvGrpSpPr>
-      <dsp:cNvPr id="0" name=""/>
-      <dsp:cNvGrpSpPr/>
-    </dsp:nvGrpSpPr>
-    <dsp:grpSpPr/>
-  </dsp:spTree>
-</dsp:drawing>
-</file>
-
-<file path=ppt/diagrams/drawing5.xml><?xml version="1.0" encoding="utf-8"?>
-<dsp:drawing xmlns:dgm="http://schemas.openxmlformats.org/drawingml/2006/diagram" xmlns:dsp="http://schemas.microsoft.com/office/drawing/2008/diagram" xmlns:a="http://schemas.openxmlformats.org/drawingml/2006/main">
-  <dsp:spTree>
-    <dsp:nvGrpSpPr>
-      <dsp:cNvPr id="0" name=""/>
-      <dsp:cNvGrpSpPr/>
-    </dsp:nvGrpSpPr>
-    <dsp:grpSpPr/>
-  </dsp:spTree>
-</dsp:drawing>
-</file>
-
 <file path=ppt/diagrams/layout1.xml><?xml version="1.0" encoding="utf-8"?>
 <dgm:layoutDef xmlns:dgm="http://schemas.openxmlformats.org/drawingml/2006/diagram" xmlns:a="http://schemas.openxmlformats.org/drawingml/2006/main" uniqueId="urn:microsoft.com/office/officeart/2005/8/layout/orgChart1">
   <dgm:title val=""/>
@@ -14053,1323 +10593,6 @@
 </dgm:layoutDef>
 </file>
 
-<file path=ppt/diagrams/layout4.xml><?xml version="1.0" encoding="utf-8"?>
-<dgm:layoutDef xmlns:dgm="http://schemas.openxmlformats.org/drawingml/2006/diagram" xmlns:a="http://schemas.openxmlformats.org/drawingml/2006/main" uniqueId="urn:microsoft.com/office/officeart/2005/8/layout/orgChart1">
-  <dgm:title val=""/>
-  <dgm:desc val=""/>
-  <dgm:catLst>
-    <dgm:cat type="hierarchy" pri="1000"/>
-    <dgm:cat type="convert" pri="6000"/>
-  </dgm:catLst>
-  <dgm:sampData>
-    <dgm:dataModel>
-      <dgm:ptLst>
-        <dgm:pt modelId="0" type="doc"/>
-        <dgm:pt modelId="1">
-          <dgm:prSet phldr="1"/>
-        </dgm:pt>
-        <dgm:pt modelId="2" type="asst">
-          <dgm:prSet phldr="1"/>
-        </dgm:pt>
-        <dgm:pt modelId="3">
-          <dgm:prSet phldr="1"/>
-        </dgm:pt>
-        <dgm:pt modelId="4">
-          <dgm:prSet phldr="1"/>
-        </dgm:pt>
-        <dgm:pt modelId="5">
-          <dgm:prSet phldr="1"/>
-        </dgm:pt>
-      </dgm:ptLst>
-      <dgm:cxnLst>
-        <dgm:cxn modelId="5" srcId="0" destId="1" srcOrd="0" destOrd="0"/>
-        <dgm:cxn modelId="6" srcId="1" destId="2" srcOrd="0" destOrd="0"/>
-        <dgm:cxn modelId="7" srcId="1" destId="3" srcOrd="1" destOrd="0"/>
-        <dgm:cxn modelId="8" srcId="1" destId="4" srcOrd="2" destOrd="0"/>
-        <dgm:cxn modelId="9" srcId="1" destId="5" srcOrd="3" destOrd="0"/>
-      </dgm:cxnLst>
-      <dgm:bg/>
-      <dgm:whole/>
-    </dgm:dataModel>
-  </dgm:sampData>
-  <dgm:styleData>
-    <dgm:dataModel>
-      <dgm:ptLst>
-        <dgm:pt modelId="0" type="doc"/>
-        <dgm:pt modelId="1"/>
-        <dgm:pt modelId="12"/>
-        <dgm:pt modelId="13"/>
-      </dgm:ptLst>
-      <dgm:cxnLst>
-        <dgm:cxn modelId="2" srcId="0" destId="1" srcOrd="0" destOrd="0"/>
-        <dgm:cxn modelId="16" srcId="1" destId="12" srcOrd="1" destOrd="0"/>
-        <dgm:cxn modelId="17" srcId="1" destId="13" srcOrd="2" destOrd="0"/>
-      </dgm:cxnLst>
-      <dgm:bg/>
-      <dgm:whole/>
-    </dgm:dataModel>
-  </dgm:styleData>
-  <dgm:clrData>
-    <dgm:dataModel>
-      <dgm:ptLst>
-        <dgm:pt modelId="0" type="doc"/>
-        <dgm:pt modelId="1"/>
-        <dgm:pt modelId="11" type="asst"/>
-        <dgm:pt modelId="12"/>
-        <dgm:pt modelId="13"/>
-        <dgm:pt modelId="14"/>
-      </dgm:ptLst>
-      <dgm:cxnLst>
-        <dgm:cxn modelId="2" srcId="0" destId="1" srcOrd="0" destOrd="0"/>
-        <dgm:cxn modelId="15" srcId="1" destId="11" srcOrd="0" destOrd="0"/>
-        <dgm:cxn modelId="16" srcId="1" destId="12" srcOrd="1" destOrd="0"/>
-        <dgm:cxn modelId="17" srcId="1" destId="13" srcOrd="2" destOrd="0"/>
-        <dgm:cxn modelId="18" srcId="1" destId="14" srcOrd="2" destOrd="0"/>
-      </dgm:cxnLst>
-      <dgm:bg/>
-      <dgm:whole/>
-    </dgm:dataModel>
-  </dgm:clrData>
-  <dgm:layoutNode name="hierChild1">
-    <dgm:varLst>
-      <dgm:orgChart val="1"/>
-      <dgm:chPref val="1"/>
-      <dgm:dir/>
-      <dgm:animOne val="branch"/>
-      <dgm:animLvl val="lvl"/>
-      <dgm:resizeHandles/>
-    </dgm:varLst>
-    <dgm:choose name="Name0">
-      <dgm:if name="Name1" func="var" arg="dir" op="equ" val="norm">
-        <dgm:alg type="hierChild">
-          <dgm:param type="linDir" val="fromL"/>
-        </dgm:alg>
-      </dgm:if>
-      <dgm:else name="Name2">
-        <dgm:alg type="hierChild">
-          <dgm:param type="linDir" val="fromR"/>
-        </dgm:alg>
-      </dgm:else>
-    </dgm:choose>
-    <dgm:shape xmlns:r="http://schemas.openxmlformats.org/officeDocument/2006/relationships" r:blip="">
-      <dgm:adjLst/>
-    </dgm:shape>
-    <dgm:presOf/>
-    <dgm:constrLst>
-      <dgm:constr type="w" for="des" forName="rootComposite1" refType="w" fact="10"/>
-      <dgm:constr type="h" for="des" forName="rootComposite1" refType="w" refFor="des" refForName="rootComposite1" fact="0.5"/>
-      <dgm:constr type="w" for="des" forName="rootComposite" refType="w" fact="10"/>
-      <dgm:constr type="h" for="des" forName="rootComposite" refType="w" refFor="des" refForName="rootComposite1" fact="0.5"/>
-      <dgm:constr type="w" for="des" forName="rootComposite3" refType="w" fact="10"/>
-      <dgm:constr type="h" for="des" forName="rootComposite3" refType="w" refFor="des" refForName="rootComposite1" fact="0.5"/>
-      <dgm:constr type="primFontSz" for="des" ptType="node" op="equ"/>
-      <dgm:constr type="sp" for="des" op="equ"/>
-      <dgm:constr type="sp" for="des" forName="hierRoot1" refType="w" refFor="des" refForName="rootComposite1" fact="0.21"/>
-      <dgm:constr type="sp" for="des" forName="hierRoot2" refType="sp" refFor="des" refForName="hierRoot1"/>
-      <dgm:constr type="sp" for="des" forName="hierRoot3" refType="sp" refFor="des" refForName="hierRoot1"/>
-      <dgm:constr type="sibSp" refType="w" refFor="des" refForName="rootComposite1" fact="0.21"/>
-      <dgm:constr type="sibSp" for="des" forName="hierChild2" refType="sibSp"/>
-      <dgm:constr type="sibSp" for="des" forName="hierChild3" refType="sibSp"/>
-      <dgm:constr type="sibSp" for="des" forName="hierChild4" refType="sibSp"/>
-      <dgm:constr type="sibSp" for="des" forName="hierChild5" refType="sibSp"/>
-      <dgm:constr type="sibSp" for="des" forName="hierChild6" refType="sibSp"/>
-      <dgm:constr type="sibSp" for="des" forName="hierChild7" refType="sibSp"/>
-      <dgm:constr type="secSibSp" refType="w" refFor="des" refForName="rootComposite1" fact="0.21"/>
-      <dgm:constr type="secSibSp" for="des" forName="hierChild2" refType="secSibSp"/>
-      <dgm:constr type="secSibSp" for="des" forName="hierChild3" refType="secSibSp"/>
-      <dgm:constr type="secSibSp" for="des" forName="hierChild4" refType="secSibSp"/>
-      <dgm:constr type="secSibSp" for="des" forName="hierChild5" refType="secSibSp"/>
-      <dgm:constr type="secSibSp" for="des" forName="hierChild6" refType="secSibSp"/>
-      <dgm:constr type="secSibSp" for="des" forName="hierChild7" refType="secSibSp"/>
-    </dgm:constrLst>
-    <dgm:ruleLst/>
-    <dgm:forEach name="Name3" axis="ch">
-      <dgm:forEach name="Name4" axis="self" ptType="node">
-        <dgm:layoutNode name="hierRoot1">
-          <dgm:varLst>
-            <dgm:hierBranch val="init"/>
-          </dgm:varLst>
-          <dgm:choose name="Name5">
-            <dgm:if name="Name6" func="var" arg="hierBranch" op="equ" val="l">
-              <dgm:choose name="Name7">
-                <dgm:if name="Name8" axis="ch" ptType="asst" func="cnt" op="gte" val="1">
-                  <dgm:alg type="hierRoot">
-                    <dgm:param type="hierAlign" val="tR"/>
-                  </dgm:alg>
-                  <dgm:constrLst>
-                    <dgm:constr type="alignOff" val="0.65"/>
-                  </dgm:constrLst>
-                </dgm:if>
-                <dgm:else name="Name9">
-                  <dgm:alg type="hierRoot">
-                    <dgm:param type="hierAlign" val="tR"/>
-                  </dgm:alg>
-                  <dgm:constrLst>
-                    <dgm:constr type="alignOff" val="0.25"/>
-                  </dgm:constrLst>
-                </dgm:else>
-              </dgm:choose>
-            </dgm:if>
-            <dgm:if name="Name10" func="var" arg="hierBranch" op="equ" val="r">
-              <dgm:choose name="Name11">
-                <dgm:if name="Name12" axis="ch" ptType="asst" func="cnt" op="gte" val="1">
-                  <dgm:alg type="hierRoot">
-                    <dgm:param type="hierAlign" val="tL"/>
-                  </dgm:alg>
-                  <dgm:constrLst>
-                    <dgm:constr type="alignOff" val="0.65"/>
-                  </dgm:constrLst>
-                </dgm:if>
-                <dgm:else name="Name13">
-                  <dgm:alg type="hierRoot">
-                    <dgm:param type="hierAlign" val="tL"/>
-                  </dgm:alg>
-                  <dgm:constrLst>
-                    <dgm:constr type="alignOff" val="0.25"/>
-                  </dgm:constrLst>
-                </dgm:else>
-              </dgm:choose>
-            </dgm:if>
-            <dgm:if name="Name14" func="var" arg="hierBranch" op="equ" val="hang">
-              <dgm:alg type="hierRoot"/>
-              <dgm:constrLst>
-                <dgm:constr type="alignOff" val="0.65"/>
-              </dgm:constrLst>
-            </dgm:if>
-            <dgm:else name="Name15">
-              <dgm:alg type="hierRoot"/>
-              <dgm:constrLst>
-                <dgm:constr type="alignOff"/>
-                <dgm:constr type="bendDist" for="des" ptType="parTrans" refType="sp" fact="0.5"/>
-              </dgm:constrLst>
-            </dgm:else>
-          </dgm:choose>
-          <dgm:shape xmlns:r="http://schemas.openxmlformats.org/officeDocument/2006/relationships" r:blip="">
-            <dgm:adjLst/>
-          </dgm:shape>
-          <dgm:presOf/>
-          <dgm:ruleLst/>
-          <dgm:layoutNode name="rootComposite1">
-            <dgm:alg type="composite"/>
-            <dgm:shape xmlns:r="http://schemas.openxmlformats.org/officeDocument/2006/relationships" r:blip="">
-              <dgm:adjLst/>
-            </dgm:shape>
-            <dgm:presOf axis="self" ptType="node" cnt="1"/>
-            <dgm:choose name="Name16">
-              <dgm:if name="Name17" func="var" arg="hierBranch" op="equ" val="init">
-                <dgm:constrLst>
-                  <dgm:constr type="l" for="ch" forName="rootText1"/>
-                  <dgm:constr type="t" for="ch" forName="rootText1"/>
-                  <dgm:constr type="w" for="ch" forName="rootText1" refType="w"/>
-                  <dgm:constr type="h" for="ch" forName="rootText1" refType="h"/>
-                  <dgm:constr type="l" for="ch" forName="rootConnector1"/>
-                  <dgm:constr type="t" for="ch" forName="rootConnector1"/>
-                  <dgm:constr type="w" for="ch" forName="rootConnector1" refType="w" refFor="ch" refForName="rootText1" fact="0.2"/>
-                  <dgm:constr type="h" for="ch" forName="rootConnector1" refType="h" refFor="ch" refForName="rootText1"/>
-                </dgm:constrLst>
-              </dgm:if>
-              <dgm:if name="Name18" func="var" arg="hierBranch" op="equ" val="l">
-                <dgm:constrLst>
-                  <dgm:constr type="l" for="ch" forName="rootText1"/>
-                  <dgm:constr type="t" for="ch" forName="rootText1"/>
-                  <dgm:constr type="w" for="ch" forName="rootText1" refType="w"/>
-                  <dgm:constr type="h" for="ch" forName="rootText1" refType="h"/>
-                  <dgm:constr type="r" for="ch" forName="rootConnector1" refType="w"/>
-                  <dgm:constr type="t" for="ch" forName="rootConnector1"/>
-                  <dgm:constr type="w" for="ch" forName="rootConnector1" refType="w" refFor="ch" refForName="rootText1" fact="0.2"/>
-                  <dgm:constr type="h" for="ch" forName="rootConnector1" refType="h" refFor="ch" refForName="rootText1"/>
-                </dgm:constrLst>
-              </dgm:if>
-              <dgm:if name="Name19" func="var" arg="hierBranch" op="equ" val="r">
-                <dgm:constrLst>
-                  <dgm:constr type="l" for="ch" forName="rootText1"/>
-                  <dgm:constr type="t" for="ch" forName="rootText1"/>
-                  <dgm:constr type="w" for="ch" forName="rootText1" refType="w"/>
-                  <dgm:constr type="h" for="ch" forName="rootText1" refType="h"/>
-                  <dgm:constr type="l" for="ch" forName="rootConnector1"/>
-                  <dgm:constr type="t" for="ch" forName="rootConnector1"/>
-                  <dgm:constr type="w" for="ch" forName="rootConnector1" refType="w" refFor="ch" refForName="rootText1" fact="0.2"/>
-                  <dgm:constr type="h" for="ch" forName="rootConnector1" refType="h" refFor="ch" refForName="rootText1"/>
-                </dgm:constrLst>
-              </dgm:if>
-              <dgm:else name="Name20">
-                <dgm:constrLst>
-                  <dgm:constr type="l" for="ch" forName="rootText1"/>
-                  <dgm:constr type="t" for="ch" forName="rootText1"/>
-                  <dgm:constr type="w" for="ch" forName="rootText1" refType="w"/>
-                  <dgm:constr type="h" for="ch" forName="rootText1" refType="h"/>
-                  <dgm:constr type="r" for="ch" forName="rootConnector1" refType="w"/>
-                  <dgm:constr type="t" for="ch" forName="rootConnector1"/>
-                  <dgm:constr type="w" for="ch" forName="rootConnector1" refType="w" refFor="ch" refForName="rootText1" fact="0.2"/>
-                  <dgm:constr type="h" for="ch" forName="rootConnector1" refType="h" refFor="ch" refForName="rootText1"/>
-                </dgm:constrLst>
-              </dgm:else>
-            </dgm:choose>
-            <dgm:ruleLst/>
-            <dgm:layoutNode name="rootText1" styleLbl="node0">
-              <dgm:varLst>
-                <dgm:chPref val="3"/>
-              </dgm:varLst>
-              <dgm:alg type="tx"/>
-              <dgm:shape xmlns:r="http://schemas.openxmlformats.org/officeDocument/2006/relationships" type="rect" r:blip="">
-                <dgm:adjLst/>
-              </dgm:shape>
-              <dgm:presOf axis="self" ptType="node" cnt="1"/>
-              <dgm:constrLst>
-                <dgm:constr type="primFontSz" val="65"/>
-                <dgm:constr type="lMarg" refType="primFontSz" fact="0.05"/>
-                <dgm:constr type="rMarg" refType="primFontSz" fact="0.05"/>
-                <dgm:constr type="tMarg" refType="primFontSz" fact="0.05"/>
-                <dgm:constr type="bMarg" refType="primFontSz" fact="0.05"/>
-              </dgm:constrLst>
-              <dgm:ruleLst>
-                <dgm:rule type="primFontSz" val="5" fact="NaN" max="NaN"/>
-              </dgm:ruleLst>
-            </dgm:layoutNode>
-            <dgm:layoutNode name="rootConnector1" moveWith="rootText1">
-              <dgm:alg type="sp"/>
-              <dgm:shape xmlns:r="http://schemas.openxmlformats.org/officeDocument/2006/relationships" type="rect" r:blip="" hideGeom="1">
-                <dgm:adjLst/>
-              </dgm:shape>
-              <dgm:presOf axis="self" ptType="node" cnt="1"/>
-              <dgm:constrLst/>
-              <dgm:ruleLst/>
-            </dgm:layoutNode>
-          </dgm:layoutNode>
-          <dgm:layoutNode name="hierChild2">
-            <dgm:choose name="Name21">
-              <dgm:if name="Name22" func="var" arg="hierBranch" op="equ" val="l">
-                <dgm:alg type="hierChild">
-                  <dgm:param type="chAlign" val="r"/>
-                  <dgm:param type="linDir" val="fromT"/>
-                </dgm:alg>
-              </dgm:if>
-              <dgm:if name="Name23" func="var" arg="hierBranch" op="equ" val="r">
-                <dgm:alg type="hierChild">
-                  <dgm:param type="chAlign" val="l"/>
-                  <dgm:param type="linDir" val="fromT"/>
-                </dgm:alg>
-              </dgm:if>
-              <dgm:if name="Name24" func="var" arg="hierBranch" op="equ" val="hang">
-                <dgm:choose name="Name25">
-                  <dgm:if name="Name26" func="var" arg="dir" op="equ" val="norm">
-                    <dgm:alg type="hierChild">
-                      <dgm:param type="chAlign" val="l"/>
-                      <dgm:param type="linDir" val="fromL"/>
-                      <dgm:param type="secChAlign" val="t"/>
-                      <dgm:param type="secLinDir" val="fromT"/>
-                    </dgm:alg>
-                  </dgm:if>
-                  <dgm:else name="Name27">
-                    <dgm:alg type="hierChild">
-                      <dgm:param type="chAlign" val="l"/>
-                      <dgm:param type="linDir" val="fromR"/>
-                      <dgm:param type="secChAlign" val="t"/>
-                      <dgm:param type="secLinDir" val="fromT"/>
-                    </dgm:alg>
-                  </dgm:else>
-                </dgm:choose>
-              </dgm:if>
-              <dgm:else name="Name28">
-                <dgm:choose name="Name29">
-                  <dgm:if name="Name30" func="var" arg="dir" op="equ" val="norm">
-                    <dgm:alg type="hierChild"/>
-                  </dgm:if>
-                  <dgm:else name="Name31">
-                    <dgm:alg type="hierChild">
-                      <dgm:param type="linDir" val="fromR"/>
-                    </dgm:alg>
-                  </dgm:else>
-                </dgm:choose>
-              </dgm:else>
-            </dgm:choose>
-            <dgm:shape xmlns:r="http://schemas.openxmlformats.org/officeDocument/2006/relationships" r:blip="">
-              <dgm:adjLst/>
-            </dgm:shape>
-            <dgm:presOf/>
-            <dgm:constrLst/>
-            <dgm:ruleLst/>
-            <dgm:forEach name="rep2a" axis="ch" ptType="nonAsst">
-              <dgm:forEach name="Name32" axis="precedSib" ptType="parTrans" st="-1" cnt="1">
-                <dgm:choose name="Name33">
-                  <dgm:if name="Name34" func="var" arg="hierBranch" op="equ" val="std">
-                    <dgm:layoutNode name="Name35">
-                      <dgm:alg type="conn">
-                        <dgm:param type="connRout" val="bend"/>
-                        <dgm:param type="dim" val="1D"/>
-                        <dgm:param type="endSty" val="noArr"/>
-                        <dgm:param type="begPts" val="bCtr"/>
-                        <dgm:param type="endPts" val="tCtr"/>
-                        <dgm:param type="bendPt" val="end"/>
-                      </dgm:alg>
-                      <dgm:shape xmlns:r="http://schemas.openxmlformats.org/officeDocument/2006/relationships" type="conn" r:blip="" zOrderOff="-99999">
-                        <dgm:adjLst/>
-                      </dgm:shape>
-                      <dgm:presOf axis="self"/>
-                      <dgm:constrLst>
-                        <dgm:constr type="begPad"/>
-                        <dgm:constr type="endPad"/>
-                      </dgm:constrLst>
-                      <dgm:ruleLst/>
-                    </dgm:layoutNode>
-                  </dgm:if>
-                  <dgm:if name="Name36" func="var" arg="hierBranch" op="equ" val="init">
-                    <dgm:layoutNode name="Name37">
-                      <dgm:choose name="Name38">
-                        <dgm:if name="Name39" axis="self" func="depth" op="lte" val="2">
-                          <dgm:alg type="conn">
-                            <dgm:param type="connRout" val="bend"/>
-                            <dgm:param type="dim" val="1D"/>
-                            <dgm:param type="endSty" val="noArr"/>
-                            <dgm:param type="begPts" val="bCtr"/>
-                            <dgm:param type="endPts" val="tCtr"/>
-                            <dgm:param type="bendPt" val="end"/>
-                          </dgm:alg>
-                        </dgm:if>
-                        <dgm:else name="Name40">
-                          <dgm:choose name="Name41">
-                            <dgm:if name="Name42" axis="par des" func="maxDepth" op="lte" val="1">
-                              <dgm:choose name="Name43">
-                                <dgm:if name="Name44" axis="par ch" ptType="node asst" func="cnt" op="gte" val="1">
-                                  <dgm:alg type="conn">
-                                    <dgm:param type="connRout" val="bend"/>
-                                    <dgm:param type="dim" val="1D"/>
-                                    <dgm:param type="endSty" val="noArr"/>
-                                    <dgm:param type="begPts" val="bCtr"/>
-                                    <dgm:param type="endPts" val="midL midR"/>
-                                  </dgm:alg>
-                                </dgm:if>
-                                <dgm:else name="Name45">
-                                  <dgm:alg type="conn">
-                                    <dgm:param type="connRout" val="bend"/>
-                                    <dgm:param type="dim" val="1D"/>
-                                    <dgm:param type="endSty" val="noArr"/>
-                                    <dgm:param type="begPts" val="bCtr"/>
-                                    <dgm:param type="endPts" val="midL midR"/>
-                                    <dgm:param type="srcNode" val="rootConnector"/>
-                                  </dgm:alg>
-                                </dgm:else>
-                              </dgm:choose>
-                            </dgm:if>
-                            <dgm:else name="Name46">
-                              <dgm:alg type="conn">
-                                <dgm:param type="connRout" val="bend"/>
-                                <dgm:param type="dim" val="1D"/>
-                                <dgm:param type="endSty" val="noArr"/>
-                                <dgm:param type="begPts" val="bCtr"/>
-                                <dgm:param type="endPts" val="tCtr"/>
-                                <dgm:param type="bendPt" val="end"/>
-                              </dgm:alg>
-                            </dgm:else>
-                          </dgm:choose>
-                        </dgm:else>
-                      </dgm:choose>
-                      <dgm:shape xmlns:r="http://schemas.openxmlformats.org/officeDocument/2006/relationships" type="conn" r:blip="" zOrderOff="-99999">
-                        <dgm:adjLst/>
-                      </dgm:shape>
-                      <dgm:presOf axis="self"/>
-                      <dgm:constrLst>
-                        <dgm:constr type="begPad"/>
-                        <dgm:constr type="endPad"/>
-                      </dgm:constrLst>
-                      <dgm:ruleLst/>
-                    </dgm:layoutNode>
-                  </dgm:if>
-                  <dgm:if name="Name47" func="var" arg="hierBranch" op="equ" val="hang">
-                    <dgm:layoutNode name="Name48">
-                      <dgm:alg type="conn">
-                        <dgm:param type="connRout" val="bend"/>
-                        <dgm:param type="dim" val="1D"/>
-                        <dgm:param type="endSty" val="noArr"/>
-                        <dgm:param type="begPts" val="bCtr"/>
-                        <dgm:param type="endPts" val="midL midR"/>
-                      </dgm:alg>
-                      <dgm:shape xmlns:r="http://schemas.openxmlformats.org/officeDocument/2006/relationships" type="conn" r:blip="" zOrderOff="-99999">
-                        <dgm:adjLst/>
-                      </dgm:shape>
-                      <dgm:presOf axis="self"/>
-                      <dgm:constrLst>
-                        <dgm:constr type="begPad"/>
-                        <dgm:constr type="endPad"/>
-                      </dgm:constrLst>
-                      <dgm:ruleLst/>
-                    </dgm:layoutNode>
-                  </dgm:if>
-                  <dgm:else name="Name49">
-                    <dgm:layoutNode name="Name50">
-                      <dgm:choose name="Name51">
-                        <dgm:if name="Name52" axis="self" func="depth" op="lte" val="2">
-                          <dgm:choose name="Name53">
-                            <dgm:if name="Name54" axis="par ch" ptType="node asst" func="cnt" op="gte" val="1">
-                              <dgm:alg type="conn">
-                                <dgm:param type="connRout" val="bend"/>
-                                <dgm:param type="dim" val="1D"/>
-                                <dgm:param type="endSty" val="noArr"/>
-                                <dgm:param type="begPts" val="bCtr"/>
-                                <dgm:param type="endPts" val="midL midR"/>
-                              </dgm:alg>
-                            </dgm:if>
-                            <dgm:else name="Name55">
-                              <dgm:alg type="conn">
-                                <dgm:param type="connRout" val="bend"/>
-                                <dgm:param type="dim" val="1D"/>
-                                <dgm:param type="endSty" val="noArr"/>
-                                <dgm:param type="begPts" val="bCtr"/>
-                                <dgm:param type="endPts" val="midL midR"/>
-                                <dgm:param type="srcNode" val="rootConnector1"/>
-                              </dgm:alg>
-                            </dgm:else>
-                          </dgm:choose>
-                        </dgm:if>
-                        <dgm:else name="Name56">
-                          <dgm:choose name="Name57">
-                            <dgm:if name="Name58" axis="par ch" ptType="node asst" func="cnt" op="gte" val="1">
-                              <dgm:alg type="conn">
-                                <dgm:param type="connRout" val="bend"/>
-                                <dgm:param type="dim" val="1D"/>
-                                <dgm:param type="endSty" val="noArr"/>
-                                <dgm:param type="begPts" val="bCtr"/>
-                                <dgm:param type="endPts" val="midL midR"/>
-                              </dgm:alg>
-                            </dgm:if>
-                            <dgm:else name="Name59">
-                              <dgm:alg type="conn">
-                                <dgm:param type="connRout" val="bend"/>
-                                <dgm:param type="dim" val="1D"/>
-                                <dgm:param type="endSty" val="noArr"/>
-                                <dgm:param type="begPts" val="bCtr"/>
-                                <dgm:param type="endPts" val="midL midR"/>
-                                <dgm:param type="srcNode" val="rootConnector"/>
-                              </dgm:alg>
-                            </dgm:else>
-                          </dgm:choose>
-                        </dgm:else>
-                      </dgm:choose>
-                      <dgm:shape xmlns:r="http://schemas.openxmlformats.org/officeDocument/2006/relationships" type="conn" r:blip="" zOrderOff="-99999">
-                        <dgm:adjLst/>
-                      </dgm:shape>
-                      <dgm:presOf axis="self"/>
-                      <dgm:constrLst>
-                        <dgm:constr type="begPad"/>
-                        <dgm:constr type="endPad"/>
-                      </dgm:constrLst>
-                      <dgm:ruleLst/>
-                    </dgm:layoutNode>
-                  </dgm:else>
-                </dgm:choose>
-              </dgm:forEach>
-              <dgm:layoutNode name="hierRoot2">
-                <dgm:varLst>
-                  <dgm:hierBranch val="init"/>
-                </dgm:varLst>
-                <dgm:choose name="Name60">
-                  <dgm:if name="Name61" func="var" arg="hierBranch" op="equ" val="l">
-                    <dgm:choose name="Name62">
-                      <dgm:if name="Name63" axis="ch" ptType="asst" func="cnt" op="gte" val="1">
-                        <dgm:alg type="hierRoot">
-                          <dgm:param type="hierAlign" val="tR"/>
-                        </dgm:alg>
-                        <dgm:shape xmlns:r="http://schemas.openxmlformats.org/officeDocument/2006/relationships" r:blip="">
-                          <dgm:adjLst/>
-                        </dgm:shape>
-                        <dgm:presOf/>
-                        <dgm:constrLst>
-                          <dgm:constr type="alignOff" val="0.65"/>
-                        </dgm:constrLst>
-                      </dgm:if>
-                      <dgm:else name="Name64">
-                        <dgm:alg type="hierRoot">
-                          <dgm:param type="hierAlign" val="tR"/>
-                        </dgm:alg>
-                        <dgm:shape xmlns:r="http://schemas.openxmlformats.org/officeDocument/2006/relationships" r:blip="">
-                          <dgm:adjLst/>
-                        </dgm:shape>
-                        <dgm:presOf/>
-                        <dgm:constrLst>
-                          <dgm:constr type="alignOff" val="0.25"/>
-                        </dgm:constrLst>
-                      </dgm:else>
-                    </dgm:choose>
-                  </dgm:if>
-                  <dgm:if name="Name65" func="var" arg="hierBranch" op="equ" val="r">
-                    <dgm:choose name="Name66">
-                      <dgm:if name="Name67" axis="ch" ptType="asst" func="cnt" op="gte" val="1">
-                        <dgm:alg type="hierRoot">
-                          <dgm:param type="hierAlign" val="tL"/>
-                        </dgm:alg>
-                        <dgm:shape xmlns:r="http://schemas.openxmlformats.org/officeDocument/2006/relationships" r:blip="">
-                          <dgm:adjLst/>
-                        </dgm:shape>
-                        <dgm:presOf/>
-                        <dgm:constrLst>
-                          <dgm:constr type="alignOff" val="0.65"/>
-                        </dgm:constrLst>
-                      </dgm:if>
-                      <dgm:else name="Name68">
-                        <dgm:alg type="hierRoot">
-                          <dgm:param type="hierAlign" val="tL"/>
-                        </dgm:alg>
-                        <dgm:shape xmlns:r="http://schemas.openxmlformats.org/officeDocument/2006/relationships" r:blip="">
-                          <dgm:adjLst/>
-                        </dgm:shape>
-                        <dgm:presOf/>
-                        <dgm:constrLst>
-                          <dgm:constr type="alignOff" val="0.25"/>
-                        </dgm:constrLst>
-                      </dgm:else>
-                    </dgm:choose>
-                  </dgm:if>
-                  <dgm:if name="Name69" func="var" arg="hierBranch" op="equ" val="std">
-                    <dgm:alg type="hierRoot"/>
-                    <dgm:shape xmlns:r="http://schemas.openxmlformats.org/officeDocument/2006/relationships" r:blip="">
-                      <dgm:adjLst/>
-                    </dgm:shape>
-                    <dgm:presOf/>
-                    <dgm:constrLst>
-                      <dgm:constr type="alignOff"/>
-                      <dgm:constr type="bendDist" for="des" ptType="parTrans" refType="sp" fact="0.5"/>
-                    </dgm:constrLst>
-                  </dgm:if>
-                  <dgm:if name="Name70" func="var" arg="hierBranch" op="equ" val="init">
-                    <dgm:choose name="Name71">
-                      <dgm:if name="Name72" axis="des" func="maxDepth" op="lte" val="1">
-                        <dgm:choose name="Name73">
-                          <dgm:if name="Name74" axis="ch" ptType="asst" func="cnt" op="gte" val="1">
-                            <dgm:alg type="hierRoot">
-                              <dgm:param type="hierAlign" val="tL"/>
-                            </dgm:alg>
-                            <dgm:shape xmlns:r="http://schemas.openxmlformats.org/officeDocument/2006/relationships" r:blip="">
-                              <dgm:adjLst/>
-                            </dgm:shape>
-                            <dgm:presOf/>
-                            <dgm:constrLst>
-                              <dgm:constr type="alignOff" val="0.65"/>
-                            </dgm:constrLst>
-                          </dgm:if>
-                          <dgm:else name="Name75">
-                            <dgm:alg type="hierRoot">
-                              <dgm:param type="hierAlign" val="tL"/>
-                            </dgm:alg>
-                            <dgm:shape xmlns:r="http://schemas.openxmlformats.org/officeDocument/2006/relationships" r:blip="">
-                              <dgm:adjLst/>
-                            </dgm:shape>
-                            <dgm:presOf/>
-                            <dgm:constrLst>
-                              <dgm:constr type="alignOff" val="0.25"/>
-                            </dgm:constrLst>
-                          </dgm:else>
-                        </dgm:choose>
-                      </dgm:if>
-                      <dgm:else name="Name76">
-                        <dgm:alg type="hierRoot"/>
-                        <dgm:shape xmlns:r="http://schemas.openxmlformats.org/officeDocument/2006/relationships" r:blip="">
-                          <dgm:adjLst/>
-                        </dgm:shape>
-                        <dgm:presOf/>
-                        <dgm:constrLst>
-                          <dgm:constr type="alignOff"/>
-                          <dgm:constr type="bendDist" for="des" ptType="parTrans" refType="sp" fact="0.5"/>
-                        </dgm:constrLst>
-                      </dgm:else>
-                    </dgm:choose>
-                  </dgm:if>
-                  <dgm:else name="Name77">
-                    <dgm:alg type="hierRoot"/>
-                    <dgm:shape xmlns:r="http://schemas.openxmlformats.org/officeDocument/2006/relationships" r:blip="">
-                      <dgm:adjLst/>
-                    </dgm:shape>
-                    <dgm:presOf/>
-                    <dgm:constrLst>
-                      <dgm:constr type="alignOff" val="0.65"/>
-                    </dgm:constrLst>
-                  </dgm:else>
-                </dgm:choose>
-                <dgm:ruleLst/>
-                <dgm:layoutNode name="rootComposite">
-                  <dgm:alg type="composite"/>
-                  <dgm:shape xmlns:r="http://schemas.openxmlformats.org/officeDocument/2006/relationships" r:blip="">
-                    <dgm:adjLst/>
-                  </dgm:shape>
-                  <dgm:presOf axis="self" ptType="node" cnt="1"/>
-                  <dgm:choose name="Name78">
-                    <dgm:if name="Name79" func="var" arg="hierBranch" op="equ" val="init">
-                      <dgm:constrLst>
-                        <dgm:constr type="l" for="ch" forName="rootText"/>
-                        <dgm:constr type="t" for="ch" forName="rootText"/>
-                        <dgm:constr type="w" for="ch" forName="rootText" refType="w"/>
-                        <dgm:constr type="h" for="ch" forName="rootText" refType="h"/>
-                        <dgm:constr type="l" for="ch" forName="rootConnector"/>
-                        <dgm:constr type="t" for="ch" forName="rootConnector"/>
-                        <dgm:constr type="w" for="ch" forName="rootConnector" refType="w" refFor="ch" refForName="rootText" fact="0.2"/>
-                        <dgm:constr type="h" for="ch" forName="rootConnector" refType="h" refFor="ch" refForName="rootText"/>
-                      </dgm:constrLst>
-                    </dgm:if>
-                    <dgm:if name="Name80" func="var" arg="hierBranch" op="equ" val="l">
-                      <dgm:constrLst>
-                        <dgm:constr type="l" for="ch" forName="rootText"/>
-                        <dgm:constr type="t" for="ch" forName="rootText"/>
-                        <dgm:constr type="w" for="ch" forName="rootText" refType="w"/>
-                        <dgm:constr type="h" for="ch" forName="rootText" refType="h"/>
-                        <dgm:constr type="r" for="ch" forName="rootConnector" refType="w"/>
-                        <dgm:constr type="t" for="ch" forName="rootConnector"/>
-                        <dgm:constr type="w" for="ch" forName="rootConnector" refType="w" refFor="ch" refForName="rootText" fact="0.2"/>
-                        <dgm:constr type="h" for="ch" forName="rootConnector" refType="h" refFor="ch" refForName="rootText"/>
-                      </dgm:constrLst>
-                    </dgm:if>
-                    <dgm:if name="Name81" func="var" arg="hierBranch" op="equ" val="r">
-                      <dgm:constrLst>
-                        <dgm:constr type="l" for="ch" forName="rootText"/>
-                        <dgm:constr type="t" for="ch" forName="rootText"/>
-                        <dgm:constr type="w" for="ch" forName="rootText" refType="w"/>
-                        <dgm:constr type="h" for="ch" forName="rootText" refType="h"/>
-                        <dgm:constr type="l" for="ch" forName="rootConnector"/>
-                        <dgm:constr type="t" for="ch" forName="rootConnector"/>
-                        <dgm:constr type="w" for="ch" forName="rootConnector" refType="w" refFor="ch" refForName="rootText" fact="0.2"/>
-                        <dgm:constr type="h" for="ch" forName="rootConnector" refType="h" refFor="ch" refForName="rootText"/>
-                      </dgm:constrLst>
-                    </dgm:if>
-                    <dgm:else name="Name82">
-                      <dgm:constrLst>
-                        <dgm:constr type="l" for="ch" forName="rootText"/>
-                        <dgm:constr type="t" for="ch" forName="rootText"/>
-                        <dgm:constr type="w" for="ch" forName="rootText" refType="w"/>
-                        <dgm:constr type="h" for="ch" forName="rootText" refType="h"/>
-                        <dgm:constr type="r" for="ch" forName="rootConnector" refType="w"/>
-                        <dgm:constr type="t" for="ch" forName="rootConnector"/>
-                        <dgm:constr type="w" for="ch" forName="rootConnector" refType="w" refFor="ch" refForName="rootText" fact="0.2"/>
-                        <dgm:constr type="h" for="ch" forName="rootConnector" refType="h" refFor="ch" refForName="rootText"/>
-                      </dgm:constrLst>
-                    </dgm:else>
-                  </dgm:choose>
-                  <dgm:ruleLst/>
-                  <dgm:layoutNode name="rootText">
-                    <dgm:varLst>
-                      <dgm:chPref val="3"/>
-                    </dgm:varLst>
-                    <dgm:alg type="tx"/>
-                    <dgm:shape xmlns:r="http://schemas.openxmlformats.org/officeDocument/2006/relationships" type="rect" r:blip="">
-                      <dgm:adjLst/>
-                    </dgm:shape>
-                    <dgm:presOf axis="self" ptType="node" cnt="1"/>
-                    <dgm:constrLst>
-                      <dgm:constr type="primFontSz" val="65"/>
-                      <dgm:constr type="lMarg" refType="primFontSz" fact="0.05"/>
-                      <dgm:constr type="rMarg" refType="primFontSz" fact="0.05"/>
-                      <dgm:constr type="tMarg" refType="primFontSz" fact="0.05"/>
-                      <dgm:constr type="bMarg" refType="primFontSz" fact="0.05"/>
-                    </dgm:constrLst>
-                    <dgm:ruleLst>
-                      <dgm:rule type="primFontSz" val="5" fact="NaN" max="NaN"/>
-                    </dgm:ruleLst>
-                  </dgm:layoutNode>
-                  <dgm:layoutNode name="rootConnector" moveWith="rootText">
-                    <dgm:alg type="sp"/>
-                    <dgm:shape xmlns:r="http://schemas.openxmlformats.org/officeDocument/2006/relationships" type="rect" r:blip="" hideGeom="1">
-                      <dgm:adjLst/>
-                    </dgm:shape>
-                    <dgm:presOf axis="self" ptType="node" cnt="1"/>
-                    <dgm:constrLst/>
-                    <dgm:ruleLst/>
-                  </dgm:layoutNode>
-                </dgm:layoutNode>
-                <dgm:layoutNode name="hierChild4">
-                  <dgm:choose name="Name83">
-                    <dgm:if name="Name84" func="var" arg="hierBranch" op="equ" val="l">
-                      <dgm:alg type="hierChild">
-                        <dgm:param type="chAlign" val="r"/>
-                        <dgm:param type="linDir" val="fromT"/>
-                      </dgm:alg>
-                    </dgm:if>
-                    <dgm:if name="Name85" func="var" arg="hierBranch" op="equ" val="r">
-                      <dgm:alg type="hierChild">
-                        <dgm:param type="chAlign" val="l"/>
-                        <dgm:param type="linDir" val="fromT"/>
-                      </dgm:alg>
-                    </dgm:if>
-                    <dgm:if name="Name86" func="var" arg="hierBranch" op="equ" val="hang">
-                      <dgm:choose name="Name87">
-                        <dgm:if name="Name88" func="var" arg="dir" op="equ" val="norm">
-                          <dgm:alg type="hierChild">
-                            <dgm:param type="chAlign" val="l"/>
-                            <dgm:param type="linDir" val="fromL"/>
-                            <dgm:param type="secChAlign" val="t"/>
-                            <dgm:param type="secLinDir" val="fromT"/>
-                          </dgm:alg>
-                        </dgm:if>
-                        <dgm:else name="Name89">
-                          <dgm:alg type="hierChild">
-                            <dgm:param type="chAlign" val="l"/>
-                            <dgm:param type="linDir" val="fromR"/>
-                            <dgm:param type="secChAlign" val="t"/>
-                            <dgm:param type="secLinDir" val="fromT"/>
-                          </dgm:alg>
-                        </dgm:else>
-                      </dgm:choose>
-                    </dgm:if>
-                    <dgm:if name="Name90" func="var" arg="hierBranch" op="equ" val="std">
-                      <dgm:choose name="Name91">
-                        <dgm:if name="Name92" func="var" arg="dir" op="equ" val="norm">
-                          <dgm:alg type="hierChild"/>
-                        </dgm:if>
-                        <dgm:else name="Name93">
-                          <dgm:alg type="hierChild">
-                            <dgm:param type="linDir" val="fromR"/>
-                          </dgm:alg>
-                        </dgm:else>
-                      </dgm:choose>
-                    </dgm:if>
-                    <dgm:if name="Name94" func="var" arg="hierBranch" op="equ" val="init">
-                      <dgm:choose name="Name95">
-                        <dgm:if name="Name96" axis="des" func="maxDepth" op="lte" val="1">
-                          <dgm:alg type="hierChild">
-                            <dgm:param type="chAlign" val="l"/>
-                            <dgm:param type="linDir" val="fromT"/>
-                          </dgm:alg>
-                        </dgm:if>
-                        <dgm:else name="Name97">
-                          <dgm:choose name="Name98">
-                            <dgm:if name="Name99" func="var" arg="dir" op="equ" val="norm">
-                              <dgm:alg type="hierChild"/>
-                            </dgm:if>
-                            <dgm:else name="Name100">
-                              <dgm:alg type="hierChild">
-                                <dgm:param type="linDir" val="fromR"/>
-                              </dgm:alg>
-                            </dgm:else>
-                          </dgm:choose>
-                        </dgm:else>
-                      </dgm:choose>
-                    </dgm:if>
-                    <dgm:else name="Name101"/>
-                  </dgm:choose>
-                  <dgm:shape xmlns:r="http://schemas.openxmlformats.org/officeDocument/2006/relationships" r:blip="">
-                    <dgm:adjLst/>
-                  </dgm:shape>
-                  <dgm:presOf/>
-                  <dgm:constrLst/>
-                  <dgm:ruleLst/>
-                  <dgm:forEach name="Name102" ref="rep2a"/>
-                </dgm:layoutNode>
-                <dgm:layoutNode name="hierChild5">
-                  <dgm:choose name="Name103">
-                    <dgm:if name="Name104" func="var" arg="dir" op="equ" val="norm">
-                      <dgm:alg type="hierChild">
-                        <dgm:param type="chAlign" val="l"/>
-                        <dgm:param type="linDir" val="fromL"/>
-                        <dgm:param type="secChAlign" val="t"/>
-                        <dgm:param type="secLinDir" val="fromT"/>
-                      </dgm:alg>
-                    </dgm:if>
-                    <dgm:else name="Name105">
-                      <dgm:alg type="hierChild">
-                        <dgm:param type="chAlign" val="l"/>
-                        <dgm:param type="linDir" val="fromR"/>
-                        <dgm:param type="secChAlign" val="t"/>
-                        <dgm:param type="secLinDir" val="fromT"/>
-                      </dgm:alg>
-                    </dgm:else>
-                  </dgm:choose>
-                  <dgm:shape xmlns:r="http://schemas.openxmlformats.org/officeDocument/2006/relationships" r:blip="">
-                    <dgm:adjLst/>
-                  </dgm:shape>
-                  <dgm:presOf/>
-                  <dgm:constrLst/>
-                  <dgm:ruleLst/>
-                  <dgm:forEach name="Name106" ref="rep2b"/>
-                </dgm:layoutNode>
-              </dgm:layoutNode>
-            </dgm:forEach>
-          </dgm:layoutNode>
-          <dgm:layoutNode name="hierChild3">
-            <dgm:choose name="Name107">
-              <dgm:if name="Name108" func="var" arg="dir" op="equ" val="norm">
-                <dgm:alg type="hierChild">
-                  <dgm:param type="chAlign" val="l"/>
-                  <dgm:param type="linDir" val="fromL"/>
-                  <dgm:param type="secChAlign" val="t"/>
-                  <dgm:param type="secLinDir" val="fromT"/>
-                </dgm:alg>
-              </dgm:if>
-              <dgm:else name="Name109">
-                <dgm:alg type="hierChild">
-                  <dgm:param type="chAlign" val="l"/>
-                  <dgm:param type="linDir" val="fromR"/>
-                  <dgm:param type="secChAlign" val="t"/>
-                  <dgm:param type="secLinDir" val="fromT"/>
-                </dgm:alg>
-              </dgm:else>
-            </dgm:choose>
-            <dgm:shape xmlns:r="http://schemas.openxmlformats.org/officeDocument/2006/relationships" r:blip="">
-              <dgm:adjLst/>
-            </dgm:shape>
-            <dgm:presOf/>
-            <dgm:constrLst/>
-            <dgm:ruleLst/>
-            <dgm:forEach name="rep2b" axis="ch" ptType="asst">
-              <dgm:forEach name="Name110" axis="precedSib" ptType="parTrans" st="-1" cnt="1">
-                <dgm:layoutNode name="Name111">
-                  <dgm:alg type="conn">
-                    <dgm:param type="connRout" val="bend"/>
-                    <dgm:param type="dim" val="1D"/>
-                    <dgm:param type="endSty" val="noArr"/>
-                    <dgm:param type="begPts" val="bCtr"/>
-                    <dgm:param type="endPts" val="midL midR"/>
-                  </dgm:alg>
-                  <dgm:shape xmlns:r="http://schemas.openxmlformats.org/officeDocument/2006/relationships" type="conn" r:blip="" zOrderOff="-99999">
-                    <dgm:adjLst/>
-                  </dgm:shape>
-                  <dgm:presOf axis="self"/>
-                  <dgm:constrLst>
-                    <dgm:constr type="begPad"/>
-                    <dgm:constr type="endPad"/>
-                  </dgm:constrLst>
-                  <dgm:ruleLst/>
-                </dgm:layoutNode>
-              </dgm:forEach>
-              <dgm:layoutNode name="hierRoot3">
-                <dgm:varLst>
-                  <dgm:hierBranch val="init"/>
-                </dgm:varLst>
-                <dgm:choose name="Name112">
-                  <dgm:if name="Name113" func="var" arg="hierBranch" op="equ" val="l">
-                    <dgm:alg type="hierRoot">
-                      <dgm:param type="hierAlign" val="tR"/>
-                    </dgm:alg>
-                    <dgm:shape xmlns:r="http://schemas.openxmlformats.org/officeDocument/2006/relationships" r:blip="">
-                      <dgm:adjLst/>
-                    </dgm:shape>
-                    <dgm:presOf/>
-                    <dgm:constrLst>
-                      <dgm:constr type="alignOff" val="0.65"/>
-                    </dgm:constrLst>
-                  </dgm:if>
-                  <dgm:if name="Name114" func="var" arg="hierBranch" op="equ" val="r">
-                    <dgm:alg type="hierRoot">
-                      <dgm:param type="hierAlign" val="tL"/>
-                    </dgm:alg>
-                    <dgm:shape xmlns:r="http://schemas.openxmlformats.org/officeDocument/2006/relationships" r:blip="">
-                      <dgm:adjLst/>
-                    </dgm:shape>
-                    <dgm:presOf/>
-                    <dgm:constrLst>
-                      <dgm:constr type="alignOff" val="0.65"/>
-                    </dgm:constrLst>
-                  </dgm:if>
-                  <dgm:if name="Name115" func="var" arg="hierBranch" op="equ" val="hang">
-                    <dgm:alg type="hierRoot"/>
-                    <dgm:shape xmlns:r="http://schemas.openxmlformats.org/officeDocument/2006/relationships" r:blip="">
-                      <dgm:adjLst/>
-                    </dgm:shape>
-                    <dgm:presOf/>
-                    <dgm:constrLst>
-                      <dgm:constr type="alignOff" val="0.65"/>
-                    </dgm:constrLst>
-                  </dgm:if>
-                  <dgm:if name="Name116" func="var" arg="hierBranch" op="equ" val="std">
-                    <dgm:alg type="hierRoot"/>
-                    <dgm:shape xmlns:r="http://schemas.openxmlformats.org/officeDocument/2006/relationships" r:blip="">
-                      <dgm:adjLst/>
-                    </dgm:shape>
-                    <dgm:presOf/>
-                    <dgm:constrLst>
-                      <dgm:constr type="alignOff"/>
-                      <dgm:constr type="bendDist" for="des" ptType="parTrans" refType="sp" fact="0.5"/>
-                    </dgm:constrLst>
-                  </dgm:if>
-                  <dgm:if name="Name117" func="var" arg="hierBranch" op="equ" val="init">
-                    <dgm:choose name="Name118">
-                      <dgm:if name="Name119" axis="des" func="maxDepth" op="lte" val="1">
-                        <dgm:alg type="hierRoot">
-                          <dgm:param type="hierAlign" val="tL"/>
-                        </dgm:alg>
-                        <dgm:shape xmlns:r="http://schemas.openxmlformats.org/officeDocument/2006/relationships" r:blip="">
-                          <dgm:adjLst/>
-                        </dgm:shape>
-                        <dgm:presOf/>
-                        <dgm:constrLst>
-                          <dgm:constr type="alignOff" val="0.65"/>
-                        </dgm:constrLst>
-                      </dgm:if>
-                      <dgm:else name="Name120">
-                        <dgm:alg type="hierRoot"/>
-                        <dgm:shape xmlns:r="http://schemas.openxmlformats.org/officeDocument/2006/relationships" r:blip="">
-                          <dgm:adjLst/>
-                        </dgm:shape>
-                        <dgm:presOf/>
-                        <dgm:constrLst>
-                          <dgm:constr type="alignOff"/>
-                          <dgm:constr type="bendDist" for="des" ptType="parTrans" refType="sp" fact="0.5"/>
-                        </dgm:constrLst>
-                      </dgm:else>
-                    </dgm:choose>
-                  </dgm:if>
-                  <dgm:else name="Name121"/>
-                </dgm:choose>
-                <dgm:ruleLst/>
-                <dgm:layoutNode name="rootComposite3">
-                  <dgm:alg type="composite"/>
-                  <dgm:shape xmlns:r="http://schemas.openxmlformats.org/officeDocument/2006/relationships" r:blip="">
-                    <dgm:adjLst/>
-                  </dgm:shape>
-                  <dgm:presOf axis="self" ptType="node" cnt="1"/>
-                  <dgm:choose name="Name122">
-                    <dgm:if name="Name123" func="var" arg="hierBranch" op="equ" val="init">
-                      <dgm:constrLst>
-                        <dgm:constr type="l" for="ch" forName="rootText3"/>
-                        <dgm:constr type="t" for="ch" forName="rootText3"/>
-                        <dgm:constr type="w" for="ch" forName="rootText3" refType="w"/>
-                        <dgm:constr type="h" for="ch" forName="rootText3" refType="h"/>
-                        <dgm:constr type="l" for="ch" forName="rootConnector3"/>
-                        <dgm:constr type="t" for="ch" forName="rootConnector3"/>
-                        <dgm:constr type="w" for="ch" forName="rootConnector3" refType="w" refFor="ch" refForName="rootText3" fact="0.2"/>
-                        <dgm:constr type="h" for="ch" forName="rootConnector3" refType="h" refFor="ch" refForName="rootText3"/>
-                      </dgm:constrLst>
-                    </dgm:if>
-                    <dgm:if name="Name124" func="var" arg="hierBranch" op="equ" val="l">
-                      <dgm:constrLst>
-                        <dgm:constr type="l" for="ch" forName="rootText3"/>
-                        <dgm:constr type="t" for="ch" forName="rootText3"/>
-                        <dgm:constr type="w" for="ch" forName="rootText3" refType="w"/>
-                        <dgm:constr type="h" for="ch" forName="rootText3" refType="h"/>
-                        <dgm:constr type="r" for="ch" forName="rootConnector3" refType="w"/>
-                        <dgm:constr type="t" for="ch" forName="rootConnector3"/>
-                        <dgm:constr type="w" for="ch" forName="rootConnector3" refType="w" refFor="ch" refForName="rootText3" fact="0.2"/>
-                        <dgm:constr type="h" for="ch" forName="rootConnector3" refType="h" refFor="ch" refForName="rootText3"/>
-                      </dgm:constrLst>
-                    </dgm:if>
-                    <dgm:if name="Name125" func="var" arg="hierBranch" op="equ" val="r">
-                      <dgm:constrLst>
-                        <dgm:constr type="l" for="ch" forName="rootText3"/>
-                        <dgm:constr type="t" for="ch" forName="rootText3"/>
-                        <dgm:constr type="w" for="ch" forName="rootText3" refType="w"/>
-                        <dgm:constr type="h" for="ch" forName="rootText3" refType="h"/>
-                        <dgm:constr type="l" for="ch" forName="rootConnector3"/>
-                        <dgm:constr type="t" for="ch" forName="rootConnector3"/>
-                        <dgm:constr type="w" for="ch" forName="rootConnector3" refType="w" refFor="ch" refForName="rootText3" fact="0.2"/>
-                        <dgm:constr type="h" for="ch" forName="rootConnector3" refType="h" refFor="ch" refForName="rootText3"/>
-                      </dgm:constrLst>
-                    </dgm:if>
-                    <dgm:else name="Name126">
-                      <dgm:constrLst>
-                        <dgm:constr type="l" for="ch" forName="rootText3"/>
-                        <dgm:constr type="t" for="ch" forName="rootText3"/>
-                        <dgm:constr type="w" for="ch" forName="rootText3" refType="w"/>
-                        <dgm:constr type="h" for="ch" forName="rootText3" refType="h"/>
-                        <dgm:constr type="r" for="ch" forName="rootConnector3" refType="w"/>
-                        <dgm:constr type="t" for="ch" forName="rootConnector3"/>
-                        <dgm:constr type="w" for="ch" forName="rootConnector3" refType="w" refFor="ch" refForName="rootText3" fact="0.2"/>
-                        <dgm:constr type="h" for="ch" forName="rootConnector3" refType="h" refFor="ch" refForName="rootText3"/>
-                      </dgm:constrLst>
-                    </dgm:else>
-                  </dgm:choose>
-                  <dgm:ruleLst/>
-                  <dgm:layoutNode name="rootText3">
-                    <dgm:varLst>
-                      <dgm:chPref val="3"/>
-                    </dgm:varLst>
-                    <dgm:alg type="tx"/>
-                    <dgm:shape xmlns:r="http://schemas.openxmlformats.org/officeDocument/2006/relationships" type="rect" r:blip="">
-                      <dgm:adjLst/>
-                    </dgm:shape>
-                    <dgm:presOf axis="self" ptType="node" cnt="1"/>
-                    <dgm:constrLst>
-                      <dgm:constr type="primFontSz" val="65"/>
-                      <dgm:constr type="lMarg" refType="primFontSz" fact="0.05"/>
-                      <dgm:constr type="rMarg" refType="primFontSz" fact="0.05"/>
-                      <dgm:constr type="tMarg" refType="primFontSz" fact="0.05"/>
-                      <dgm:constr type="bMarg" refType="primFontSz" fact="0.05"/>
-                    </dgm:constrLst>
-                    <dgm:ruleLst>
-                      <dgm:rule type="primFontSz" val="5" fact="NaN" max="NaN"/>
-                    </dgm:ruleLst>
-                  </dgm:layoutNode>
-                  <dgm:layoutNode name="rootConnector3" moveWith="rootText1">
-                    <dgm:alg type="sp"/>
-                    <dgm:shape xmlns:r="http://schemas.openxmlformats.org/officeDocument/2006/relationships" type="rect" r:blip="" hideGeom="1">
-                      <dgm:adjLst/>
-                    </dgm:shape>
-                    <dgm:presOf axis="self" ptType="node" cnt="1"/>
-                    <dgm:constrLst/>
-                    <dgm:ruleLst/>
-                  </dgm:layoutNode>
-                </dgm:layoutNode>
-                <dgm:layoutNode name="hierChild6">
-                  <dgm:choose name="Name127">
-                    <dgm:if name="Name128" func="var" arg="hierBranch" op="equ" val="l">
-                      <dgm:alg type="hierChild">
-                        <dgm:param type="chAlign" val="r"/>
-                        <dgm:param type="linDir" val="fromT"/>
-                      </dgm:alg>
-                    </dgm:if>
-                    <dgm:if name="Name129" func="var" arg="hierBranch" op="equ" val="r">
-                      <dgm:alg type="hierChild">
-                        <dgm:param type="chAlign" val="l"/>
-                        <dgm:param type="linDir" val="fromT"/>
-                      </dgm:alg>
-                    </dgm:if>
-                    <dgm:if name="Name130" func="var" arg="hierBranch" op="equ" val="hang">
-                      <dgm:choose name="Name131">
-                        <dgm:if name="Name132" func="var" arg="dir" op="equ" val="norm">
-                          <dgm:alg type="hierChild">
-                            <dgm:param type="chAlign" val="l"/>
-                            <dgm:param type="linDir" val="fromL"/>
-                            <dgm:param type="secChAlign" val="t"/>
-                            <dgm:param type="secLinDir" val="fromT"/>
-                          </dgm:alg>
-                        </dgm:if>
-                        <dgm:else name="Name133">
-                          <dgm:alg type="hierChild">
-                            <dgm:param type="chAlign" val="l"/>
-                            <dgm:param type="linDir" val="fromR"/>
-                            <dgm:param type="secChAlign" val="t"/>
-                            <dgm:param type="secLinDir" val="fromT"/>
-                          </dgm:alg>
-                        </dgm:else>
-                      </dgm:choose>
-                    </dgm:if>
-                    <dgm:if name="Name134" func="var" arg="hierBranch" op="equ" val="std">
-                      <dgm:choose name="Name135">
-                        <dgm:if name="Name136" func="var" arg="dir" op="equ" val="norm">
-                          <dgm:alg type="hierChild"/>
-                        </dgm:if>
-                        <dgm:else name="Name137">
-                          <dgm:alg type="hierChild">
-                            <dgm:param type="linDir" val="fromR"/>
-                          </dgm:alg>
-                        </dgm:else>
-                      </dgm:choose>
-                    </dgm:if>
-                    <dgm:if name="Name138" func="var" arg="hierBranch" op="equ" val="init">
-                      <dgm:choose name="Name139">
-                        <dgm:if name="Name140" axis="des" func="maxDepth" op="lte" val="1">
-                          <dgm:alg type="hierChild">
-                            <dgm:param type="chAlign" val="l"/>
-                            <dgm:param type="linDir" val="fromT"/>
-                          </dgm:alg>
-                        </dgm:if>
-                        <dgm:else name="Name141">
-                          <dgm:alg type="hierChild"/>
-                        </dgm:else>
-                      </dgm:choose>
-                    </dgm:if>
-                    <dgm:else name="Name142"/>
-                  </dgm:choose>
-                  <dgm:shape xmlns:r="http://schemas.openxmlformats.org/officeDocument/2006/relationships" r:blip="">
-                    <dgm:adjLst/>
-                  </dgm:shape>
-                  <dgm:presOf/>
-                  <dgm:constrLst/>
-                  <dgm:ruleLst/>
-                  <dgm:forEach name="Name143" ref="rep2a"/>
-                </dgm:layoutNode>
-                <dgm:layoutNode name="hierChild7">
-                  <dgm:choose name="Name144">
-                    <dgm:if name="Name145" func="var" arg="dir" op="equ" val="norm">
-                      <dgm:alg type="hierChild">
-                        <dgm:param type="chAlign" val="l"/>
-                        <dgm:param type="linDir" val="fromL"/>
-                        <dgm:param type="secChAlign" val="t"/>
-                        <dgm:param type="secLinDir" val="fromT"/>
-                      </dgm:alg>
-                    </dgm:if>
-                    <dgm:else name="Name146">
-                      <dgm:alg type="hierChild">
-                        <dgm:param type="chAlign" val="l"/>
-                        <dgm:param type="linDir" val="fromR"/>
-                        <dgm:param type="secChAlign" val="t"/>
-                        <dgm:param type="secLinDir" val="fromT"/>
-                      </dgm:alg>
-                    </dgm:else>
-                  </dgm:choose>
-                  <dgm:shape xmlns:r="http://schemas.openxmlformats.org/officeDocument/2006/relationships" r:blip="">
-                    <dgm:adjLst/>
-                  </dgm:shape>
-                  <dgm:presOf/>
-                  <dgm:constrLst/>
-                  <dgm:ruleLst/>
-                  <dgm:forEach name="Name147" ref="rep2b"/>
-                </dgm:layoutNode>
-              </dgm:layoutNode>
-            </dgm:forEach>
-          </dgm:layoutNode>
-        </dgm:layoutNode>
-      </dgm:forEach>
-    </dgm:forEach>
-  </dgm:layoutNode>
-</dgm:layoutDef>
-</file>
-
-<file path=ppt/diagrams/layout5.xml><?xml version="1.0" encoding="utf-8"?>
-<dgm:layoutDef xmlns:dgm="http://schemas.openxmlformats.org/drawingml/2006/diagram" xmlns:a="http://schemas.openxmlformats.org/drawingml/2006/main" uniqueId="urn:microsoft.com/office/officeart/2005/8/layout/process5">
-  <dgm:title val=""/>
-  <dgm:desc val=""/>
-  <dgm:catLst>
-    <dgm:cat type="process" pri="17000"/>
-  </dgm:catLst>
-  <dgm:sampData>
-    <dgm:dataModel>
-      <dgm:ptLst>
-        <dgm:pt modelId="0" type="doc"/>
-        <dgm:pt modelId="1">
-          <dgm:prSet phldr="1"/>
-        </dgm:pt>
-        <dgm:pt modelId="2">
-          <dgm:prSet phldr="1"/>
-        </dgm:pt>
-        <dgm:pt modelId="3">
-          <dgm:prSet phldr="1"/>
-        </dgm:pt>
-        <dgm:pt modelId="4">
-          <dgm:prSet phldr="1"/>
-        </dgm:pt>
-        <dgm:pt modelId="5">
-          <dgm:prSet phldr="1"/>
-        </dgm:pt>
-      </dgm:ptLst>
-      <dgm:cxnLst>
-        <dgm:cxn modelId="7" srcId="0" destId="1" srcOrd="0" destOrd="0"/>
-        <dgm:cxn modelId="8" srcId="0" destId="2" srcOrd="1" destOrd="0"/>
-        <dgm:cxn modelId="9" srcId="0" destId="3" srcOrd="2" destOrd="0"/>
-        <dgm:cxn modelId="10" srcId="0" destId="4" srcOrd="3" destOrd="0"/>
-        <dgm:cxn modelId="11" srcId="0" destId="5" srcOrd="4" destOrd="0"/>
-      </dgm:cxnLst>
-      <dgm:bg/>
-      <dgm:whole/>
-    </dgm:dataModel>
-  </dgm:sampData>
-  <dgm:styleData>
-    <dgm:dataModel>
-      <dgm:ptLst>
-        <dgm:pt modelId="0" type="doc"/>
-        <dgm:pt modelId="1"/>
-        <dgm:pt modelId="2"/>
-      </dgm:ptLst>
-      <dgm:cxnLst>
-        <dgm:cxn modelId="3" srcId="0" destId="1" srcOrd="0" destOrd="0"/>
-        <dgm:cxn modelId="4" srcId="0" destId="2" srcOrd="1" destOrd="0"/>
-      </dgm:cxnLst>
-      <dgm:bg/>
-      <dgm:whole/>
-    </dgm:dataModel>
-  </dgm:styleData>
-  <dgm:clrData>
-    <dgm:dataModel>
-      <dgm:ptLst>
-        <dgm:pt modelId="0" type="doc"/>
-        <dgm:pt modelId="1"/>
-        <dgm:pt modelId="2"/>
-        <dgm:pt modelId="3"/>
-        <dgm:pt modelId="4"/>
-      </dgm:ptLst>
-      <dgm:cxnLst>
-        <dgm:cxn modelId="5" srcId="0" destId="1" srcOrd="0" destOrd="0"/>
-        <dgm:cxn modelId="6" srcId="0" destId="2" srcOrd="1" destOrd="0"/>
-        <dgm:cxn modelId="7" srcId="0" destId="3" srcOrd="2" destOrd="0"/>
-        <dgm:cxn modelId="8" srcId="0" destId="4" srcOrd="3" destOrd="0"/>
-      </dgm:cxnLst>
-      <dgm:bg/>
-      <dgm:whole/>
-    </dgm:dataModel>
-  </dgm:clrData>
-  <dgm:layoutNode name="diagram">
-    <dgm:varLst>
-      <dgm:dir/>
-      <dgm:resizeHandles val="exact"/>
-    </dgm:varLst>
-    <dgm:choose name="Name0">
-      <dgm:if name="Name1" axis="self" func="var" arg="dir" op="equ" val="norm">
-        <dgm:alg type="snake">
-          <dgm:param type="grDir" val="tL"/>
-          <dgm:param type="flowDir" val="row"/>
-          <dgm:param type="contDir" val="revDir"/>
-          <dgm:param type="bkpt" val="endCnv"/>
-        </dgm:alg>
-      </dgm:if>
-      <dgm:else name="Name2">
-        <dgm:alg type="snake">
-          <dgm:param type="grDir" val="tR"/>
-          <dgm:param type="flowDir" val="row"/>
-          <dgm:param type="contDir" val="revDir"/>
-          <dgm:param type="bkpt" val="endCnv"/>
-        </dgm:alg>
-      </dgm:else>
-    </dgm:choose>
-    <dgm:shape xmlns:r="http://schemas.openxmlformats.org/officeDocument/2006/relationships" r:blip="">
-      <dgm:adjLst/>
-    </dgm:shape>
-    <dgm:presOf/>
-    <dgm:constrLst>
-      <dgm:constr type="w" for="ch" ptType="node" refType="w"/>
-      <dgm:constr type="w" for="ch" forName="sibTrans" refType="w" refFor="ch" refPtType="node" op="equ" fact="0.4"/>
-      <dgm:constr type="sp" refType="w" refFor="ch" refForName="sibTrans" op="equ"/>
-      <dgm:constr type="primFontSz" for="ch" ptType="node" op="equ" val="65"/>
-      <dgm:constr type="primFontSz" for="des" forName="connectorText" op="equ" val="55"/>
-      <dgm:constr type="primFontSz" for="des" forName="connectorText" refType="primFontSz" refFor="ch" refPtType="node" op="lte" fact="0.8"/>
-    </dgm:constrLst>
-    <dgm:ruleLst/>
-    <dgm:forEach name="nodesForEach" axis="ch" ptType="node">
-      <dgm:layoutNode name="node">
-        <dgm:varLst>
-          <dgm:bulletEnabled val="1"/>
-        </dgm:varLst>
-        <dgm:alg type="tx"/>
-        <dgm:shape xmlns:r="http://schemas.openxmlformats.org/officeDocument/2006/relationships" type="roundRect" r:blip="">
-          <dgm:adjLst>
-            <dgm:adj idx="1" val="0.1"/>
-          </dgm:adjLst>
-        </dgm:shape>
-        <dgm:presOf axis="desOrSelf" ptType="node"/>
-        <dgm:constrLst>
-          <dgm:constr type="h" refType="w" fact="0.6"/>
-          <dgm:constr type="tMarg" refType="primFontSz" fact="0.3"/>
-          <dgm:constr type="bMarg" refType="primFontSz" fact="0.3"/>
-          <dgm:constr type="lMarg" refType="primFontSz" fact="0.3"/>
-          <dgm:constr type="rMarg" refType="primFontSz" fact="0.3"/>
-        </dgm:constrLst>
-        <dgm:ruleLst>
-          <dgm:rule type="primFontSz" val="5" fact="NaN" max="NaN"/>
-        </dgm:ruleLst>
-      </dgm:layoutNode>
-      <dgm:forEach name="sibTransForEach" axis="followSib" ptType="sibTrans" cnt="1">
-        <dgm:layoutNode name="sibTrans">
-          <dgm:alg type="conn">
-            <dgm:param type="begPts" val="auto"/>
-            <dgm:param type="endPts" val="auto"/>
-          </dgm:alg>
-          <dgm:shape xmlns:r="http://schemas.openxmlformats.org/officeDocument/2006/relationships" type="conn" r:blip="">
-            <dgm:adjLst/>
-          </dgm:shape>
-          <dgm:presOf axis="self"/>
-          <dgm:constrLst>
-            <dgm:constr type="h" refType="w" fact="0.62"/>
-            <dgm:constr type="connDist"/>
-          </dgm:constrLst>
-          <dgm:ruleLst/>
-          <dgm:layoutNode name="connectorText">
-            <dgm:alg type="tx">
-              <dgm:param type="autoTxRot" val="upr"/>
-            </dgm:alg>
-            <dgm:shape xmlns:r="http://schemas.openxmlformats.org/officeDocument/2006/relationships" type="conn" r:blip="" hideGeom="1">
-              <dgm:adjLst/>
-            </dgm:shape>
-            <dgm:presOf axis="self"/>
-            <dgm:constrLst>
-              <dgm:constr type="lMarg"/>
-              <dgm:constr type="rMarg"/>
-              <dgm:constr type="tMarg"/>
-              <dgm:constr type="bMarg"/>
-            </dgm:constrLst>
-            <dgm:ruleLst>
-              <dgm:rule type="primFontSz" val="5" fact="NaN" max="NaN"/>
-            </dgm:ruleLst>
-          </dgm:layoutNode>
-        </dgm:layoutNode>
-      </dgm:forEach>
-    </dgm:forEach>
-  </dgm:layoutNode>
-</dgm:layoutDef>
-</file>
-
 <file path=ppt/diagrams/quickStyle1.xml><?xml version="1.0" encoding="utf-8"?>
 <dgm:styleDef xmlns:dgm="http://schemas.openxmlformats.org/drawingml/2006/diagram" xmlns:a="http://schemas.openxmlformats.org/drawingml/2006/main" uniqueId="urn:microsoft.com/office/officeart/2005/8/quickstyle/simple1">
   <dgm:title val=""/>
@@ -17439,2074 +12662,6 @@
 </file>
 
 <file path=ppt/diagrams/quickStyle3.xml><?xml version="1.0" encoding="utf-8"?>
-<dgm:styleDef xmlns:dgm="http://schemas.openxmlformats.org/drawingml/2006/diagram" xmlns:a="http://schemas.openxmlformats.org/drawingml/2006/main" uniqueId="urn:microsoft.com/office/officeart/2005/8/quickstyle/simple1">
-  <dgm:title val=""/>
-  <dgm:desc val=""/>
-  <dgm:catLst>
-    <dgm:cat type="simple" pri="10100"/>
-  </dgm:catLst>
-  <dgm:scene3d>
-    <a:camera prst="orthographicFront"/>
-    <a:lightRig rig="threePt" dir="t"/>
-  </dgm:scene3d>
-  <dgm:styleLbl name="node0">
-    <dgm:scene3d>
-      <a:camera prst="orthographicFront"/>
-      <a:lightRig rig="threePt" dir="t"/>
-    </dgm:scene3d>
-    <dgm:sp3d/>
-    <dgm:txPr/>
-    <dgm:style>
-      <a:lnRef idx="2">
-        <a:scrgbClr r="0" g="0" b="0"/>
-      </a:lnRef>
-      <a:fillRef idx="1">
-        <a:scrgbClr r="0" g="0" b="0"/>
-      </a:fillRef>
-      <a:effectRef idx="0">
-        <a:scrgbClr r="0" g="0" b="0"/>
-      </a:effectRef>
-      <a:fontRef idx="minor">
-        <a:schemeClr val="lt1"/>
-      </a:fontRef>
-    </dgm:style>
-  </dgm:styleLbl>
-  <dgm:styleLbl name="lnNode1">
-    <dgm:scene3d>
-      <a:camera prst="orthographicFront"/>
-      <a:lightRig rig="threePt" dir="t"/>
-    </dgm:scene3d>
-    <dgm:sp3d/>
-    <dgm:txPr/>
-    <dgm:style>
-      <a:lnRef idx="2">
-        <a:scrgbClr r="0" g="0" b="0"/>
-      </a:lnRef>
-      <a:fillRef idx="1">
-        <a:scrgbClr r="0" g="0" b="0"/>
-      </a:fillRef>
-      <a:effectRef idx="0">
-        <a:scrgbClr r="0" g="0" b="0"/>
-      </a:effectRef>
-      <a:fontRef idx="minor">
-        <a:schemeClr val="lt1"/>
-      </a:fontRef>
-    </dgm:style>
-  </dgm:styleLbl>
-  <dgm:styleLbl name="vennNode1">
-    <dgm:scene3d>
-      <a:camera prst="orthographicFront"/>
-      <a:lightRig rig="threePt" dir="t"/>
-    </dgm:scene3d>
-    <dgm:sp3d/>
-    <dgm:txPr/>
-    <dgm:style>
-      <a:lnRef idx="2">
-        <a:scrgbClr r="0" g="0" b="0"/>
-      </a:lnRef>
-      <a:fillRef idx="1">
-        <a:scrgbClr r="0" g="0" b="0"/>
-      </a:fillRef>
-      <a:effectRef idx="0">
-        <a:scrgbClr r="0" g="0" b="0"/>
-      </a:effectRef>
-      <a:fontRef idx="minor">
-        <a:schemeClr val="tx1"/>
-      </a:fontRef>
-    </dgm:style>
-  </dgm:styleLbl>
-  <dgm:styleLbl name="alignNode1">
-    <dgm:scene3d>
-      <a:camera prst="orthographicFront"/>
-      <a:lightRig rig="threePt" dir="t"/>
-    </dgm:scene3d>
-    <dgm:sp3d/>
-    <dgm:txPr/>
-    <dgm:style>
-      <a:lnRef idx="2">
-        <a:scrgbClr r="0" g="0" b="0"/>
-      </a:lnRef>
-      <a:fillRef idx="1">
-        <a:scrgbClr r="0" g="0" b="0"/>
-      </a:fillRef>
-      <a:effectRef idx="0">
-        <a:scrgbClr r="0" g="0" b="0"/>
-      </a:effectRef>
-      <a:fontRef idx="minor">
-        <a:schemeClr val="lt1"/>
-      </a:fontRef>
-    </dgm:style>
-  </dgm:styleLbl>
-  <dgm:styleLbl name="node1">
-    <dgm:scene3d>
-      <a:camera prst="orthographicFront"/>
-      <a:lightRig rig="threePt" dir="t"/>
-    </dgm:scene3d>
-    <dgm:sp3d/>
-    <dgm:txPr/>
-    <dgm:style>
-      <a:lnRef idx="2">
-        <a:scrgbClr r="0" g="0" b="0"/>
-      </a:lnRef>
-      <a:fillRef idx="1">
-        <a:scrgbClr r="0" g="0" b="0"/>
-      </a:fillRef>
-      <a:effectRef idx="0">
-        <a:scrgbClr r="0" g="0" b="0"/>
-      </a:effectRef>
-      <a:fontRef idx="minor">
-        <a:schemeClr val="lt1"/>
-      </a:fontRef>
-    </dgm:style>
-  </dgm:styleLbl>
-  <dgm:styleLbl name="node2">
-    <dgm:scene3d>
-      <a:camera prst="orthographicFront"/>
-      <a:lightRig rig="threePt" dir="t"/>
-    </dgm:scene3d>
-    <dgm:sp3d/>
-    <dgm:txPr/>
-    <dgm:style>
-      <a:lnRef idx="2">
-        <a:scrgbClr r="0" g="0" b="0"/>
-      </a:lnRef>
-      <a:fillRef idx="1">
-        <a:scrgbClr r="0" g="0" b="0"/>
-      </a:fillRef>
-      <a:effectRef idx="0">
-        <a:scrgbClr r="0" g="0" b="0"/>
-      </a:effectRef>
-      <a:fontRef idx="minor">
-        <a:schemeClr val="lt1"/>
-      </a:fontRef>
-    </dgm:style>
-  </dgm:styleLbl>
-  <dgm:styleLbl name="node3">
-    <dgm:scene3d>
-      <a:camera prst="orthographicFront"/>
-      <a:lightRig rig="threePt" dir="t"/>
-    </dgm:scene3d>
-    <dgm:sp3d/>
-    <dgm:txPr/>
-    <dgm:style>
-      <a:lnRef idx="2">
-        <a:scrgbClr r="0" g="0" b="0"/>
-      </a:lnRef>
-      <a:fillRef idx="1">
-        <a:scrgbClr r="0" g="0" b="0"/>
-      </a:fillRef>
-      <a:effectRef idx="0">
-        <a:scrgbClr r="0" g="0" b="0"/>
-      </a:effectRef>
-      <a:fontRef idx="minor">
-        <a:schemeClr val="lt1"/>
-      </a:fontRef>
-    </dgm:style>
-  </dgm:styleLbl>
-  <dgm:styleLbl name="node4">
-    <dgm:scene3d>
-      <a:camera prst="orthographicFront"/>
-      <a:lightRig rig="threePt" dir="t"/>
-    </dgm:scene3d>
-    <dgm:sp3d/>
-    <dgm:txPr/>
-    <dgm:style>
-      <a:lnRef idx="2">
-        <a:scrgbClr r="0" g="0" b="0"/>
-      </a:lnRef>
-      <a:fillRef idx="1">
-        <a:scrgbClr r="0" g="0" b="0"/>
-      </a:fillRef>
-      <a:effectRef idx="0">
-        <a:scrgbClr r="0" g="0" b="0"/>
-      </a:effectRef>
-      <a:fontRef idx="minor">
-        <a:schemeClr val="lt1"/>
-      </a:fontRef>
-    </dgm:style>
-  </dgm:styleLbl>
-  <dgm:styleLbl name="fgImgPlace1">
-    <dgm:scene3d>
-      <a:camera prst="orthographicFront"/>
-      <a:lightRig rig="threePt" dir="t"/>
-    </dgm:scene3d>
-    <dgm:sp3d/>
-    <dgm:txPr/>
-    <dgm:style>
-      <a:lnRef idx="2">
-        <a:scrgbClr r="0" g="0" b="0"/>
-      </a:lnRef>
-      <a:fillRef idx="1">
-        <a:scrgbClr r="0" g="0" b="0"/>
-      </a:fillRef>
-      <a:effectRef idx="0">
-        <a:scrgbClr r="0" g="0" b="0"/>
-      </a:effectRef>
-      <a:fontRef idx="minor"/>
-    </dgm:style>
-  </dgm:styleLbl>
-  <dgm:styleLbl name="alignImgPlace1">
-    <dgm:scene3d>
-      <a:camera prst="orthographicFront"/>
-      <a:lightRig rig="threePt" dir="t"/>
-    </dgm:scene3d>
-    <dgm:sp3d/>
-    <dgm:txPr/>
-    <dgm:style>
-      <a:lnRef idx="2">
-        <a:scrgbClr r="0" g="0" b="0"/>
-      </a:lnRef>
-      <a:fillRef idx="1">
-        <a:scrgbClr r="0" g="0" b="0"/>
-      </a:fillRef>
-      <a:effectRef idx="0">
-        <a:scrgbClr r="0" g="0" b="0"/>
-      </a:effectRef>
-      <a:fontRef idx="minor"/>
-    </dgm:style>
-  </dgm:styleLbl>
-  <dgm:styleLbl name="bgImgPlace1">
-    <dgm:scene3d>
-      <a:camera prst="orthographicFront"/>
-      <a:lightRig rig="threePt" dir="t"/>
-    </dgm:scene3d>
-    <dgm:sp3d/>
-    <dgm:txPr/>
-    <dgm:style>
-      <a:lnRef idx="2">
-        <a:scrgbClr r="0" g="0" b="0"/>
-      </a:lnRef>
-      <a:fillRef idx="1">
-        <a:scrgbClr r="0" g="0" b="0"/>
-      </a:fillRef>
-      <a:effectRef idx="0">
-        <a:scrgbClr r="0" g="0" b="0"/>
-      </a:effectRef>
-      <a:fontRef idx="minor"/>
-    </dgm:style>
-  </dgm:styleLbl>
-  <dgm:styleLbl name="sibTrans2D1">
-    <dgm:scene3d>
-      <a:camera prst="orthographicFront"/>
-      <a:lightRig rig="threePt" dir="t"/>
-    </dgm:scene3d>
-    <dgm:sp3d/>
-    <dgm:txPr/>
-    <dgm:style>
-      <a:lnRef idx="0">
-        <a:scrgbClr r="0" g="0" b="0"/>
-      </a:lnRef>
-      <a:fillRef idx="1">
-        <a:scrgbClr r="0" g="0" b="0"/>
-      </a:fillRef>
-      <a:effectRef idx="0">
-        <a:scrgbClr r="0" g="0" b="0"/>
-      </a:effectRef>
-      <a:fontRef idx="minor">
-        <a:schemeClr val="lt1"/>
-      </a:fontRef>
-    </dgm:style>
-  </dgm:styleLbl>
-  <dgm:styleLbl name="fgSibTrans2D1">
-    <dgm:scene3d>
-      <a:camera prst="orthographicFront"/>
-      <a:lightRig rig="threePt" dir="t"/>
-    </dgm:scene3d>
-    <dgm:sp3d/>
-    <dgm:txPr/>
-    <dgm:style>
-      <a:lnRef idx="0">
-        <a:scrgbClr r="0" g="0" b="0"/>
-      </a:lnRef>
-      <a:fillRef idx="1">
-        <a:scrgbClr r="0" g="0" b="0"/>
-      </a:fillRef>
-      <a:effectRef idx="0">
-        <a:scrgbClr r="0" g="0" b="0"/>
-      </a:effectRef>
-      <a:fontRef idx="minor">
-        <a:schemeClr val="lt1"/>
-      </a:fontRef>
-    </dgm:style>
-  </dgm:styleLbl>
-  <dgm:styleLbl name="bgSibTrans2D1">
-    <dgm:scene3d>
-      <a:camera prst="orthographicFront"/>
-      <a:lightRig rig="threePt" dir="t"/>
-    </dgm:scene3d>
-    <dgm:sp3d/>
-    <dgm:txPr/>
-    <dgm:style>
-      <a:lnRef idx="0">
-        <a:scrgbClr r="0" g="0" b="0"/>
-      </a:lnRef>
-      <a:fillRef idx="1">
-        <a:scrgbClr r="0" g="0" b="0"/>
-      </a:fillRef>
-      <a:effectRef idx="0">
-        <a:scrgbClr r="0" g="0" b="0"/>
-      </a:effectRef>
-      <a:fontRef idx="minor">
-        <a:schemeClr val="lt1"/>
-      </a:fontRef>
-    </dgm:style>
-  </dgm:styleLbl>
-  <dgm:styleLbl name="sibTrans1D1">
-    <dgm:scene3d>
-      <a:camera prst="orthographicFront"/>
-      <a:lightRig rig="threePt" dir="t"/>
-    </dgm:scene3d>
-    <dgm:sp3d/>
-    <dgm:txPr/>
-    <dgm:style>
-      <a:lnRef idx="1">
-        <a:scrgbClr r="0" g="0" b="0"/>
-      </a:lnRef>
-      <a:fillRef idx="0">
-        <a:scrgbClr r="0" g="0" b="0"/>
-      </a:fillRef>
-      <a:effectRef idx="0">
-        <a:scrgbClr r="0" g="0" b="0"/>
-      </a:effectRef>
-      <a:fontRef idx="minor"/>
-    </dgm:style>
-  </dgm:styleLbl>
-  <dgm:styleLbl name="callout">
-    <dgm:scene3d>
-      <a:camera prst="orthographicFront"/>
-      <a:lightRig rig="threePt" dir="t"/>
-    </dgm:scene3d>
-    <dgm:sp3d/>
-    <dgm:txPr/>
-    <dgm:style>
-      <a:lnRef idx="2">
-        <a:scrgbClr r="0" g="0" b="0"/>
-      </a:lnRef>
-      <a:fillRef idx="1">
-        <a:scrgbClr r="0" g="0" b="0"/>
-      </a:fillRef>
-      <a:effectRef idx="0">
-        <a:scrgbClr r="0" g="0" b="0"/>
-      </a:effectRef>
-      <a:fontRef idx="minor"/>
-    </dgm:style>
-  </dgm:styleLbl>
-  <dgm:styleLbl name="asst0">
-    <dgm:scene3d>
-      <a:camera prst="orthographicFront"/>
-      <a:lightRig rig="threePt" dir="t"/>
-    </dgm:scene3d>
-    <dgm:sp3d/>
-    <dgm:txPr/>
-    <dgm:style>
-      <a:lnRef idx="2">
-        <a:scrgbClr r="0" g="0" b="0"/>
-      </a:lnRef>
-      <a:fillRef idx="1">
-        <a:scrgbClr r="0" g="0" b="0"/>
-      </a:fillRef>
-      <a:effectRef idx="0">
-        <a:scrgbClr r="0" g="0" b="0"/>
-      </a:effectRef>
-      <a:fontRef idx="minor">
-        <a:schemeClr val="lt1"/>
-      </a:fontRef>
-    </dgm:style>
-  </dgm:styleLbl>
-  <dgm:styleLbl name="asst1">
-    <dgm:scene3d>
-      <a:camera prst="orthographicFront"/>
-      <a:lightRig rig="threePt" dir="t"/>
-    </dgm:scene3d>
-    <dgm:sp3d/>
-    <dgm:txPr/>
-    <dgm:style>
-      <a:lnRef idx="2">
-        <a:scrgbClr r="0" g="0" b="0"/>
-      </a:lnRef>
-      <a:fillRef idx="1">
-        <a:scrgbClr r="0" g="0" b="0"/>
-      </a:fillRef>
-      <a:effectRef idx="0">
-        <a:scrgbClr r="0" g="0" b="0"/>
-      </a:effectRef>
-      <a:fontRef idx="minor">
-        <a:schemeClr val="lt1"/>
-      </a:fontRef>
-    </dgm:style>
-  </dgm:styleLbl>
-  <dgm:styleLbl name="asst2">
-    <dgm:scene3d>
-      <a:camera prst="orthographicFront"/>
-      <a:lightRig rig="threePt" dir="t"/>
-    </dgm:scene3d>
-    <dgm:sp3d/>
-    <dgm:txPr/>
-    <dgm:style>
-      <a:lnRef idx="2">
-        <a:scrgbClr r="0" g="0" b="0"/>
-      </a:lnRef>
-      <a:fillRef idx="1">
-        <a:scrgbClr r="0" g="0" b="0"/>
-      </a:fillRef>
-      <a:effectRef idx="0">
-        <a:scrgbClr r="0" g="0" b="0"/>
-      </a:effectRef>
-      <a:fontRef idx="minor">
-        <a:schemeClr val="lt1"/>
-      </a:fontRef>
-    </dgm:style>
-  </dgm:styleLbl>
-  <dgm:styleLbl name="asst3">
-    <dgm:scene3d>
-      <a:camera prst="orthographicFront"/>
-      <a:lightRig rig="threePt" dir="t"/>
-    </dgm:scene3d>
-    <dgm:sp3d/>
-    <dgm:txPr/>
-    <dgm:style>
-      <a:lnRef idx="2">
-        <a:scrgbClr r="0" g="0" b="0"/>
-      </a:lnRef>
-      <a:fillRef idx="1">
-        <a:scrgbClr r="0" g="0" b="0"/>
-      </a:fillRef>
-      <a:effectRef idx="0">
-        <a:scrgbClr r="0" g="0" b="0"/>
-      </a:effectRef>
-      <a:fontRef idx="minor">
-        <a:schemeClr val="lt1"/>
-      </a:fontRef>
-    </dgm:style>
-  </dgm:styleLbl>
-  <dgm:styleLbl name="asst4">
-    <dgm:scene3d>
-      <a:camera prst="orthographicFront"/>
-      <a:lightRig rig="threePt" dir="t"/>
-    </dgm:scene3d>
-    <dgm:sp3d/>
-    <dgm:txPr/>
-    <dgm:style>
-      <a:lnRef idx="2">
-        <a:scrgbClr r="0" g="0" b="0"/>
-      </a:lnRef>
-      <a:fillRef idx="1">
-        <a:scrgbClr r="0" g="0" b="0"/>
-      </a:fillRef>
-      <a:effectRef idx="0">
-        <a:scrgbClr r="0" g="0" b="0"/>
-      </a:effectRef>
-      <a:fontRef idx="minor">
-        <a:schemeClr val="lt1"/>
-      </a:fontRef>
-    </dgm:style>
-  </dgm:styleLbl>
-  <dgm:styleLbl name="parChTrans2D1">
-    <dgm:scene3d>
-      <a:camera prst="orthographicFront"/>
-      <a:lightRig rig="threePt" dir="t"/>
-    </dgm:scene3d>
-    <dgm:sp3d/>
-    <dgm:txPr/>
-    <dgm:style>
-      <a:lnRef idx="2">
-        <a:scrgbClr r="0" g="0" b="0"/>
-      </a:lnRef>
-      <a:fillRef idx="1">
-        <a:scrgbClr r="0" g="0" b="0"/>
-      </a:fillRef>
-      <a:effectRef idx="0">
-        <a:scrgbClr r="0" g="0" b="0"/>
-      </a:effectRef>
-      <a:fontRef idx="minor">
-        <a:schemeClr val="lt1"/>
-      </a:fontRef>
-    </dgm:style>
-  </dgm:styleLbl>
-  <dgm:styleLbl name="parChTrans2D2">
-    <dgm:scene3d>
-      <a:camera prst="orthographicFront"/>
-      <a:lightRig rig="threePt" dir="t"/>
-    </dgm:scene3d>
-    <dgm:sp3d/>
-    <dgm:txPr/>
-    <dgm:style>
-      <a:lnRef idx="2">
-        <a:scrgbClr r="0" g="0" b="0"/>
-      </a:lnRef>
-      <a:fillRef idx="1">
-        <a:scrgbClr r="0" g="0" b="0"/>
-      </a:fillRef>
-      <a:effectRef idx="0">
-        <a:scrgbClr r="0" g="0" b="0"/>
-      </a:effectRef>
-      <a:fontRef idx="minor">
-        <a:schemeClr val="lt1"/>
-      </a:fontRef>
-    </dgm:style>
-  </dgm:styleLbl>
-  <dgm:styleLbl name="parChTrans2D3">
-    <dgm:scene3d>
-      <a:camera prst="orthographicFront"/>
-      <a:lightRig rig="threePt" dir="t"/>
-    </dgm:scene3d>
-    <dgm:sp3d/>
-    <dgm:txPr/>
-    <dgm:style>
-      <a:lnRef idx="2">
-        <a:scrgbClr r="0" g="0" b="0"/>
-      </a:lnRef>
-      <a:fillRef idx="1">
-        <a:scrgbClr r="0" g="0" b="0"/>
-      </a:fillRef>
-      <a:effectRef idx="0">
-        <a:scrgbClr r="0" g="0" b="0"/>
-      </a:effectRef>
-      <a:fontRef idx="minor">
-        <a:schemeClr val="lt1"/>
-      </a:fontRef>
-    </dgm:style>
-  </dgm:styleLbl>
-  <dgm:styleLbl name="parChTrans2D4">
-    <dgm:scene3d>
-      <a:camera prst="orthographicFront"/>
-      <a:lightRig rig="threePt" dir="t"/>
-    </dgm:scene3d>
-    <dgm:sp3d/>
-    <dgm:txPr/>
-    <dgm:style>
-      <a:lnRef idx="2">
-        <a:scrgbClr r="0" g="0" b="0"/>
-      </a:lnRef>
-      <a:fillRef idx="1">
-        <a:scrgbClr r="0" g="0" b="0"/>
-      </a:fillRef>
-      <a:effectRef idx="0">
-        <a:scrgbClr r="0" g="0" b="0"/>
-      </a:effectRef>
-      <a:fontRef idx="minor">
-        <a:schemeClr val="lt1"/>
-      </a:fontRef>
-    </dgm:style>
-  </dgm:styleLbl>
-  <dgm:styleLbl name="parChTrans1D1">
-    <dgm:scene3d>
-      <a:camera prst="orthographicFront"/>
-      <a:lightRig rig="threePt" dir="t"/>
-    </dgm:scene3d>
-    <dgm:sp3d/>
-    <dgm:txPr/>
-    <dgm:style>
-      <a:lnRef idx="2">
-        <a:scrgbClr r="0" g="0" b="0"/>
-      </a:lnRef>
-      <a:fillRef idx="0">
-        <a:scrgbClr r="0" g="0" b="0"/>
-      </a:fillRef>
-      <a:effectRef idx="0">
-        <a:scrgbClr r="0" g="0" b="0"/>
-      </a:effectRef>
-      <a:fontRef idx="minor"/>
-    </dgm:style>
-  </dgm:styleLbl>
-  <dgm:styleLbl name="parChTrans1D2">
-    <dgm:scene3d>
-      <a:camera prst="orthographicFront"/>
-      <a:lightRig rig="threePt" dir="t"/>
-    </dgm:scene3d>
-    <dgm:sp3d/>
-    <dgm:txPr/>
-    <dgm:style>
-      <a:lnRef idx="2">
-        <a:scrgbClr r="0" g="0" b="0"/>
-      </a:lnRef>
-      <a:fillRef idx="0">
-        <a:scrgbClr r="0" g="0" b="0"/>
-      </a:fillRef>
-      <a:effectRef idx="0">
-        <a:scrgbClr r="0" g="0" b="0"/>
-      </a:effectRef>
-      <a:fontRef idx="minor"/>
-    </dgm:style>
-  </dgm:styleLbl>
-  <dgm:styleLbl name="parChTrans1D3">
-    <dgm:scene3d>
-      <a:camera prst="orthographicFront"/>
-      <a:lightRig rig="threePt" dir="t"/>
-    </dgm:scene3d>
-    <dgm:sp3d/>
-    <dgm:txPr/>
-    <dgm:style>
-      <a:lnRef idx="2">
-        <a:scrgbClr r="0" g="0" b="0"/>
-      </a:lnRef>
-      <a:fillRef idx="0">
-        <a:scrgbClr r="0" g="0" b="0"/>
-      </a:fillRef>
-      <a:effectRef idx="0">
-        <a:scrgbClr r="0" g="0" b="0"/>
-      </a:effectRef>
-      <a:fontRef idx="minor"/>
-    </dgm:style>
-  </dgm:styleLbl>
-  <dgm:styleLbl name="parChTrans1D4">
-    <dgm:scene3d>
-      <a:camera prst="orthographicFront"/>
-      <a:lightRig rig="threePt" dir="t"/>
-    </dgm:scene3d>
-    <dgm:sp3d/>
-    <dgm:txPr/>
-    <dgm:style>
-      <a:lnRef idx="2">
-        <a:scrgbClr r="0" g="0" b="0"/>
-      </a:lnRef>
-      <a:fillRef idx="0">
-        <a:scrgbClr r="0" g="0" b="0"/>
-      </a:fillRef>
-      <a:effectRef idx="0">
-        <a:scrgbClr r="0" g="0" b="0"/>
-      </a:effectRef>
-      <a:fontRef idx="minor"/>
-    </dgm:style>
-  </dgm:styleLbl>
-  <dgm:styleLbl name="fgAcc1">
-    <dgm:scene3d>
-      <a:camera prst="orthographicFront"/>
-      <a:lightRig rig="threePt" dir="t"/>
-    </dgm:scene3d>
-    <dgm:sp3d/>
-    <dgm:txPr/>
-    <dgm:style>
-      <a:lnRef idx="2">
-        <a:scrgbClr r="0" g="0" b="0"/>
-      </a:lnRef>
-      <a:fillRef idx="1">
-        <a:scrgbClr r="0" g="0" b="0"/>
-      </a:fillRef>
-      <a:effectRef idx="0">
-        <a:scrgbClr r="0" g="0" b="0"/>
-      </a:effectRef>
-      <a:fontRef idx="minor"/>
-    </dgm:style>
-  </dgm:styleLbl>
-  <dgm:styleLbl name="conFgAcc1">
-    <dgm:scene3d>
-      <a:camera prst="orthographicFront"/>
-      <a:lightRig rig="threePt" dir="t"/>
-    </dgm:scene3d>
-    <dgm:sp3d/>
-    <dgm:txPr/>
-    <dgm:style>
-      <a:lnRef idx="2">
-        <a:scrgbClr r="0" g="0" b="0"/>
-      </a:lnRef>
-      <a:fillRef idx="1">
-        <a:scrgbClr r="0" g="0" b="0"/>
-      </a:fillRef>
-      <a:effectRef idx="0">
-        <a:scrgbClr r="0" g="0" b="0"/>
-      </a:effectRef>
-      <a:fontRef idx="minor"/>
-    </dgm:style>
-  </dgm:styleLbl>
-  <dgm:styleLbl name="alignAcc1">
-    <dgm:scene3d>
-      <a:camera prst="orthographicFront"/>
-      <a:lightRig rig="threePt" dir="t"/>
-    </dgm:scene3d>
-    <dgm:sp3d/>
-    <dgm:txPr/>
-    <dgm:style>
-      <a:lnRef idx="2">
-        <a:scrgbClr r="0" g="0" b="0"/>
-      </a:lnRef>
-      <a:fillRef idx="1">
-        <a:scrgbClr r="0" g="0" b="0"/>
-      </a:fillRef>
-      <a:effectRef idx="0">
-        <a:scrgbClr r="0" g="0" b="0"/>
-      </a:effectRef>
-      <a:fontRef idx="minor"/>
-    </dgm:style>
-  </dgm:styleLbl>
-  <dgm:styleLbl name="trAlignAcc1">
-    <dgm:scene3d>
-      <a:camera prst="orthographicFront"/>
-      <a:lightRig rig="threePt" dir="t"/>
-    </dgm:scene3d>
-    <dgm:sp3d/>
-    <dgm:txPr/>
-    <dgm:style>
-      <a:lnRef idx="1">
-        <a:scrgbClr r="0" g="0" b="0"/>
-      </a:lnRef>
-      <a:fillRef idx="1">
-        <a:scrgbClr r="0" g="0" b="0"/>
-      </a:fillRef>
-      <a:effectRef idx="0">
-        <a:scrgbClr r="0" g="0" b="0"/>
-      </a:effectRef>
-      <a:fontRef idx="minor"/>
-    </dgm:style>
-  </dgm:styleLbl>
-  <dgm:styleLbl name="bgAcc1">
-    <dgm:scene3d>
-      <a:camera prst="orthographicFront"/>
-      <a:lightRig rig="threePt" dir="t"/>
-    </dgm:scene3d>
-    <dgm:sp3d/>
-    <dgm:txPr/>
-    <dgm:style>
-      <a:lnRef idx="2">
-        <a:scrgbClr r="0" g="0" b="0"/>
-      </a:lnRef>
-      <a:fillRef idx="1">
-        <a:scrgbClr r="0" g="0" b="0"/>
-      </a:fillRef>
-      <a:effectRef idx="0">
-        <a:scrgbClr r="0" g="0" b="0"/>
-      </a:effectRef>
-      <a:fontRef idx="minor"/>
-    </dgm:style>
-  </dgm:styleLbl>
-  <dgm:styleLbl name="solidFgAcc1">
-    <dgm:scene3d>
-      <a:camera prst="orthographicFront"/>
-      <a:lightRig rig="threePt" dir="t"/>
-    </dgm:scene3d>
-    <dgm:sp3d/>
-    <dgm:txPr/>
-    <dgm:style>
-      <a:lnRef idx="2">
-        <a:scrgbClr r="0" g="0" b="0"/>
-      </a:lnRef>
-      <a:fillRef idx="1">
-        <a:scrgbClr r="0" g="0" b="0"/>
-      </a:fillRef>
-      <a:effectRef idx="0">
-        <a:scrgbClr r="0" g="0" b="0"/>
-      </a:effectRef>
-      <a:fontRef idx="minor"/>
-    </dgm:style>
-  </dgm:styleLbl>
-  <dgm:styleLbl name="solidAlignAcc1">
-    <dgm:scene3d>
-      <a:camera prst="orthographicFront"/>
-      <a:lightRig rig="threePt" dir="t"/>
-    </dgm:scene3d>
-    <dgm:sp3d/>
-    <dgm:txPr/>
-    <dgm:style>
-      <a:lnRef idx="2">
-        <a:scrgbClr r="0" g="0" b="0"/>
-      </a:lnRef>
-      <a:fillRef idx="1">
-        <a:scrgbClr r="0" g="0" b="0"/>
-      </a:fillRef>
-      <a:effectRef idx="0">
-        <a:scrgbClr r="0" g="0" b="0"/>
-      </a:effectRef>
-      <a:fontRef idx="minor"/>
-    </dgm:style>
-  </dgm:styleLbl>
-  <dgm:styleLbl name="solidBgAcc1">
-    <dgm:scene3d>
-      <a:camera prst="orthographicFront"/>
-      <a:lightRig rig="threePt" dir="t"/>
-    </dgm:scene3d>
-    <dgm:sp3d/>
-    <dgm:txPr/>
-    <dgm:style>
-      <a:lnRef idx="2">
-        <a:scrgbClr r="0" g="0" b="0"/>
-      </a:lnRef>
-      <a:fillRef idx="1">
-        <a:scrgbClr r="0" g="0" b="0"/>
-      </a:fillRef>
-      <a:effectRef idx="0">
-        <a:scrgbClr r="0" g="0" b="0"/>
-      </a:effectRef>
-      <a:fontRef idx="minor"/>
-    </dgm:style>
-  </dgm:styleLbl>
-  <dgm:styleLbl name="fgAccFollowNode1">
-    <dgm:scene3d>
-      <a:camera prst="orthographicFront"/>
-      <a:lightRig rig="threePt" dir="t"/>
-    </dgm:scene3d>
-    <dgm:sp3d/>
-    <dgm:txPr/>
-    <dgm:style>
-      <a:lnRef idx="2">
-        <a:scrgbClr r="0" g="0" b="0"/>
-      </a:lnRef>
-      <a:fillRef idx="1">
-        <a:scrgbClr r="0" g="0" b="0"/>
-      </a:fillRef>
-      <a:effectRef idx="0">
-        <a:scrgbClr r="0" g="0" b="0"/>
-      </a:effectRef>
-      <a:fontRef idx="minor"/>
-    </dgm:style>
-  </dgm:styleLbl>
-  <dgm:styleLbl name="alignAccFollowNode1">
-    <dgm:scene3d>
-      <a:camera prst="orthographicFront"/>
-      <a:lightRig rig="threePt" dir="t"/>
-    </dgm:scene3d>
-    <dgm:sp3d/>
-    <dgm:txPr/>
-    <dgm:style>
-      <a:lnRef idx="2">
-        <a:scrgbClr r="0" g="0" b="0"/>
-      </a:lnRef>
-      <a:fillRef idx="1">
-        <a:scrgbClr r="0" g="0" b="0"/>
-      </a:fillRef>
-      <a:effectRef idx="0">
-        <a:scrgbClr r="0" g="0" b="0"/>
-      </a:effectRef>
-      <a:fontRef idx="minor"/>
-    </dgm:style>
-  </dgm:styleLbl>
-  <dgm:styleLbl name="bgAccFollowNode1">
-    <dgm:scene3d>
-      <a:camera prst="orthographicFront"/>
-      <a:lightRig rig="threePt" dir="t"/>
-    </dgm:scene3d>
-    <dgm:sp3d/>
-    <dgm:txPr/>
-    <dgm:style>
-      <a:lnRef idx="2">
-        <a:scrgbClr r="0" g="0" b="0"/>
-      </a:lnRef>
-      <a:fillRef idx="1">
-        <a:scrgbClr r="0" g="0" b="0"/>
-      </a:fillRef>
-      <a:effectRef idx="0">
-        <a:scrgbClr r="0" g="0" b="0"/>
-      </a:effectRef>
-      <a:fontRef idx="minor"/>
-    </dgm:style>
-  </dgm:styleLbl>
-  <dgm:styleLbl name="fgAcc0">
-    <dgm:scene3d>
-      <a:camera prst="orthographicFront"/>
-      <a:lightRig rig="threePt" dir="t"/>
-    </dgm:scene3d>
-    <dgm:sp3d/>
-    <dgm:txPr/>
-    <dgm:style>
-      <a:lnRef idx="2">
-        <a:scrgbClr r="0" g="0" b="0"/>
-      </a:lnRef>
-      <a:fillRef idx="1">
-        <a:scrgbClr r="0" g="0" b="0"/>
-      </a:fillRef>
-      <a:effectRef idx="0">
-        <a:scrgbClr r="0" g="0" b="0"/>
-      </a:effectRef>
-      <a:fontRef idx="minor"/>
-    </dgm:style>
-  </dgm:styleLbl>
-  <dgm:styleLbl name="fgAcc2">
-    <dgm:scene3d>
-      <a:camera prst="orthographicFront"/>
-      <a:lightRig rig="threePt" dir="t"/>
-    </dgm:scene3d>
-    <dgm:sp3d/>
-    <dgm:txPr/>
-    <dgm:style>
-      <a:lnRef idx="2">
-        <a:scrgbClr r="0" g="0" b="0"/>
-      </a:lnRef>
-      <a:fillRef idx="1">
-        <a:scrgbClr r="0" g="0" b="0"/>
-      </a:fillRef>
-      <a:effectRef idx="0">
-        <a:scrgbClr r="0" g="0" b="0"/>
-      </a:effectRef>
-      <a:fontRef idx="minor"/>
-    </dgm:style>
-  </dgm:styleLbl>
-  <dgm:styleLbl name="fgAcc3">
-    <dgm:scene3d>
-      <a:camera prst="orthographicFront"/>
-      <a:lightRig rig="threePt" dir="t"/>
-    </dgm:scene3d>
-    <dgm:sp3d/>
-    <dgm:txPr/>
-    <dgm:style>
-      <a:lnRef idx="2">
-        <a:scrgbClr r="0" g="0" b="0"/>
-      </a:lnRef>
-      <a:fillRef idx="1">
-        <a:scrgbClr r="0" g="0" b="0"/>
-      </a:fillRef>
-      <a:effectRef idx="0">
-        <a:scrgbClr r="0" g="0" b="0"/>
-      </a:effectRef>
-      <a:fontRef idx="minor"/>
-    </dgm:style>
-  </dgm:styleLbl>
-  <dgm:styleLbl name="fgAcc4">
-    <dgm:scene3d>
-      <a:camera prst="orthographicFront"/>
-      <a:lightRig rig="threePt" dir="t"/>
-    </dgm:scene3d>
-    <dgm:sp3d/>
-    <dgm:txPr/>
-    <dgm:style>
-      <a:lnRef idx="2">
-        <a:scrgbClr r="0" g="0" b="0"/>
-      </a:lnRef>
-      <a:fillRef idx="1">
-        <a:scrgbClr r="0" g="0" b="0"/>
-      </a:fillRef>
-      <a:effectRef idx="0">
-        <a:scrgbClr r="0" g="0" b="0"/>
-      </a:effectRef>
-      <a:fontRef idx="minor"/>
-    </dgm:style>
-  </dgm:styleLbl>
-  <dgm:styleLbl name="bgShp">
-    <dgm:scene3d>
-      <a:camera prst="orthographicFront"/>
-      <a:lightRig rig="threePt" dir="t"/>
-    </dgm:scene3d>
-    <dgm:sp3d/>
-    <dgm:txPr/>
-    <dgm:style>
-      <a:lnRef idx="0">
-        <a:scrgbClr r="0" g="0" b="0"/>
-      </a:lnRef>
-      <a:fillRef idx="1">
-        <a:scrgbClr r="0" g="0" b="0"/>
-      </a:fillRef>
-      <a:effectRef idx="0">
-        <a:scrgbClr r="0" g="0" b="0"/>
-      </a:effectRef>
-      <a:fontRef idx="minor"/>
-    </dgm:style>
-  </dgm:styleLbl>
-  <dgm:styleLbl name="dkBgShp">
-    <dgm:scene3d>
-      <a:camera prst="orthographicFront"/>
-      <a:lightRig rig="threePt" dir="t"/>
-    </dgm:scene3d>
-    <dgm:sp3d/>
-    <dgm:txPr/>
-    <dgm:style>
-      <a:lnRef idx="0">
-        <a:scrgbClr r="0" g="0" b="0"/>
-      </a:lnRef>
-      <a:fillRef idx="1">
-        <a:scrgbClr r="0" g="0" b="0"/>
-      </a:fillRef>
-      <a:effectRef idx="0">
-        <a:scrgbClr r="0" g="0" b="0"/>
-      </a:effectRef>
-      <a:fontRef idx="minor"/>
-    </dgm:style>
-  </dgm:styleLbl>
-  <dgm:styleLbl name="trBgShp">
-    <dgm:scene3d>
-      <a:camera prst="orthographicFront"/>
-      <a:lightRig rig="threePt" dir="t"/>
-    </dgm:scene3d>
-    <dgm:sp3d/>
-    <dgm:txPr/>
-    <dgm:style>
-      <a:lnRef idx="0">
-        <a:scrgbClr r="0" g="0" b="0"/>
-      </a:lnRef>
-      <a:fillRef idx="1">
-        <a:scrgbClr r="0" g="0" b="0"/>
-      </a:fillRef>
-      <a:effectRef idx="0">
-        <a:scrgbClr r="0" g="0" b="0"/>
-      </a:effectRef>
-      <a:fontRef idx="minor"/>
-    </dgm:style>
-  </dgm:styleLbl>
-  <dgm:styleLbl name="fgShp">
-    <dgm:scene3d>
-      <a:camera prst="orthographicFront"/>
-      <a:lightRig rig="threePt" dir="t"/>
-    </dgm:scene3d>
-    <dgm:sp3d/>
-    <dgm:txPr/>
-    <dgm:style>
-      <a:lnRef idx="2">
-        <a:scrgbClr r="0" g="0" b="0"/>
-      </a:lnRef>
-      <a:fillRef idx="1">
-        <a:scrgbClr r="0" g="0" b="0"/>
-      </a:fillRef>
-      <a:effectRef idx="0">
-        <a:scrgbClr r="0" g="0" b="0"/>
-      </a:effectRef>
-      <a:fontRef idx="minor"/>
-    </dgm:style>
-  </dgm:styleLbl>
-  <dgm:styleLbl name="revTx">
-    <dgm:scene3d>
-      <a:camera prst="orthographicFront"/>
-      <a:lightRig rig="threePt" dir="t"/>
-    </dgm:scene3d>
-    <dgm:sp3d/>
-    <dgm:txPr/>
-    <dgm:style>
-      <a:lnRef idx="0">
-        <a:scrgbClr r="0" g="0" b="0"/>
-      </a:lnRef>
-      <a:fillRef idx="0">
-        <a:scrgbClr r="0" g="0" b="0"/>
-      </a:fillRef>
-      <a:effectRef idx="0">
-        <a:scrgbClr r="0" g="0" b="0"/>
-      </a:effectRef>
-      <a:fontRef idx="minor"/>
-    </dgm:style>
-  </dgm:styleLbl>
-</dgm:styleDef>
-</file>
-
-<file path=ppt/diagrams/quickStyle4.xml><?xml version="1.0" encoding="utf-8"?>
-<dgm:styleDef xmlns:dgm="http://schemas.openxmlformats.org/drawingml/2006/diagram" xmlns:a="http://schemas.openxmlformats.org/drawingml/2006/main" uniqueId="urn:microsoft.com/office/officeart/2005/8/quickstyle/simple1">
-  <dgm:title val=""/>
-  <dgm:desc val=""/>
-  <dgm:catLst>
-    <dgm:cat type="simple" pri="10100"/>
-  </dgm:catLst>
-  <dgm:scene3d>
-    <a:camera prst="orthographicFront"/>
-    <a:lightRig rig="threePt" dir="t"/>
-  </dgm:scene3d>
-  <dgm:styleLbl name="node0">
-    <dgm:scene3d>
-      <a:camera prst="orthographicFront"/>
-      <a:lightRig rig="threePt" dir="t"/>
-    </dgm:scene3d>
-    <dgm:sp3d/>
-    <dgm:txPr/>
-    <dgm:style>
-      <a:lnRef idx="2">
-        <a:scrgbClr r="0" g="0" b="0"/>
-      </a:lnRef>
-      <a:fillRef idx="1">
-        <a:scrgbClr r="0" g="0" b="0"/>
-      </a:fillRef>
-      <a:effectRef idx="0">
-        <a:scrgbClr r="0" g="0" b="0"/>
-      </a:effectRef>
-      <a:fontRef idx="minor">
-        <a:schemeClr val="lt1"/>
-      </a:fontRef>
-    </dgm:style>
-  </dgm:styleLbl>
-  <dgm:styleLbl name="lnNode1">
-    <dgm:scene3d>
-      <a:camera prst="orthographicFront"/>
-      <a:lightRig rig="threePt" dir="t"/>
-    </dgm:scene3d>
-    <dgm:sp3d/>
-    <dgm:txPr/>
-    <dgm:style>
-      <a:lnRef idx="2">
-        <a:scrgbClr r="0" g="0" b="0"/>
-      </a:lnRef>
-      <a:fillRef idx="1">
-        <a:scrgbClr r="0" g="0" b="0"/>
-      </a:fillRef>
-      <a:effectRef idx="0">
-        <a:scrgbClr r="0" g="0" b="0"/>
-      </a:effectRef>
-      <a:fontRef idx="minor">
-        <a:schemeClr val="lt1"/>
-      </a:fontRef>
-    </dgm:style>
-  </dgm:styleLbl>
-  <dgm:styleLbl name="vennNode1">
-    <dgm:scene3d>
-      <a:camera prst="orthographicFront"/>
-      <a:lightRig rig="threePt" dir="t"/>
-    </dgm:scene3d>
-    <dgm:sp3d/>
-    <dgm:txPr/>
-    <dgm:style>
-      <a:lnRef idx="2">
-        <a:scrgbClr r="0" g="0" b="0"/>
-      </a:lnRef>
-      <a:fillRef idx="1">
-        <a:scrgbClr r="0" g="0" b="0"/>
-      </a:fillRef>
-      <a:effectRef idx="0">
-        <a:scrgbClr r="0" g="0" b="0"/>
-      </a:effectRef>
-      <a:fontRef idx="minor">
-        <a:schemeClr val="tx1"/>
-      </a:fontRef>
-    </dgm:style>
-  </dgm:styleLbl>
-  <dgm:styleLbl name="alignNode1">
-    <dgm:scene3d>
-      <a:camera prst="orthographicFront"/>
-      <a:lightRig rig="threePt" dir="t"/>
-    </dgm:scene3d>
-    <dgm:sp3d/>
-    <dgm:txPr/>
-    <dgm:style>
-      <a:lnRef idx="2">
-        <a:scrgbClr r="0" g="0" b="0"/>
-      </a:lnRef>
-      <a:fillRef idx="1">
-        <a:scrgbClr r="0" g="0" b="0"/>
-      </a:fillRef>
-      <a:effectRef idx="0">
-        <a:scrgbClr r="0" g="0" b="0"/>
-      </a:effectRef>
-      <a:fontRef idx="minor">
-        <a:schemeClr val="lt1"/>
-      </a:fontRef>
-    </dgm:style>
-  </dgm:styleLbl>
-  <dgm:styleLbl name="node1">
-    <dgm:scene3d>
-      <a:camera prst="orthographicFront"/>
-      <a:lightRig rig="threePt" dir="t"/>
-    </dgm:scene3d>
-    <dgm:sp3d/>
-    <dgm:txPr/>
-    <dgm:style>
-      <a:lnRef idx="2">
-        <a:scrgbClr r="0" g="0" b="0"/>
-      </a:lnRef>
-      <a:fillRef idx="1">
-        <a:scrgbClr r="0" g="0" b="0"/>
-      </a:fillRef>
-      <a:effectRef idx="0">
-        <a:scrgbClr r="0" g="0" b="0"/>
-      </a:effectRef>
-      <a:fontRef idx="minor">
-        <a:schemeClr val="lt1"/>
-      </a:fontRef>
-    </dgm:style>
-  </dgm:styleLbl>
-  <dgm:styleLbl name="node2">
-    <dgm:scene3d>
-      <a:camera prst="orthographicFront"/>
-      <a:lightRig rig="threePt" dir="t"/>
-    </dgm:scene3d>
-    <dgm:sp3d/>
-    <dgm:txPr/>
-    <dgm:style>
-      <a:lnRef idx="2">
-        <a:scrgbClr r="0" g="0" b="0"/>
-      </a:lnRef>
-      <a:fillRef idx="1">
-        <a:scrgbClr r="0" g="0" b="0"/>
-      </a:fillRef>
-      <a:effectRef idx="0">
-        <a:scrgbClr r="0" g="0" b="0"/>
-      </a:effectRef>
-      <a:fontRef idx="minor">
-        <a:schemeClr val="lt1"/>
-      </a:fontRef>
-    </dgm:style>
-  </dgm:styleLbl>
-  <dgm:styleLbl name="node3">
-    <dgm:scene3d>
-      <a:camera prst="orthographicFront"/>
-      <a:lightRig rig="threePt" dir="t"/>
-    </dgm:scene3d>
-    <dgm:sp3d/>
-    <dgm:txPr/>
-    <dgm:style>
-      <a:lnRef idx="2">
-        <a:scrgbClr r="0" g="0" b="0"/>
-      </a:lnRef>
-      <a:fillRef idx="1">
-        <a:scrgbClr r="0" g="0" b="0"/>
-      </a:fillRef>
-      <a:effectRef idx="0">
-        <a:scrgbClr r="0" g="0" b="0"/>
-      </a:effectRef>
-      <a:fontRef idx="minor">
-        <a:schemeClr val="lt1"/>
-      </a:fontRef>
-    </dgm:style>
-  </dgm:styleLbl>
-  <dgm:styleLbl name="node4">
-    <dgm:scene3d>
-      <a:camera prst="orthographicFront"/>
-      <a:lightRig rig="threePt" dir="t"/>
-    </dgm:scene3d>
-    <dgm:sp3d/>
-    <dgm:txPr/>
-    <dgm:style>
-      <a:lnRef idx="2">
-        <a:scrgbClr r="0" g="0" b="0"/>
-      </a:lnRef>
-      <a:fillRef idx="1">
-        <a:scrgbClr r="0" g="0" b="0"/>
-      </a:fillRef>
-      <a:effectRef idx="0">
-        <a:scrgbClr r="0" g="0" b="0"/>
-      </a:effectRef>
-      <a:fontRef idx="minor">
-        <a:schemeClr val="lt1"/>
-      </a:fontRef>
-    </dgm:style>
-  </dgm:styleLbl>
-  <dgm:styleLbl name="fgImgPlace1">
-    <dgm:scene3d>
-      <a:camera prst="orthographicFront"/>
-      <a:lightRig rig="threePt" dir="t"/>
-    </dgm:scene3d>
-    <dgm:sp3d/>
-    <dgm:txPr/>
-    <dgm:style>
-      <a:lnRef idx="2">
-        <a:scrgbClr r="0" g="0" b="0"/>
-      </a:lnRef>
-      <a:fillRef idx="1">
-        <a:scrgbClr r="0" g="0" b="0"/>
-      </a:fillRef>
-      <a:effectRef idx="0">
-        <a:scrgbClr r="0" g="0" b="0"/>
-      </a:effectRef>
-      <a:fontRef idx="minor"/>
-    </dgm:style>
-  </dgm:styleLbl>
-  <dgm:styleLbl name="alignImgPlace1">
-    <dgm:scene3d>
-      <a:camera prst="orthographicFront"/>
-      <a:lightRig rig="threePt" dir="t"/>
-    </dgm:scene3d>
-    <dgm:sp3d/>
-    <dgm:txPr/>
-    <dgm:style>
-      <a:lnRef idx="2">
-        <a:scrgbClr r="0" g="0" b="0"/>
-      </a:lnRef>
-      <a:fillRef idx="1">
-        <a:scrgbClr r="0" g="0" b="0"/>
-      </a:fillRef>
-      <a:effectRef idx="0">
-        <a:scrgbClr r="0" g="0" b="0"/>
-      </a:effectRef>
-      <a:fontRef idx="minor"/>
-    </dgm:style>
-  </dgm:styleLbl>
-  <dgm:styleLbl name="bgImgPlace1">
-    <dgm:scene3d>
-      <a:camera prst="orthographicFront"/>
-      <a:lightRig rig="threePt" dir="t"/>
-    </dgm:scene3d>
-    <dgm:sp3d/>
-    <dgm:txPr/>
-    <dgm:style>
-      <a:lnRef idx="2">
-        <a:scrgbClr r="0" g="0" b="0"/>
-      </a:lnRef>
-      <a:fillRef idx="1">
-        <a:scrgbClr r="0" g="0" b="0"/>
-      </a:fillRef>
-      <a:effectRef idx="0">
-        <a:scrgbClr r="0" g="0" b="0"/>
-      </a:effectRef>
-      <a:fontRef idx="minor"/>
-    </dgm:style>
-  </dgm:styleLbl>
-  <dgm:styleLbl name="sibTrans2D1">
-    <dgm:scene3d>
-      <a:camera prst="orthographicFront"/>
-      <a:lightRig rig="threePt" dir="t"/>
-    </dgm:scene3d>
-    <dgm:sp3d/>
-    <dgm:txPr/>
-    <dgm:style>
-      <a:lnRef idx="0">
-        <a:scrgbClr r="0" g="0" b="0"/>
-      </a:lnRef>
-      <a:fillRef idx="1">
-        <a:scrgbClr r="0" g="0" b="0"/>
-      </a:fillRef>
-      <a:effectRef idx="0">
-        <a:scrgbClr r="0" g="0" b="0"/>
-      </a:effectRef>
-      <a:fontRef idx="minor">
-        <a:schemeClr val="lt1"/>
-      </a:fontRef>
-    </dgm:style>
-  </dgm:styleLbl>
-  <dgm:styleLbl name="fgSibTrans2D1">
-    <dgm:scene3d>
-      <a:camera prst="orthographicFront"/>
-      <a:lightRig rig="threePt" dir="t"/>
-    </dgm:scene3d>
-    <dgm:sp3d/>
-    <dgm:txPr/>
-    <dgm:style>
-      <a:lnRef idx="0">
-        <a:scrgbClr r="0" g="0" b="0"/>
-      </a:lnRef>
-      <a:fillRef idx="1">
-        <a:scrgbClr r="0" g="0" b="0"/>
-      </a:fillRef>
-      <a:effectRef idx="0">
-        <a:scrgbClr r="0" g="0" b="0"/>
-      </a:effectRef>
-      <a:fontRef idx="minor">
-        <a:schemeClr val="lt1"/>
-      </a:fontRef>
-    </dgm:style>
-  </dgm:styleLbl>
-  <dgm:styleLbl name="bgSibTrans2D1">
-    <dgm:scene3d>
-      <a:camera prst="orthographicFront"/>
-      <a:lightRig rig="threePt" dir="t"/>
-    </dgm:scene3d>
-    <dgm:sp3d/>
-    <dgm:txPr/>
-    <dgm:style>
-      <a:lnRef idx="0">
-        <a:scrgbClr r="0" g="0" b="0"/>
-      </a:lnRef>
-      <a:fillRef idx="1">
-        <a:scrgbClr r="0" g="0" b="0"/>
-      </a:fillRef>
-      <a:effectRef idx="0">
-        <a:scrgbClr r="0" g="0" b="0"/>
-      </a:effectRef>
-      <a:fontRef idx="minor">
-        <a:schemeClr val="lt1"/>
-      </a:fontRef>
-    </dgm:style>
-  </dgm:styleLbl>
-  <dgm:styleLbl name="sibTrans1D1">
-    <dgm:scene3d>
-      <a:camera prst="orthographicFront"/>
-      <a:lightRig rig="threePt" dir="t"/>
-    </dgm:scene3d>
-    <dgm:sp3d/>
-    <dgm:txPr/>
-    <dgm:style>
-      <a:lnRef idx="1">
-        <a:scrgbClr r="0" g="0" b="0"/>
-      </a:lnRef>
-      <a:fillRef idx="0">
-        <a:scrgbClr r="0" g="0" b="0"/>
-      </a:fillRef>
-      <a:effectRef idx="0">
-        <a:scrgbClr r="0" g="0" b="0"/>
-      </a:effectRef>
-      <a:fontRef idx="minor"/>
-    </dgm:style>
-  </dgm:styleLbl>
-  <dgm:styleLbl name="callout">
-    <dgm:scene3d>
-      <a:camera prst="orthographicFront"/>
-      <a:lightRig rig="threePt" dir="t"/>
-    </dgm:scene3d>
-    <dgm:sp3d/>
-    <dgm:txPr/>
-    <dgm:style>
-      <a:lnRef idx="2">
-        <a:scrgbClr r="0" g="0" b="0"/>
-      </a:lnRef>
-      <a:fillRef idx="1">
-        <a:scrgbClr r="0" g="0" b="0"/>
-      </a:fillRef>
-      <a:effectRef idx="0">
-        <a:scrgbClr r="0" g="0" b="0"/>
-      </a:effectRef>
-      <a:fontRef idx="minor"/>
-    </dgm:style>
-  </dgm:styleLbl>
-  <dgm:styleLbl name="asst0">
-    <dgm:scene3d>
-      <a:camera prst="orthographicFront"/>
-      <a:lightRig rig="threePt" dir="t"/>
-    </dgm:scene3d>
-    <dgm:sp3d/>
-    <dgm:txPr/>
-    <dgm:style>
-      <a:lnRef idx="2">
-        <a:scrgbClr r="0" g="0" b="0"/>
-      </a:lnRef>
-      <a:fillRef idx="1">
-        <a:scrgbClr r="0" g="0" b="0"/>
-      </a:fillRef>
-      <a:effectRef idx="0">
-        <a:scrgbClr r="0" g="0" b="0"/>
-      </a:effectRef>
-      <a:fontRef idx="minor">
-        <a:schemeClr val="lt1"/>
-      </a:fontRef>
-    </dgm:style>
-  </dgm:styleLbl>
-  <dgm:styleLbl name="asst1">
-    <dgm:scene3d>
-      <a:camera prst="orthographicFront"/>
-      <a:lightRig rig="threePt" dir="t"/>
-    </dgm:scene3d>
-    <dgm:sp3d/>
-    <dgm:txPr/>
-    <dgm:style>
-      <a:lnRef idx="2">
-        <a:scrgbClr r="0" g="0" b="0"/>
-      </a:lnRef>
-      <a:fillRef idx="1">
-        <a:scrgbClr r="0" g="0" b="0"/>
-      </a:fillRef>
-      <a:effectRef idx="0">
-        <a:scrgbClr r="0" g="0" b="0"/>
-      </a:effectRef>
-      <a:fontRef idx="minor">
-        <a:schemeClr val="lt1"/>
-      </a:fontRef>
-    </dgm:style>
-  </dgm:styleLbl>
-  <dgm:styleLbl name="asst2">
-    <dgm:scene3d>
-      <a:camera prst="orthographicFront"/>
-      <a:lightRig rig="threePt" dir="t"/>
-    </dgm:scene3d>
-    <dgm:sp3d/>
-    <dgm:txPr/>
-    <dgm:style>
-      <a:lnRef idx="2">
-        <a:scrgbClr r="0" g="0" b="0"/>
-      </a:lnRef>
-      <a:fillRef idx="1">
-        <a:scrgbClr r="0" g="0" b="0"/>
-      </a:fillRef>
-      <a:effectRef idx="0">
-        <a:scrgbClr r="0" g="0" b="0"/>
-      </a:effectRef>
-      <a:fontRef idx="minor">
-        <a:schemeClr val="lt1"/>
-      </a:fontRef>
-    </dgm:style>
-  </dgm:styleLbl>
-  <dgm:styleLbl name="asst3">
-    <dgm:scene3d>
-      <a:camera prst="orthographicFront"/>
-      <a:lightRig rig="threePt" dir="t"/>
-    </dgm:scene3d>
-    <dgm:sp3d/>
-    <dgm:txPr/>
-    <dgm:style>
-      <a:lnRef idx="2">
-        <a:scrgbClr r="0" g="0" b="0"/>
-      </a:lnRef>
-      <a:fillRef idx="1">
-        <a:scrgbClr r="0" g="0" b="0"/>
-      </a:fillRef>
-      <a:effectRef idx="0">
-        <a:scrgbClr r="0" g="0" b="0"/>
-      </a:effectRef>
-      <a:fontRef idx="minor">
-        <a:schemeClr val="lt1"/>
-      </a:fontRef>
-    </dgm:style>
-  </dgm:styleLbl>
-  <dgm:styleLbl name="asst4">
-    <dgm:scene3d>
-      <a:camera prst="orthographicFront"/>
-      <a:lightRig rig="threePt" dir="t"/>
-    </dgm:scene3d>
-    <dgm:sp3d/>
-    <dgm:txPr/>
-    <dgm:style>
-      <a:lnRef idx="2">
-        <a:scrgbClr r="0" g="0" b="0"/>
-      </a:lnRef>
-      <a:fillRef idx="1">
-        <a:scrgbClr r="0" g="0" b="0"/>
-      </a:fillRef>
-      <a:effectRef idx="0">
-        <a:scrgbClr r="0" g="0" b="0"/>
-      </a:effectRef>
-      <a:fontRef idx="minor">
-        <a:schemeClr val="lt1"/>
-      </a:fontRef>
-    </dgm:style>
-  </dgm:styleLbl>
-  <dgm:styleLbl name="parChTrans2D1">
-    <dgm:scene3d>
-      <a:camera prst="orthographicFront"/>
-      <a:lightRig rig="threePt" dir="t"/>
-    </dgm:scene3d>
-    <dgm:sp3d/>
-    <dgm:txPr/>
-    <dgm:style>
-      <a:lnRef idx="2">
-        <a:scrgbClr r="0" g="0" b="0"/>
-      </a:lnRef>
-      <a:fillRef idx="1">
-        <a:scrgbClr r="0" g="0" b="0"/>
-      </a:fillRef>
-      <a:effectRef idx="0">
-        <a:scrgbClr r="0" g="0" b="0"/>
-      </a:effectRef>
-      <a:fontRef idx="minor">
-        <a:schemeClr val="lt1"/>
-      </a:fontRef>
-    </dgm:style>
-  </dgm:styleLbl>
-  <dgm:styleLbl name="parChTrans2D2">
-    <dgm:scene3d>
-      <a:camera prst="orthographicFront"/>
-      <a:lightRig rig="threePt" dir="t"/>
-    </dgm:scene3d>
-    <dgm:sp3d/>
-    <dgm:txPr/>
-    <dgm:style>
-      <a:lnRef idx="2">
-        <a:scrgbClr r="0" g="0" b="0"/>
-      </a:lnRef>
-      <a:fillRef idx="1">
-        <a:scrgbClr r="0" g="0" b="0"/>
-      </a:fillRef>
-      <a:effectRef idx="0">
-        <a:scrgbClr r="0" g="0" b="0"/>
-      </a:effectRef>
-      <a:fontRef idx="minor">
-        <a:schemeClr val="lt1"/>
-      </a:fontRef>
-    </dgm:style>
-  </dgm:styleLbl>
-  <dgm:styleLbl name="parChTrans2D3">
-    <dgm:scene3d>
-      <a:camera prst="orthographicFront"/>
-      <a:lightRig rig="threePt" dir="t"/>
-    </dgm:scene3d>
-    <dgm:sp3d/>
-    <dgm:txPr/>
-    <dgm:style>
-      <a:lnRef idx="2">
-        <a:scrgbClr r="0" g="0" b="0"/>
-      </a:lnRef>
-      <a:fillRef idx="1">
-        <a:scrgbClr r="0" g="0" b="0"/>
-      </a:fillRef>
-      <a:effectRef idx="0">
-        <a:scrgbClr r="0" g="0" b="0"/>
-      </a:effectRef>
-      <a:fontRef idx="minor">
-        <a:schemeClr val="lt1"/>
-      </a:fontRef>
-    </dgm:style>
-  </dgm:styleLbl>
-  <dgm:styleLbl name="parChTrans2D4">
-    <dgm:scene3d>
-      <a:camera prst="orthographicFront"/>
-      <a:lightRig rig="threePt" dir="t"/>
-    </dgm:scene3d>
-    <dgm:sp3d/>
-    <dgm:txPr/>
-    <dgm:style>
-      <a:lnRef idx="2">
-        <a:scrgbClr r="0" g="0" b="0"/>
-      </a:lnRef>
-      <a:fillRef idx="1">
-        <a:scrgbClr r="0" g="0" b="0"/>
-      </a:fillRef>
-      <a:effectRef idx="0">
-        <a:scrgbClr r="0" g="0" b="0"/>
-      </a:effectRef>
-      <a:fontRef idx="minor">
-        <a:schemeClr val="lt1"/>
-      </a:fontRef>
-    </dgm:style>
-  </dgm:styleLbl>
-  <dgm:styleLbl name="parChTrans1D1">
-    <dgm:scene3d>
-      <a:camera prst="orthographicFront"/>
-      <a:lightRig rig="threePt" dir="t"/>
-    </dgm:scene3d>
-    <dgm:sp3d/>
-    <dgm:txPr/>
-    <dgm:style>
-      <a:lnRef idx="2">
-        <a:scrgbClr r="0" g="0" b="0"/>
-      </a:lnRef>
-      <a:fillRef idx="0">
-        <a:scrgbClr r="0" g="0" b="0"/>
-      </a:fillRef>
-      <a:effectRef idx="0">
-        <a:scrgbClr r="0" g="0" b="0"/>
-      </a:effectRef>
-      <a:fontRef idx="minor"/>
-    </dgm:style>
-  </dgm:styleLbl>
-  <dgm:styleLbl name="parChTrans1D2">
-    <dgm:scene3d>
-      <a:camera prst="orthographicFront"/>
-      <a:lightRig rig="threePt" dir="t"/>
-    </dgm:scene3d>
-    <dgm:sp3d/>
-    <dgm:txPr/>
-    <dgm:style>
-      <a:lnRef idx="2">
-        <a:scrgbClr r="0" g="0" b="0"/>
-      </a:lnRef>
-      <a:fillRef idx="0">
-        <a:scrgbClr r="0" g="0" b="0"/>
-      </a:fillRef>
-      <a:effectRef idx="0">
-        <a:scrgbClr r="0" g="0" b="0"/>
-      </a:effectRef>
-      <a:fontRef idx="minor"/>
-    </dgm:style>
-  </dgm:styleLbl>
-  <dgm:styleLbl name="parChTrans1D3">
-    <dgm:scene3d>
-      <a:camera prst="orthographicFront"/>
-      <a:lightRig rig="threePt" dir="t"/>
-    </dgm:scene3d>
-    <dgm:sp3d/>
-    <dgm:txPr/>
-    <dgm:style>
-      <a:lnRef idx="2">
-        <a:scrgbClr r="0" g="0" b="0"/>
-      </a:lnRef>
-      <a:fillRef idx="0">
-        <a:scrgbClr r="0" g="0" b="0"/>
-      </a:fillRef>
-      <a:effectRef idx="0">
-        <a:scrgbClr r="0" g="0" b="0"/>
-      </a:effectRef>
-      <a:fontRef idx="minor"/>
-    </dgm:style>
-  </dgm:styleLbl>
-  <dgm:styleLbl name="parChTrans1D4">
-    <dgm:scene3d>
-      <a:camera prst="orthographicFront"/>
-      <a:lightRig rig="threePt" dir="t"/>
-    </dgm:scene3d>
-    <dgm:sp3d/>
-    <dgm:txPr/>
-    <dgm:style>
-      <a:lnRef idx="2">
-        <a:scrgbClr r="0" g="0" b="0"/>
-      </a:lnRef>
-      <a:fillRef idx="0">
-        <a:scrgbClr r="0" g="0" b="0"/>
-      </a:fillRef>
-      <a:effectRef idx="0">
-        <a:scrgbClr r="0" g="0" b="0"/>
-      </a:effectRef>
-      <a:fontRef idx="minor"/>
-    </dgm:style>
-  </dgm:styleLbl>
-  <dgm:styleLbl name="fgAcc1">
-    <dgm:scene3d>
-      <a:camera prst="orthographicFront"/>
-      <a:lightRig rig="threePt" dir="t"/>
-    </dgm:scene3d>
-    <dgm:sp3d/>
-    <dgm:txPr/>
-    <dgm:style>
-      <a:lnRef idx="2">
-        <a:scrgbClr r="0" g="0" b="0"/>
-      </a:lnRef>
-      <a:fillRef idx="1">
-        <a:scrgbClr r="0" g="0" b="0"/>
-      </a:fillRef>
-      <a:effectRef idx="0">
-        <a:scrgbClr r="0" g="0" b="0"/>
-      </a:effectRef>
-      <a:fontRef idx="minor"/>
-    </dgm:style>
-  </dgm:styleLbl>
-  <dgm:styleLbl name="conFgAcc1">
-    <dgm:scene3d>
-      <a:camera prst="orthographicFront"/>
-      <a:lightRig rig="threePt" dir="t"/>
-    </dgm:scene3d>
-    <dgm:sp3d/>
-    <dgm:txPr/>
-    <dgm:style>
-      <a:lnRef idx="2">
-        <a:scrgbClr r="0" g="0" b="0"/>
-      </a:lnRef>
-      <a:fillRef idx="1">
-        <a:scrgbClr r="0" g="0" b="0"/>
-      </a:fillRef>
-      <a:effectRef idx="0">
-        <a:scrgbClr r="0" g="0" b="0"/>
-      </a:effectRef>
-      <a:fontRef idx="minor"/>
-    </dgm:style>
-  </dgm:styleLbl>
-  <dgm:styleLbl name="alignAcc1">
-    <dgm:scene3d>
-      <a:camera prst="orthographicFront"/>
-      <a:lightRig rig="threePt" dir="t"/>
-    </dgm:scene3d>
-    <dgm:sp3d/>
-    <dgm:txPr/>
-    <dgm:style>
-      <a:lnRef idx="2">
-        <a:scrgbClr r="0" g="0" b="0"/>
-      </a:lnRef>
-      <a:fillRef idx="1">
-        <a:scrgbClr r="0" g="0" b="0"/>
-      </a:fillRef>
-      <a:effectRef idx="0">
-        <a:scrgbClr r="0" g="0" b="0"/>
-      </a:effectRef>
-      <a:fontRef idx="minor"/>
-    </dgm:style>
-  </dgm:styleLbl>
-  <dgm:styleLbl name="trAlignAcc1">
-    <dgm:scene3d>
-      <a:camera prst="orthographicFront"/>
-      <a:lightRig rig="threePt" dir="t"/>
-    </dgm:scene3d>
-    <dgm:sp3d/>
-    <dgm:txPr/>
-    <dgm:style>
-      <a:lnRef idx="1">
-        <a:scrgbClr r="0" g="0" b="0"/>
-      </a:lnRef>
-      <a:fillRef idx="1">
-        <a:scrgbClr r="0" g="0" b="0"/>
-      </a:fillRef>
-      <a:effectRef idx="0">
-        <a:scrgbClr r="0" g="0" b="0"/>
-      </a:effectRef>
-      <a:fontRef idx="minor"/>
-    </dgm:style>
-  </dgm:styleLbl>
-  <dgm:styleLbl name="bgAcc1">
-    <dgm:scene3d>
-      <a:camera prst="orthographicFront"/>
-      <a:lightRig rig="threePt" dir="t"/>
-    </dgm:scene3d>
-    <dgm:sp3d/>
-    <dgm:txPr/>
-    <dgm:style>
-      <a:lnRef idx="2">
-        <a:scrgbClr r="0" g="0" b="0"/>
-      </a:lnRef>
-      <a:fillRef idx="1">
-        <a:scrgbClr r="0" g="0" b="0"/>
-      </a:fillRef>
-      <a:effectRef idx="0">
-        <a:scrgbClr r="0" g="0" b="0"/>
-      </a:effectRef>
-      <a:fontRef idx="minor"/>
-    </dgm:style>
-  </dgm:styleLbl>
-  <dgm:styleLbl name="solidFgAcc1">
-    <dgm:scene3d>
-      <a:camera prst="orthographicFront"/>
-      <a:lightRig rig="threePt" dir="t"/>
-    </dgm:scene3d>
-    <dgm:sp3d/>
-    <dgm:txPr/>
-    <dgm:style>
-      <a:lnRef idx="2">
-        <a:scrgbClr r="0" g="0" b="0"/>
-      </a:lnRef>
-      <a:fillRef idx="1">
-        <a:scrgbClr r="0" g="0" b="0"/>
-      </a:fillRef>
-      <a:effectRef idx="0">
-        <a:scrgbClr r="0" g="0" b="0"/>
-      </a:effectRef>
-      <a:fontRef idx="minor"/>
-    </dgm:style>
-  </dgm:styleLbl>
-  <dgm:styleLbl name="solidAlignAcc1">
-    <dgm:scene3d>
-      <a:camera prst="orthographicFront"/>
-      <a:lightRig rig="threePt" dir="t"/>
-    </dgm:scene3d>
-    <dgm:sp3d/>
-    <dgm:txPr/>
-    <dgm:style>
-      <a:lnRef idx="2">
-        <a:scrgbClr r="0" g="0" b="0"/>
-      </a:lnRef>
-      <a:fillRef idx="1">
-        <a:scrgbClr r="0" g="0" b="0"/>
-      </a:fillRef>
-      <a:effectRef idx="0">
-        <a:scrgbClr r="0" g="0" b="0"/>
-      </a:effectRef>
-      <a:fontRef idx="minor"/>
-    </dgm:style>
-  </dgm:styleLbl>
-  <dgm:styleLbl name="solidBgAcc1">
-    <dgm:scene3d>
-      <a:camera prst="orthographicFront"/>
-      <a:lightRig rig="threePt" dir="t"/>
-    </dgm:scene3d>
-    <dgm:sp3d/>
-    <dgm:txPr/>
-    <dgm:style>
-      <a:lnRef idx="2">
-        <a:scrgbClr r="0" g="0" b="0"/>
-      </a:lnRef>
-      <a:fillRef idx="1">
-        <a:scrgbClr r="0" g="0" b="0"/>
-      </a:fillRef>
-      <a:effectRef idx="0">
-        <a:scrgbClr r="0" g="0" b="0"/>
-      </a:effectRef>
-      <a:fontRef idx="minor"/>
-    </dgm:style>
-  </dgm:styleLbl>
-  <dgm:styleLbl name="fgAccFollowNode1">
-    <dgm:scene3d>
-      <a:camera prst="orthographicFront"/>
-      <a:lightRig rig="threePt" dir="t"/>
-    </dgm:scene3d>
-    <dgm:sp3d/>
-    <dgm:txPr/>
-    <dgm:style>
-      <a:lnRef idx="2">
-        <a:scrgbClr r="0" g="0" b="0"/>
-      </a:lnRef>
-      <a:fillRef idx="1">
-        <a:scrgbClr r="0" g="0" b="0"/>
-      </a:fillRef>
-      <a:effectRef idx="0">
-        <a:scrgbClr r="0" g="0" b="0"/>
-      </a:effectRef>
-      <a:fontRef idx="minor"/>
-    </dgm:style>
-  </dgm:styleLbl>
-  <dgm:styleLbl name="alignAccFollowNode1">
-    <dgm:scene3d>
-      <a:camera prst="orthographicFront"/>
-      <a:lightRig rig="threePt" dir="t"/>
-    </dgm:scene3d>
-    <dgm:sp3d/>
-    <dgm:txPr/>
-    <dgm:style>
-      <a:lnRef idx="2">
-        <a:scrgbClr r="0" g="0" b="0"/>
-      </a:lnRef>
-      <a:fillRef idx="1">
-        <a:scrgbClr r="0" g="0" b="0"/>
-      </a:fillRef>
-      <a:effectRef idx="0">
-        <a:scrgbClr r="0" g="0" b="0"/>
-      </a:effectRef>
-      <a:fontRef idx="minor"/>
-    </dgm:style>
-  </dgm:styleLbl>
-  <dgm:styleLbl name="bgAccFollowNode1">
-    <dgm:scene3d>
-      <a:camera prst="orthographicFront"/>
-      <a:lightRig rig="threePt" dir="t"/>
-    </dgm:scene3d>
-    <dgm:sp3d/>
-    <dgm:txPr/>
-    <dgm:style>
-      <a:lnRef idx="2">
-        <a:scrgbClr r="0" g="0" b="0"/>
-      </a:lnRef>
-      <a:fillRef idx="1">
-        <a:scrgbClr r="0" g="0" b="0"/>
-      </a:fillRef>
-      <a:effectRef idx="0">
-        <a:scrgbClr r="0" g="0" b="0"/>
-      </a:effectRef>
-      <a:fontRef idx="minor"/>
-    </dgm:style>
-  </dgm:styleLbl>
-  <dgm:styleLbl name="fgAcc0">
-    <dgm:scene3d>
-      <a:camera prst="orthographicFront"/>
-      <a:lightRig rig="threePt" dir="t"/>
-    </dgm:scene3d>
-    <dgm:sp3d/>
-    <dgm:txPr/>
-    <dgm:style>
-      <a:lnRef idx="2">
-        <a:scrgbClr r="0" g="0" b="0"/>
-      </a:lnRef>
-      <a:fillRef idx="1">
-        <a:scrgbClr r="0" g="0" b="0"/>
-      </a:fillRef>
-      <a:effectRef idx="0">
-        <a:scrgbClr r="0" g="0" b="0"/>
-      </a:effectRef>
-      <a:fontRef idx="minor"/>
-    </dgm:style>
-  </dgm:styleLbl>
-  <dgm:styleLbl name="fgAcc2">
-    <dgm:scene3d>
-      <a:camera prst="orthographicFront"/>
-      <a:lightRig rig="threePt" dir="t"/>
-    </dgm:scene3d>
-    <dgm:sp3d/>
-    <dgm:txPr/>
-    <dgm:style>
-      <a:lnRef idx="2">
-        <a:scrgbClr r="0" g="0" b="0"/>
-      </a:lnRef>
-      <a:fillRef idx="1">
-        <a:scrgbClr r="0" g="0" b="0"/>
-      </a:fillRef>
-      <a:effectRef idx="0">
-        <a:scrgbClr r="0" g="0" b="0"/>
-      </a:effectRef>
-      <a:fontRef idx="minor"/>
-    </dgm:style>
-  </dgm:styleLbl>
-  <dgm:styleLbl name="fgAcc3">
-    <dgm:scene3d>
-      <a:camera prst="orthographicFront"/>
-      <a:lightRig rig="threePt" dir="t"/>
-    </dgm:scene3d>
-    <dgm:sp3d/>
-    <dgm:txPr/>
-    <dgm:style>
-      <a:lnRef idx="2">
-        <a:scrgbClr r="0" g="0" b="0"/>
-      </a:lnRef>
-      <a:fillRef idx="1">
-        <a:scrgbClr r="0" g="0" b="0"/>
-      </a:fillRef>
-      <a:effectRef idx="0">
-        <a:scrgbClr r="0" g="0" b="0"/>
-      </a:effectRef>
-      <a:fontRef idx="minor"/>
-    </dgm:style>
-  </dgm:styleLbl>
-  <dgm:styleLbl name="fgAcc4">
-    <dgm:scene3d>
-      <a:camera prst="orthographicFront"/>
-      <a:lightRig rig="threePt" dir="t"/>
-    </dgm:scene3d>
-    <dgm:sp3d/>
-    <dgm:txPr/>
-    <dgm:style>
-      <a:lnRef idx="2">
-        <a:scrgbClr r="0" g="0" b="0"/>
-      </a:lnRef>
-      <a:fillRef idx="1">
-        <a:scrgbClr r="0" g="0" b="0"/>
-      </a:fillRef>
-      <a:effectRef idx="0">
-        <a:scrgbClr r="0" g="0" b="0"/>
-      </a:effectRef>
-      <a:fontRef idx="minor"/>
-    </dgm:style>
-  </dgm:styleLbl>
-  <dgm:styleLbl name="bgShp">
-    <dgm:scene3d>
-      <a:camera prst="orthographicFront"/>
-      <a:lightRig rig="threePt" dir="t"/>
-    </dgm:scene3d>
-    <dgm:sp3d/>
-    <dgm:txPr/>
-    <dgm:style>
-      <a:lnRef idx="0">
-        <a:scrgbClr r="0" g="0" b="0"/>
-      </a:lnRef>
-      <a:fillRef idx="1">
-        <a:scrgbClr r="0" g="0" b="0"/>
-      </a:fillRef>
-      <a:effectRef idx="0">
-        <a:scrgbClr r="0" g="0" b="0"/>
-      </a:effectRef>
-      <a:fontRef idx="minor"/>
-    </dgm:style>
-  </dgm:styleLbl>
-  <dgm:styleLbl name="dkBgShp">
-    <dgm:scene3d>
-      <a:camera prst="orthographicFront"/>
-      <a:lightRig rig="threePt" dir="t"/>
-    </dgm:scene3d>
-    <dgm:sp3d/>
-    <dgm:txPr/>
-    <dgm:style>
-      <a:lnRef idx="0">
-        <a:scrgbClr r="0" g="0" b="0"/>
-      </a:lnRef>
-      <a:fillRef idx="1">
-        <a:scrgbClr r="0" g="0" b="0"/>
-      </a:fillRef>
-      <a:effectRef idx="0">
-        <a:scrgbClr r="0" g="0" b="0"/>
-      </a:effectRef>
-      <a:fontRef idx="minor"/>
-    </dgm:style>
-  </dgm:styleLbl>
-  <dgm:styleLbl name="trBgShp">
-    <dgm:scene3d>
-      <a:camera prst="orthographicFront"/>
-      <a:lightRig rig="threePt" dir="t"/>
-    </dgm:scene3d>
-    <dgm:sp3d/>
-    <dgm:txPr/>
-    <dgm:style>
-      <a:lnRef idx="0">
-        <a:scrgbClr r="0" g="0" b="0"/>
-      </a:lnRef>
-      <a:fillRef idx="1">
-        <a:scrgbClr r="0" g="0" b="0"/>
-      </a:fillRef>
-      <a:effectRef idx="0">
-        <a:scrgbClr r="0" g="0" b="0"/>
-      </a:effectRef>
-      <a:fontRef idx="minor"/>
-    </dgm:style>
-  </dgm:styleLbl>
-  <dgm:styleLbl name="fgShp">
-    <dgm:scene3d>
-      <a:camera prst="orthographicFront"/>
-      <a:lightRig rig="threePt" dir="t"/>
-    </dgm:scene3d>
-    <dgm:sp3d/>
-    <dgm:txPr/>
-    <dgm:style>
-      <a:lnRef idx="2">
-        <a:scrgbClr r="0" g="0" b="0"/>
-      </a:lnRef>
-      <a:fillRef idx="1">
-        <a:scrgbClr r="0" g="0" b="0"/>
-      </a:fillRef>
-      <a:effectRef idx="0">
-        <a:scrgbClr r="0" g="0" b="0"/>
-      </a:effectRef>
-      <a:fontRef idx="minor"/>
-    </dgm:style>
-  </dgm:styleLbl>
-  <dgm:styleLbl name="revTx">
-    <dgm:scene3d>
-      <a:camera prst="orthographicFront"/>
-      <a:lightRig rig="threePt" dir="t"/>
-    </dgm:scene3d>
-    <dgm:sp3d/>
-    <dgm:txPr/>
-    <dgm:style>
-      <a:lnRef idx="0">
-        <a:scrgbClr r="0" g="0" b="0"/>
-      </a:lnRef>
-      <a:fillRef idx="0">
-        <a:scrgbClr r="0" g="0" b="0"/>
-      </a:fillRef>
-      <a:effectRef idx="0">
-        <a:scrgbClr r="0" g="0" b="0"/>
-      </a:effectRef>
-      <a:fontRef idx="minor"/>
-    </dgm:style>
-  </dgm:styleLbl>
-</dgm:styleDef>
-</file>
-
-<file path=ppt/diagrams/quickStyle5.xml><?xml version="1.0" encoding="utf-8"?>
 <dgm:styleDef xmlns:dgm="http://schemas.openxmlformats.org/drawingml/2006/diagram" xmlns:a="http://schemas.openxmlformats.org/drawingml/2006/main" uniqueId="urn:microsoft.com/office/officeart/2005/8/quickstyle/simple1">
   <dgm:title val=""/>
   <dgm:desc val=""/>
@@ -26648,6 +19803,159 @@
           <a:lstStyle/>
           <a:p>
             <a:r>
+              <a:rPr lang="en-US" dirty="0"/>
+              <a:t>Analysis: </a:t>
+            </a:r>
+            <a:r>
+              <a:rPr lang="en-US" dirty="0" err="1"/>
+              <a:t>VoiceBot</a:t>
+            </a:r>
+            <a:endParaRPr lang="en-US" dirty="0"/>
+          </a:p>
+        </p:txBody>
+      </p:sp>
+      <p:pic>
+        <p:nvPicPr>
+          <p:cNvPr id="12" name="Picture 11"/>
+          <p:cNvPicPr>
+            <a:picLocks noChangeAspect="1"/>
+          </p:cNvPicPr>
+          <p:nvPr/>
+        </p:nvPicPr>
+        <p:blipFill>
+          <a:blip r:embed="rId2"/>
+          <a:stretch>
+            <a:fillRect/>
+          </a:stretch>
+        </p:blipFill>
+        <p:spPr>
+          <a:xfrm>
+            <a:off x="135924" y="1195187"/>
+            <a:ext cx="7807388" cy="5409638"/>
+          </a:xfrm>
+          <a:prstGeom prst="rect">
+            <a:avLst/>
+          </a:prstGeom>
+        </p:spPr>
+      </p:pic>
+      <p:pic>
+        <p:nvPicPr>
+          <p:cNvPr id="13" name="Picture 12"/>
+          <p:cNvPicPr>
+            <a:picLocks noChangeAspect="1"/>
+          </p:cNvPicPr>
+          <p:nvPr/>
+        </p:nvPicPr>
+        <p:blipFill>
+          <a:blip r:embed="rId3"/>
+          <a:stretch>
+            <a:fillRect/>
+          </a:stretch>
+        </p:blipFill>
+        <p:spPr>
+          <a:xfrm>
+            <a:off x="5556240" y="3691182"/>
+            <a:ext cx="1371782" cy="2516049"/>
+          </a:xfrm>
+          <a:prstGeom prst="rect">
+            <a:avLst/>
+          </a:prstGeom>
+        </p:spPr>
+      </p:pic>
+      <p:pic>
+        <p:nvPicPr>
+          <p:cNvPr id="14" name="Picture 13"/>
+          <p:cNvPicPr>
+            <a:picLocks noChangeAspect="1"/>
+          </p:cNvPicPr>
+          <p:nvPr/>
+        </p:nvPicPr>
+        <p:blipFill>
+          <a:blip r:embed="rId4"/>
+          <a:stretch>
+            <a:fillRect/>
+          </a:stretch>
+        </p:blipFill>
+        <p:spPr>
+          <a:xfrm>
+            <a:off x="7943312" y="1119735"/>
+            <a:ext cx="4239077" cy="5560541"/>
+          </a:xfrm>
+          <a:prstGeom prst="rect">
+            <a:avLst/>
+          </a:prstGeom>
+        </p:spPr>
+      </p:pic>
+      <p:pic>
+        <p:nvPicPr>
+          <p:cNvPr id="17" name="Picture 16"/>
+          <p:cNvPicPr>
+            <a:picLocks noChangeAspect="1"/>
+          </p:cNvPicPr>
+          <p:nvPr/>
+        </p:nvPicPr>
+        <p:blipFill>
+          <a:blip r:embed="rId5"/>
+          <a:stretch>
+            <a:fillRect/>
+          </a:stretch>
+        </p:blipFill>
+        <p:spPr>
+          <a:xfrm>
+            <a:off x="5446511" y="0"/>
+            <a:ext cx="1195187" cy="1195187"/>
+          </a:xfrm>
+          <a:prstGeom prst="rect">
+            <a:avLst/>
+          </a:prstGeom>
+        </p:spPr>
+      </p:pic>
+    </p:spTree>
+    <p:extLst>
+      <p:ext uri="{BB962C8B-B14F-4D97-AF65-F5344CB8AC3E}">
+        <p14:creationId xmlns:p14="http://schemas.microsoft.com/office/powerpoint/2010/main" val="143443056"/>
+      </p:ext>
+    </p:extLst>
+  </p:cSld>
+  <p:clrMapOvr>
+    <a:masterClrMapping/>
+  </p:clrMapOvr>
+</p:sld>
+</file>
+
+<file path=ppt/slides/slide16.xml><?xml version="1.0" encoding="utf-8"?>
+<p:sld xmlns:a="http://schemas.openxmlformats.org/drawingml/2006/main" xmlns:r="http://schemas.openxmlformats.org/officeDocument/2006/relationships" xmlns:p="http://schemas.openxmlformats.org/presentationml/2006/main">
+  <p:cSld>
+    <p:spTree>
+      <p:nvGrpSpPr>
+        <p:cNvPr id="1" name=""/>
+        <p:cNvGrpSpPr/>
+        <p:nvPr/>
+      </p:nvGrpSpPr>
+      <p:grpSpPr>
+        <a:xfrm>
+          <a:off x="0" y="0"/>
+          <a:ext cx="0" cy="0"/>
+          <a:chOff x="0" y="0"/>
+          <a:chExt cx="0" cy="0"/>
+        </a:xfrm>
+      </p:grpSpPr>
+      <p:sp>
+        <p:nvSpPr>
+          <p:cNvPr id="2" name="Title 1"/>
+          <p:cNvSpPr>
+            <a:spLocks noGrp="1"/>
+          </p:cNvSpPr>
+          <p:nvPr>
+            <p:ph type="title"/>
+          </p:nvPr>
+        </p:nvSpPr>
+        <p:spPr/>
+        <p:txBody>
+          <a:bodyPr/>
+          <a:lstStyle/>
+          <a:p>
+            <a:r>
               <a:rPr lang="en-US" dirty="0" smtClean="0"/>
               <a:t>NMAP through dialog interface</a:t>
             </a:r>
@@ -27491,7 +20799,7 @@
 </p:sld>
 </file>
 
-<file path=ppt/slides/slide16.xml><?xml version="1.0" encoding="utf-8"?>
+<file path=ppt/slides/slide17.xml><?xml version="1.0" encoding="utf-8"?>
 <p:sld xmlns:a="http://schemas.openxmlformats.org/drawingml/2006/main" xmlns:r="http://schemas.openxmlformats.org/officeDocument/2006/relationships" xmlns:p="http://schemas.openxmlformats.org/presentationml/2006/main">
   <p:cSld>
     <p:spTree>
@@ -27573,7 +20881,7 @@
 </p:sld>
 </file>
 
-<file path=ppt/slides/slide17.xml><?xml version="1.0" encoding="utf-8"?>
+<file path=ppt/slides/slide18.xml><?xml version="1.0" encoding="utf-8"?>
 <p:sld xmlns:a="http://schemas.openxmlformats.org/drawingml/2006/main" xmlns:r="http://schemas.openxmlformats.org/officeDocument/2006/relationships" xmlns:p="http://schemas.openxmlformats.org/presentationml/2006/main">
   <p:cSld>
     <p:spTree>
@@ -27635,6 +20943,12 @@
           <a:p>
             <a:r>
               <a:rPr lang="en-US" dirty="0" smtClean="0"/>
+              <a:t> Voice recognition software is not a mature technology </a:t>
+            </a:r>
+          </a:p>
+          <a:p>
+            <a:r>
+              <a:rPr lang="en-US" dirty="0" smtClean="0"/>
               <a:t> The current implementation of digital assistants is not well suited for integration with hacking tools.</a:t>
             </a:r>
           </a:p>
@@ -27662,15 +20976,7 @@
           <a:p>
             <a:r>
               <a:rPr lang="en-US" dirty="0" smtClean="0"/>
-              <a:t> Majority </a:t>
-            </a:r>
-            <a:r>
-              <a:rPr lang="en-US" dirty="0" smtClean="0"/>
-              <a:t>of x86/ARM software not written with voice input in </a:t>
-            </a:r>
-            <a:r>
-              <a:rPr lang="en-US" dirty="0" smtClean="0"/>
-              <a:t>mind</a:t>
+              <a:t> Majority of x86/ARM software not written with voice input in mind</a:t>
             </a:r>
           </a:p>
           <a:p>
@@ -27701,7 +21007,7 @@
 </p:sld>
 </file>
 
-<file path=ppt/slides/slide18.xml><?xml version="1.0" encoding="utf-8"?>
+<file path=ppt/slides/slide19.xml><?xml version="1.0" encoding="utf-8"?>
 <p:sld xmlns:a="http://schemas.openxmlformats.org/drawingml/2006/main" xmlns:r="http://schemas.openxmlformats.org/officeDocument/2006/relationships" xmlns:p="http://schemas.openxmlformats.org/presentationml/2006/main">
   <p:cSld>
     <p:spTree>
@@ -27866,88 +21172,6 @@
 </p:sld>
 </file>
 
-<file path=ppt/slides/slide19.xml><?xml version="1.0" encoding="utf-8"?>
-<p:sld xmlns:a="http://schemas.openxmlformats.org/drawingml/2006/main" xmlns:r="http://schemas.openxmlformats.org/officeDocument/2006/relationships" xmlns:p="http://schemas.openxmlformats.org/presentationml/2006/main">
-  <p:cSld>
-    <p:spTree>
-      <p:nvGrpSpPr>
-        <p:cNvPr id="1" name="Shape 154"/>
-        <p:cNvGrpSpPr/>
-        <p:nvPr/>
-      </p:nvGrpSpPr>
-      <p:grpSpPr>
-        <a:xfrm>
-          <a:off x="0" y="0"/>
-          <a:ext cx="0" cy="0"/>
-          <a:chOff x="0" y="0"/>
-          <a:chExt cx="0" cy="0"/>
-        </a:xfrm>
-      </p:grpSpPr>
-      <p:pic>
-        <p:nvPicPr>
-          <p:cNvPr id="156" name="Shape 156"/>
-          <p:cNvPicPr preferRelativeResize="0"/>
-          <p:nvPr/>
-        </p:nvPicPr>
-        <p:blipFill rotWithShape="1">
-          <a:blip r:embed="rId3">
-            <a:alphaModFix/>
-          </a:blip>
-          <a:srcRect t="18705"/>
-          <a:stretch/>
-        </p:blipFill>
-        <p:spPr>
-          <a:xfrm>
-            <a:off x="3048000" y="2519798"/>
-            <a:ext cx="6096000" cy="2361775"/>
-          </a:xfrm>
-          <a:prstGeom prst="rect">
-            <a:avLst/>
-          </a:prstGeom>
-          <a:noFill/>
-          <a:ln>
-            <a:noFill/>
-          </a:ln>
-        </p:spPr>
-      </p:pic>
-      <p:sp>
-        <p:nvSpPr>
-          <p:cNvPr id="2" name="Title 1"/>
-          <p:cNvSpPr>
-            <a:spLocks noGrp="1"/>
-          </p:cNvSpPr>
-          <p:nvPr>
-            <p:ph type="title"/>
-          </p:nvPr>
-        </p:nvSpPr>
-        <p:spPr/>
-        <p:txBody>
-          <a:bodyPr/>
-          <a:lstStyle/>
-          <a:p>
-            <a:r>
-              <a:rPr lang="en-US" dirty="0" smtClean="0"/>
-              <a:t>Questions?</a:t>
-            </a:r>
-            <a:endParaRPr lang="en-US" dirty="0"/>
-          </a:p>
-        </p:txBody>
-      </p:sp>
-    </p:spTree>
-  </p:cSld>
-  <p:clrMapOvr>
-    <a:masterClrMapping/>
-  </p:clrMapOvr>
-  <p:timing>
-    <p:tnLst>
-      <p:par>
-        <p:cTn id="1" dur="indefinite" restart="never" nodeType="tmRoot"/>
-      </p:par>
-    </p:tnLst>
-  </p:timing>
-</p:sld>
-</file>
-
 <file path=ppt/slides/slide2.xml><?xml version="1.0" encoding="utf-8"?>
 <p:sld xmlns:a="http://schemas.openxmlformats.org/drawingml/2006/main" xmlns:r="http://schemas.openxmlformats.org/officeDocument/2006/relationships" xmlns:p="http://schemas.openxmlformats.org/presentationml/2006/main">
   <p:cSld>
@@ -28083,6 +21307,88 @@
 </file>
 
 <file path=ppt/slides/slide20.xml><?xml version="1.0" encoding="utf-8"?>
+<p:sld xmlns:a="http://schemas.openxmlformats.org/drawingml/2006/main" xmlns:r="http://schemas.openxmlformats.org/officeDocument/2006/relationships" xmlns:p="http://schemas.openxmlformats.org/presentationml/2006/main">
+  <p:cSld>
+    <p:spTree>
+      <p:nvGrpSpPr>
+        <p:cNvPr id="1" name="Shape 154"/>
+        <p:cNvGrpSpPr/>
+        <p:nvPr/>
+      </p:nvGrpSpPr>
+      <p:grpSpPr>
+        <a:xfrm>
+          <a:off x="0" y="0"/>
+          <a:ext cx="0" cy="0"/>
+          <a:chOff x="0" y="0"/>
+          <a:chExt cx="0" cy="0"/>
+        </a:xfrm>
+      </p:grpSpPr>
+      <p:pic>
+        <p:nvPicPr>
+          <p:cNvPr id="156" name="Shape 156"/>
+          <p:cNvPicPr preferRelativeResize="0"/>
+          <p:nvPr/>
+        </p:nvPicPr>
+        <p:blipFill rotWithShape="1">
+          <a:blip r:embed="rId3">
+            <a:alphaModFix/>
+          </a:blip>
+          <a:srcRect t="18705"/>
+          <a:stretch/>
+        </p:blipFill>
+        <p:spPr>
+          <a:xfrm>
+            <a:off x="3048000" y="2519798"/>
+            <a:ext cx="6096000" cy="2361775"/>
+          </a:xfrm>
+          <a:prstGeom prst="rect">
+            <a:avLst/>
+          </a:prstGeom>
+          <a:noFill/>
+          <a:ln>
+            <a:noFill/>
+          </a:ln>
+        </p:spPr>
+      </p:pic>
+      <p:sp>
+        <p:nvSpPr>
+          <p:cNvPr id="2" name="Title 1"/>
+          <p:cNvSpPr>
+            <a:spLocks noGrp="1"/>
+          </p:cNvSpPr>
+          <p:nvPr>
+            <p:ph type="title"/>
+          </p:nvPr>
+        </p:nvSpPr>
+        <p:spPr/>
+        <p:txBody>
+          <a:bodyPr/>
+          <a:lstStyle/>
+          <a:p>
+            <a:r>
+              <a:rPr lang="en-US" dirty="0" smtClean="0"/>
+              <a:t>Questions?</a:t>
+            </a:r>
+            <a:endParaRPr lang="en-US" dirty="0"/>
+          </a:p>
+        </p:txBody>
+      </p:sp>
+    </p:spTree>
+  </p:cSld>
+  <p:clrMapOvr>
+    <a:masterClrMapping/>
+  </p:clrMapOvr>
+  <p:timing>
+    <p:tnLst>
+      <p:par>
+        <p:cTn id="1" dur="indefinite" restart="never" nodeType="tmRoot"/>
+      </p:par>
+    </p:tnLst>
+  </p:timing>
+</p:sld>
+</file>
+
+<file path=ppt/slides/slide21.xml><?xml version="1.0" encoding="utf-8"?>
 <p:sld xmlns:a="http://schemas.openxmlformats.org/drawingml/2006/main" xmlns:r="http://schemas.openxmlformats.org/officeDocument/2006/relationships" xmlns:p="http://schemas.openxmlformats.org/presentationml/2006/main" show="0">
   <p:cSld>
     <p:spTree>
@@ -29650,7 +22956,7 @@
 </p:sld>
 </file>
 
-<file path=ppt/slides/slide21.xml><?xml version="1.0" encoding="utf-8"?>
+<file path=ppt/slides/slide22.xml><?xml version="1.0" encoding="utf-8"?>
 <p:sld xmlns:a="http://schemas.openxmlformats.org/drawingml/2006/main" xmlns:r="http://schemas.openxmlformats.org/officeDocument/2006/relationships" xmlns:p="http://schemas.openxmlformats.org/presentationml/2006/main" show="0">
   <p:cSld>
     <p:spTree>
@@ -30363,331 +23669,6 @@
     <p:extLst>
       <p:ext uri="{BB962C8B-B14F-4D97-AF65-F5344CB8AC3E}">
         <p14:creationId xmlns:p14="http://schemas.microsoft.com/office/powerpoint/2010/main" val="991512516"/>
-      </p:ext>
-    </p:extLst>
-  </p:cSld>
-  <p:clrMapOvr>
-    <a:masterClrMapping/>
-  </p:clrMapOvr>
-  <mc:AlternateContent xmlns:mc="http://schemas.openxmlformats.org/markup-compatibility/2006" xmlns:p14="http://schemas.microsoft.com/office/powerpoint/2010/main">
-    <mc:Choice Requires="p14">
-      <p:transition spd="slow" p14:dur="2000"/>
-    </mc:Choice>
-    <mc:Fallback xmlns="">
-      <p:transition spd="slow"/>
-    </mc:Fallback>
-  </mc:AlternateContent>
-  <p:timing>
-    <p:tnLst>
-      <p:par>
-        <p:cTn id="1" dur="indefinite" restart="never" nodeType="tmRoot"/>
-      </p:par>
-    </p:tnLst>
-  </p:timing>
-</p:sld>
-</file>
-
-<file path=ppt/slides/slide22.xml><?xml version="1.0" encoding="utf-8"?>
-<p:sld xmlns:a="http://schemas.openxmlformats.org/drawingml/2006/main" xmlns:r="http://schemas.openxmlformats.org/officeDocument/2006/relationships" xmlns:p="http://schemas.openxmlformats.org/presentationml/2006/main" show="0">
-  <p:cSld>
-    <p:spTree>
-      <p:nvGrpSpPr>
-        <p:cNvPr id="1" name=""/>
-        <p:cNvGrpSpPr/>
-        <p:nvPr/>
-      </p:nvGrpSpPr>
-      <p:grpSpPr>
-        <a:xfrm>
-          <a:off x="0" y="0"/>
-          <a:ext cx="0" cy="0"/>
-          <a:chOff x="0" y="0"/>
-          <a:chExt cx="0" cy="0"/>
-        </a:xfrm>
-      </p:grpSpPr>
-      <p:graphicFrame>
-        <p:nvGraphicFramePr>
-          <p:cNvPr id="21" name="Diagram 20"/>
-          <p:cNvGraphicFramePr/>
-          <p:nvPr>
-            <p:extLst>
-              <p:ext uri="{D42A27DB-BD31-4B8C-83A1-F6EECF244321}">
-                <p14:modId xmlns:p14="http://schemas.microsoft.com/office/powerpoint/2010/main" val="1007243293"/>
-              </p:ext>
-            </p:extLst>
-          </p:nvPr>
-        </p:nvGraphicFramePr>
-        <p:xfrm>
-          <a:off x="276827" y="2340649"/>
-          <a:ext cx="8128000" cy="4517351"/>
-        </p:xfrm>
-        <a:graphic>
-          <a:graphicData uri="http://schemas.openxmlformats.org/drawingml/2006/diagram">
-            <dgm:relIds xmlns:dgm="http://schemas.openxmlformats.org/drawingml/2006/diagram" xmlns:r="http://schemas.openxmlformats.org/officeDocument/2006/relationships" r:dm="rId2" r:lo="rId3" r:qs="rId4" r:cs="rId5"/>
-          </a:graphicData>
-        </a:graphic>
-      </p:graphicFrame>
-      <p:sp>
-        <p:nvSpPr>
-          <p:cNvPr id="5" name="Title 4"/>
-          <p:cNvSpPr>
-            <a:spLocks noGrp="1"/>
-          </p:cNvSpPr>
-          <p:nvPr>
-            <p:ph type="title"/>
-          </p:nvPr>
-        </p:nvSpPr>
-        <p:spPr/>
-        <p:txBody>
-          <a:bodyPr/>
-          <a:lstStyle/>
-          <a:p>
-            <a:r>
-              <a:rPr lang="en-US" dirty="0"/>
-              <a:t>Project Design: Overview</a:t>
-            </a:r>
-          </a:p>
-        </p:txBody>
-      </p:sp>
-      <p:graphicFrame>
-        <p:nvGraphicFramePr>
-          <p:cNvPr id="23" name="Diagram 22"/>
-          <p:cNvGraphicFramePr/>
-          <p:nvPr>
-            <p:extLst>
-              <p:ext uri="{D42A27DB-BD31-4B8C-83A1-F6EECF244321}">
-                <p14:modId xmlns:p14="http://schemas.microsoft.com/office/powerpoint/2010/main" val="4051757193"/>
-              </p:ext>
-            </p:extLst>
-          </p:nvPr>
-        </p:nvGraphicFramePr>
-        <p:xfrm>
-          <a:off x="349399" y="1575592"/>
-          <a:ext cx="11571315" cy="1090662"/>
-        </p:xfrm>
-        <a:graphic>
-          <a:graphicData uri="http://schemas.openxmlformats.org/drawingml/2006/diagram">
-            <dgm:relIds xmlns:dgm="http://schemas.openxmlformats.org/drawingml/2006/diagram" xmlns:r="http://schemas.openxmlformats.org/officeDocument/2006/relationships" r:dm="rId7" r:lo="rId8" r:qs="rId9" r:cs="rId10"/>
-          </a:graphicData>
-        </a:graphic>
-      </p:graphicFrame>
-      <p:graphicFrame>
-        <p:nvGraphicFramePr>
-          <p:cNvPr id="26" name="Table 25"/>
-          <p:cNvGraphicFramePr>
-            <a:graphicFrameLocks noGrp="1"/>
-          </p:cNvGraphicFramePr>
-          <p:nvPr>
-            <p:extLst>
-              <p:ext uri="{D42A27DB-BD31-4B8C-83A1-F6EECF244321}">
-                <p14:modId xmlns:p14="http://schemas.microsoft.com/office/powerpoint/2010/main" val="2746670061"/>
-              </p:ext>
-            </p:extLst>
-          </p:nvPr>
-        </p:nvGraphicFramePr>
-        <p:xfrm>
-          <a:off x="9951522" y="3681868"/>
-          <a:ext cx="1874981" cy="2556240"/>
-        </p:xfrm>
-        <a:graphic>
-          <a:graphicData uri="http://schemas.openxmlformats.org/drawingml/2006/table">
-            <a:tbl>
-              <a:tblPr firstRow="1" bandRow="1">
-                <a:tableStyleId>{B05DC0ED-0CC1-4C32-8C96-14A4CF9C2F76}</a:tableStyleId>
-              </a:tblPr>
-              <a:tblGrid>
-                <a:gridCol w="1874981">
-                  <a:extLst>
-                    <a:ext uri="{9D8B030D-6E8A-4147-A177-3AD203B41FA5}">
-                      <a16:colId xmlns:a16="http://schemas.microsoft.com/office/drawing/2014/main" xmlns="" val="20000"/>
-                    </a:ext>
-                  </a:extLst>
-                </a:gridCol>
-              </a:tblGrid>
-              <a:tr h="509520">
-                <a:tc>
-                  <a:txBody>
-                    <a:bodyPr/>
-                    <a:lstStyle/>
-                    <a:p>
-                      <a:pPr algn="ctr"/>
-                      <a:r>
-                        <a:rPr lang="en-US" dirty="0"/>
-                        <a:t>Project</a:t>
-                      </a:r>
-                      <a:r>
-                        <a:rPr lang="en-US" baseline="0" dirty="0"/>
-                        <a:t> Structure</a:t>
-                      </a:r>
-                      <a:endParaRPr lang="en-US" dirty="0"/>
-                    </a:p>
-                  </a:txBody>
-                  <a:tcPr anchor="ctr">
-                    <a:solidFill>
-                      <a:schemeClr val="accent1"/>
-                    </a:solidFill>
-                  </a:tcPr>
-                </a:tc>
-                <a:extLst>
-                  <a:ext uri="{0D108BD9-81ED-4DB2-BD59-A6C34878D82A}">
-                    <a16:rowId xmlns:a16="http://schemas.microsoft.com/office/drawing/2014/main" xmlns="" val="10000"/>
-                  </a:ext>
-                </a:extLst>
-              </a:tr>
-              <a:tr h="509520">
-                <a:tc>
-                  <a:txBody>
-                    <a:bodyPr/>
-                    <a:lstStyle/>
-                    <a:p>
-                      <a:pPr algn="ctr"/>
-                      <a:r>
-                        <a:rPr lang="en-US" dirty="0">
-                          <a:solidFill>
-                            <a:schemeClr val="bg1"/>
-                          </a:solidFill>
-                        </a:rPr>
-                        <a:t>Pre-built</a:t>
-                      </a:r>
-                      <a:r>
-                        <a:rPr lang="en-US" baseline="0" dirty="0">
-                          <a:solidFill>
-                            <a:schemeClr val="bg1"/>
-                          </a:solidFill>
-                        </a:rPr>
-                        <a:t> Elements</a:t>
-                      </a:r>
-                      <a:endParaRPr lang="en-US" dirty="0">
-                        <a:solidFill>
-                          <a:schemeClr val="bg1"/>
-                        </a:solidFill>
-                      </a:endParaRPr>
-                    </a:p>
-                  </a:txBody>
-                  <a:tcPr anchor="ctr">
-                    <a:solidFill>
-                      <a:schemeClr val="bg1">
-                        <a:lumMod val="50000"/>
-                      </a:schemeClr>
-                    </a:solidFill>
-                  </a:tcPr>
-                </a:tc>
-                <a:extLst>
-                  <a:ext uri="{0D108BD9-81ED-4DB2-BD59-A6C34878D82A}">
-                    <a16:rowId xmlns:a16="http://schemas.microsoft.com/office/drawing/2014/main" xmlns="" val="10001"/>
-                  </a:ext>
-                </a:extLst>
-              </a:tr>
-              <a:tr h="509520">
-                <a:tc>
-                  <a:txBody>
-                    <a:bodyPr/>
-                    <a:lstStyle/>
-                    <a:p>
-                      <a:pPr algn="ctr"/>
-                      <a:r>
-                        <a:rPr lang="en-US" dirty="0"/>
-                        <a:t>Elements</a:t>
-                      </a:r>
-                      <a:r>
-                        <a:rPr lang="en-US" baseline="0" dirty="0"/>
-                        <a:t> within scope of project</a:t>
-                      </a:r>
-                      <a:endParaRPr lang="en-US" dirty="0"/>
-                    </a:p>
-                  </a:txBody>
-                  <a:tcPr anchor="ctr">
-                    <a:solidFill>
-                      <a:srgbClr val="FFFF00"/>
-                    </a:solidFill>
-                  </a:tcPr>
-                </a:tc>
-                <a:extLst>
-                  <a:ext uri="{0D108BD9-81ED-4DB2-BD59-A6C34878D82A}">
-                    <a16:rowId xmlns:a16="http://schemas.microsoft.com/office/drawing/2014/main" xmlns="" val="10002"/>
-                  </a:ext>
-                </a:extLst>
-              </a:tr>
-              <a:tr h="509520">
-                <a:tc>
-                  <a:txBody>
-                    <a:bodyPr/>
-                    <a:lstStyle/>
-                    <a:p>
-                      <a:pPr algn="ctr"/>
-                      <a:r>
-                        <a:rPr lang="en-US" dirty="0">
-                          <a:solidFill>
-                            <a:schemeClr val="bg1"/>
-                          </a:solidFill>
-                        </a:rPr>
-                        <a:t>Future Work</a:t>
-                      </a:r>
-                    </a:p>
-                  </a:txBody>
-                  <a:tcPr anchor="ctr">
-                    <a:solidFill>
-                      <a:schemeClr val="tx1"/>
-                    </a:solidFill>
-                  </a:tcPr>
-                </a:tc>
-                <a:extLst>
-                  <a:ext uri="{0D108BD9-81ED-4DB2-BD59-A6C34878D82A}">
-                    <a16:rowId xmlns:a16="http://schemas.microsoft.com/office/drawing/2014/main" xmlns="" val="10003"/>
-                  </a:ext>
-                </a:extLst>
-              </a:tr>
-              <a:tr h="509520">
-                <a:tc>
-                  <a:txBody>
-                    <a:bodyPr/>
-                    <a:lstStyle/>
-                    <a:p>
-                      <a:pPr algn="ctr"/>
-                      <a:r>
-                        <a:rPr lang="en-US" dirty="0">
-                          <a:solidFill>
-                            <a:schemeClr val="bg1"/>
-                          </a:solidFill>
-                        </a:rPr>
-                        <a:t>Information</a:t>
-                      </a:r>
-                      <a:r>
-                        <a:rPr lang="en-US" baseline="0" dirty="0">
-                          <a:solidFill>
-                            <a:schemeClr val="bg1"/>
-                          </a:solidFill>
-                        </a:rPr>
-                        <a:t> flow</a:t>
-                      </a:r>
-                      <a:endParaRPr lang="en-US" dirty="0">
-                        <a:solidFill>
-                          <a:schemeClr val="bg1"/>
-                        </a:solidFill>
-                      </a:endParaRPr>
-                    </a:p>
-                  </a:txBody>
-                  <a:tcPr anchor="ctr">
-                    <a:solidFill>
-                      <a:schemeClr val="accent6">
-                        <a:lumMod val="50000"/>
-                      </a:schemeClr>
-                    </a:solidFill>
-                  </a:tcPr>
-                </a:tc>
-                <a:extLst>
-                  <a:ext uri="{0D108BD9-81ED-4DB2-BD59-A6C34878D82A}">
-                    <a16:rowId xmlns:a16="http://schemas.microsoft.com/office/drawing/2014/main" xmlns="" val="10004"/>
-                  </a:ext>
-                </a:extLst>
-              </a:tr>
-            </a:tbl>
-          </a:graphicData>
-        </a:graphic>
-      </p:graphicFrame>
-    </p:spTree>
-    <p:extLst>
-      <p:ext uri="{BB962C8B-B14F-4D97-AF65-F5344CB8AC3E}">
-        <p14:creationId xmlns:p14="http://schemas.microsoft.com/office/powerpoint/2010/main" val="922630933"/>
       </p:ext>
     </p:extLst>
   </p:cSld>
